--- a/unit_00/html_review/05 jQuery.pptx
+++ b/unit_00/html_review/05 jQuery.pptx
@@ -234,7 +234,7 @@
           <a:p>
             <a:fld id="{3F839238-B565-4611-A910-43B731DECEC1}" type="datetimeFigureOut">
               <a:rPr lang="en-US" smtClean="0"/>
-              <a:t>7/6/2020</a:t>
+              <a:t>8/7/2020</a:t>
             </a:fld>
             <a:endParaRPr lang="en-US" dirty="0"/>
           </a:p>
@@ -298,38 +298,37 @@
           <a:p>
             <a:pPr lvl="0"/>
             <a:r>
-              <a:rPr lang="en-US" smtClean="0"/>
+              <a:rPr lang="en-US"/>
               <a:t>Click to edit Master text styles</a:t>
             </a:r>
           </a:p>
           <a:p>
             <a:pPr lvl="1"/>
             <a:r>
-              <a:rPr lang="en-US" smtClean="0"/>
+              <a:rPr lang="en-US"/>
               <a:t>Second level</a:t>
             </a:r>
           </a:p>
           <a:p>
             <a:pPr lvl="2"/>
             <a:r>
-              <a:rPr lang="en-US" smtClean="0"/>
+              <a:rPr lang="en-US"/>
               <a:t>Third level</a:t>
             </a:r>
           </a:p>
           <a:p>
             <a:pPr lvl="3"/>
             <a:r>
-              <a:rPr lang="en-US" smtClean="0"/>
+              <a:rPr lang="en-US"/>
               <a:t>Fourth level</a:t>
             </a:r>
           </a:p>
           <a:p>
             <a:pPr lvl="4"/>
             <a:r>
-              <a:rPr lang="en-US" smtClean="0"/>
+              <a:rPr lang="en-US"/>
               <a:t>Fifth level</a:t>
             </a:r>
-            <a:endParaRPr lang="en-US"/>
           </a:p>
         </p:txBody>
       </p:sp>
@@ -608,7 +607,7 @@
           <p:cNvPr id="5" name="Rectangle 4">
             <a:extLst>
               <a:ext uri="{FF2B5EF4-FFF2-40B4-BE49-F238E27FC236}">
-                <a16:creationId xmlns:a16="http://schemas.microsoft.com/office/drawing/2014/main" xmlns="" id="{904DB13E-F722-4ED6-BB00-556651E95281}"/>
+                <a16:creationId xmlns:a16="http://schemas.microsoft.com/office/drawing/2014/main" id="{904DB13E-F722-4ED6-BB00-556651E95281}"/>
               </a:ext>
             </a:extLst>
           </p:cNvPr>
@@ -757,7 +756,7 @@
           <p:cNvPr id="7" name="Group 6">
             <a:extLst>
               <a:ext uri="{FF2B5EF4-FFF2-40B4-BE49-F238E27FC236}">
-                <a16:creationId xmlns:a16="http://schemas.microsoft.com/office/drawing/2014/main" xmlns="" id="{E26428D7-C6F3-473D-A360-A3F5C3E8728C}"/>
+                <a16:creationId xmlns:a16="http://schemas.microsoft.com/office/drawing/2014/main" id="{E26428D7-C6F3-473D-A360-A3F5C3E8728C}"/>
               </a:ext>
             </a:extLst>
           </p:cNvPr>
@@ -1055,7 +1054,7 @@
           <a:p>
             <a:fld id="{E9F25E47-8026-47FD-8FD6-2C7B55A6BE4F}" type="datetime1">
               <a:rPr lang="en-US" smtClean="0"/>
-              <a:t>7/6/2020</a:t>
+              <a:t>8/7/2020</a:t>
             </a:fld>
             <a:endParaRPr lang="en-US" dirty="0"/>
           </a:p>
@@ -1257,7 +1256,7 @@
           <a:p>
             <a:fld id="{49F0A7AA-AB30-4D36-B646-A02FA5DCCA55}" type="datetime1">
               <a:rPr lang="en-US" smtClean="0"/>
-              <a:t>7/6/2020</a:t>
+              <a:t>8/7/2020</a:t>
             </a:fld>
             <a:endParaRPr lang="en-US" dirty="0"/>
           </a:p>
@@ -1340,7 +1339,7 @@
           <p:cNvPr id="15" name="Rectangle 14">
             <a:extLst>
               <a:ext uri="{FF2B5EF4-FFF2-40B4-BE49-F238E27FC236}">
-                <a16:creationId xmlns:a16="http://schemas.microsoft.com/office/drawing/2014/main" xmlns="" id="{0A4A1889-E37C-4EC3-9E41-9DAD221CF389}"/>
+                <a16:creationId xmlns:a16="http://schemas.microsoft.com/office/drawing/2014/main" id="{0A4A1889-E37C-4EC3-9E41-9DAD221CF389}"/>
               </a:ext>
             </a:extLst>
           </p:cNvPr>
@@ -1537,7 +1536,7 @@
           <p:cNvPr id="16" name="Group 15">
             <a:extLst>
               <a:ext uri="{FF2B5EF4-FFF2-40B4-BE49-F238E27FC236}">
-                <a16:creationId xmlns:a16="http://schemas.microsoft.com/office/drawing/2014/main" xmlns="" id="{1683EB04-C23E-490C-A1A6-030CF79D23C8}"/>
+                <a16:creationId xmlns:a16="http://schemas.microsoft.com/office/drawing/2014/main" id="{1683EB04-C23E-490C-A1A6-030CF79D23C8}"/>
               </a:ext>
             </a:extLst>
           </p:cNvPr>
@@ -1557,7 +1556,7 @@
             <p:cNvPr id="17" name="Straight Connector 16">
               <a:extLst>
                 <a:ext uri="{FF2B5EF4-FFF2-40B4-BE49-F238E27FC236}">
-                  <a16:creationId xmlns:a16="http://schemas.microsoft.com/office/drawing/2014/main" xmlns="" id="{F8A84C03-E1CA-4A4E-81D6-9BB0C335B7A0}"/>
+                  <a16:creationId xmlns:a16="http://schemas.microsoft.com/office/drawing/2014/main" id="{F8A84C03-E1CA-4A4E-81D6-9BB0C335B7A0}"/>
                 </a:ext>
               </a:extLst>
             </p:cNvPr>
@@ -1605,7 +1604,7 @@
             <p:cNvPr id="18" name="Straight Connector 17">
               <a:extLst>
                 <a:ext uri="{FF2B5EF4-FFF2-40B4-BE49-F238E27FC236}">
-                  <a16:creationId xmlns:a16="http://schemas.microsoft.com/office/drawing/2014/main" xmlns="" id="{4A26FB5A-D5D1-4DAB-AC43-7F51A7F2D197}"/>
+                  <a16:creationId xmlns:a16="http://schemas.microsoft.com/office/drawing/2014/main" id="{4A26FB5A-D5D1-4DAB-AC43-7F51A7F2D197}"/>
                 </a:ext>
               </a:extLst>
             </p:cNvPr>
@@ -1653,7 +1652,7 @@
             <p:cNvPr id="19" name="Straight Connector 18">
               <a:extLst>
                 <a:ext uri="{FF2B5EF4-FFF2-40B4-BE49-F238E27FC236}">
-                  <a16:creationId xmlns:a16="http://schemas.microsoft.com/office/drawing/2014/main" xmlns="" id="{49303F14-E560-4C02-94F4-B4695FE26813}"/>
+                  <a16:creationId xmlns:a16="http://schemas.microsoft.com/office/drawing/2014/main" id="{49303F14-E560-4C02-94F4-B4695FE26813}"/>
                 </a:ext>
               </a:extLst>
             </p:cNvPr>
@@ -1856,7 +1855,7 @@
           <a:p>
             <a:fld id="{CFA4D178-B71E-4B10-AF0F-C5E0B7294A7C}" type="datetime1">
               <a:rPr lang="en-US" smtClean="0"/>
-              <a:t>7/6/2020</a:t>
+              <a:t>8/7/2020</a:t>
             </a:fld>
             <a:endParaRPr lang="en-US" dirty="0"/>
           </a:p>
@@ -2176,7 +2175,7 @@
           <a:p>
             <a:fld id="{27E6D853-85C2-4120-A6B2-2EAC4467BF8B}" type="datetime1">
               <a:rPr lang="en-US" smtClean="0"/>
-              <a:t>7/6/2020</a:t>
+              <a:t>8/7/2020</a:t>
             </a:fld>
             <a:endParaRPr lang="en-US" dirty="0"/>
           </a:p>
@@ -2613,7 +2612,7 @@
           <a:p>
             <a:fld id="{CA3AECF5-4644-4878-B4B4-3AC946C4B252}" type="datetime1">
               <a:rPr lang="en-US" smtClean="0"/>
-              <a:t>7/6/2020</a:t>
+              <a:t>8/7/2020</a:t>
             </a:fld>
             <a:endParaRPr lang="en-US" dirty="0"/>
           </a:p>
@@ -2731,7 +2730,7 @@
           <a:p>
             <a:fld id="{B8E389F8-4EAE-4B22-8731-40270585493B}" type="datetime1">
               <a:rPr lang="en-US" smtClean="0"/>
-              <a:t>7/6/2020</a:t>
+              <a:t>8/7/2020</a:t>
             </a:fld>
             <a:endParaRPr lang="en-US" dirty="0"/>
           </a:p>
@@ -2826,7 +2825,7 @@
           <a:p>
             <a:fld id="{772F4F3F-699B-4D10-AAB9-00C2579C25F8}" type="datetime1">
               <a:rPr lang="en-US" smtClean="0"/>
-              <a:t>7/6/2020</a:t>
+              <a:t>8/7/2020</a:t>
             </a:fld>
             <a:endParaRPr lang="en-US" dirty="0"/>
           </a:p>
@@ -2909,7 +2908,7 @@
           <p:cNvPr id="10" name="Rectangle 9">
             <a:extLst>
               <a:ext uri="{FF2B5EF4-FFF2-40B4-BE49-F238E27FC236}">
-                <a16:creationId xmlns:a16="http://schemas.microsoft.com/office/drawing/2014/main" xmlns="" id="{D5E1BBF9-8BEF-4353-BA68-30AAF9EBD8D8}"/>
+                <a16:creationId xmlns:a16="http://schemas.microsoft.com/office/drawing/2014/main" id="{D5E1BBF9-8BEF-4353-BA68-30AAF9EBD8D8}"/>
               </a:ext>
             </a:extLst>
           </p:cNvPr>
@@ -2956,7 +2955,7 @@
           <p:cNvPr id="13" name="Rectangle 12">
             <a:extLst>
               <a:ext uri="{FF2B5EF4-FFF2-40B4-BE49-F238E27FC236}">
-                <a16:creationId xmlns:a16="http://schemas.microsoft.com/office/drawing/2014/main" xmlns="" id="{5B941C21-2A5D-4912-AB06-1BB0C0EB6AE1}"/>
+                <a16:creationId xmlns:a16="http://schemas.microsoft.com/office/drawing/2014/main" id="{5B941C21-2A5D-4912-AB06-1BB0C0EB6AE1}"/>
               </a:ext>
             </a:extLst>
           </p:cNvPr>
@@ -3243,7 +3242,7 @@
           <a:p>
             <a:fld id="{E51BA90F-EE6C-42F5-8961-2F52EE18037D}" type="datetime1">
               <a:rPr lang="en-US" smtClean="0"/>
-              <a:t>7/6/2020</a:t>
+              <a:t>8/7/2020</a:t>
             </a:fld>
             <a:endParaRPr lang="en-US" dirty="0"/>
           </a:p>
@@ -3351,7 +3350,7 @@
           <p:cNvPr id="11" name="Rectangle 10">
             <a:extLst>
               <a:ext uri="{FF2B5EF4-FFF2-40B4-BE49-F238E27FC236}">
-                <a16:creationId xmlns:a16="http://schemas.microsoft.com/office/drawing/2014/main" xmlns="" id="{E687CA98-D9C7-497F-A1DA-7D22F8753BCE}"/>
+                <a16:creationId xmlns:a16="http://schemas.microsoft.com/office/drawing/2014/main" id="{E687CA98-D9C7-497F-A1DA-7D22F8753BCE}"/>
               </a:ext>
             </a:extLst>
           </p:cNvPr>
@@ -3503,7 +3502,7 @@
           <a:p>
             <a:fld id="{FB6292F5-AD2B-47F4-B460-BF55BF34C27D}" type="datetime1">
               <a:rPr lang="en-US" smtClean="0"/>
-              <a:t>7/6/2020</a:t>
+              <a:t>8/7/2020</a:t>
             </a:fld>
             <a:endParaRPr lang="en-US" dirty="0"/>
           </a:p>
@@ -3585,7 +3584,7 @@
           <p:cNvPr id="12" name="Rectangle 11">
             <a:extLst>
               <a:ext uri="{FF2B5EF4-FFF2-40B4-BE49-F238E27FC236}">
-                <a16:creationId xmlns:a16="http://schemas.microsoft.com/office/drawing/2014/main" xmlns="" id="{F8B3D8CC-BB13-41A5-8F34-B8E84A4F9534}"/>
+                <a16:creationId xmlns:a16="http://schemas.microsoft.com/office/drawing/2014/main" id="{F8B3D8CC-BB13-41A5-8F34-B8E84A4F9534}"/>
               </a:ext>
             </a:extLst>
           </p:cNvPr>
@@ -3787,7 +3786,7 @@
           <p:cNvPr id="9" name="Rectangle 8">
             <a:extLst>
               <a:ext uri="{FF2B5EF4-FFF2-40B4-BE49-F238E27FC236}">
-                <a16:creationId xmlns:a16="http://schemas.microsoft.com/office/drawing/2014/main" xmlns="" id="{1E94681D-2A4C-4A8D-B9B5-31D440D0328D}"/>
+                <a16:creationId xmlns:a16="http://schemas.microsoft.com/office/drawing/2014/main" id="{1E94681D-2A4C-4A8D-B9B5-31D440D0328D}"/>
               </a:ext>
             </a:extLst>
           </p:cNvPr>
@@ -4019,7 +4018,7 @@
           <a:p>
             <a:fld id="{8B88B800-945A-43B0-8EA5-8657D67FD7E1}" type="datetime1">
               <a:rPr lang="en-US" smtClean="0"/>
-              <a:t>7/6/2020</a:t>
+              <a:t>8/7/2020</a:t>
             </a:fld>
             <a:endParaRPr lang="en-US" dirty="0"/>
           </a:p>
@@ -4499,7 +4498,7 @@
           <p:cNvPr id="6" name="Picture 5" descr="abstract image">
             <a:extLst>
               <a:ext uri="{FF2B5EF4-FFF2-40B4-BE49-F238E27FC236}">
-                <a16:creationId xmlns:a16="http://schemas.microsoft.com/office/drawing/2014/main" xmlns="" id="{8045422F-7258-40AC-BD2E-2469AA448922}"/>
+                <a16:creationId xmlns:a16="http://schemas.microsoft.com/office/drawing/2014/main" id="{8045422F-7258-40AC-BD2E-2469AA448922}"/>
               </a:ext>
             </a:extLst>
           </p:cNvPr>
@@ -4534,10 +4533,10 @@
           <p:cNvPr id="82" name="Rectangle 81">
             <a:extLst>
               <a:ext uri="{FF2B5EF4-FFF2-40B4-BE49-F238E27FC236}">
-                <a16:creationId xmlns:a16="http://schemas.microsoft.com/office/drawing/2014/main" xmlns="" id="{2644B391-9BFE-445C-A9EC-F544BB85FBC7}"/>
+                <a16:creationId xmlns:a16="http://schemas.microsoft.com/office/drawing/2014/main" id="{2644B391-9BFE-445C-A9EC-F544BB85FBC7}"/>
               </a:ext>
               <a:ext uri="{C183D7F6-B498-43B3-948B-1728B52AA6E4}">
-                <adec:decorative xmlns:adec="http://schemas.microsoft.com/office/drawing/2017/decorative" xmlns="" val="1"/>
+                <adec:decorative xmlns:adec="http://schemas.microsoft.com/office/drawing/2017/decorative" val="1"/>
               </a:ext>
             </a:extLst>
           </p:cNvPr>
@@ -4547,7 +4546,7 @@
           <p:nvPr>
             <p:extLst>
               <p:ext uri="{386F3935-93C4-4BCD-93E2-E3B085C9AB24}">
-                <p16:designElem xmlns:p16="http://schemas.microsoft.com/office/powerpoint/2015/main" xmlns="" val="1"/>
+                <p16:designElem xmlns:p16="http://schemas.microsoft.com/office/powerpoint/2015/main" val="1"/>
               </p:ext>
             </p:extLst>
           </p:nvPr>
@@ -4579,10 +4578,10 @@
           <p:cNvPr id="84" name="Rectangle 83">
             <a:extLst>
               <a:ext uri="{FF2B5EF4-FFF2-40B4-BE49-F238E27FC236}">
-                <a16:creationId xmlns:a16="http://schemas.microsoft.com/office/drawing/2014/main" xmlns="" id="{80F26E69-87D9-4655-AE7B-280A87AA3CAD}"/>
+                <a16:creationId xmlns:a16="http://schemas.microsoft.com/office/drawing/2014/main" id="{80F26E69-87D9-4655-AE7B-280A87AA3CAD}"/>
               </a:ext>
               <a:ext uri="{C183D7F6-B498-43B3-948B-1728B52AA6E4}">
-                <adec:decorative xmlns:adec="http://schemas.microsoft.com/office/drawing/2017/decorative" xmlns="" val="1"/>
+                <adec:decorative xmlns:adec="http://schemas.microsoft.com/office/drawing/2017/decorative" val="1"/>
               </a:ext>
             </a:extLst>
           </p:cNvPr>
@@ -4592,7 +4591,7 @@
           <p:nvPr>
             <p:extLst>
               <p:ext uri="{386F3935-93C4-4BCD-93E2-E3B085C9AB24}">
-                <p16:designElem xmlns:p16="http://schemas.microsoft.com/office/powerpoint/2015/main" xmlns="" val="1"/>
+                <p16:designElem xmlns:p16="http://schemas.microsoft.com/office/powerpoint/2015/main" val="1"/>
               </p:ext>
             </p:extLst>
           </p:nvPr>
@@ -4623,7 +4622,7 @@
           <p:cNvPr id="2" name="Title 1">
             <a:extLst>
               <a:ext uri="{FF2B5EF4-FFF2-40B4-BE49-F238E27FC236}">
-                <a16:creationId xmlns:a16="http://schemas.microsoft.com/office/drawing/2014/main" xmlns="" id="{18C3B467-088C-4F3D-A9A7-105C4E1E20CD}"/>
+                <a16:creationId xmlns:a16="http://schemas.microsoft.com/office/drawing/2014/main" id="{18C3B467-088C-4F3D-A9A7-105C4E1E20CD}"/>
               </a:ext>
             </a:extLst>
           </p:cNvPr>
@@ -4647,20 +4646,14 @@
           <a:lstStyle/>
           <a:p>
             <a:r>
-              <a:rPr lang="en-US" sz="4400" b="1" dirty="0">
-                <a:latin typeface="Arial" pitchFamily="34" charset="0"/>
-                <a:cs typeface="Arial" pitchFamily="34" charset="0"/>
-              </a:rPr>
-              <a:t>REVIEW PART </a:t>
-            </a:r>
-            <a:r>
-              <a:rPr lang="en-US" sz="4400" b="1" dirty="0" smtClean="0">
-                <a:latin typeface="Arial" pitchFamily="34" charset="0"/>
-                <a:cs typeface="Arial" pitchFamily="34" charset="0"/>
-              </a:rPr>
-              <a:t>IV - jQuery</a:t>
-            </a:r>
-            <a:endParaRPr lang="en-US" sz="4400" dirty="0">
+              <a:rPr lang="en-US" sz="4400" cap="none">
+                <a:solidFill>
+                  <a:schemeClr val="tx1"/>
+                </a:solidFill>
+              </a:rPr>
+              <a:t>jQuery</a:t>
+            </a:r>
+            <a:endParaRPr lang="en-US" sz="4400" cap="none" dirty="0">
               <a:solidFill>
                 <a:schemeClr val="tx1"/>
               </a:solidFill>
@@ -4673,7 +4666,7 @@
           <p:cNvPr id="3" name="Subtitle 2">
             <a:extLst>
               <a:ext uri="{FF2B5EF4-FFF2-40B4-BE49-F238E27FC236}">
-                <a16:creationId xmlns:a16="http://schemas.microsoft.com/office/drawing/2014/main" xmlns="" id="{C8722DDC-8EEE-4A06-8DFE-B44871EAA2CF}"/>
+                <a16:creationId xmlns:a16="http://schemas.microsoft.com/office/drawing/2014/main" id="{C8722DDC-8EEE-4A06-8DFE-B44871EAA2CF}"/>
               </a:ext>
             </a:extLst>
           </p:cNvPr>
@@ -4722,13 +4715,6 @@
   <p:clrMapOvr>
     <a:overrideClrMapping bg1="dk1" tx1="lt1" bg2="dk2" tx2="lt2" accent1="accent1" accent2="accent2" accent3="accent3" accent4="accent4" accent5="accent5" accent6="accent6" hlink="hlink" folHlink="folHlink"/>
   </p:clrMapOvr>
-  <p:timing>
-    <p:tnLst>
-      <p:par>
-        <p:cTn id="1" dur="indefinite" restart="never" nodeType="tmRoot"/>
-      </p:par>
-    </p:tnLst>
-  </p:timing>
 </p:sld>
 </file>
 
@@ -4754,7 +4740,7 @@
           <p:cNvPr id="2" name="Title 1">
             <a:extLst>
               <a:ext uri="{FF2B5EF4-FFF2-40B4-BE49-F238E27FC236}">
-                <a16:creationId xmlns:a16="http://schemas.microsoft.com/office/drawing/2014/main" xmlns="" id="{BDFAC13C-59B1-436E-B58F-C304E1C705CF}"/>
+                <a16:creationId xmlns:a16="http://schemas.microsoft.com/office/drawing/2014/main" id="{BDFAC13C-59B1-436E-B58F-C304E1C705CF}"/>
               </a:ext>
             </a:extLst>
           </p:cNvPr>
@@ -4778,10 +4764,9 @@
           <a:lstStyle/>
           <a:p>
             <a:r>
-              <a:rPr lang="en-US" u="sng" dirty="0" smtClean="0"/>
+              <a:rPr lang="en-US" u="sng" dirty="0"/>
               <a:t>Descendant Selector</a:t>
             </a:r>
-            <a:endParaRPr lang="en-US" u="sng" dirty="0"/>
           </a:p>
         </p:txBody>
       </p:sp>
@@ -4790,7 +4775,7 @@
           <p:cNvPr id="3" name="Content Placeholder 2">
             <a:extLst>
               <a:ext uri="{FF2B5EF4-FFF2-40B4-BE49-F238E27FC236}">
-                <a16:creationId xmlns:a16="http://schemas.microsoft.com/office/drawing/2014/main" xmlns="" id="{844A3DC5-46BF-4BFF-8008-98FD467C4904}"/>
+                <a16:creationId xmlns:a16="http://schemas.microsoft.com/office/drawing/2014/main" id="{844A3DC5-46BF-4BFF-8008-98FD467C4904}"/>
               </a:ext>
             </a:extLst>
           </p:cNvPr>
@@ -4919,13 +4904,6 @@
   <p:clrMapOvr>
     <a:masterClrMapping/>
   </p:clrMapOvr>
-  <p:timing>
-    <p:tnLst>
-      <p:par>
-        <p:cTn id="1" dur="indefinite" restart="never" nodeType="tmRoot"/>
-      </p:par>
-    </p:tnLst>
-  </p:timing>
 </p:sld>
 </file>
 
@@ -4951,7 +4929,7 @@
           <p:cNvPr id="2" name="Title 1">
             <a:extLst>
               <a:ext uri="{FF2B5EF4-FFF2-40B4-BE49-F238E27FC236}">
-                <a16:creationId xmlns:a16="http://schemas.microsoft.com/office/drawing/2014/main" xmlns="" id="{BDFAC13C-59B1-436E-B58F-C304E1C705CF}"/>
+                <a16:creationId xmlns:a16="http://schemas.microsoft.com/office/drawing/2014/main" id="{BDFAC13C-59B1-436E-B58F-C304E1C705CF}"/>
               </a:ext>
             </a:extLst>
           </p:cNvPr>
@@ -4975,10 +4953,9 @@
           <a:lstStyle/>
           <a:p>
             <a:r>
-              <a:rPr lang="en-US" u="sng" dirty="0" smtClean="0"/>
+              <a:rPr lang="en-US" u="sng" dirty="0"/>
               <a:t>Element Selector</a:t>
             </a:r>
-            <a:endParaRPr lang="en-US" u="sng" dirty="0"/>
           </a:p>
         </p:txBody>
       </p:sp>
@@ -4987,7 +4964,7 @@
           <p:cNvPr id="3" name="Content Placeholder 2">
             <a:extLst>
               <a:ext uri="{FF2B5EF4-FFF2-40B4-BE49-F238E27FC236}">
-                <a16:creationId xmlns:a16="http://schemas.microsoft.com/office/drawing/2014/main" xmlns="" id="{844A3DC5-46BF-4BFF-8008-98FD467C4904}"/>
+                <a16:creationId xmlns:a16="http://schemas.microsoft.com/office/drawing/2014/main" id="{844A3DC5-46BF-4BFF-8008-98FD467C4904}"/>
               </a:ext>
             </a:extLst>
           </p:cNvPr>
@@ -5116,13 +5093,6 @@
   <p:clrMapOvr>
     <a:masterClrMapping/>
   </p:clrMapOvr>
-  <p:timing>
-    <p:tnLst>
-      <p:par>
-        <p:cTn id="1" dur="indefinite" restart="never" nodeType="tmRoot"/>
-      </p:par>
-    </p:tnLst>
-  </p:timing>
 </p:sld>
 </file>
 
@@ -5148,7 +5118,7 @@
           <p:cNvPr id="2" name="Title 1">
             <a:extLst>
               <a:ext uri="{FF2B5EF4-FFF2-40B4-BE49-F238E27FC236}">
-                <a16:creationId xmlns:a16="http://schemas.microsoft.com/office/drawing/2014/main" xmlns="" id="{BDFAC13C-59B1-436E-B58F-C304E1C705CF}"/>
+                <a16:creationId xmlns:a16="http://schemas.microsoft.com/office/drawing/2014/main" id="{BDFAC13C-59B1-436E-B58F-C304E1C705CF}"/>
               </a:ext>
             </a:extLst>
           </p:cNvPr>
@@ -5172,10 +5142,9 @@
           <a:lstStyle/>
           <a:p>
             <a:r>
-              <a:rPr lang="en-US" u="sng" dirty="0" smtClean="0"/>
+              <a:rPr lang="en-US" u="sng" dirty="0"/>
               <a:t>:first-child Selector</a:t>
             </a:r>
-            <a:endParaRPr lang="en-US" u="sng" dirty="0"/>
           </a:p>
         </p:txBody>
       </p:sp>
@@ -5184,7 +5153,7 @@
           <p:cNvPr id="3" name="Content Placeholder 2">
             <a:extLst>
               <a:ext uri="{FF2B5EF4-FFF2-40B4-BE49-F238E27FC236}">
-                <a16:creationId xmlns:a16="http://schemas.microsoft.com/office/drawing/2014/main" xmlns="" id="{844A3DC5-46BF-4BFF-8008-98FD467C4904}"/>
+                <a16:creationId xmlns:a16="http://schemas.microsoft.com/office/drawing/2014/main" id="{844A3DC5-46BF-4BFF-8008-98FD467C4904}"/>
               </a:ext>
             </a:extLst>
           </p:cNvPr>
@@ -5215,33 +5184,8 @@
                 <a:latin typeface="Consolas" panose="020B0609020204030204" pitchFamily="49" charset="0"/>
                 <a:cs typeface="Arial" panose="020B0604020202020204" pitchFamily="34" charset="0"/>
               </a:rPr>
-              <a:t>j</a:t>
-            </a:r>
-            <a:r>
-              <a:rPr lang="en-US" sz="1800" dirty="0" smtClean="0">
-                <a:latin typeface="Consolas" panose="020B0609020204030204" pitchFamily="49" charset="0"/>
-                <a:cs typeface="Arial" panose="020B0604020202020204" pitchFamily="34" charset="0"/>
-              </a:rPr>
-              <a:t>query(</a:t>
-            </a:r>
-            <a:r>
-              <a:rPr lang="en-US" sz="1800" dirty="0">
-                <a:latin typeface="Consolas" panose="020B0609020204030204" pitchFamily="49" charset="0"/>
-                <a:cs typeface="Arial" panose="020B0604020202020204" pitchFamily="34" charset="0"/>
-              </a:rPr>
-              <a:t>"</a:t>
-            </a:r>
-            <a:r>
-              <a:rPr lang="en-US" sz="1800" dirty="0" smtClean="0">
-                <a:latin typeface="Consolas" panose="020B0609020204030204" pitchFamily="49" charset="0"/>
-                <a:cs typeface="Arial" panose="020B0604020202020204" pitchFamily="34" charset="0"/>
-              </a:rPr>
-              <a:t>:first-child")</a:t>
-            </a:r>
-            <a:endParaRPr lang="en-US" sz="1800" dirty="0">
-              <a:latin typeface="Consolas" panose="020B0609020204030204" pitchFamily="49" charset="0"/>
-              <a:cs typeface="Arial" panose="020B0604020202020204" pitchFamily="34" charset="0"/>
-            </a:endParaRPr>
+              <a:t>jquery(":first-child")</a:t>
+            </a:r>
           </a:p>
           <a:p>
             <a:pPr indent="0">
@@ -5338,13 +5282,6 @@
   <p:clrMapOvr>
     <a:masterClrMapping/>
   </p:clrMapOvr>
-  <p:timing>
-    <p:tnLst>
-      <p:par>
-        <p:cTn id="1" dur="indefinite" restart="never" nodeType="tmRoot"/>
-      </p:par>
-    </p:tnLst>
-  </p:timing>
 </p:sld>
 </file>
 
@@ -5370,7 +5307,7 @@
           <p:cNvPr id="2" name="Title 1">
             <a:extLst>
               <a:ext uri="{FF2B5EF4-FFF2-40B4-BE49-F238E27FC236}">
-                <a16:creationId xmlns:a16="http://schemas.microsoft.com/office/drawing/2014/main" xmlns="" id="{BDFAC13C-59B1-436E-B58F-C304E1C705CF}"/>
+                <a16:creationId xmlns:a16="http://schemas.microsoft.com/office/drawing/2014/main" id="{BDFAC13C-59B1-436E-B58F-C304E1C705CF}"/>
               </a:ext>
             </a:extLst>
           </p:cNvPr>
@@ -5394,10 +5331,9 @@
           <a:lstStyle/>
           <a:p>
             <a:r>
-              <a:rPr lang="en-US" u="sng" dirty="0" smtClean="0"/>
+              <a:rPr lang="en-US" u="sng" dirty="0"/>
               <a:t>ID Selector</a:t>
             </a:r>
-            <a:endParaRPr lang="en-US" u="sng" dirty="0"/>
           </a:p>
         </p:txBody>
       </p:sp>
@@ -5406,7 +5342,7 @@
           <p:cNvPr id="3" name="Content Placeholder 2">
             <a:extLst>
               <a:ext uri="{FF2B5EF4-FFF2-40B4-BE49-F238E27FC236}">
-                <a16:creationId xmlns:a16="http://schemas.microsoft.com/office/drawing/2014/main" xmlns="" id="{844A3DC5-46BF-4BFF-8008-98FD467C4904}"/>
+                <a16:creationId xmlns:a16="http://schemas.microsoft.com/office/drawing/2014/main" id="{844A3DC5-46BF-4BFF-8008-98FD467C4904}"/>
               </a:ext>
             </a:extLst>
           </p:cNvPr>
@@ -5535,13 +5471,6 @@
   <p:clrMapOvr>
     <a:masterClrMapping/>
   </p:clrMapOvr>
-  <p:timing>
-    <p:tnLst>
-      <p:par>
-        <p:cTn id="1" dur="indefinite" restart="never" nodeType="tmRoot"/>
-      </p:par>
-    </p:tnLst>
-  </p:timing>
 </p:sld>
 </file>
 
@@ -5567,7 +5496,7 @@
           <p:cNvPr id="2" name="Title 1">
             <a:extLst>
               <a:ext uri="{FF2B5EF4-FFF2-40B4-BE49-F238E27FC236}">
-                <a16:creationId xmlns:a16="http://schemas.microsoft.com/office/drawing/2014/main" xmlns="" id="{BDFAC13C-59B1-436E-B58F-C304E1C705CF}"/>
+                <a16:creationId xmlns:a16="http://schemas.microsoft.com/office/drawing/2014/main" id="{BDFAC13C-59B1-436E-B58F-C304E1C705CF}"/>
               </a:ext>
             </a:extLst>
           </p:cNvPr>
@@ -5591,10 +5520,9 @@
           <a:lstStyle/>
           <a:p>
             <a:r>
-              <a:rPr lang="en-US" u="sng" dirty="0" smtClean="0"/>
+              <a:rPr lang="en-US" u="sng" dirty="0"/>
               <a:t>:last-child Selector</a:t>
             </a:r>
-            <a:endParaRPr lang="en-US" u="sng" dirty="0"/>
           </a:p>
         </p:txBody>
       </p:sp>
@@ -5603,7 +5531,7 @@
           <p:cNvPr id="3" name="Content Placeholder 2">
             <a:extLst>
               <a:ext uri="{FF2B5EF4-FFF2-40B4-BE49-F238E27FC236}">
-                <a16:creationId xmlns:a16="http://schemas.microsoft.com/office/drawing/2014/main" xmlns="" id="{844A3DC5-46BF-4BFF-8008-98FD467C4904}"/>
+                <a16:creationId xmlns:a16="http://schemas.microsoft.com/office/drawing/2014/main" id="{844A3DC5-46BF-4BFF-8008-98FD467C4904}"/>
               </a:ext>
             </a:extLst>
           </p:cNvPr>
@@ -5717,23 +5645,7 @@
                   <a:srgbClr val="00B0F0"/>
                 </a:solidFill>
               </a:rPr>
-              <a:t>https://</a:t>
-            </a:r>
-            <a:r>
-              <a:rPr lang="en-US" dirty="0" smtClean="0">
-                <a:solidFill>
-                  <a:srgbClr val="00B0F0"/>
-                </a:solidFill>
-              </a:rPr>
-              <a:t>api.jquery.com/last-child-selector</a:t>
-            </a:r>
-            <a:r>
-              <a:rPr lang="en-US" dirty="0">
-                <a:solidFill>
-                  <a:srgbClr val="00B0F0"/>
-                </a:solidFill>
-              </a:rPr>
-              <a:t>/</a:t>
+              <a:t>https://api.jquery.com/last-child-selector/</a:t>
             </a:r>
           </a:p>
         </p:txBody>
@@ -5748,13 +5660,6 @@
   <p:clrMapOvr>
     <a:masterClrMapping/>
   </p:clrMapOvr>
-  <p:timing>
-    <p:tnLst>
-      <p:par>
-        <p:cTn id="1" dur="indefinite" restart="never" nodeType="tmRoot"/>
-      </p:par>
-    </p:tnLst>
-  </p:timing>
 </p:sld>
 </file>
 
@@ -5780,7 +5685,7 @@
           <p:cNvPr id="2" name="Title 1">
             <a:extLst>
               <a:ext uri="{FF2B5EF4-FFF2-40B4-BE49-F238E27FC236}">
-                <a16:creationId xmlns:a16="http://schemas.microsoft.com/office/drawing/2014/main" xmlns="" id="{BDFAC13C-59B1-436E-B58F-C304E1C705CF}"/>
+                <a16:creationId xmlns:a16="http://schemas.microsoft.com/office/drawing/2014/main" id="{BDFAC13C-59B1-436E-B58F-C304E1C705CF}"/>
               </a:ext>
             </a:extLst>
           </p:cNvPr>
@@ -5804,10 +5709,9 @@
           <a:lstStyle/>
           <a:p>
             <a:r>
-              <a:rPr lang="en-US" u="sng" dirty="0" smtClean="0"/>
+              <a:rPr lang="en-US" u="sng" dirty="0"/>
               <a:t>:nth-child Selector</a:t>
             </a:r>
-            <a:endParaRPr lang="en-US" u="sng" dirty="0"/>
           </a:p>
         </p:txBody>
       </p:sp>
@@ -5816,7 +5720,7 @@
           <p:cNvPr id="3" name="Content Placeholder 2">
             <a:extLst>
               <a:ext uri="{FF2B5EF4-FFF2-40B4-BE49-F238E27FC236}">
-                <a16:creationId xmlns:a16="http://schemas.microsoft.com/office/drawing/2014/main" xmlns="" id="{844A3DC5-46BF-4BFF-8008-98FD467C4904}"/>
+                <a16:creationId xmlns:a16="http://schemas.microsoft.com/office/drawing/2014/main" id="{844A3DC5-46BF-4BFF-8008-98FD467C4904}"/>
               </a:ext>
             </a:extLst>
           </p:cNvPr>
@@ -5945,13 +5849,6 @@
   <p:clrMapOvr>
     <a:masterClrMapping/>
   </p:clrMapOvr>
-  <p:timing>
-    <p:tnLst>
-      <p:par>
-        <p:cTn id="1" dur="indefinite" restart="never" nodeType="tmRoot"/>
-      </p:par>
-    </p:tnLst>
-  </p:timing>
 </p:sld>
 </file>
 
@@ -5977,7 +5874,7 @@
           <p:cNvPr id="2" name="Title 1">
             <a:extLst>
               <a:ext uri="{FF2B5EF4-FFF2-40B4-BE49-F238E27FC236}">
-                <a16:creationId xmlns:a16="http://schemas.microsoft.com/office/drawing/2014/main" xmlns="" id="{BDFAC13C-59B1-436E-B58F-C304E1C705CF}"/>
+                <a16:creationId xmlns:a16="http://schemas.microsoft.com/office/drawing/2014/main" id="{BDFAC13C-59B1-436E-B58F-C304E1C705CF}"/>
               </a:ext>
             </a:extLst>
           </p:cNvPr>
@@ -6001,10 +5898,9 @@
           <a:lstStyle/>
           <a:p>
             <a:r>
-              <a:rPr lang="en-US" u="sng" dirty="0" smtClean="0"/>
+              <a:rPr lang="en-US" u="sng" dirty="0"/>
               <a:t>Next Adjacent Selector</a:t>
             </a:r>
-            <a:endParaRPr lang="en-US" u="sng" dirty="0"/>
           </a:p>
         </p:txBody>
       </p:sp>
@@ -6013,7 +5909,7 @@
           <p:cNvPr id="3" name="Content Placeholder 2">
             <a:extLst>
               <a:ext uri="{FF2B5EF4-FFF2-40B4-BE49-F238E27FC236}">
-                <a16:creationId xmlns:a16="http://schemas.microsoft.com/office/drawing/2014/main" xmlns="" id="{844A3DC5-46BF-4BFF-8008-98FD467C4904}"/>
+                <a16:creationId xmlns:a16="http://schemas.microsoft.com/office/drawing/2014/main" id="{844A3DC5-46BF-4BFF-8008-98FD467C4904}"/>
               </a:ext>
             </a:extLst>
           </p:cNvPr>
@@ -6142,13 +6038,6 @@
   <p:clrMapOvr>
     <a:masterClrMapping/>
   </p:clrMapOvr>
-  <p:timing>
-    <p:tnLst>
-      <p:par>
-        <p:cTn id="1" dur="indefinite" restart="never" nodeType="tmRoot"/>
-      </p:par>
-    </p:tnLst>
-  </p:timing>
 </p:sld>
 </file>
 
@@ -6174,7 +6063,7 @@
           <p:cNvPr id="2" name="Title 1">
             <a:extLst>
               <a:ext uri="{FF2B5EF4-FFF2-40B4-BE49-F238E27FC236}">
-                <a16:creationId xmlns:a16="http://schemas.microsoft.com/office/drawing/2014/main" xmlns="" id="{BDFAC13C-59B1-436E-B58F-C304E1C705CF}"/>
+                <a16:creationId xmlns:a16="http://schemas.microsoft.com/office/drawing/2014/main" id="{BDFAC13C-59B1-436E-B58F-C304E1C705CF}"/>
               </a:ext>
             </a:extLst>
           </p:cNvPr>
@@ -6198,10 +6087,9 @@
           <a:lstStyle/>
           <a:p>
             <a:r>
-              <a:rPr lang="en-US" u="sng" dirty="0" smtClean="0"/>
+              <a:rPr lang="en-US" u="sng" dirty="0"/>
               <a:t>Next Siblings Selector</a:t>
             </a:r>
-            <a:endParaRPr lang="en-US" u="sng" dirty="0"/>
           </a:p>
         </p:txBody>
       </p:sp>
@@ -6210,7 +6098,7 @@
           <p:cNvPr id="3" name="Content Placeholder 2">
             <a:extLst>
               <a:ext uri="{FF2B5EF4-FFF2-40B4-BE49-F238E27FC236}">
-                <a16:creationId xmlns:a16="http://schemas.microsoft.com/office/drawing/2014/main" xmlns="" id="{844A3DC5-46BF-4BFF-8008-98FD467C4904}"/>
+                <a16:creationId xmlns:a16="http://schemas.microsoft.com/office/drawing/2014/main" id="{844A3DC5-46BF-4BFF-8008-98FD467C4904}"/>
               </a:ext>
             </a:extLst>
           </p:cNvPr>
@@ -6324,21 +6212,8 @@
                   <a:srgbClr val="00B0F0"/>
                 </a:solidFill>
               </a:rPr>
-              <a:t>https://api.jquery.com/next-siblings-selector</a:t>
-            </a:r>
-            <a:r>
-              <a:rPr lang="en-US" dirty="0" smtClean="0">
-                <a:solidFill>
-                  <a:srgbClr val="00B0F0"/>
-                </a:solidFill>
-              </a:rPr>
-              <a:t>/</a:t>
-            </a:r>
-            <a:endParaRPr lang="en-US" dirty="0">
-              <a:solidFill>
-                <a:srgbClr val="00B0F0"/>
-              </a:solidFill>
-            </a:endParaRPr>
+              <a:t>https://api.jquery.com/next-siblings-selector/</a:t>
+            </a:r>
           </a:p>
         </p:txBody>
       </p:sp>
@@ -6352,13 +6227,6 @@
   <p:clrMapOvr>
     <a:masterClrMapping/>
   </p:clrMapOvr>
-  <p:timing>
-    <p:tnLst>
-      <p:par>
-        <p:cTn id="1" dur="indefinite" restart="never" nodeType="tmRoot"/>
-      </p:par>
-    </p:tnLst>
-  </p:timing>
 </p:sld>
 </file>
 
@@ -6384,7 +6252,7 @@
           <p:cNvPr id="2" name="Title 1">
             <a:extLst>
               <a:ext uri="{FF2B5EF4-FFF2-40B4-BE49-F238E27FC236}">
-                <a16:creationId xmlns:a16="http://schemas.microsoft.com/office/drawing/2014/main" xmlns="" id="{BDFAC13C-59B1-436E-B58F-C304E1C705CF}"/>
+                <a16:creationId xmlns:a16="http://schemas.microsoft.com/office/drawing/2014/main" id="{BDFAC13C-59B1-436E-B58F-C304E1C705CF}"/>
               </a:ext>
             </a:extLst>
           </p:cNvPr>
@@ -6408,10 +6276,9 @@
           <a:lstStyle/>
           <a:p>
             <a:r>
-              <a:rPr lang="en-US" u="sng" dirty="0" smtClean="0"/>
+              <a:rPr lang="en-US" u="sng" dirty="0"/>
               <a:t>Parent Selector</a:t>
             </a:r>
-            <a:endParaRPr lang="en-US" u="sng" dirty="0"/>
           </a:p>
         </p:txBody>
       </p:sp>
@@ -6420,7 +6287,7 @@
           <p:cNvPr id="3" name="Content Placeholder 2">
             <a:extLst>
               <a:ext uri="{FF2B5EF4-FFF2-40B4-BE49-F238E27FC236}">
-                <a16:creationId xmlns:a16="http://schemas.microsoft.com/office/drawing/2014/main" xmlns="" id="{844A3DC5-46BF-4BFF-8008-98FD467C4904}"/>
+                <a16:creationId xmlns:a16="http://schemas.microsoft.com/office/drawing/2014/main" id="{844A3DC5-46BF-4BFF-8008-98FD467C4904}"/>
               </a:ext>
             </a:extLst>
           </p:cNvPr>
@@ -6548,13 +6415,6 @@
   <p:clrMapOvr>
     <a:masterClrMapping/>
   </p:clrMapOvr>
-  <p:timing>
-    <p:tnLst>
-      <p:par>
-        <p:cTn id="1" dur="indefinite" restart="never" nodeType="tmRoot"/>
-      </p:par>
-    </p:tnLst>
-  </p:timing>
 </p:sld>
 </file>
 
@@ -6580,7 +6440,7 @@
           <p:cNvPr id="2" name="Title 1">
             <a:extLst>
               <a:ext uri="{FF2B5EF4-FFF2-40B4-BE49-F238E27FC236}">
-                <a16:creationId xmlns:a16="http://schemas.microsoft.com/office/drawing/2014/main" xmlns="" id="{BDFAC13C-59B1-436E-B58F-C304E1C705CF}"/>
+                <a16:creationId xmlns:a16="http://schemas.microsoft.com/office/drawing/2014/main" id="{BDFAC13C-59B1-436E-B58F-C304E1C705CF}"/>
               </a:ext>
             </a:extLst>
           </p:cNvPr>
@@ -6604,10 +6464,9 @@
           <a:lstStyle/>
           <a:p>
             <a:r>
-              <a:rPr lang="en-US" u="sng" dirty="0" smtClean="0"/>
+              <a:rPr lang="en-US" u="sng" dirty="0"/>
               <a:t>jQuery Event Handling</a:t>
             </a:r>
-            <a:endParaRPr lang="en-US" u="sng" dirty="0"/>
           </a:p>
         </p:txBody>
       </p:sp>
@@ -6616,7 +6475,7 @@
           <p:cNvPr id="3" name="Content Placeholder 2">
             <a:extLst>
               <a:ext uri="{FF2B5EF4-FFF2-40B4-BE49-F238E27FC236}">
-                <a16:creationId xmlns:a16="http://schemas.microsoft.com/office/drawing/2014/main" xmlns="" id="{844A3DC5-46BF-4BFF-8008-98FD467C4904}"/>
+                <a16:creationId xmlns:a16="http://schemas.microsoft.com/office/drawing/2014/main" id="{844A3DC5-46BF-4BFF-8008-98FD467C4904}"/>
               </a:ext>
             </a:extLst>
           </p:cNvPr>
@@ -6700,13 +6559,6 @@
   <p:clrMapOvr>
     <a:masterClrMapping/>
   </p:clrMapOvr>
-  <p:timing>
-    <p:tnLst>
-      <p:par>
-        <p:cTn id="1" dur="indefinite" restart="never" nodeType="tmRoot"/>
-      </p:par>
-    </p:tnLst>
-  </p:timing>
 </p:sld>
 </file>
 
@@ -6732,7 +6584,7 @@
           <p:cNvPr id="2" name="Title 1">
             <a:extLst>
               <a:ext uri="{FF2B5EF4-FFF2-40B4-BE49-F238E27FC236}">
-                <a16:creationId xmlns:a16="http://schemas.microsoft.com/office/drawing/2014/main" xmlns="" id="{BDFAC13C-59B1-436E-B58F-C304E1C705CF}"/>
+                <a16:creationId xmlns:a16="http://schemas.microsoft.com/office/drawing/2014/main" id="{BDFAC13C-59B1-436E-B58F-C304E1C705CF}"/>
               </a:ext>
             </a:extLst>
           </p:cNvPr>
@@ -6756,10 +6608,9 @@
           <a:lstStyle/>
           <a:p>
             <a:r>
-              <a:rPr lang="en-US" u="sng" dirty="0" smtClean="0"/>
+              <a:rPr lang="en-US" u="sng" dirty="0"/>
               <a:t>Objectives</a:t>
             </a:r>
-            <a:endParaRPr lang="en-US" u="sng" dirty="0"/>
           </a:p>
         </p:txBody>
       </p:sp>
@@ -6768,7 +6619,7 @@
           <p:cNvPr id="3" name="Content Placeholder 2">
             <a:extLst>
               <a:ext uri="{FF2B5EF4-FFF2-40B4-BE49-F238E27FC236}">
-                <a16:creationId xmlns:a16="http://schemas.microsoft.com/office/drawing/2014/main" xmlns="" id="{844A3DC5-46BF-4BFF-8008-98FD467C4904}"/>
+                <a16:creationId xmlns:a16="http://schemas.microsoft.com/office/drawing/2014/main" id="{844A3DC5-46BF-4BFF-8008-98FD467C4904}"/>
               </a:ext>
             </a:extLst>
           </p:cNvPr>
@@ -6873,13 +6724,6 @@
   <p:clrMapOvr>
     <a:masterClrMapping/>
   </p:clrMapOvr>
-  <p:timing>
-    <p:tnLst>
-      <p:par>
-        <p:cTn id="1" dur="indefinite" restart="never" nodeType="tmRoot"/>
-      </p:par>
-    </p:tnLst>
-  </p:timing>
 </p:sld>
 </file>
 
@@ -6905,7 +6749,7 @@
           <p:cNvPr id="2" name="Title 1">
             <a:extLst>
               <a:ext uri="{FF2B5EF4-FFF2-40B4-BE49-F238E27FC236}">
-                <a16:creationId xmlns:a16="http://schemas.microsoft.com/office/drawing/2014/main" xmlns="" id="{BDFAC13C-59B1-436E-B58F-C304E1C705CF}"/>
+                <a16:creationId xmlns:a16="http://schemas.microsoft.com/office/drawing/2014/main" id="{BDFAC13C-59B1-436E-B58F-C304E1C705CF}"/>
               </a:ext>
             </a:extLst>
           </p:cNvPr>
@@ -6929,10 +6773,9 @@
           <a:lstStyle/>
           <a:p>
             <a:r>
-              <a:rPr lang="en-US" u="sng" dirty="0" smtClean="0"/>
+              <a:rPr lang="en-US" u="sng" dirty="0"/>
               <a:t>.bind()</a:t>
             </a:r>
-            <a:endParaRPr lang="en-US" u="sng" dirty="0"/>
           </a:p>
         </p:txBody>
       </p:sp>
@@ -6941,7 +6784,7 @@
           <p:cNvPr id="3" name="Content Placeholder 2">
             <a:extLst>
               <a:ext uri="{FF2B5EF4-FFF2-40B4-BE49-F238E27FC236}">
-                <a16:creationId xmlns:a16="http://schemas.microsoft.com/office/drawing/2014/main" xmlns="" id="{844A3DC5-46BF-4BFF-8008-98FD467C4904}"/>
+                <a16:creationId xmlns:a16="http://schemas.microsoft.com/office/drawing/2014/main" id="{844A3DC5-46BF-4BFF-8008-98FD467C4904}"/>
               </a:ext>
             </a:extLst>
           </p:cNvPr>
@@ -7058,13 +6901,6 @@
   <p:clrMapOvr>
     <a:masterClrMapping/>
   </p:clrMapOvr>
-  <p:timing>
-    <p:tnLst>
-      <p:par>
-        <p:cTn id="1" dur="indefinite" restart="never" nodeType="tmRoot"/>
-      </p:par>
-    </p:tnLst>
-  </p:timing>
 </p:sld>
 </file>
 
@@ -7090,7 +6926,7 @@
           <p:cNvPr id="2" name="Title 1">
             <a:extLst>
               <a:ext uri="{FF2B5EF4-FFF2-40B4-BE49-F238E27FC236}">
-                <a16:creationId xmlns:a16="http://schemas.microsoft.com/office/drawing/2014/main" xmlns="" id="{BDFAC13C-59B1-436E-B58F-C304E1C705CF}"/>
+                <a16:creationId xmlns:a16="http://schemas.microsoft.com/office/drawing/2014/main" id="{BDFAC13C-59B1-436E-B58F-C304E1C705CF}"/>
               </a:ext>
             </a:extLst>
           </p:cNvPr>
@@ -7114,10 +6950,9 @@
           <a:lstStyle/>
           <a:p>
             <a:r>
-              <a:rPr lang="en-US" u="sng" dirty="0" smtClean="0"/>
+              <a:rPr lang="en-US" u="sng" dirty="0"/>
               <a:t>.change()</a:t>
             </a:r>
-            <a:endParaRPr lang="en-US" u="sng" dirty="0"/>
           </a:p>
         </p:txBody>
       </p:sp>
@@ -7126,7 +6961,7 @@
           <p:cNvPr id="3" name="Content Placeholder 2">
             <a:extLst>
               <a:ext uri="{FF2B5EF4-FFF2-40B4-BE49-F238E27FC236}">
-                <a16:creationId xmlns:a16="http://schemas.microsoft.com/office/drawing/2014/main" xmlns="" id="{844A3DC5-46BF-4BFF-8008-98FD467C4904}"/>
+                <a16:creationId xmlns:a16="http://schemas.microsoft.com/office/drawing/2014/main" id="{844A3DC5-46BF-4BFF-8008-98FD467C4904}"/>
               </a:ext>
             </a:extLst>
           </p:cNvPr>
@@ -7228,21 +7063,8 @@
                   <a:srgbClr val="00B0F0"/>
                 </a:solidFill>
               </a:rPr>
-              <a:t>https://</a:t>
-            </a:r>
-            <a:r>
-              <a:rPr lang="en-US" dirty="0" smtClean="0">
-                <a:solidFill>
-                  <a:srgbClr val="00B0F0"/>
-                </a:solidFill>
-              </a:rPr>
-              <a:t>api.jquery.com/change/</a:t>
-            </a:r>
-            <a:endParaRPr lang="en-US" dirty="0">
-              <a:solidFill>
-                <a:srgbClr val="00B0F0"/>
-              </a:solidFill>
-            </a:endParaRPr>
+              <a:t>https://api.jquery.com/change/</a:t>
+            </a:r>
           </a:p>
         </p:txBody>
       </p:sp>
@@ -7256,13 +7078,6 @@
   <p:clrMapOvr>
     <a:masterClrMapping/>
   </p:clrMapOvr>
-  <p:timing>
-    <p:tnLst>
-      <p:par>
-        <p:cTn id="1" dur="indefinite" restart="never" nodeType="tmRoot"/>
-      </p:par>
-    </p:tnLst>
-  </p:timing>
 </p:sld>
 </file>
 
@@ -7288,7 +7103,7 @@
           <p:cNvPr id="2" name="Title 1">
             <a:extLst>
               <a:ext uri="{FF2B5EF4-FFF2-40B4-BE49-F238E27FC236}">
-                <a16:creationId xmlns:a16="http://schemas.microsoft.com/office/drawing/2014/main" xmlns="" id="{BDFAC13C-59B1-436E-B58F-C304E1C705CF}"/>
+                <a16:creationId xmlns:a16="http://schemas.microsoft.com/office/drawing/2014/main" id="{BDFAC13C-59B1-436E-B58F-C304E1C705CF}"/>
               </a:ext>
             </a:extLst>
           </p:cNvPr>
@@ -7312,10 +7127,9 @@
           <a:lstStyle/>
           <a:p>
             <a:r>
-              <a:rPr lang="en-US" u="sng" dirty="0" smtClean="0"/>
+              <a:rPr lang="en-US" u="sng" dirty="0"/>
               <a:t>.change()</a:t>
             </a:r>
-            <a:endParaRPr lang="en-US" u="sng" dirty="0"/>
           </a:p>
         </p:txBody>
       </p:sp>
@@ -7324,7 +7138,7 @@
           <p:cNvPr id="3" name="Content Placeholder 2">
             <a:extLst>
               <a:ext uri="{FF2B5EF4-FFF2-40B4-BE49-F238E27FC236}">
-                <a16:creationId xmlns:a16="http://schemas.microsoft.com/office/drawing/2014/main" xmlns="" id="{844A3DC5-46BF-4BFF-8008-98FD467C4904}"/>
+                <a16:creationId xmlns:a16="http://schemas.microsoft.com/office/drawing/2014/main" id="{844A3DC5-46BF-4BFF-8008-98FD467C4904}"/>
               </a:ext>
             </a:extLst>
           </p:cNvPr>
@@ -7426,21 +7240,8 @@
                   <a:srgbClr val="00B0F0"/>
                 </a:solidFill>
               </a:rPr>
-              <a:t>https://</a:t>
-            </a:r>
-            <a:r>
-              <a:rPr lang="en-US" dirty="0" smtClean="0">
-                <a:solidFill>
-                  <a:srgbClr val="00B0F0"/>
-                </a:solidFill>
-              </a:rPr>
-              <a:t>api.jquery.com/change/</a:t>
-            </a:r>
-            <a:endParaRPr lang="en-US" dirty="0">
-              <a:solidFill>
-                <a:srgbClr val="00B0F0"/>
-              </a:solidFill>
-            </a:endParaRPr>
+              <a:t>https://api.jquery.com/change/</a:t>
+            </a:r>
           </a:p>
         </p:txBody>
       </p:sp>
@@ -7454,13 +7255,6 @@
   <p:clrMapOvr>
     <a:masterClrMapping/>
   </p:clrMapOvr>
-  <p:timing>
-    <p:tnLst>
-      <p:par>
-        <p:cTn id="1" dur="indefinite" restart="never" nodeType="tmRoot"/>
-      </p:par>
-    </p:tnLst>
-  </p:timing>
 </p:sld>
 </file>
 
@@ -7486,7 +7280,7 @@
           <p:cNvPr id="2" name="Title 1">
             <a:extLst>
               <a:ext uri="{FF2B5EF4-FFF2-40B4-BE49-F238E27FC236}">
-                <a16:creationId xmlns:a16="http://schemas.microsoft.com/office/drawing/2014/main" xmlns="" id="{BDFAC13C-59B1-436E-B58F-C304E1C705CF}"/>
+                <a16:creationId xmlns:a16="http://schemas.microsoft.com/office/drawing/2014/main" id="{BDFAC13C-59B1-436E-B58F-C304E1C705CF}"/>
               </a:ext>
             </a:extLst>
           </p:cNvPr>
@@ -7510,10 +7304,9 @@
           <a:lstStyle/>
           <a:p>
             <a:r>
-              <a:rPr lang="en-US" u="sng" dirty="0" smtClean="0"/>
+              <a:rPr lang="en-US" u="sng" dirty="0"/>
               <a:t>.click()</a:t>
             </a:r>
-            <a:endParaRPr lang="en-US" u="sng" dirty="0"/>
           </a:p>
         </p:txBody>
       </p:sp>
@@ -7522,7 +7315,7 @@
           <p:cNvPr id="3" name="Content Placeholder 2">
             <a:extLst>
               <a:ext uri="{FF2B5EF4-FFF2-40B4-BE49-F238E27FC236}">
-                <a16:creationId xmlns:a16="http://schemas.microsoft.com/office/drawing/2014/main" xmlns="" id="{844A3DC5-46BF-4BFF-8008-98FD467C4904}"/>
+                <a16:creationId xmlns:a16="http://schemas.microsoft.com/office/drawing/2014/main" id="{844A3DC5-46BF-4BFF-8008-98FD467C4904}"/>
               </a:ext>
             </a:extLst>
           </p:cNvPr>
@@ -7560,16 +7353,10 @@
               <a:buNone/>
             </a:pPr>
             <a:r>
-              <a:rPr lang="en-US" sz="1800" dirty="0" smtClean="0">
-                <a:cs typeface="Arial" panose="020B0604020202020204" pitchFamily="34" charset="0"/>
-              </a:rPr>
-              <a:t>Binds </a:t>
-            </a:r>
-            <a:r>
               <a:rPr lang="en-US" sz="1800" dirty="0">
                 <a:cs typeface="Arial" panose="020B0604020202020204" pitchFamily="34" charset="0"/>
               </a:rPr>
-              <a:t>an event handler to the "click" JavaScript event, or triggers that event on an element</a:t>
+              <a:t>Binds an event handler to the "click" JavaScript event, or triggers that event on an element</a:t>
             </a:r>
           </a:p>
         </p:txBody>
@@ -7625,34 +7412,13 @@
           </a:p>
           <a:p>
             <a:r>
-              <a:rPr lang="en-US" dirty="0" smtClean="0">
-                <a:solidFill>
-                  <a:srgbClr val="00B0F0"/>
-                </a:solidFill>
-              </a:rPr>
-              <a:t>https</a:t>
-            </a:r>
-            <a:r>
               <a:rPr lang="en-US" dirty="0">
                 <a:solidFill>
                   <a:srgbClr val="00B0F0"/>
                 </a:solidFill>
               </a:rPr>
-              <a:t>://</a:t>
-            </a:r>
-            <a:r>
-              <a:rPr lang="en-US" dirty="0" smtClean="0">
-                <a:solidFill>
-                  <a:srgbClr val="00B0F0"/>
-                </a:solidFill>
-              </a:rPr>
-              <a:t>api.jquery.com/clixk/</a:t>
-            </a:r>
-            <a:endParaRPr lang="en-US" dirty="0">
-              <a:solidFill>
-                <a:srgbClr val="00B0F0"/>
-              </a:solidFill>
-            </a:endParaRPr>
+              <a:t>https://api.jquery.com/clixk/</a:t>
+            </a:r>
           </a:p>
         </p:txBody>
       </p:sp>
@@ -7666,13 +7432,6 @@
   <p:clrMapOvr>
     <a:masterClrMapping/>
   </p:clrMapOvr>
-  <p:timing>
-    <p:tnLst>
-      <p:par>
-        <p:cTn id="1" dur="indefinite" restart="never" nodeType="tmRoot"/>
-      </p:par>
-    </p:tnLst>
-  </p:timing>
 </p:sld>
 </file>
 
@@ -7698,7 +7457,7 @@
           <p:cNvPr id="2" name="Title 1">
             <a:extLst>
               <a:ext uri="{FF2B5EF4-FFF2-40B4-BE49-F238E27FC236}">
-                <a16:creationId xmlns:a16="http://schemas.microsoft.com/office/drawing/2014/main" xmlns="" id="{BDFAC13C-59B1-436E-B58F-C304E1C705CF}"/>
+                <a16:creationId xmlns:a16="http://schemas.microsoft.com/office/drawing/2014/main" id="{BDFAC13C-59B1-436E-B58F-C304E1C705CF}"/>
               </a:ext>
             </a:extLst>
           </p:cNvPr>
@@ -7722,10 +7481,9 @@
           <a:lstStyle/>
           <a:p>
             <a:r>
-              <a:rPr lang="en-US" u="sng" dirty="0" smtClean="0"/>
+              <a:rPr lang="en-US" u="sng" dirty="0"/>
               <a:t>.each()</a:t>
             </a:r>
-            <a:endParaRPr lang="en-US" u="sng" dirty="0"/>
           </a:p>
         </p:txBody>
       </p:sp>
@@ -7734,7 +7492,7 @@
           <p:cNvPr id="3" name="Content Placeholder 2">
             <a:extLst>
               <a:ext uri="{FF2B5EF4-FFF2-40B4-BE49-F238E27FC236}">
-                <a16:creationId xmlns:a16="http://schemas.microsoft.com/office/drawing/2014/main" xmlns="" id="{844A3DC5-46BF-4BFF-8008-98FD467C4904}"/>
+                <a16:creationId xmlns:a16="http://schemas.microsoft.com/office/drawing/2014/main" id="{844A3DC5-46BF-4BFF-8008-98FD467C4904}"/>
               </a:ext>
             </a:extLst>
           </p:cNvPr>
@@ -7831,34 +7589,13 @@
           </a:p>
           <a:p>
             <a:r>
-              <a:rPr lang="en-US" dirty="0" smtClean="0">
-                <a:solidFill>
-                  <a:srgbClr val="00B0F0"/>
-                </a:solidFill>
-              </a:rPr>
-              <a:t>https</a:t>
-            </a:r>
-            <a:r>
               <a:rPr lang="en-US" dirty="0">
                 <a:solidFill>
                   <a:srgbClr val="00B0F0"/>
                 </a:solidFill>
               </a:rPr>
-              <a:t>://</a:t>
-            </a:r>
-            <a:r>
-              <a:rPr lang="en-US" dirty="0" smtClean="0">
-                <a:solidFill>
-                  <a:srgbClr val="00B0F0"/>
-                </a:solidFill>
-              </a:rPr>
-              <a:t>api.jquery.com/each/</a:t>
-            </a:r>
-            <a:endParaRPr lang="en-US" dirty="0">
-              <a:solidFill>
-                <a:srgbClr val="00B0F0"/>
-              </a:solidFill>
-            </a:endParaRPr>
+              <a:t>https://api.jquery.com/each/</a:t>
+            </a:r>
           </a:p>
         </p:txBody>
       </p:sp>
@@ -7872,13 +7609,6 @@
   <p:clrMapOvr>
     <a:masterClrMapping/>
   </p:clrMapOvr>
-  <p:timing>
-    <p:tnLst>
-      <p:par>
-        <p:cTn id="1" dur="indefinite" restart="never" nodeType="tmRoot"/>
-      </p:par>
-    </p:tnLst>
-  </p:timing>
 </p:sld>
 </file>
 
@@ -7904,7 +7634,7 @@
           <p:cNvPr id="2" name="Title 1">
             <a:extLst>
               <a:ext uri="{FF2B5EF4-FFF2-40B4-BE49-F238E27FC236}">
-                <a16:creationId xmlns:a16="http://schemas.microsoft.com/office/drawing/2014/main" xmlns="" id="{BDFAC13C-59B1-436E-B58F-C304E1C705CF}"/>
+                <a16:creationId xmlns:a16="http://schemas.microsoft.com/office/drawing/2014/main" id="{BDFAC13C-59B1-436E-B58F-C304E1C705CF}"/>
               </a:ext>
             </a:extLst>
           </p:cNvPr>
@@ -7928,10 +7658,9 @@
           <a:lstStyle/>
           <a:p>
             <a:r>
-              <a:rPr lang="en-US" u="sng" dirty="0" smtClean="0"/>
+              <a:rPr lang="en-US" u="sng" dirty="0"/>
               <a:t>.error()</a:t>
             </a:r>
-            <a:endParaRPr lang="en-US" u="sng" dirty="0"/>
           </a:p>
         </p:txBody>
       </p:sp>
@@ -7940,7 +7669,7 @@
           <p:cNvPr id="3" name="Content Placeholder 2">
             <a:extLst>
               <a:ext uri="{FF2B5EF4-FFF2-40B4-BE49-F238E27FC236}">
-                <a16:creationId xmlns:a16="http://schemas.microsoft.com/office/drawing/2014/main" xmlns="" id="{844A3DC5-46BF-4BFF-8008-98FD467C4904}"/>
+                <a16:creationId xmlns:a16="http://schemas.microsoft.com/office/drawing/2014/main" id="{844A3DC5-46BF-4BFF-8008-98FD467C4904}"/>
               </a:ext>
             </a:extLst>
           </p:cNvPr>
@@ -8037,34 +7766,13 @@
           </a:p>
           <a:p>
             <a:r>
-              <a:rPr lang="en-US" dirty="0" smtClean="0">
-                <a:solidFill>
-                  <a:srgbClr val="00B0F0"/>
-                </a:solidFill>
-              </a:rPr>
-              <a:t>https</a:t>
-            </a:r>
-            <a:r>
               <a:rPr lang="en-US" dirty="0">
                 <a:solidFill>
                   <a:srgbClr val="00B0F0"/>
                 </a:solidFill>
               </a:rPr>
-              <a:t>://</a:t>
-            </a:r>
-            <a:r>
-              <a:rPr lang="en-US" dirty="0" smtClean="0">
-                <a:solidFill>
-                  <a:srgbClr val="00B0F0"/>
-                </a:solidFill>
-              </a:rPr>
-              <a:t>api.jquery.com/error/</a:t>
-            </a:r>
-            <a:endParaRPr lang="en-US" dirty="0">
-              <a:solidFill>
-                <a:srgbClr val="00B0F0"/>
-              </a:solidFill>
-            </a:endParaRPr>
+              <a:t>https://api.jquery.com/error/</a:t>
+            </a:r>
           </a:p>
         </p:txBody>
       </p:sp>
@@ -8078,13 +7786,6 @@
   <p:clrMapOvr>
     <a:masterClrMapping/>
   </p:clrMapOvr>
-  <p:timing>
-    <p:tnLst>
-      <p:par>
-        <p:cTn id="1" dur="indefinite" restart="never" nodeType="tmRoot"/>
-      </p:par>
-    </p:tnLst>
-  </p:timing>
 </p:sld>
 </file>
 
@@ -8110,7 +7811,7 @@
           <p:cNvPr id="2" name="Title 1">
             <a:extLst>
               <a:ext uri="{FF2B5EF4-FFF2-40B4-BE49-F238E27FC236}">
-                <a16:creationId xmlns:a16="http://schemas.microsoft.com/office/drawing/2014/main" xmlns="" id="{BDFAC13C-59B1-436E-B58F-C304E1C705CF}"/>
+                <a16:creationId xmlns:a16="http://schemas.microsoft.com/office/drawing/2014/main" id="{BDFAC13C-59B1-436E-B58F-C304E1C705CF}"/>
               </a:ext>
             </a:extLst>
           </p:cNvPr>
@@ -8134,10 +7835,9 @@
           <a:lstStyle/>
           <a:p>
             <a:r>
-              <a:rPr lang="en-US" u="sng" dirty="0" smtClean="0"/>
+              <a:rPr lang="en-US" u="sng" dirty="0"/>
               <a:t>.event.preventDefault()</a:t>
             </a:r>
-            <a:endParaRPr lang="en-US" u="sng" dirty="0"/>
           </a:p>
         </p:txBody>
       </p:sp>
@@ -8146,7 +7846,7 @@
           <p:cNvPr id="3" name="Content Placeholder 2">
             <a:extLst>
               <a:ext uri="{FF2B5EF4-FFF2-40B4-BE49-F238E27FC236}">
-                <a16:creationId xmlns:a16="http://schemas.microsoft.com/office/drawing/2014/main" xmlns="" id="{844A3DC5-46BF-4BFF-8008-98FD467C4904}"/>
+                <a16:creationId xmlns:a16="http://schemas.microsoft.com/office/drawing/2014/main" id="{844A3DC5-46BF-4BFF-8008-98FD467C4904}"/>
               </a:ext>
             </a:extLst>
           </p:cNvPr>
@@ -8263,13 +7963,6 @@
   <p:clrMapOvr>
     <a:masterClrMapping/>
   </p:clrMapOvr>
-  <p:timing>
-    <p:tnLst>
-      <p:par>
-        <p:cTn id="1" dur="indefinite" restart="never" nodeType="tmRoot"/>
-      </p:par>
-    </p:tnLst>
-  </p:timing>
 </p:sld>
 </file>
 
@@ -8295,7 +7988,7 @@
           <p:cNvPr id="2" name="Title 1">
             <a:extLst>
               <a:ext uri="{FF2B5EF4-FFF2-40B4-BE49-F238E27FC236}">
-                <a16:creationId xmlns:a16="http://schemas.microsoft.com/office/drawing/2014/main" xmlns="" id="{BDFAC13C-59B1-436E-B58F-C304E1C705CF}"/>
+                <a16:creationId xmlns:a16="http://schemas.microsoft.com/office/drawing/2014/main" id="{BDFAC13C-59B1-436E-B58F-C304E1C705CF}"/>
               </a:ext>
             </a:extLst>
           </p:cNvPr>
@@ -8319,10 +8012,9 @@
           <a:lstStyle/>
           <a:p>
             <a:r>
-              <a:rPr lang="en-US" u="sng" dirty="0" smtClean="0"/>
+              <a:rPr lang="en-US" u="sng" dirty="0"/>
               <a:t>.event.stopPropagation()</a:t>
             </a:r>
-            <a:endParaRPr lang="en-US" u="sng" dirty="0"/>
           </a:p>
         </p:txBody>
       </p:sp>
@@ -8331,7 +8023,7 @@
           <p:cNvPr id="3" name="Content Placeholder 2">
             <a:extLst>
               <a:ext uri="{FF2B5EF4-FFF2-40B4-BE49-F238E27FC236}">
-                <a16:creationId xmlns:a16="http://schemas.microsoft.com/office/drawing/2014/main" xmlns="" id="{844A3DC5-46BF-4BFF-8008-98FD467C4904}"/>
+                <a16:creationId xmlns:a16="http://schemas.microsoft.com/office/drawing/2014/main" id="{844A3DC5-46BF-4BFF-8008-98FD467C4904}"/>
               </a:ext>
             </a:extLst>
           </p:cNvPr>
@@ -8433,21 +8125,8 @@
                   <a:srgbClr val="00B0F0"/>
                 </a:solidFill>
               </a:rPr>
-              <a:t>https://</a:t>
-            </a:r>
-            <a:r>
-              <a:rPr lang="en-US" dirty="0" smtClean="0">
-                <a:solidFill>
-                  <a:srgbClr val="00B0F0"/>
-                </a:solidFill>
-              </a:rPr>
-              <a:t>api.jquery.com/event.stopPropagation</a:t>
-            </a:r>
-            <a:endParaRPr lang="en-US" dirty="0">
-              <a:solidFill>
-                <a:srgbClr val="00B0F0"/>
-              </a:solidFill>
-            </a:endParaRPr>
+              <a:t>https://api.jquery.com/event.stopPropagation</a:t>
+            </a:r>
           </a:p>
         </p:txBody>
       </p:sp>
@@ -8461,13 +8140,6 @@
   <p:clrMapOvr>
     <a:masterClrMapping/>
   </p:clrMapOvr>
-  <p:timing>
-    <p:tnLst>
-      <p:par>
-        <p:cTn id="1" dur="indefinite" restart="never" nodeType="tmRoot"/>
-      </p:par>
-    </p:tnLst>
-  </p:timing>
 </p:sld>
 </file>
 
@@ -8493,7 +8165,7 @@
           <p:cNvPr id="2" name="Title 1">
             <a:extLst>
               <a:ext uri="{FF2B5EF4-FFF2-40B4-BE49-F238E27FC236}">
-                <a16:creationId xmlns:a16="http://schemas.microsoft.com/office/drawing/2014/main" xmlns="" id="{BDFAC13C-59B1-436E-B58F-C304E1C705CF}"/>
+                <a16:creationId xmlns:a16="http://schemas.microsoft.com/office/drawing/2014/main" id="{BDFAC13C-59B1-436E-B58F-C304E1C705CF}"/>
               </a:ext>
             </a:extLst>
           </p:cNvPr>
@@ -8517,10 +8189,9 @@
           <a:lstStyle/>
           <a:p>
             <a:r>
-              <a:rPr lang="en-US" u="sng" dirty="0" smtClean="0"/>
+              <a:rPr lang="en-US" u="sng" dirty="0"/>
               <a:t>.on()</a:t>
             </a:r>
-            <a:endParaRPr lang="en-US" u="sng" dirty="0"/>
           </a:p>
         </p:txBody>
       </p:sp>
@@ -8529,7 +8200,7 @@
           <p:cNvPr id="3" name="Content Placeholder 2">
             <a:extLst>
               <a:ext uri="{FF2B5EF4-FFF2-40B4-BE49-F238E27FC236}">
-                <a16:creationId xmlns:a16="http://schemas.microsoft.com/office/drawing/2014/main" xmlns="" id="{844A3DC5-46BF-4BFF-8008-98FD467C4904}"/>
+                <a16:creationId xmlns:a16="http://schemas.microsoft.com/office/drawing/2014/main" id="{844A3DC5-46BF-4BFF-8008-98FD467C4904}"/>
               </a:ext>
             </a:extLst>
           </p:cNvPr>
@@ -8646,13 +8317,6 @@
   <p:clrMapOvr>
     <a:masterClrMapping/>
   </p:clrMapOvr>
-  <p:timing>
-    <p:tnLst>
-      <p:par>
-        <p:cTn id="1" dur="indefinite" restart="never" nodeType="tmRoot"/>
-      </p:par>
-    </p:tnLst>
-  </p:timing>
 </p:sld>
 </file>
 
@@ -8678,7 +8342,7 @@
           <p:cNvPr id="2" name="Title 1">
             <a:extLst>
               <a:ext uri="{FF2B5EF4-FFF2-40B4-BE49-F238E27FC236}">
-                <a16:creationId xmlns:a16="http://schemas.microsoft.com/office/drawing/2014/main" xmlns="" id="{BDFAC13C-59B1-436E-B58F-C304E1C705CF}"/>
+                <a16:creationId xmlns:a16="http://schemas.microsoft.com/office/drawing/2014/main" id="{BDFAC13C-59B1-436E-B58F-C304E1C705CF}"/>
               </a:ext>
             </a:extLst>
           </p:cNvPr>
@@ -8702,12 +8366,8 @@
           <a:lstStyle/>
           <a:p>
             <a:r>
-              <a:rPr lang="en-US" u="sng" dirty="0" smtClean="0"/>
-              <a:t>.on</a:t>
-            </a:r>
-            <a:r>
-              <a:rPr lang="en-US" u="sng" dirty="0" smtClean="0"/>
-              <a:t>(</a:t>
+              <a:rPr lang="en-US" u="sng" dirty="0"/>
+              <a:t>.on(</a:t>
             </a:r>
             <a:r>
               <a:rPr lang="en-US" u="sng" dirty="0">
@@ -8717,7 +8377,7 @@
               <a:t>"</a:t>
             </a:r>
             <a:r>
-              <a:rPr lang="en-US" u="sng" dirty="0" smtClean="0"/>
+              <a:rPr lang="en-US" u="sng" dirty="0"/>
               <a:t>reset</a:t>
             </a:r>
             <a:r>
@@ -8728,10 +8388,9 @@
               <a:t>"</a:t>
             </a:r>
             <a:r>
-              <a:rPr lang="en-US" u="sng" dirty="0" smtClean="0"/>
+              <a:rPr lang="en-US" u="sng" dirty="0"/>
               <a:t>)</a:t>
             </a:r>
-            <a:endParaRPr lang="en-US" u="sng" dirty="0"/>
           </a:p>
         </p:txBody>
       </p:sp>
@@ -8740,7 +8399,7 @@
           <p:cNvPr id="3" name="Content Placeholder 2">
             <a:extLst>
               <a:ext uri="{FF2B5EF4-FFF2-40B4-BE49-F238E27FC236}">
-                <a16:creationId xmlns:a16="http://schemas.microsoft.com/office/drawing/2014/main" xmlns="" id="{844A3DC5-46BF-4BFF-8008-98FD467C4904}"/>
+                <a16:creationId xmlns:a16="http://schemas.microsoft.com/office/drawing/2014/main" id="{844A3DC5-46BF-4BFF-8008-98FD467C4904}"/>
               </a:ext>
             </a:extLst>
           </p:cNvPr>
@@ -8778,14 +8437,11 @@
               <a:buNone/>
             </a:pPr>
             <a:r>
-              <a:rPr lang="en-US" sz="1800" dirty="0" smtClean="0">
+              <a:rPr lang="en-US" sz="1800" dirty="0">
                 <a:cs typeface="Arial" panose="020B0604020202020204" pitchFamily="34" charset="0"/>
               </a:rPr>
               <a:t>Used with on, the reset event here is often used to remove any error messages that arise when a form is in the validation process</a:t>
             </a:r>
-            <a:endParaRPr lang="en-US" sz="1800" dirty="0">
-              <a:cs typeface="Arial" panose="020B0604020202020204" pitchFamily="34" charset="0"/>
-            </a:endParaRPr>
           </a:p>
         </p:txBody>
       </p:sp>
@@ -8860,13 +8516,6 @@
   <p:clrMapOvr>
     <a:masterClrMapping/>
   </p:clrMapOvr>
-  <p:timing>
-    <p:tnLst>
-      <p:par>
-        <p:cTn id="1" dur="indefinite" restart="never" nodeType="tmRoot"/>
-      </p:par>
-    </p:tnLst>
-  </p:timing>
 </p:sld>
 </file>
 
@@ -8892,7 +8541,7 @@
           <p:cNvPr id="2" name="Title 1">
             <a:extLst>
               <a:ext uri="{FF2B5EF4-FFF2-40B4-BE49-F238E27FC236}">
-                <a16:creationId xmlns:a16="http://schemas.microsoft.com/office/drawing/2014/main" xmlns="" id="{BDFAC13C-59B1-436E-B58F-C304E1C705CF}"/>
+                <a16:creationId xmlns:a16="http://schemas.microsoft.com/office/drawing/2014/main" id="{BDFAC13C-59B1-436E-B58F-C304E1C705CF}"/>
               </a:ext>
             </a:extLst>
           </p:cNvPr>
@@ -8916,10 +8565,9 @@
           <a:lstStyle/>
           <a:p>
             <a:r>
-              <a:rPr lang="en-US" u="sng" dirty="0" smtClean="0"/>
+              <a:rPr lang="en-US" u="sng" dirty="0"/>
               <a:t>Using jQuery via a CDN</a:t>
             </a:r>
-            <a:endParaRPr lang="en-US" u="sng" dirty="0"/>
           </a:p>
         </p:txBody>
       </p:sp>
@@ -8928,7 +8576,7 @@
           <p:cNvPr id="3" name="Content Placeholder 2">
             <a:extLst>
               <a:ext uri="{FF2B5EF4-FFF2-40B4-BE49-F238E27FC236}">
-                <a16:creationId xmlns:a16="http://schemas.microsoft.com/office/drawing/2014/main" xmlns="" id="{844A3DC5-46BF-4BFF-8008-98FD467C4904}"/>
+                <a16:creationId xmlns:a16="http://schemas.microsoft.com/office/drawing/2014/main" id="{844A3DC5-46BF-4BFF-8008-98FD467C4904}"/>
               </a:ext>
             </a:extLst>
           </p:cNvPr>
@@ -9018,13 +8666,6 @@
   <p:clrMapOvr>
     <a:masterClrMapping/>
   </p:clrMapOvr>
-  <p:timing>
-    <p:tnLst>
-      <p:par>
-        <p:cTn id="1" dur="indefinite" restart="never" nodeType="tmRoot"/>
-      </p:par>
-    </p:tnLst>
-  </p:timing>
 </p:sld>
 </file>
 
@@ -9050,7 +8691,7 @@
           <p:cNvPr id="2" name="Title 1">
             <a:extLst>
               <a:ext uri="{FF2B5EF4-FFF2-40B4-BE49-F238E27FC236}">
-                <a16:creationId xmlns:a16="http://schemas.microsoft.com/office/drawing/2014/main" xmlns="" id="{BDFAC13C-59B1-436E-B58F-C304E1C705CF}"/>
+                <a16:creationId xmlns:a16="http://schemas.microsoft.com/office/drawing/2014/main" id="{BDFAC13C-59B1-436E-B58F-C304E1C705CF}"/>
               </a:ext>
             </a:extLst>
           </p:cNvPr>
@@ -9074,10 +8715,9 @@
           <a:lstStyle/>
           <a:p>
             <a:r>
-              <a:rPr lang="en-US" u="sng" dirty="0" smtClean="0"/>
+              <a:rPr lang="en-US" u="sng" dirty="0"/>
               <a:t>.submit()</a:t>
             </a:r>
-            <a:endParaRPr lang="en-US" u="sng" dirty="0"/>
           </a:p>
         </p:txBody>
       </p:sp>
@@ -9086,7 +8726,7 @@
           <p:cNvPr id="3" name="Content Placeholder 2">
             <a:extLst>
               <a:ext uri="{FF2B5EF4-FFF2-40B4-BE49-F238E27FC236}">
-                <a16:creationId xmlns:a16="http://schemas.microsoft.com/office/drawing/2014/main" xmlns="" id="{844A3DC5-46BF-4BFF-8008-98FD467C4904}"/>
+                <a16:creationId xmlns:a16="http://schemas.microsoft.com/office/drawing/2014/main" id="{844A3DC5-46BF-4BFF-8008-98FD467C4904}"/>
               </a:ext>
             </a:extLst>
           </p:cNvPr>
@@ -9203,13 +8843,6 @@
   <p:clrMapOvr>
     <a:masterClrMapping/>
   </p:clrMapOvr>
-  <p:timing>
-    <p:tnLst>
-      <p:par>
-        <p:cTn id="1" dur="indefinite" restart="never" nodeType="tmRoot"/>
-      </p:par>
-    </p:tnLst>
-  </p:timing>
 </p:sld>
 </file>
 
@@ -9235,7 +8868,7 @@
           <p:cNvPr id="2" name="Title 1">
             <a:extLst>
               <a:ext uri="{FF2B5EF4-FFF2-40B4-BE49-F238E27FC236}">
-                <a16:creationId xmlns:a16="http://schemas.microsoft.com/office/drawing/2014/main" xmlns="" id="{BDFAC13C-59B1-436E-B58F-C304E1C705CF}"/>
+                <a16:creationId xmlns:a16="http://schemas.microsoft.com/office/drawing/2014/main" id="{BDFAC13C-59B1-436E-B58F-C304E1C705CF}"/>
               </a:ext>
             </a:extLst>
           </p:cNvPr>
@@ -9259,10 +8892,9 @@
           <a:lstStyle/>
           <a:p>
             <a:r>
-              <a:rPr lang="en-US" u="sng" dirty="0" smtClean="0"/>
+              <a:rPr lang="en-US" u="sng" dirty="0"/>
               <a:t>jQuery Class Methods</a:t>
             </a:r>
-            <a:endParaRPr lang="en-US" u="sng" dirty="0"/>
           </a:p>
         </p:txBody>
       </p:sp>
@@ -9271,7 +8903,7 @@
           <p:cNvPr id="3" name="Content Placeholder 2">
             <a:extLst>
               <a:ext uri="{FF2B5EF4-FFF2-40B4-BE49-F238E27FC236}">
-                <a16:creationId xmlns:a16="http://schemas.microsoft.com/office/drawing/2014/main" xmlns="" id="{844A3DC5-46BF-4BFF-8008-98FD467C4904}"/>
+                <a16:creationId xmlns:a16="http://schemas.microsoft.com/office/drawing/2014/main" id="{844A3DC5-46BF-4BFF-8008-98FD467C4904}"/>
               </a:ext>
             </a:extLst>
           </p:cNvPr>
@@ -9301,19 +8933,7 @@
               <a:rPr lang="en-US" sz="1800" dirty="0">
                 <a:cs typeface="Arial" panose="020B0604020202020204" pitchFamily="34" charset="0"/>
               </a:rPr>
-              <a:t>jQuery provides several methods, such as </a:t>
-            </a:r>
-            <a:r>
-              <a:rPr lang="en-US" sz="1800" dirty="0" smtClean="0">
-                <a:cs typeface="Arial" panose="020B0604020202020204" pitchFamily="34" charset="0"/>
-              </a:rPr>
-              <a:t>addClass(), removeClass(), and toggleClass</a:t>
-            </a:r>
-            <a:r>
-              <a:rPr lang="en-US" sz="1800" dirty="0">
-                <a:cs typeface="Arial" panose="020B0604020202020204" pitchFamily="34" charset="0"/>
-              </a:rPr>
-              <a:t>() to manipulate the CSS classes assigned to HTML elements</a:t>
+              <a:t>jQuery provides several methods, such as addClass(), removeClass(), and toggleClass() to manipulate the CSS classes assigned to HTML elements</a:t>
             </a:r>
           </a:p>
           <a:p>
@@ -9331,14 +8951,7 @@
                 <a:cs typeface="Arial" panose="020B0604020202020204" pitchFamily="34" charset="0"/>
                 <a:hlinkClick r:id="rId2"/>
               </a:rPr>
-              <a:t>jQuery </a:t>
-            </a:r>
-            <a:r>
-              <a:rPr lang="en-US" sz="1800" dirty="0" smtClean="0">
-                <a:cs typeface="Arial" panose="020B0604020202020204" pitchFamily="34" charset="0"/>
-                <a:hlinkClick r:id="rId2"/>
-              </a:rPr>
-              <a:t>animation</a:t>
+              <a:t>jQuery animation</a:t>
             </a:r>
             <a:r>
               <a:rPr lang="en-US" sz="1800" dirty="0">
@@ -9424,13 +9037,6 @@
   <p:clrMapOvr>
     <a:masterClrMapping/>
   </p:clrMapOvr>
-  <p:timing>
-    <p:tnLst>
-      <p:par>
-        <p:cTn id="1" dur="indefinite" restart="never" nodeType="tmRoot"/>
-      </p:par>
-    </p:tnLst>
-  </p:timing>
 </p:sld>
 </file>
 
@@ -9456,7 +9062,7 @@
           <p:cNvPr id="2" name="Title 1">
             <a:extLst>
               <a:ext uri="{FF2B5EF4-FFF2-40B4-BE49-F238E27FC236}">
-                <a16:creationId xmlns:a16="http://schemas.microsoft.com/office/drawing/2014/main" xmlns="" id="{BDFAC13C-59B1-436E-B58F-C304E1C705CF}"/>
+                <a16:creationId xmlns:a16="http://schemas.microsoft.com/office/drawing/2014/main" id="{BDFAC13C-59B1-436E-B58F-C304E1C705CF}"/>
               </a:ext>
             </a:extLst>
           </p:cNvPr>
@@ -9480,10 +9086,9 @@
           <a:lstStyle/>
           <a:p>
             <a:r>
-              <a:rPr lang="en-US" u="sng" dirty="0" smtClean="0"/>
+              <a:rPr lang="en-US" u="sng" dirty="0"/>
               <a:t>addClass()</a:t>
             </a:r>
-            <a:endParaRPr lang="en-US" u="sng" dirty="0"/>
           </a:p>
         </p:txBody>
       </p:sp>
@@ -9492,7 +9097,7 @@
           <p:cNvPr id="3" name="Content Placeholder 2">
             <a:extLst>
               <a:ext uri="{FF2B5EF4-FFF2-40B4-BE49-F238E27FC236}">
-                <a16:creationId xmlns:a16="http://schemas.microsoft.com/office/drawing/2014/main" xmlns="" id="{844A3DC5-46BF-4BFF-8008-98FD467C4904}"/>
+                <a16:creationId xmlns:a16="http://schemas.microsoft.com/office/drawing/2014/main" id="{844A3DC5-46BF-4BFF-8008-98FD467C4904}"/>
               </a:ext>
             </a:extLst>
           </p:cNvPr>
@@ -9583,13 +9188,6 @@
   <p:clrMapOvr>
     <a:masterClrMapping/>
   </p:clrMapOvr>
-  <p:timing>
-    <p:tnLst>
-      <p:par>
-        <p:cTn id="1" dur="indefinite" restart="never" nodeType="tmRoot"/>
-      </p:par>
-    </p:tnLst>
-  </p:timing>
 </p:sld>
 </file>
 
@@ -9615,7 +9213,7 @@
           <p:cNvPr id="2" name="Title 1">
             <a:extLst>
               <a:ext uri="{FF2B5EF4-FFF2-40B4-BE49-F238E27FC236}">
-                <a16:creationId xmlns:a16="http://schemas.microsoft.com/office/drawing/2014/main" xmlns="" id="{BDFAC13C-59B1-436E-B58F-C304E1C705CF}"/>
+                <a16:creationId xmlns:a16="http://schemas.microsoft.com/office/drawing/2014/main" id="{BDFAC13C-59B1-436E-B58F-C304E1C705CF}"/>
               </a:ext>
             </a:extLst>
           </p:cNvPr>
@@ -9639,10 +9237,9 @@
           <a:lstStyle/>
           <a:p>
             <a:r>
-              <a:rPr lang="en-US" u="sng" dirty="0" smtClean="0"/>
+              <a:rPr lang="en-US" u="sng" dirty="0"/>
               <a:t>removeClass()</a:t>
             </a:r>
-            <a:endParaRPr lang="en-US" u="sng" dirty="0"/>
           </a:p>
         </p:txBody>
       </p:sp>
@@ -9651,7 +9248,7 @@
           <p:cNvPr id="3" name="Content Placeholder 2">
             <a:extLst>
               <a:ext uri="{FF2B5EF4-FFF2-40B4-BE49-F238E27FC236}">
-                <a16:creationId xmlns:a16="http://schemas.microsoft.com/office/drawing/2014/main" xmlns="" id="{844A3DC5-46BF-4BFF-8008-98FD467C4904}"/>
+                <a16:creationId xmlns:a16="http://schemas.microsoft.com/office/drawing/2014/main" id="{844A3DC5-46BF-4BFF-8008-98FD467C4904}"/>
               </a:ext>
             </a:extLst>
           </p:cNvPr>
@@ -9742,13 +9339,6 @@
   <p:clrMapOvr>
     <a:masterClrMapping/>
   </p:clrMapOvr>
-  <p:timing>
-    <p:tnLst>
-      <p:par>
-        <p:cTn id="1" dur="indefinite" restart="never" nodeType="tmRoot"/>
-      </p:par>
-    </p:tnLst>
-  </p:timing>
 </p:sld>
 </file>
 
@@ -9774,7 +9364,7 @@
           <p:cNvPr id="2" name="Title 1">
             <a:extLst>
               <a:ext uri="{FF2B5EF4-FFF2-40B4-BE49-F238E27FC236}">
-                <a16:creationId xmlns:a16="http://schemas.microsoft.com/office/drawing/2014/main" xmlns="" id="{BDFAC13C-59B1-436E-B58F-C304E1C705CF}"/>
+                <a16:creationId xmlns:a16="http://schemas.microsoft.com/office/drawing/2014/main" id="{BDFAC13C-59B1-436E-B58F-C304E1C705CF}"/>
               </a:ext>
             </a:extLst>
           </p:cNvPr>
@@ -9798,10 +9388,9 @@
           <a:lstStyle/>
           <a:p>
             <a:r>
-              <a:rPr lang="en-US" u="sng" dirty="0" smtClean="0"/>
+              <a:rPr lang="en-US" u="sng" dirty="0"/>
               <a:t>toggleClass()</a:t>
             </a:r>
-            <a:endParaRPr lang="en-US" u="sng" dirty="0"/>
           </a:p>
         </p:txBody>
       </p:sp>
@@ -9810,7 +9399,7 @@
           <p:cNvPr id="3" name="Content Placeholder 2">
             <a:extLst>
               <a:ext uri="{FF2B5EF4-FFF2-40B4-BE49-F238E27FC236}">
-                <a16:creationId xmlns:a16="http://schemas.microsoft.com/office/drawing/2014/main" xmlns="" id="{844A3DC5-46BF-4BFF-8008-98FD467C4904}"/>
+                <a16:creationId xmlns:a16="http://schemas.microsoft.com/office/drawing/2014/main" id="{844A3DC5-46BF-4BFF-8008-98FD467C4904}"/>
               </a:ext>
             </a:extLst>
           </p:cNvPr>
@@ -9903,13 +9492,6 @@
   <p:clrMapOvr>
     <a:masterClrMapping/>
   </p:clrMapOvr>
-  <p:timing>
-    <p:tnLst>
-      <p:par>
-        <p:cTn id="1" dur="indefinite" restart="never" nodeType="tmRoot"/>
-      </p:par>
-    </p:tnLst>
-  </p:timing>
 </p:sld>
 </file>
 
@@ -9935,7 +9517,7 @@
           <p:cNvPr id="2" name="Title 1">
             <a:extLst>
               <a:ext uri="{FF2B5EF4-FFF2-40B4-BE49-F238E27FC236}">
-                <a16:creationId xmlns:a16="http://schemas.microsoft.com/office/drawing/2014/main" xmlns="" id="{BDFAC13C-59B1-436E-B58F-C304E1C705CF}"/>
+                <a16:creationId xmlns:a16="http://schemas.microsoft.com/office/drawing/2014/main" id="{BDFAC13C-59B1-436E-B58F-C304E1C705CF}"/>
               </a:ext>
             </a:extLst>
           </p:cNvPr>
@@ -9959,10 +9541,9 @@
           <a:lstStyle/>
           <a:p>
             <a:r>
-              <a:rPr lang="en-US" u="sng" dirty="0" smtClean="0"/>
+              <a:rPr lang="en-US" u="sng" dirty="0"/>
               <a:t>jQuery Form Validation</a:t>
             </a:r>
-            <a:endParaRPr lang="en-US" u="sng" dirty="0"/>
           </a:p>
         </p:txBody>
       </p:sp>
@@ -9971,7 +9552,7 @@
           <p:cNvPr id="3" name="Content Placeholder 2">
             <a:extLst>
               <a:ext uri="{FF2B5EF4-FFF2-40B4-BE49-F238E27FC236}">
-                <a16:creationId xmlns:a16="http://schemas.microsoft.com/office/drawing/2014/main" xmlns="" id="{844A3DC5-46BF-4BFF-8008-98FD467C4904}"/>
+                <a16:creationId xmlns:a16="http://schemas.microsoft.com/office/drawing/2014/main" id="{844A3DC5-46BF-4BFF-8008-98FD467C4904}"/>
               </a:ext>
             </a:extLst>
           </p:cNvPr>
@@ -10049,13 +9630,6 @@
   <p:clrMapOvr>
     <a:masterClrMapping/>
   </p:clrMapOvr>
-  <p:timing>
-    <p:tnLst>
-      <p:par>
-        <p:cTn id="1" dur="indefinite" restart="never" nodeType="tmRoot"/>
-      </p:par>
-    </p:tnLst>
-  </p:timing>
 </p:sld>
 </file>
 
@@ -10081,7 +9655,7 @@
           <p:cNvPr id="2" name="Title 1">
             <a:extLst>
               <a:ext uri="{FF2B5EF4-FFF2-40B4-BE49-F238E27FC236}">
-                <a16:creationId xmlns:a16="http://schemas.microsoft.com/office/drawing/2014/main" xmlns="" id="{BDFAC13C-59B1-436E-B58F-C304E1C705CF}"/>
+                <a16:creationId xmlns:a16="http://schemas.microsoft.com/office/drawing/2014/main" id="{BDFAC13C-59B1-436E-B58F-C304E1C705CF}"/>
               </a:ext>
             </a:extLst>
           </p:cNvPr>
@@ -10105,10 +9679,9 @@
           <a:lstStyle/>
           <a:p>
             <a:r>
-              <a:rPr lang="en-US" u="sng" dirty="0" smtClean="0"/>
+              <a:rPr lang="en-US" u="sng" dirty="0"/>
               <a:t>jQuery And CRUD</a:t>
             </a:r>
-            <a:endParaRPr lang="en-US" u="sng" dirty="0"/>
           </a:p>
         </p:txBody>
       </p:sp>
@@ -10117,7 +9690,7 @@
           <p:cNvPr id="3" name="Content Placeholder 2">
             <a:extLst>
               <a:ext uri="{FF2B5EF4-FFF2-40B4-BE49-F238E27FC236}">
-                <a16:creationId xmlns:a16="http://schemas.microsoft.com/office/drawing/2014/main" xmlns="" id="{844A3DC5-46BF-4BFF-8008-98FD467C4904}"/>
+                <a16:creationId xmlns:a16="http://schemas.microsoft.com/office/drawing/2014/main" id="{844A3DC5-46BF-4BFF-8008-98FD467C4904}"/>
               </a:ext>
             </a:extLst>
           </p:cNvPr>
@@ -10206,13 +9779,6 @@
   <p:clrMapOvr>
     <a:masterClrMapping/>
   </p:clrMapOvr>
-  <p:timing>
-    <p:tnLst>
-      <p:par>
-        <p:cTn id="1" dur="indefinite" restart="never" nodeType="tmRoot"/>
-      </p:par>
-    </p:tnLst>
-  </p:timing>
 </p:sld>
 </file>
 
@@ -10238,7 +9804,7 @@
           <p:cNvPr id="2" name="Title 1">
             <a:extLst>
               <a:ext uri="{FF2B5EF4-FFF2-40B4-BE49-F238E27FC236}">
-                <a16:creationId xmlns:a16="http://schemas.microsoft.com/office/drawing/2014/main" xmlns="" id="{BDFAC13C-59B1-436E-B58F-C304E1C705CF}"/>
+                <a16:creationId xmlns:a16="http://schemas.microsoft.com/office/drawing/2014/main" id="{BDFAC13C-59B1-436E-B58F-C304E1C705CF}"/>
               </a:ext>
             </a:extLst>
           </p:cNvPr>
@@ -10262,10 +9828,9 @@
           <a:lstStyle/>
           <a:p>
             <a:r>
-              <a:rPr lang="en-US" u="sng" dirty="0" smtClean="0"/>
+              <a:rPr lang="en-US" u="sng" dirty="0"/>
               <a:t>What We Covered</a:t>
             </a:r>
-            <a:endParaRPr lang="en-US" u="sng" dirty="0"/>
           </a:p>
         </p:txBody>
       </p:sp>
@@ -10274,7 +9839,7 @@
           <p:cNvPr id="3" name="Content Placeholder 2">
             <a:extLst>
               <a:ext uri="{FF2B5EF4-FFF2-40B4-BE49-F238E27FC236}">
-                <a16:creationId xmlns:a16="http://schemas.microsoft.com/office/drawing/2014/main" xmlns="" id="{844A3DC5-46BF-4BFF-8008-98FD467C4904}"/>
+                <a16:creationId xmlns:a16="http://schemas.microsoft.com/office/drawing/2014/main" id="{844A3DC5-46BF-4BFF-8008-98FD467C4904}"/>
               </a:ext>
             </a:extLst>
           </p:cNvPr>
@@ -10379,13 +9944,6 @@
   <p:clrMapOvr>
     <a:masterClrMapping/>
   </p:clrMapOvr>
-  <p:timing>
-    <p:tnLst>
-      <p:par>
-        <p:cTn id="1" dur="indefinite" restart="never" nodeType="tmRoot"/>
-      </p:par>
-    </p:tnLst>
-  </p:timing>
 </p:sld>
 </file>
 
@@ -10411,7 +9969,7 @@
           <p:cNvPr id="2" name="Title 1">
             <a:extLst>
               <a:ext uri="{FF2B5EF4-FFF2-40B4-BE49-F238E27FC236}">
-                <a16:creationId xmlns:a16="http://schemas.microsoft.com/office/drawing/2014/main" xmlns="" id="{BDFAC13C-59B1-436E-B58F-C304E1C705CF}"/>
+                <a16:creationId xmlns:a16="http://schemas.microsoft.com/office/drawing/2014/main" id="{BDFAC13C-59B1-436E-B58F-C304E1C705CF}"/>
               </a:ext>
             </a:extLst>
           </p:cNvPr>
@@ -10435,10 +9993,9 @@
           <a:lstStyle/>
           <a:p>
             <a:r>
-              <a:rPr lang="en-US" u="sng" dirty="0" smtClean="0"/>
+              <a:rPr lang="en-US" u="sng" dirty="0"/>
               <a:t>Some Useful URLs</a:t>
             </a:r>
-            <a:endParaRPr lang="en-US" u="sng" dirty="0"/>
           </a:p>
         </p:txBody>
       </p:sp>
@@ -10447,7 +10004,7 @@
           <p:cNvPr id="3" name="Content Placeholder 2">
             <a:extLst>
               <a:ext uri="{FF2B5EF4-FFF2-40B4-BE49-F238E27FC236}">
-                <a16:creationId xmlns:a16="http://schemas.microsoft.com/office/drawing/2014/main" xmlns="" id="{844A3DC5-46BF-4BFF-8008-98FD467C4904}"/>
+                <a16:creationId xmlns:a16="http://schemas.microsoft.com/office/drawing/2014/main" id="{844A3DC5-46BF-4BFF-8008-98FD467C4904}"/>
               </a:ext>
             </a:extLst>
           </p:cNvPr>
@@ -10543,13 +10100,6 @@
   <p:clrMapOvr>
     <a:masterClrMapping/>
   </p:clrMapOvr>
-  <p:timing>
-    <p:tnLst>
-      <p:par>
-        <p:cTn id="1" dur="indefinite" restart="never" nodeType="tmRoot"/>
-      </p:par>
-    </p:tnLst>
-  </p:timing>
 </p:sld>
 </file>
 
@@ -10575,7 +10125,7 @@
           <p:cNvPr id="2" name="Title 1">
             <a:extLst>
               <a:ext uri="{FF2B5EF4-FFF2-40B4-BE49-F238E27FC236}">
-                <a16:creationId xmlns:a16="http://schemas.microsoft.com/office/drawing/2014/main" xmlns="" id="{BDFAC13C-59B1-436E-B58F-C304E1C705CF}"/>
+                <a16:creationId xmlns:a16="http://schemas.microsoft.com/office/drawing/2014/main" id="{BDFAC13C-59B1-436E-B58F-C304E1C705CF}"/>
               </a:ext>
             </a:extLst>
           </p:cNvPr>
@@ -10599,10 +10149,9 @@
           <a:lstStyle/>
           <a:p>
             <a:r>
-              <a:rPr lang="en-US" u="sng" dirty="0" smtClean="0"/>
+              <a:rPr lang="en-US" u="sng" dirty="0"/>
               <a:t>jQuery CDN Advantages</a:t>
             </a:r>
-            <a:endParaRPr lang="en-US" u="sng" dirty="0"/>
           </a:p>
         </p:txBody>
       </p:sp>
@@ -10611,7 +10160,7 @@
           <p:cNvPr id="3" name="Content Placeholder 2">
             <a:extLst>
               <a:ext uri="{FF2B5EF4-FFF2-40B4-BE49-F238E27FC236}">
-                <a16:creationId xmlns:a16="http://schemas.microsoft.com/office/drawing/2014/main" xmlns="" id="{844A3DC5-46BF-4BFF-8008-98FD467C4904}"/>
+                <a16:creationId xmlns:a16="http://schemas.microsoft.com/office/drawing/2014/main" id="{844A3DC5-46BF-4BFF-8008-98FD467C4904}"/>
               </a:ext>
             </a:extLst>
           </p:cNvPr>
@@ -10724,13 +10273,6 @@
   <p:clrMapOvr>
     <a:masterClrMapping/>
   </p:clrMapOvr>
-  <p:timing>
-    <p:tnLst>
-      <p:par>
-        <p:cTn id="1" dur="indefinite" restart="never" nodeType="tmRoot"/>
-      </p:par>
-    </p:tnLst>
-  </p:timing>
 </p:sld>
 </file>
 
@@ -10756,7 +10298,7 @@
           <p:cNvPr id="2" name="Title 1">
             <a:extLst>
               <a:ext uri="{FF2B5EF4-FFF2-40B4-BE49-F238E27FC236}">
-                <a16:creationId xmlns:a16="http://schemas.microsoft.com/office/drawing/2014/main" xmlns="" id="{BDFAC13C-59B1-436E-B58F-C304E1C705CF}"/>
+                <a16:creationId xmlns:a16="http://schemas.microsoft.com/office/drawing/2014/main" id="{BDFAC13C-59B1-436E-B58F-C304E1C705CF}"/>
               </a:ext>
             </a:extLst>
           </p:cNvPr>
@@ -10780,10 +10322,9 @@
           <a:lstStyle/>
           <a:p>
             <a:r>
-              <a:rPr lang="en-US" u="sng" dirty="0" smtClean="0"/>
+              <a:rPr lang="en-US" u="sng" dirty="0"/>
               <a:t>jQuery CDN Disadvantages</a:t>
             </a:r>
-            <a:endParaRPr lang="en-US" u="sng" dirty="0"/>
           </a:p>
         </p:txBody>
       </p:sp>
@@ -10792,7 +10333,7 @@
           <p:cNvPr id="3" name="Content Placeholder 2">
             <a:extLst>
               <a:ext uri="{FF2B5EF4-FFF2-40B4-BE49-F238E27FC236}">
-                <a16:creationId xmlns:a16="http://schemas.microsoft.com/office/drawing/2014/main" xmlns="" id="{844A3DC5-46BF-4BFF-8008-98FD467C4904}"/>
+                <a16:creationId xmlns:a16="http://schemas.microsoft.com/office/drawing/2014/main" id="{844A3DC5-46BF-4BFF-8008-98FD467C4904}"/>
               </a:ext>
             </a:extLst>
           </p:cNvPr>
@@ -10819,16 +10360,10 @@
               <a:buNone/>
             </a:pPr>
             <a:r>
-              <a:rPr lang="en-US" sz="1800" dirty="0" smtClean="0">
-                <a:cs typeface="Arial" panose="020B0604020202020204" pitchFamily="34" charset="0"/>
-              </a:rPr>
-              <a:t>Disadvantages </a:t>
-            </a:r>
-            <a:r>
               <a:rPr lang="en-US" sz="1800" dirty="0">
                 <a:cs typeface="Arial" panose="020B0604020202020204" pitchFamily="34" charset="0"/>
               </a:rPr>
-              <a:t>of jQuery via a CDN:</a:t>
+              <a:t>Disadvantages of jQuery via a CDN:</a:t>
             </a:r>
           </a:p>
           <a:p>
@@ -10920,13 +10455,6 @@
   <p:clrMapOvr>
     <a:masterClrMapping/>
   </p:clrMapOvr>
-  <p:timing>
-    <p:tnLst>
-      <p:par>
-        <p:cTn id="1" dur="indefinite" restart="never" nodeType="tmRoot"/>
-      </p:par>
-    </p:tnLst>
-  </p:timing>
 </p:sld>
 </file>
 
@@ -10952,7 +10480,7 @@
           <p:cNvPr id="2" name="Title 1">
             <a:extLst>
               <a:ext uri="{FF2B5EF4-FFF2-40B4-BE49-F238E27FC236}">
-                <a16:creationId xmlns:a16="http://schemas.microsoft.com/office/drawing/2014/main" xmlns="" id="{BDFAC13C-59B1-436E-B58F-C304E1C705CF}"/>
+                <a16:creationId xmlns:a16="http://schemas.microsoft.com/office/drawing/2014/main" id="{BDFAC13C-59B1-436E-B58F-C304E1C705CF}"/>
               </a:ext>
             </a:extLst>
           </p:cNvPr>
@@ -10976,10 +10504,9 @@
           <a:lstStyle/>
           <a:p>
             <a:r>
-              <a:rPr lang="en-US" u="sng" dirty="0" smtClean="0"/>
+              <a:rPr lang="en-US" u="sng" dirty="0"/>
               <a:t>jQuery Website</a:t>
             </a:r>
-            <a:endParaRPr lang="en-US" u="sng" dirty="0"/>
           </a:p>
         </p:txBody>
       </p:sp>
@@ -10988,7 +10515,7 @@
           <p:cNvPr id="3" name="Content Placeholder 2">
             <a:extLst>
               <a:ext uri="{FF2B5EF4-FFF2-40B4-BE49-F238E27FC236}">
-                <a16:creationId xmlns:a16="http://schemas.microsoft.com/office/drawing/2014/main" xmlns="" id="{844A3DC5-46BF-4BFF-8008-98FD467C4904}"/>
+                <a16:creationId xmlns:a16="http://schemas.microsoft.com/office/drawing/2014/main" id="{844A3DC5-46BF-4BFF-8008-98FD467C4904}"/>
               </a:ext>
             </a:extLst>
           </p:cNvPr>
@@ -11106,13 +10633,6 @@
   <p:clrMapOvr>
     <a:masterClrMapping/>
   </p:clrMapOvr>
-  <p:timing>
-    <p:tnLst>
-      <p:par>
-        <p:cTn id="1" dur="indefinite" restart="never" nodeType="tmRoot"/>
-      </p:par>
-    </p:tnLst>
-  </p:timing>
 </p:sld>
 </file>
 
@@ -11138,7 +10658,7 @@
           <p:cNvPr id="2" name="Title 1">
             <a:extLst>
               <a:ext uri="{FF2B5EF4-FFF2-40B4-BE49-F238E27FC236}">
-                <a16:creationId xmlns:a16="http://schemas.microsoft.com/office/drawing/2014/main" xmlns="" id="{BDFAC13C-59B1-436E-B58F-C304E1C705CF}"/>
+                <a16:creationId xmlns:a16="http://schemas.microsoft.com/office/drawing/2014/main" id="{BDFAC13C-59B1-436E-B58F-C304E1C705CF}"/>
               </a:ext>
             </a:extLst>
           </p:cNvPr>
@@ -11162,10 +10682,9 @@
           <a:lstStyle/>
           <a:p>
             <a:r>
-              <a:rPr lang="en-US" u="sng" dirty="0" smtClean="0"/>
+              <a:rPr lang="en-US" u="sng" dirty="0"/>
               <a:t>jQuery Selectors</a:t>
             </a:r>
-            <a:endParaRPr lang="en-US" u="sng" dirty="0"/>
           </a:p>
         </p:txBody>
       </p:sp>
@@ -11174,7 +10693,7 @@
           <p:cNvPr id="3" name="Content Placeholder 2">
             <a:extLst>
               <a:ext uri="{FF2B5EF4-FFF2-40B4-BE49-F238E27FC236}">
-                <a16:creationId xmlns:a16="http://schemas.microsoft.com/office/drawing/2014/main" xmlns="" id="{844A3DC5-46BF-4BFF-8008-98FD467C4904}"/>
+                <a16:creationId xmlns:a16="http://schemas.microsoft.com/office/drawing/2014/main" id="{844A3DC5-46BF-4BFF-8008-98FD467C4904}"/>
               </a:ext>
             </a:extLst>
           </p:cNvPr>
@@ -11255,13 +10774,6 @@
   <p:clrMapOvr>
     <a:masterClrMapping/>
   </p:clrMapOvr>
-  <p:timing>
-    <p:tnLst>
-      <p:par>
-        <p:cTn id="1" dur="indefinite" restart="never" nodeType="tmRoot"/>
-      </p:par>
-    </p:tnLst>
-  </p:timing>
 </p:sld>
 </file>
 
@@ -11287,7 +10799,7 @@
           <p:cNvPr id="2" name="Title 1">
             <a:extLst>
               <a:ext uri="{FF2B5EF4-FFF2-40B4-BE49-F238E27FC236}">
-                <a16:creationId xmlns:a16="http://schemas.microsoft.com/office/drawing/2014/main" xmlns="" id="{BDFAC13C-59B1-436E-B58F-C304E1C705CF}"/>
+                <a16:creationId xmlns:a16="http://schemas.microsoft.com/office/drawing/2014/main" id="{BDFAC13C-59B1-436E-B58F-C304E1C705CF}"/>
               </a:ext>
             </a:extLst>
           </p:cNvPr>
@@ -11311,10 +10823,9 @@
           <a:lstStyle/>
           <a:p>
             <a:r>
-              <a:rPr lang="en-US" u="sng" dirty="0" smtClean="0"/>
+              <a:rPr lang="en-US" u="sng" dirty="0"/>
               <a:t>Child Selector</a:t>
             </a:r>
-            <a:endParaRPr lang="en-US" u="sng" dirty="0"/>
           </a:p>
         </p:txBody>
       </p:sp>
@@ -11323,7 +10834,7 @@
           <p:cNvPr id="3" name="Content Placeholder 2">
             <a:extLst>
               <a:ext uri="{FF2B5EF4-FFF2-40B4-BE49-F238E27FC236}">
-                <a16:creationId xmlns:a16="http://schemas.microsoft.com/office/drawing/2014/main" xmlns="" id="{844A3DC5-46BF-4BFF-8008-98FD467C4904}"/>
+                <a16:creationId xmlns:a16="http://schemas.microsoft.com/office/drawing/2014/main" id="{844A3DC5-46BF-4BFF-8008-98FD467C4904}"/>
               </a:ext>
             </a:extLst>
           </p:cNvPr>
@@ -11452,13 +10963,6 @@
   <p:clrMapOvr>
     <a:masterClrMapping/>
   </p:clrMapOvr>
-  <p:timing>
-    <p:tnLst>
-      <p:par>
-        <p:cTn id="1" dur="indefinite" restart="never" nodeType="tmRoot"/>
-      </p:par>
-    </p:tnLst>
-  </p:timing>
 </p:sld>
 </file>
 
@@ -11484,7 +10988,7 @@
           <p:cNvPr id="2" name="Title 1">
             <a:extLst>
               <a:ext uri="{FF2B5EF4-FFF2-40B4-BE49-F238E27FC236}">
-                <a16:creationId xmlns:a16="http://schemas.microsoft.com/office/drawing/2014/main" xmlns="" id="{BDFAC13C-59B1-436E-B58F-C304E1C705CF}"/>
+                <a16:creationId xmlns:a16="http://schemas.microsoft.com/office/drawing/2014/main" id="{BDFAC13C-59B1-436E-B58F-C304E1C705CF}"/>
               </a:ext>
             </a:extLst>
           </p:cNvPr>
@@ -11508,10 +11012,9 @@
           <a:lstStyle/>
           <a:p>
             <a:r>
-              <a:rPr lang="en-US" u="sng" dirty="0" smtClean="0"/>
+              <a:rPr lang="en-US" u="sng" dirty="0"/>
               <a:t>Class Selector</a:t>
             </a:r>
-            <a:endParaRPr lang="en-US" u="sng" dirty="0"/>
           </a:p>
         </p:txBody>
       </p:sp>
@@ -11520,7 +11023,7 @@
           <p:cNvPr id="3" name="Content Placeholder 2">
             <a:extLst>
               <a:ext uri="{FF2B5EF4-FFF2-40B4-BE49-F238E27FC236}">
-                <a16:creationId xmlns:a16="http://schemas.microsoft.com/office/drawing/2014/main" xmlns="" id="{844A3DC5-46BF-4BFF-8008-98FD467C4904}"/>
+                <a16:creationId xmlns:a16="http://schemas.microsoft.com/office/drawing/2014/main" id="{844A3DC5-46BF-4BFF-8008-98FD467C4904}"/>
               </a:ext>
             </a:extLst>
           </p:cNvPr>
@@ -11657,13 +11160,6 @@
   <p:clrMapOvr>
     <a:masterClrMapping/>
   </p:clrMapOvr>
-  <p:timing>
-    <p:tnLst>
-      <p:par>
-        <p:cTn id="1" dur="indefinite" restart="never" nodeType="tmRoot"/>
-      </p:par>
-    </p:tnLst>
-  </p:timing>
 </p:sld>
 </file>
 
@@ -12426,21 +11922,21 @@
 </file>
 
 <file path=customXml/item2.xml><?xml version="1.0" encoding="utf-8"?>
+<p:properties xmlns:p="http://schemas.microsoft.com/office/2006/metadata/properties" xmlns:xsi="http://www.w3.org/2001/XMLSchema-instance" xmlns:pc="http://schemas.microsoft.com/office/infopath/2007/PartnerControls">
+  <documentManagement>
+    <Status xmlns="71af3243-3dd4-4a8d-8c0d-dd76da1f02a5">Not started</Status>
+    <MediaServiceKeyPoints xmlns="71af3243-3dd4-4a8d-8c0d-dd76da1f02a5" xsi:nil="true"/>
+  </documentManagement>
+</p:properties>
+</file>
+
+<file path=customXml/item3.xml><?xml version="1.0" encoding="utf-8"?>
 <?mso-contentType ?>
 <FormTemplates xmlns="http://schemas.microsoft.com/sharepoint/v3/contenttype/forms">
   <Display>DocumentLibraryForm</Display>
   <Edit>DocumentLibraryForm</Edit>
   <New>DocumentLibraryForm</New>
 </FormTemplates>
-</file>
-
-<file path=customXml/item3.xml><?xml version="1.0" encoding="utf-8"?>
-<p:properties xmlns:p="http://schemas.microsoft.com/office/2006/metadata/properties" xmlns:xsi="http://www.w3.org/2001/XMLSchema-instance" xmlns:pc="http://schemas.microsoft.com/office/infopath/2007/PartnerControls">
-  <documentManagement>
-    <Status xmlns="71af3243-3dd4-4a8d-8c0d-dd76da1f02a5">Not started</Status>
-    <MediaServiceKeyPoints xmlns="71af3243-3dd4-4a8d-8c0d-dd76da1f02a5" xsi:nil="true"/>
-  </documentManagement>
-</p:properties>
 </file>
 
 <file path=customXml/itemProps1.xml><?xml version="1.0" encoding="utf-8"?>
@@ -12463,14 +11959,6 @@
 </file>
 
 <file path=customXml/itemProps2.xml><?xml version="1.0" encoding="utf-8"?>
-<ds:datastoreItem xmlns:ds="http://schemas.openxmlformats.org/officeDocument/2006/customXml" ds:itemID="{CDB58277-F8DF-46FF-84EC-EF41B835E69F}">
-  <ds:schemaRefs>
-    <ds:schemaRef ds:uri="http://schemas.microsoft.com/sharepoint/v3/contenttype/forms"/>
-  </ds:schemaRefs>
-</ds:datastoreItem>
-</file>
-
-<file path=customXml/itemProps3.xml><?xml version="1.0" encoding="utf-8"?>
 <ds:datastoreItem xmlns:ds="http://schemas.openxmlformats.org/officeDocument/2006/customXml" ds:itemID="{137651BA-F45C-4845-9AB3-E0A65B39F5E1}">
   <ds:schemaRefs>
     <ds:schemaRef ds:uri="http://purl.org/dc/elements/1.1/"/>
@@ -12485,4 +11973,12 @@
     <ds:schemaRef ds:uri="http://purl.org/dc/dcmitype/"/>
   </ds:schemaRefs>
 </ds:datastoreItem>
+</file>
+
+<file path=customXml/itemProps3.xml><?xml version="1.0" encoding="utf-8"?>
+<ds:datastoreItem xmlns:ds="http://schemas.openxmlformats.org/officeDocument/2006/customXml" ds:itemID="{CDB58277-F8DF-46FF-84EC-EF41B835E69F}">
+  <ds:schemaRefs>
+    <ds:schemaRef ds:uri="http://schemas.microsoft.com/sharepoint/v3/contenttype/forms"/>
+  </ds:schemaRefs>
+</ds:datastoreItem>
 </file>
--- a/unit_00/html_review/05 jQuery.pptx
+++ b/unit_00/html_review/05 jQuery.pptx
@@ -5,47 +5,55 @@
     <p:sldMasterId id="2147483673" r:id="rId4"/>
   </p:sldMasterIdLst>
   <p:notesMasterIdLst>
-    <p:notesMasterId r:id="rId43"/>
+    <p:notesMasterId r:id="rId51"/>
   </p:notesMasterIdLst>
   <p:sldIdLst>
     <p:sldId id="257" r:id="rId5"/>
     <p:sldId id="263" r:id="rId6"/>
-    <p:sldId id="265" r:id="rId7"/>
-    <p:sldId id="308" r:id="rId8"/>
-    <p:sldId id="350" r:id="rId9"/>
-    <p:sldId id="288" r:id="rId10"/>
-    <p:sldId id="309" r:id="rId11"/>
-    <p:sldId id="310" r:id="rId12"/>
-    <p:sldId id="351" r:id="rId13"/>
-    <p:sldId id="352" r:id="rId14"/>
-    <p:sldId id="353" r:id="rId15"/>
-    <p:sldId id="354" r:id="rId16"/>
-    <p:sldId id="355" r:id="rId17"/>
-    <p:sldId id="356" r:id="rId18"/>
-    <p:sldId id="357" r:id="rId19"/>
-    <p:sldId id="358" r:id="rId20"/>
-    <p:sldId id="359" r:id="rId21"/>
-    <p:sldId id="360" r:id="rId22"/>
-    <p:sldId id="361" r:id="rId23"/>
-    <p:sldId id="313" r:id="rId24"/>
-    <p:sldId id="362" r:id="rId25"/>
-    <p:sldId id="363" r:id="rId26"/>
-    <p:sldId id="364" r:id="rId27"/>
-    <p:sldId id="365" r:id="rId28"/>
-    <p:sldId id="366" r:id="rId29"/>
-    <p:sldId id="367" r:id="rId30"/>
-    <p:sldId id="368" r:id="rId31"/>
-    <p:sldId id="369" r:id="rId32"/>
-    <p:sldId id="377" r:id="rId33"/>
-    <p:sldId id="370" r:id="rId34"/>
-    <p:sldId id="371" r:id="rId35"/>
-    <p:sldId id="372" r:id="rId36"/>
-    <p:sldId id="374" r:id="rId37"/>
-    <p:sldId id="375" r:id="rId38"/>
-    <p:sldId id="373" r:id="rId39"/>
-    <p:sldId id="376" r:id="rId40"/>
-    <p:sldId id="280" r:id="rId41"/>
-    <p:sldId id="277" r:id="rId42"/>
+    <p:sldId id="381" r:id="rId7"/>
+    <p:sldId id="288" r:id="rId8"/>
+    <p:sldId id="384" r:id="rId9"/>
+    <p:sldId id="382" r:id="rId10"/>
+    <p:sldId id="383" r:id="rId11"/>
+    <p:sldId id="385" r:id="rId12"/>
+    <p:sldId id="380" r:id="rId13"/>
+    <p:sldId id="265" r:id="rId14"/>
+    <p:sldId id="308" r:id="rId15"/>
+    <p:sldId id="378" r:id="rId16"/>
+    <p:sldId id="379" r:id="rId17"/>
+    <p:sldId id="386" r:id="rId18"/>
+    <p:sldId id="309" r:id="rId19"/>
+    <p:sldId id="310" r:id="rId20"/>
+    <p:sldId id="351" r:id="rId21"/>
+    <p:sldId id="352" r:id="rId22"/>
+    <p:sldId id="353" r:id="rId23"/>
+    <p:sldId id="354" r:id="rId24"/>
+    <p:sldId id="355" r:id="rId25"/>
+    <p:sldId id="356" r:id="rId26"/>
+    <p:sldId id="357" r:id="rId27"/>
+    <p:sldId id="358" r:id="rId28"/>
+    <p:sldId id="359" r:id="rId29"/>
+    <p:sldId id="360" r:id="rId30"/>
+    <p:sldId id="361" r:id="rId31"/>
+    <p:sldId id="313" r:id="rId32"/>
+    <p:sldId id="362" r:id="rId33"/>
+    <p:sldId id="363" r:id="rId34"/>
+    <p:sldId id="364" r:id="rId35"/>
+    <p:sldId id="365" r:id="rId36"/>
+    <p:sldId id="366" r:id="rId37"/>
+    <p:sldId id="367" r:id="rId38"/>
+    <p:sldId id="368" r:id="rId39"/>
+    <p:sldId id="369" r:id="rId40"/>
+    <p:sldId id="377" r:id="rId41"/>
+    <p:sldId id="370" r:id="rId42"/>
+    <p:sldId id="371" r:id="rId43"/>
+    <p:sldId id="372" r:id="rId44"/>
+    <p:sldId id="374" r:id="rId45"/>
+    <p:sldId id="375" r:id="rId46"/>
+    <p:sldId id="373" r:id="rId47"/>
+    <p:sldId id="376" r:id="rId48"/>
+    <p:sldId id="280" r:id="rId49"/>
+    <p:sldId id="277" r:id="rId50"/>
   </p:sldIdLst>
   <p:sldSz cx="12192000" cy="6858000"/>
   <p:notesSz cx="6858000" cy="9144000"/>
@@ -545,7 +553,13 @@
           <a:bodyPr/>
           <a:lstStyle/>
           <a:p>
-            <a:endParaRPr lang="en-US" dirty="0"/>
+            <a:r>
+              <a:rPr lang="en-US">
+                <a:hlinkClick r:id="rId3"/>
+              </a:rPr>
+              <a:t>https://jquery.com/</a:t>
+            </a:r>
+            <a:endParaRPr lang="en-US"/>
           </a:p>
         </p:txBody>
       </p:sp>
@@ -556,7 +570,7 @@
             <a:spLocks noGrp="1"/>
           </p:cNvSpPr>
           <p:nvPr>
-            <p:ph type="sldNum" sz="quarter" idx="10"/>
+            <p:ph type="sldNum" sz="quarter" idx="5"/>
           </p:nvPr>
         </p:nvSpPr>
         <p:spPr/>
@@ -566,7 +580,568 @@
           <a:p>
             <a:fld id="{913AAEB1-1BB9-43BA-8E44-621D6A53A2EE}" type="slidenum">
               <a:rPr lang="en-US" smtClean="0"/>
-              <a:t>38</a:t>
+              <a:t>4</a:t>
+            </a:fld>
+            <a:endParaRPr lang="en-US" dirty="0"/>
+          </a:p>
+        </p:txBody>
+      </p:sp>
+    </p:spTree>
+    <p:extLst>
+      <p:ext uri="{BB962C8B-B14F-4D97-AF65-F5344CB8AC3E}">
+        <p14:creationId xmlns:p14="http://schemas.microsoft.com/office/powerpoint/2010/main" val="972072563"/>
+      </p:ext>
+    </p:extLst>
+  </p:cSld>
+  <p:clrMapOvr>
+    <a:masterClrMapping/>
+  </p:clrMapOvr>
+</p:notes>
+</file>
+
+<file path=ppt/notesSlides/notesSlide2.xml><?xml version="1.0" encoding="utf-8"?>
+<p:notes xmlns:a="http://schemas.openxmlformats.org/drawingml/2006/main" xmlns:r="http://schemas.openxmlformats.org/officeDocument/2006/relationships" xmlns:p="http://schemas.openxmlformats.org/presentationml/2006/main">
+  <p:cSld>
+    <p:spTree>
+      <p:nvGrpSpPr>
+        <p:cNvPr id="1" name=""/>
+        <p:cNvGrpSpPr/>
+        <p:nvPr/>
+      </p:nvGrpSpPr>
+      <p:grpSpPr>
+        <a:xfrm>
+          <a:off x="0" y="0"/>
+          <a:ext cx="0" cy="0"/>
+          <a:chOff x="0" y="0"/>
+          <a:chExt cx="0" cy="0"/>
+        </a:xfrm>
+      </p:grpSpPr>
+      <p:sp>
+        <p:nvSpPr>
+          <p:cNvPr id="2" name="Slide Image Placeholder 1"/>
+          <p:cNvSpPr>
+            <a:spLocks noGrp="1" noRot="1" noChangeAspect="1"/>
+          </p:cNvSpPr>
+          <p:nvPr>
+            <p:ph type="sldImg"/>
+          </p:nvPr>
+        </p:nvSpPr>
+        <p:spPr/>
+      </p:sp>
+      <p:sp>
+        <p:nvSpPr>
+          <p:cNvPr id="3" name="Notes Placeholder 2"/>
+          <p:cNvSpPr>
+            <a:spLocks noGrp="1"/>
+          </p:cNvSpPr>
+          <p:nvPr>
+            <p:ph type="body" idx="1"/>
+          </p:nvPr>
+        </p:nvSpPr>
+        <p:spPr/>
+        <p:txBody>
+          <a:bodyPr/>
+          <a:lstStyle/>
+          <a:p>
+            <a:r>
+              <a:rPr lang="en-US">
+                <a:hlinkClick r:id="rId3"/>
+              </a:rPr>
+              <a:t>https://jquery.com/</a:t>
+            </a:r>
+            <a:endParaRPr lang="en-US"/>
+          </a:p>
+        </p:txBody>
+      </p:sp>
+      <p:sp>
+        <p:nvSpPr>
+          <p:cNvPr id="4" name="Slide Number Placeholder 3"/>
+          <p:cNvSpPr>
+            <a:spLocks noGrp="1"/>
+          </p:cNvSpPr>
+          <p:nvPr>
+            <p:ph type="sldNum" sz="quarter" idx="5"/>
+          </p:nvPr>
+        </p:nvSpPr>
+        <p:spPr/>
+        <p:txBody>
+          <a:bodyPr/>
+          <a:lstStyle/>
+          <a:p>
+            <a:fld id="{913AAEB1-1BB9-43BA-8E44-621D6A53A2EE}" type="slidenum">
+              <a:rPr lang="en-US" smtClean="0"/>
+              <a:t>5</a:t>
+            </a:fld>
+            <a:endParaRPr lang="en-US" dirty="0"/>
+          </a:p>
+        </p:txBody>
+      </p:sp>
+    </p:spTree>
+    <p:extLst>
+      <p:ext uri="{BB962C8B-B14F-4D97-AF65-F5344CB8AC3E}">
+        <p14:creationId xmlns:p14="http://schemas.microsoft.com/office/powerpoint/2010/main" val="2176432178"/>
+      </p:ext>
+    </p:extLst>
+  </p:cSld>
+  <p:clrMapOvr>
+    <a:masterClrMapping/>
+  </p:clrMapOvr>
+</p:notes>
+</file>
+
+<file path=ppt/notesSlides/notesSlide3.xml><?xml version="1.0" encoding="utf-8"?>
+<p:notes xmlns:a="http://schemas.openxmlformats.org/drawingml/2006/main" xmlns:r="http://schemas.openxmlformats.org/officeDocument/2006/relationships" xmlns:p="http://schemas.openxmlformats.org/presentationml/2006/main">
+  <p:cSld>
+    <p:spTree>
+      <p:nvGrpSpPr>
+        <p:cNvPr id="1" name=""/>
+        <p:cNvGrpSpPr/>
+        <p:nvPr/>
+      </p:nvGrpSpPr>
+      <p:grpSpPr>
+        <a:xfrm>
+          <a:off x="0" y="0"/>
+          <a:ext cx="0" cy="0"/>
+          <a:chOff x="0" y="0"/>
+          <a:chExt cx="0" cy="0"/>
+        </a:xfrm>
+      </p:grpSpPr>
+      <p:sp>
+        <p:nvSpPr>
+          <p:cNvPr id="2" name="Slide Image Placeholder 1"/>
+          <p:cNvSpPr>
+            <a:spLocks noGrp="1" noRot="1" noChangeAspect="1"/>
+          </p:cNvSpPr>
+          <p:nvPr>
+            <p:ph type="sldImg"/>
+          </p:nvPr>
+        </p:nvSpPr>
+        <p:spPr/>
+      </p:sp>
+      <p:sp>
+        <p:nvSpPr>
+          <p:cNvPr id="3" name="Notes Placeholder 2"/>
+          <p:cNvSpPr>
+            <a:spLocks noGrp="1"/>
+          </p:cNvSpPr>
+          <p:nvPr>
+            <p:ph type="body" idx="1"/>
+          </p:nvPr>
+        </p:nvSpPr>
+        <p:spPr/>
+        <p:txBody>
+          <a:bodyPr/>
+          <a:lstStyle/>
+          <a:p>
+            <a:r>
+              <a:rPr lang="en-US">
+                <a:hlinkClick r:id="rId3"/>
+              </a:rPr>
+              <a:t>https://www.colocationamerica.com/blog/cdn-advantages-and-disadvantages</a:t>
+            </a:r>
+            <a:endParaRPr lang="en-US"/>
+          </a:p>
+        </p:txBody>
+      </p:sp>
+      <p:sp>
+        <p:nvSpPr>
+          <p:cNvPr id="4" name="Slide Number Placeholder 3"/>
+          <p:cNvSpPr>
+            <a:spLocks noGrp="1"/>
+          </p:cNvSpPr>
+          <p:nvPr>
+            <p:ph type="sldNum" sz="quarter" idx="5"/>
+          </p:nvPr>
+        </p:nvSpPr>
+        <p:spPr/>
+        <p:txBody>
+          <a:bodyPr/>
+          <a:lstStyle/>
+          <a:p>
+            <a:fld id="{913AAEB1-1BB9-43BA-8E44-621D6A53A2EE}" type="slidenum">
+              <a:rPr lang="en-US" smtClean="0"/>
+              <a:t>10</a:t>
+            </a:fld>
+            <a:endParaRPr lang="en-US" dirty="0"/>
+          </a:p>
+        </p:txBody>
+      </p:sp>
+    </p:spTree>
+    <p:extLst>
+      <p:ext uri="{BB962C8B-B14F-4D97-AF65-F5344CB8AC3E}">
+        <p14:creationId xmlns:p14="http://schemas.microsoft.com/office/powerpoint/2010/main" val="3597426740"/>
+      </p:ext>
+    </p:extLst>
+  </p:cSld>
+  <p:clrMapOvr>
+    <a:masterClrMapping/>
+  </p:clrMapOvr>
+</p:notes>
+</file>
+
+<file path=ppt/notesSlides/notesSlide4.xml><?xml version="1.0" encoding="utf-8"?>
+<p:notes xmlns:a="http://schemas.openxmlformats.org/drawingml/2006/main" xmlns:r="http://schemas.openxmlformats.org/officeDocument/2006/relationships" xmlns:p="http://schemas.openxmlformats.org/presentationml/2006/main">
+  <p:cSld>
+    <p:spTree>
+      <p:nvGrpSpPr>
+        <p:cNvPr id="1" name=""/>
+        <p:cNvGrpSpPr/>
+        <p:nvPr/>
+      </p:nvGrpSpPr>
+      <p:grpSpPr>
+        <a:xfrm>
+          <a:off x="0" y="0"/>
+          <a:ext cx="0" cy="0"/>
+          <a:chOff x="0" y="0"/>
+          <a:chExt cx="0" cy="0"/>
+        </a:xfrm>
+      </p:grpSpPr>
+      <p:sp>
+        <p:nvSpPr>
+          <p:cNvPr id="2" name="Slide Image Placeholder 1"/>
+          <p:cNvSpPr>
+            <a:spLocks noGrp="1" noRot="1" noChangeAspect="1"/>
+          </p:cNvSpPr>
+          <p:nvPr>
+            <p:ph type="sldImg"/>
+          </p:nvPr>
+        </p:nvSpPr>
+        <p:spPr/>
+      </p:sp>
+      <p:sp>
+        <p:nvSpPr>
+          <p:cNvPr id="3" name="Notes Placeholder 2"/>
+          <p:cNvSpPr>
+            <a:spLocks noGrp="1"/>
+          </p:cNvSpPr>
+          <p:nvPr>
+            <p:ph type="body" idx="1"/>
+          </p:nvPr>
+        </p:nvSpPr>
+        <p:spPr/>
+        <p:txBody>
+          <a:bodyPr/>
+          <a:lstStyle/>
+          <a:p>
+            <a:r>
+              <a:rPr lang="en-US">
+                <a:hlinkClick r:id="rId3"/>
+              </a:rPr>
+              <a:t>https://www.bluepiit.com/blog/6-advantages-of-using-a-content-delivery-network-cdn/</a:t>
+            </a:r>
+            <a:endParaRPr lang="en-US"/>
+          </a:p>
+          <a:p>
+            <a:r>
+              <a:rPr lang="en-US">
+                <a:hlinkClick r:id="rId4"/>
+              </a:rPr>
+              <a:t>https://www.colocationamerica.com/blog/cdn-advantages-and-disadvantages</a:t>
+            </a:r>
+            <a:endParaRPr lang="en-US"/>
+          </a:p>
+        </p:txBody>
+      </p:sp>
+      <p:sp>
+        <p:nvSpPr>
+          <p:cNvPr id="4" name="Slide Number Placeholder 3"/>
+          <p:cNvSpPr>
+            <a:spLocks noGrp="1"/>
+          </p:cNvSpPr>
+          <p:nvPr>
+            <p:ph type="sldNum" sz="quarter" idx="5"/>
+          </p:nvPr>
+        </p:nvSpPr>
+        <p:spPr/>
+        <p:txBody>
+          <a:bodyPr/>
+          <a:lstStyle/>
+          <a:p>
+            <a:fld id="{913AAEB1-1BB9-43BA-8E44-621D6A53A2EE}" type="slidenum">
+              <a:rPr lang="en-US" smtClean="0"/>
+              <a:t>11</a:t>
+            </a:fld>
+            <a:endParaRPr lang="en-US" dirty="0"/>
+          </a:p>
+        </p:txBody>
+      </p:sp>
+    </p:spTree>
+    <p:extLst>
+      <p:ext uri="{BB962C8B-B14F-4D97-AF65-F5344CB8AC3E}">
+        <p14:creationId xmlns:p14="http://schemas.microsoft.com/office/powerpoint/2010/main" val="66566815"/>
+      </p:ext>
+    </p:extLst>
+  </p:cSld>
+  <p:clrMapOvr>
+    <a:masterClrMapping/>
+  </p:clrMapOvr>
+</p:notes>
+</file>
+
+<file path=ppt/notesSlides/notesSlide5.xml><?xml version="1.0" encoding="utf-8"?>
+<p:notes xmlns:a="http://schemas.openxmlformats.org/drawingml/2006/main" xmlns:r="http://schemas.openxmlformats.org/officeDocument/2006/relationships" xmlns:p="http://schemas.openxmlformats.org/presentationml/2006/main">
+  <p:cSld>
+    <p:spTree>
+      <p:nvGrpSpPr>
+        <p:cNvPr id="1" name=""/>
+        <p:cNvGrpSpPr/>
+        <p:nvPr/>
+      </p:nvGrpSpPr>
+      <p:grpSpPr>
+        <a:xfrm>
+          <a:off x="0" y="0"/>
+          <a:ext cx="0" cy="0"/>
+          <a:chOff x="0" y="0"/>
+          <a:chExt cx="0" cy="0"/>
+        </a:xfrm>
+      </p:grpSpPr>
+      <p:sp>
+        <p:nvSpPr>
+          <p:cNvPr id="2" name="Slide Image Placeholder 1"/>
+          <p:cNvSpPr>
+            <a:spLocks noGrp="1" noRot="1" noChangeAspect="1"/>
+          </p:cNvSpPr>
+          <p:nvPr>
+            <p:ph type="sldImg"/>
+          </p:nvPr>
+        </p:nvSpPr>
+        <p:spPr/>
+      </p:sp>
+      <p:sp>
+        <p:nvSpPr>
+          <p:cNvPr id="3" name="Notes Placeholder 2"/>
+          <p:cNvSpPr>
+            <a:spLocks noGrp="1"/>
+          </p:cNvSpPr>
+          <p:nvPr>
+            <p:ph type="body" idx="1"/>
+          </p:nvPr>
+        </p:nvSpPr>
+        <p:spPr/>
+        <p:txBody>
+          <a:bodyPr/>
+          <a:lstStyle/>
+          <a:p>
+            <a:r>
+              <a:rPr lang="en-US">
+                <a:hlinkClick r:id="rId3"/>
+              </a:rPr>
+              <a:t>https://www.bluepiit.com/blog/6-advantages-of-using-a-content-delivery-network-cdn/</a:t>
+            </a:r>
+            <a:endParaRPr lang="en-US"/>
+          </a:p>
+          <a:p>
+            <a:r>
+              <a:rPr lang="en-US">
+                <a:hlinkClick r:id="rId4"/>
+              </a:rPr>
+              <a:t>https://www.colocationamerica.com/blog/cdn-advantages-and-disadvantages</a:t>
+            </a:r>
+            <a:endParaRPr lang="en-US"/>
+          </a:p>
+        </p:txBody>
+      </p:sp>
+      <p:sp>
+        <p:nvSpPr>
+          <p:cNvPr id="4" name="Slide Number Placeholder 3"/>
+          <p:cNvSpPr>
+            <a:spLocks noGrp="1"/>
+          </p:cNvSpPr>
+          <p:nvPr>
+            <p:ph type="sldNum" sz="quarter" idx="5"/>
+          </p:nvPr>
+        </p:nvSpPr>
+        <p:spPr/>
+        <p:txBody>
+          <a:bodyPr/>
+          <a:lstStyle/>
+          <a:p>
+            <a:fld id="{913AAEB1-1BB9-43BA-8E44-621D6A53A2EE}" type="slidenum">
+              <a:rPr lang="en-US" smtClean="0"/>
+              <a:t>12</a:t>
+            </a:fld>
+            <a:endParaRPr lang="en-US" dirty="0"/>
+          </a:p>
+        </p:txBody>
+      </p:sp>
+    </p:spTree>
+    <p:extLst>
+      <p:ext uri="{BB962C8B-B14F-4D97-AF65-F5344CB8AC3E}">
+        <p14:creationId xmlns:p14="http://schemas.microsoft.com/office/powerpoint/2010/main" val="2748245492"/>
+      </p:ext>
+    </p:extLst>
+  </p:cSld>
+  <p:clrMapOvr>
+    <a:masterClrMapping/>
+  </p:clrMapOvr>
+</p:notes>
+</file>
+
+<file path=ppt/notesSlides/notesSlide6.xml><?xml version="1.0" encoding="utf-8"?>
+<p:notes xmlns:a="http://schemas.openxmlformats.org/drawingml/2006/main" xmlns:r="http://schemas.openxmlformats.org/officeDocument/2006/relationships" xmlns:p="http://schemas.openxmlformats.org/presentationml/2006/main">
+  <p:cSld>
+    <p:spTree>
+      <p:nvGrpSpPr>
+        <p:cNvPr id="1" name=""/>
+        <p:cNvGrpSpPr/>
+        <p:nvPr/>
+      </p:nvGrpSpPr>
+      <p:grpSpPr>
+        <a:xfrm>
+          <a:off x="0" y="0"/>
+          <a:ext cx="0" cy="0"/>
+          <a:chOff x="0" y="0"/>
+          <a:chExt cx="0" cy="0"/>
+        </a:xfrm>
+      </p:grpSpPr>
+      <p:sp>
+        <p:nvSpPr>
+          <p:cNvPr id="2" name="Slide Image Placeholder 1"/>
+          <p:cNvSpPr>
+            <a:spLocks noGrp="1" noRot="1" noChangeAspect="1"/>
+          </p:cNvSpPr>
+          <p:nvPr>
+            <p:ph type="sldImg"/>
+          </p:nvPr>
+        </p:nvSpPr>
+        <p:spPr/>
+      </p:sp>
+      <p:sp>
+        <p:nvSpPr>
+          <p:cNvPr id="3" name="Notes Placeholder 2"/>
+          <p:cNvSpPr>
+            <a:spLocks noGrp="1"/>
+          </p:cNvSpPr>
+          <p:nvPr>
+            <p:ph type="body" idx="1"/>
+          </p:nvPr>
+        </p:nvSpPr>
+        <p:spPr/>
+        <p:txBody>
+          <a:bodyPr/>
+          <a:lstStyle/>
+          <a:p>
+            <a:r>
+              <a:rPr lang="en-US">
+                <a:hlinkClick r:id="rId3"/>
+              </a:rPr>
+              <a:t>https://www.colocationamerica.com/blog/cdn-advantages-and-disadvantages</a:t>
+            </a:r>
+            <a:endParaRPr lang="en-US"/>
+          </a:p>
+          <a:p>
+            <a:r>
+              <a:rPr lang="en-US">
+                <a:hlinkClick r:id="rId4"/>
+              </a:rPr>
+              <a:t>https://techcrunch.com/2020/07/17/cloudflare-dns-goes-down-taking-a-large-piece-of-the-internet-with-it/</a:t>
+            </a:r>
+            <a:endParaRPr lang="en-US"/>
+          </a:p>
+        </p:txBody>
+      </p:sp>
+      <p:sp>
+        <p:nvSpPr>
+          <p:cNvPr id="4" name="Slide Number Placeholder 3"/>
+          <p:cNvSpPr>
+            <a:spLocks noGrp="1"/>
+          </p:cNvSpPr>
+          <p:nvPr>
+            <p:ph type="sldNum" sz="quarter" idx="5"/>
+          </p:nvPr>
+        </p:nvSpPr>
+        <p:spPr/>
+        <p:txBody>
+          <a:bodyPr/>
+          <a:lstStyle/>
+          <a:p>
+            <a:fld id="{913AAEB1-1BB9-43BA-8E44-621D6A53A2EE}" type="slidenum">
+              <a:rPr lang="en-US" smtClean="0"/>
+              <a:t>13</a:t>
+            </a:fld>
+            <a:endParaRPr lang="en-US" dirty="0"/>
+          </a:p>
+        </p:txBody>
+      </p:sp>
+    </p:spTree>
+    <p:extLst>
+      <p:ext uri="{BB962C8B-B14F-4D97-AF65-F5344CB8AC3E}">
+        <p14:creationId xmlns:p14="http://schemas.microsoft.com/office/powerpoint/2010/main" val="16112926"/>
+      </p:ext>
+    </p:extLst>
+  </p:cSld>
+  <p:clrMapOvr>
+    <a:masterClrMapping/>
+  </p:clrMapOvr>
+</p:notes>
+</file>
+
+<file path=ppt/notesSlides/notesSlide7.xml><?xml version="1.0" encoding="utf-8"?>
+<p:notes xmlns:a="http://schemas.openxmlformats.org/drawingml/2006/main" xmlns:r="http://schemas.openxmlformats.org/officeDocument/2006/relationships" xmlns:p="http://schemas.openxmlformats.org/presentationml/2006/main">
+  <p:cSld>
+    <p:spTree>
+      <p:nvGrpSpPr>
+        <p:cNvPr id="1" name=""/>
+        <p:cNvGrpSpPr/>
+        <p:nvPr/>
+      </p:nvGrpSpPr>
+      <p:grpSpPr>
+        <a:xfrm>
+          <a:off x="0" y="0"/>
+          <a:ext cx="0" cy="0"/>
+          <a:chOff x="0" y="0"/>
+          <a:chExt cx="0" cy="0"/>
+        </a:xfrm>
+      </p:grpSpPr>
+      <p:sp>
+        <p:nvSpPr>
+          <p:cNvPr id="2" name="Slide Image Placeholder 1"/>
+          <p:cNvSpPr>
+            <a:spLocks noGrp="1" noRot="1" noChangeAspect="1"/>
+          </p:cNvSpPr>
+          <p:nvPr>
+            <p:ph type="sldImg"/>
+          </p:nvPr>
+        </p:nvSpPr>
+        <p:spPr/>
+      </p:sp>
+      <p:sp>
+        <p:nvSpPr>
+          <p:cNvPr id="3" name="Notes Placeholder 2"/>
+          <p:cNvSpPr>
+            <a:spLocks noGrp="1"/>
+          </p:cNvSpPr>
+          <p:nvPr>
+            <p:ph type="body" idx="1"/>
+          </p:nvPr>
+        </p:nvSpPr>
+        <p:spPr/>
+        <p:txBody>
+          <a:bodyPr/>
+          <a:lstStyle/>
+          <a:p>
+            <a:endParaRPr lang="en-US" dirty="0"/>
+          </a:p>
+        </p:txBody>
+      </p:sp>
+      <p:sp>
+        <p:nvSpPr>
+          <p:cNvPr id="4" name="Slide Number Placeholder 3"/>
+          <p:cNvSpPr>
+            <a:spLocks noGrp="1"/>
+          </p:cNvSpPr>
+          <p:nvPr>
+            <p:ph type="sldNum" sz="quarter" idx="10"/>
+          </p:nvPr>
+        </p:nvSpPr>
+        <p:spPr/>
+        <p:txBody>
+          <a:bodyPr/>
+          <a:lstStyle/>
+          <a:p>
+            <a:fld id="{913AAEB1-1BB9-43BA-8E44-621D6A53A2EE}" type="slidenum">
+              <a:rPr lang="en-US" smtClean="0"/>
+              <a:t>46</a:t>
             </a:fld>
             <a:endParaRPr lang="en-US" dirty="0"/>
           </a:p>
@@ -4751,12 +5326,7 @@
             <p:ph type="title"/>
           </p:nvPr>
         </p:nvSpPr>
-        <p:spPr>
-          <a:xfrm>
-            <a:off x="664234" y="733579"/>
-            <a:ext cx="7946366" cy="1371600"/>
-          </a:xfrm>
-        </p:spPr>
+        <p:spPr/>
         <p:txBody>
           <a:bodyPr>
             <a:normAutofit/>
@@ -4764,9 +5334,10 @@
           <a:lstStyle/>
           <a:p>
             <a:r>
-              <a:rPr lang="en-US" u="sng" dirty="0"/>
-              <a:t>Descendant Selector</a:t>
-            </a:r>
+              <a:rPr lang="en-US" u="sng"/>
+              <a:t>What is a CDN?</a:t>
+            </a:r>
+            <a:endParaRPr lang="en-US" u="sng" dirty="0"/>
           </a:p>
         </p:txBody>
       </p:sp>
@@ -4786,50 +5357,96 @@
             <p:ph idx="1"/>
           </p:nvPr>
         </p:nvSpPr>
-        <p:spPr>
-          <a:xfrm>
-            <a:off x="1007533" y="2733472"/>
-            <a:ext cx="10058400" cy="3301568"/>
-          </a:xfrm>
-        </p:spPr>
+        <p:spPr/>
         <p:txBody>
           <a:bodyPr>
             <a:normAutofit/>
           </a:bodyPr>
           <a:lstStyle/>
           <a:p>
-            <a:pPr marL="0" indent="0">
-              <a:buNone/>
-            </a:pPr>
-            <a:r>
-              <a:rPr lang="en-US" sz="2000" dirty="0">
-                <a:latin typeface="Consolas" panose="020B0609020204030204" pitchFamily="49" charset="0"/>
-                <a:cs typeface="Arial" panose="020B0604020202020204" pitchFamily="34" charset="0"/>
-              </a:rPr>
-              <a:t>jquery("ancestor descendant")</a:t>
-            </a:r>
-          </a:p>
-          <a:p>
-            <a:pPr indent="0">
-              <a:buNone/>
-            </a:pPr>
+            <a:r>
+              <a:rPr lang="en-US" sz="1800">
+                <a:cs typeface="Arial" pitchFamily="34" charset="0"/>
+              </a:rPr>
+              <a:t>A Content Delivery </a:t>
+            </a:r>
             <a:r>
               <a:rPr lang="en-US" sz="1800" dirty="0">
-                <a:cs typeface="Arial" panose="020B0604020202020204" pitchFamily="34" charset="0"/>
-              </a:rPr>
-              <a:t>Description:</a:t>
-            </a:r>
-          </a:p>
-          <a:p>
-            <a:pPr indent="0">
-              <a:buNone/>
-            </a:pPr>
+                <a:cs typeface="Arial" pitchFamily="34" charset="0"/>
+              </a:rPr>
+              <a:t>N</a:t>
+            </a:r>
+            <a:r>
+              <a:rPr lang="en-US" sz="1800">
+                <a:cs typeface="Arial" pitchFamily="34" charset="0"/>
+              </a:rPr>
+              <a:t>etwork </a:t>
+            </a:r>
             <a:r>
               <a:rPr lang="en-US" sz="1800" dirty="0">
-                <a:cs typeface="Arial" panose="020B0604020202020204" pitchFamily="34" charset="0"/>
-              </a:rPr>
-              <a:t>Selects all elements that are descendants of a given ancestor.  A descendant of an element could be a child, grandchild, great-grandchild, etc. of that element</a:t>
-            </a:r>
+                <a:cs typeface="Arial" pitchFamily="34" charset="0"/>
+              </a:rPr>
+              <a:t>(CDN) is a geographically distributed network </a:t>
+            </a:r>
+            <a:r>
+              <a:rPr lang="en-US" sz="1800">
+                <a:cs typeface="Arial" pitchFamily="34" charset="0"/>
+              </a:rPr>
+              <a:t>of servers designed to deliver static content.</a:t>
+            </a:r>
+          </a:p>
+          <a:p>
+            <a:r>
+              <a:rPr lang="en-US" sz="1800">
+                <a:cs typeface="Arial" pitchFamily="34" charset="0"/>
+              </a:rPr>
+              <a:t>A CDN can cache content for your website including HTML pages, CSS stylesheets, JavaScript files, images, and videos.</a:t>
+            </a:r>
+          </a:p>
+          <a:p>
+            <a:r>
+              <a:rPr lang="en-US" sz="1800">
+                <a:cs typeface="Arial" pitchFamily="34" charset="0"/>
+              </a:rPr>
+              <a:t>When the user loads a webpage, they generally receive these files from a server that is geographically closest to them,</a:t>
+            </a:r>
+            <a:endParaRPr lang="en-US" sz="1800" dirty="0">
+              <a:cs typeface="Arial" pitchFamily="34" charset="0"/>
+            </a:endParaRPr>
+          </a:p>
+          <a:p>
+            <a:r>
+              <a:rPr lang="en-US" sz="1800" dirty="0">
+                <a:cs typeface="Arial" pitchFamily="34" charset="0"/>
+              </a:rPr>
+              <a:t>Using a CDN means that you do not have to physically </a:t>
+            </a:r>
+            <a:r>
+              <a:rPr lang="en-US" sz="1800">
+                <a:cs typeface="Arial" pitchFamily="34" charset="0"/>
+              </a:rPr>
+              <a:t>download the files onto your system, you simply let the browser download them as needed.</a:t>
+            </a:r>
+            <a:endParaRPr lang="en-US" sz="1800" dirty="0">
+              <a:cs typeface="Arial" pitchFamily="34" charset="0"/>
+            </a:endParaRPr>
+          </a:p>
+          <a:p>
+            <a:r>
+              <a:rPr lang="en-US" sz="1800" dirty="0">
+                <a:cs typeface="Arial" pitchFamily="34" charset="0"/>
+              </a:rPr>
+              <a:t>However, you </a:t>
+            </a:r>
+            <a:r>
+              <a:rPr lang="en-US" sz="1800">
+                <a:cs typeface="Arial" pitchFamily="34" charset="0"/>
+              </a:rPr>
+              <a:t>must have stable internet access to use a CDN.</a:t>
+            </a:r>
+            <a:endParaRPr lang="en-US" sz="1800" dirty="0">
+              <a:cs typeface="Arial" pitchFamily="34" charset="0"/>
+            </a:endParaRPr>
           </a:p>
         </p:txBody>
       </p:sp>
@@ -4856,48 +5473,10 @@
           </a:p>
         </p:txBody>
       </p:sp>
-      <p:sp>
-        <p:nvSpPr>
-          <p:cNvPr id="4" name="Rectangle 3"/>
-          <p:cNvSpPr/>
-          <p:nvPr/>
-        </p:nvSpPr>
-        <p:spPr>
-          <a:xfrm>
-            <a:off x="1244600" y="5388709"/>
-            <a:ext cx="6096000" cy="646331"/>
-          </a:xfrm>
-          <a:prstGeom prst="rect">
-            <a:avLst/>
-          </a:prstGeom>
-        </p:spPr>
-        <p:txBody>
-          <a:bodyPr>
-            <a:spAutoFit/>
-          </a:bodyPr>
-          <a:lstStyle/>
-          <a:p>
-            <a:r>
-              <a:rPr lang="en-US" b="1" dirty="0"/>
-              <a:t>Source</a:t>
-            </a:r>
-          </a:p>
-          <a:p>
-            <a:r>
-              <a:rPr lang="en-US" dirty="0">
-                <a:solidFill>
-                  <a:srgbClr val="00B0F0"/>
-                </a:solidFill>
-              </a:rPr>
-              <a:t>https://api.jquery.com/descendant-selector/</a:t>
-            </a:r>
-          </a:p>
-        </p:txBody>
-      </p:sp>
     </p:spTree>
     <p:extLst>
       <p:ext uri="{BB962C8B-B14F-4D97-AF65-F5344CB8AC3E}">
-        <p14:creationId xmlns:p14="http://schemas.microsoft.com/office/powerpoint/2010/main" val="2530593701"/>
+        <p14:creationId xmlns:p14="http://schemas.microsoft.com/office/powerpoint/2010/main" val="3432849504"/>
       </p:ext>
     </p:extLst>
   </p:cSld>
@@ -4940,12 +5519,7 @@
             <p:ph type="title"/>
           </p:nvPr>
         </p:nvSpPr>
-        <p:spPr>
-          <a:xfrm>
-            <a:off x="664234" y="733579"/>
-            <a:ext cx="7946366" cy="1371600"/>
-          </a:xfrm>
-        </p:spPr>
+        <p:spPr/>
         <p:txBody>
           <a:bodyPr>
             <a:normAutofit/>
@@ -4953,8 +5527,12 @@
           <a:lstStyle/>
           <a:p>
             <a:r>
+              <a:rPr lang="en-US" u="sng"/>
+              <a:t>CDN </a:t>
+            </a:r>
+            <a:r>
               <a:rPr lang="en-US" u="sng" dirty="0"/>
-              <a:t>Element Selector</a:t>
+              <a:t>Advantages</a:t>
             </a:r>
           </a:p>
         </p:txBody>
@@ -4977,47 +5555,164 @@
         </p:nvSpPr>
         <p:spPr>
           <a:xfrm>
-            <a:off x="1007533" y="2733472"/>
-            <a:ext cx="10058400" cy="3301568"/>
+            <a:off x="1066799" y="2103120"/>
+            <a:ext cx="10503159" cy="3849624"/>
           </a:xfrm>
         </p:spPr>
         <p:txBody>
           <a:bodyPr>
-            <a:normAutofit/>
+            <a:noAutofit/>
           </a:bodyPr>
           <a:lstStyle/>
           <a:p>
-            <a:pPr marL="0" indent="0">
-              <a:buNone/>
+            <a:pPr marL="342900" indent="-342900" fontAlgn="base">
+              <a:lnSpc>
+                <a:spcPct val="100000"/>
+              </a:lnSpc>
+              <a:spcBef>
+                <a:spcPts val="0"/>
+              </a:spcBef>
+              <a:spcAft>
+                <a:spcPts val="600"/>
+              </a:spcAft>
+              <a:buFont typeface="+mj-lt"/>
+              <a:buAutoNum type="arabicPeriod"/>
             </a:pPr>
             <a:r>
-              <a:rPr lang="en-US" sz="1800" dirty="0">
-                <a:latin typeface="Consolas" panose="020B0609020204030204" pitchFamily="49" charset="0"/>
+              <a:rPr lang="en-US" sz="1800" b="1">
                 <a:cs typeface="Arial" panose="020B0604020202020204" pitchFamily="34" charset="0"/>
               </a:rPr>
-              <a:t>jquery("ancestor descendant")</a:t>
-            </a:r>
-          </a:p>
-          <a:p>
-            <a:pPr indent="0">
-              <a:buNone/>
+              <a:t>Decreased Server Load</a:t>
+            </a:r>
+          </a:p>
+          <a:p>
+            <a:pPr lvl="1" fontAlgn="base">
+              <a:spcBef>
+                <a:spcPts val="0"/>
+              </a:spcBef>
+              <a:spcAft>
+                <a:spcPts val="600"/>
+              </a:spcAft>
             </a:pPr>
             <a:r>
-              <a:rPr lang="en-US" sz="1800" dirty="0">
+              <a:rPr lang="en-US" sz="1800">
                 <a:cs typeface="Arial" panose="020B0604020202020204" pitchFamily="34" charset="0"/>
               </a:rPr>
-              <a:t>Description:</a:t>
-            </a:r>
-          </a:p>
-          <a:p>
-            <a:pPr indent="0">
-              <a:buNone/>
+              <a:t>The content is spread out across several servers, reducing the load on all servers.</a:t>
+            </a:r>
+          </a:p>
+          <a:p>
+            <a:pPr lvl="1" fontAlgn="base">
+              <a:spcBef>
+                <a:spcPts val="0"/>
+              </a:spcBef>
+              <a:spcAft>
+                <a:spcPts val="600"/>
+              </a:spcAft>
             </a:pPr>
             <a:r>
-              <a:rPr lang="en-US" sz="1800" dirty="0">
+              <a:rPr lang="en-US" sz="1800">
                 <a:cs typeface="Arial" panose="020B0604020202020204" pitchFamily="34" charset="0"/>
               </a:rPr>
-              <a:t>Selects all elements that are descendants of a given ancestor.  A descendant of an element could be a child, grandchild, great-grandchild, etc. of that element</a:t>
+              <a:t>This increases the number of concurrent users that your application can handle.</a:t>
+            </a:r>
+          </a:p>
+          <a:p>
+            <a:pPr lvl="1" fontAlgn="base">
+              <a:spcBef>
+                <a:spcPts val="0"/>
+              </a:spcBef>
+              <a:spcAft>
+                <a:spcPts val="600"/>
+              </a:spcAft>
+            </a:pPr>
+            <a:endParaRPr lang="en-US" sz="1800">
+              <a:cs typeface="Arial" panose="020B0604020202020204" pitchFamily="34" charset="0"/>
+            </a:endParaRPr>
+          </a:p>
+          <a:p>
+            <a:pPr marL="342900" indent="-342900" fontAlgn="base">
+              <a:lnSpc>
+                <a:spcPct val="100000"/>
+              </a:lnSpc>
+              <a:spcBef>
+                <a:spcPts val="0"/>
+              </a:spcBef>
+              <a:spcAft>
+                <a:spcPts val="600"/>
+              </a:spcAft>
+              <a:buFont typeface="+mj-lt"/>
+              <a:buAutoNum type="arabicPeriod"/>
+            </a:pPr>
+            <a:r>
+              <a:rPr lang="en-US" sz="1800" b="1">
+                <a:cs typeface="Arial" panose="020B0604020202020204" pitchFamily="34" charset="0"/>
+              </a:rPr>
+              <a:t>Faster Content Delivery</a:t>
+            </a:r>
+          </a:p>
+          <a:p>
+            <a:pPr lvl="1" fontAlgn="base">
+              <a:spcBef>
+                <a:spcPts val="0"/>
+              </a:spcBef>
+              <a:spcAft>
+                <a:spcPts val="600"/>
+              </a:spcAft>
+            </a:pPr>
+            <a:r>
+              <a:rPr lang="en-US" sz="1800">
+                <a:cs typeface="Arial" panose="020B0604020202020204" pitchFamily="34" charset="0"/>
+              </a:rPr>
+              <a:t>The servers in a CDN network are generally more powerful than your application server.</a:t>
+            </a:r>
+          </a:p>
+          <a:p>
+            <a:pPr lvl="1" fontAlgn="base">
+              <a:spcBef>
+                <a:spcPts val="0"/>
+              </a:spcBef>
+              <a:spcAft>
+                <a:spcPts val="600"/>
+              </a:spcAft>
+            </a:pPr>
+            <a:r>
+              <a:rPr lang="en-US" sz="1800">
+                <a:cs typeface="Arial" panose="020B0604020202020204" pitchFamily="34" charset="0"/>
+              </a:rPr>
+              <a:t>The CDN servers only need to serve static content, they do not need to execute application logic or interface with the database.</a:t>
+            </a:r>
+          </a:p>
+          <a:p>
+            <a:pPr lvl="1" fontAlgn="base">
+              <a:spcBef>
+                <a:spcPts val="0"/>
+              </a:spcBef>
+              <a:spcAft>
+                <a:spcPts val="600"/>
+              </a:spcAft>
+            </a:pPr>
+            <a:r>
+              <a:rPr lang="en-US" sz="1800">
+                <a:cs typeface="Arial" panose="020B0604020202020204" pitchFamily="34" charset="0"/>
+              </a:rPr>
+              <a:t>They often cache the files they serve in memory, instead of needing to read them from the file system.</a:t>
+            </a:r>
+          </a:p>
+          <a:p>
+            <a:pPr lvl="1" fontAlgn="base">
+              <a:spcBef>
+                <a:spcPts val="0"/>
+              </a:spcBef>
+              <a:spcAft>
+                <a:spcPts val="600"/>
+              </a:spcAft>
+            </a:pPr>
+            <a:r>
+              <a:rPr lang="en-US" sz="1800">
+                <a:cs typeface="Arial" panose="020B0604020202020204" pitchFamily="34" charset="0"/>
+              </a:rPr>
+              <a:t>High probability that a visitor has already downloaded the library from a CDN, and therefore the file won't need to be downloaded again.</a:t>
             </a:r>
           </a:p>
         </p:txBody>
@@ -5045,48 +5740,10 @@
           </a:p>
         </p:txBody>
       </p:sp>
-      <p:sp>
-        <p:nvSpPr>
-          <p:cNvPr id="4" name="Rectangle 3"/>
-          <p:cNvSpPr/>
-          <p:nvPr/>
-        </p:nvSpPr>
-        <p:spPr>
-          <a:xfrm>
-            <a:off x="1244600" y="5388709"/>
-            <a:ext cx="6096000" cy="646331"/>
-          </a:xfrm>
-          <a:prstGeom prst="rect">
-            <a:avLst/>
-          </a:prstGeom>
-        </p:spPr>
-        <p:txBody>
-          <a:bodyPr>
-            <a:spAutoFit/>
-          </a:bodyPr>
-          <a:lstStyle/>
-          <a:p>
-            <a:r>
-              <a:rPr lang="en-US" b="1" dirty="0"/>
-              <a:t>Source</a:t>
-            </a:r>
-          </a:p>
-          <a:p>
-            <a:r>
-              <a:rPr lang="en-US" dirty="0">
-                <a:solidFill>
-                  <a:srgbClr val="00B0F0"/>
-                </a:solidFill>
-              </a:rPr>
-              <a:t>https://api.jquery.com/element-selector/</a:t>
-            </a:r>
-          </a:p>
-        </p:txBody>
-      </p:sp>
     </p:spTree>
     <p:extLst>
       <p:ext uri="{BB962C8B-B14F-4D97-AF65-F5344CB8AC3E}">
-        <p14:creationId xmlns:p14="http://schemas.microsoft.com/office/powerpoint/2010/main" val="3751162775"/>
+        <p14:creationId xmlns:p14="http://schemas.microsoft.com/office/powerpoint/2010/main" val="96182224"/>
       </p:ext>
     </p:extLst>
   </p:cSld>
@@ -5129,12 +5786,7 @@
             <p:ph type="title"/>
           </p:nvPr>
         </p:nvSpPr>
-        <p:spPr>
-          <a:xfrm>
-            <a:off x="664234" y="733579"/>
-            <a:ext cx="7946366" cy="1371600"/>
-          </a:xfrm>
-        </p:spPr>
+        <p:spPr/>
         <p:txBody>
           <a:bodyPr>
             <a:normAutofit/>
@@ -5142,8 +5794,12 @@
           <a:lstStyle/>
           <a:p>
             <a:r>
+              <a:rPr lang="en-US" u="sng"/>
+              <a:t>CDN </a:t>
+            </a:r>
+            <a:r>
               <a:rPr lang="en-US" u="sng" dirty="0"/>
-              <a:t>:first-child Selector</a:t>
+              <a:t>Advantages</a:t>
             </a:r>
           </a:p>
         </p:txBody>
@@ -5164,49 +5820,113 @@
             <p:ph idx="1"/>
           </p:nvPr>
         </p:nvSpPr>
-        <p:spPr>
-          <a:xfrm>
-            <a:off x="1007533" y="2733472"/>
-            <a:ext cx="10058400" cy="3301568"/>
-          </a:xfrm>
-        </p:spPr>
+        <p:spPr/>
         <p:txBody>
           <a:bodyPr>
-            <a:normAutofit/>
+            <a:noAutofit/>
           </a:bodyPr>
           <a:lstStyle/>
           <a:p>
-            <a:pPr marL="0" indent="0">
-              <a:buNone/>
+            <a:pPr marL="342900" indent="-342900" fontAlgn="base">
+              <a:lnSpc>
+                <a:spcPct val="100000"/>
+              </a:lnSpc>
+              <a:spcBef>
+                <a:spcPts val="0"/>
+              </a:spcBef>
+              <a:spcAft>
+                <a:spcPts val="600"/>
+              </a:spcAft>
+              <a:buFont typeface="+mj-lt"/>
+              <a:buAutoNum type="arabicPeriod" startAt="3"/>
             </a:pPr>
             <a:r>
-              <a:rPr lang="en-US" sz="1800" dirty="0">
-                <a:latin typeface="Consolas" panose="020B0609020204030204" pitchFamily="49" charset="0"/>
+              <a:rPr lang="en-US" sz="1800" b="1">
                 <a:cs typeface="Arial" panose="020B0604020202020204" pitchFamily="34" charset="0"/>
               </a:rPr>
-              <a:t>jquery(":first-child")</a:t>
-            </a:r>
-          </a:p>
-          <a:p>
-            <a:pPr indent="0">
-              <a:buNone/>
+              <a:t>Higher Availability</a:t>
+            </a:r>
+          </a:p>
+          <a:p>
+            <a:pPr lvl="1" fontAlgn="base">
+              <a:spcBef>
+                <a:spcPts val="0"/>
+              </a:spcBef>
+              <a:spcAft>
+                <a:spcPts val="600"/>
+              </a:spcAft>
             </a:pPr>
             <a:r>
-              <a:rPr lang="en-US" sz="1800" dirty="0">
+              <a:rPr lang="en-US" sz="1800">
                 <a:cs typeface="Arial" panose="020B0604020202020204" pitchFamily="34" charset="0"/>
               </a:rPr>
-              <a:t>Description:</a:t>
-            </a:r>
-          </a:p>
-          <a:p>
-            <a:pPr indent="0">
-              <a:buNone/>
+              <a:t>CDNs can dynamically fallback to another server, whenever a server goes offline or must be taken down for maintenance.</a:t>
+            </a:r>
+          </a:p>
+          <a:p>
+            <a:pPr lvl="1" fontAlgn="base">
+              <a:spcBef>
+                <a:spcPts val="0"/>
+              </a:spcBef>
+              <a:spcAft>
+                <a:spcPts val="600"/>
+              </a:spcAft>
             </a:pPr>
             <a:r>
-              <a:rPr lang="en-US" sz="1800" dirty="0">
+              <a:rPr lang="en-US" sz="1800">
                 <a:cs typeface="Arial" panose="020B0604020202020204" pitchFamily="34" charset="0"/>
               </a:rPr>
-              <a:t>Selects all elements that are descendants of a given ancestor.  A descendant of an element could be a child, grandchild, great-grandchild, etc. of that element</a:t>
+              <a:t>Thus CDNs can offer 100% availability, even with large power, network, or hardware outages.</a:t>
+            </a:r>
+          </a:p>
+          <a:p>
+            <a:pPr lvl="1" fontAlgn="base">
+              <a:spcBef>
+                <a:spcPts val="0"/>
+              </a:spcBef>
+              <a:spcAft>
+                <a:spcPts val="600"/>
+              </a:spcAft>
+            </a:pPr>
+            <a:endParaRPr lang="en-US" sz="1800">
+              <a:cs typeface="Arial" panose="020B0604020202020204" pitchFamily="34" charset="0"/>
+            </a:endParaRPr>
+          </a:p>
+          <a:p>
+            <a:pPr marL="342900" indent="-342900" fontAlgn="base">
+              <a:lnSpc>
+                <a:spcPct val="100000"/>
+              </a:lnSpc>
+              <a:spcBef>
+                <a:spcPts val="0"/>
+              </a:spcBef>
+              <a:spcAft>
+                <a:spcPts val="600"/>
+              </a:spcAft>
+              <a:buFont typeface="+mj-lt"/>
+              <a:buAutoNum type="arabicPeriod" startAt="3"/>
+            </a:pPr>
+            <a:r>
+              <a:rPr lang="en-US" sz="1800" b="1">
+                <a:cs typeface="Arial" panose="020B0604020202020204" pitchFamily="34" charset="0"/>
+              </a:rPr>
+              <a:t>Security</a:t>
+            </a:r>
+          </a:p>
+          <a:p>
+            <a:pPr lvl="1" fontAlgn="base">
+              <a:spcBef>
+                <a:spcPts val="0"/>
+              </a:spcBef>
+              <a:spcAft>
+                <a:spcPts val="600"/>
+              </a:spcAft>
+            </a:pPr>
+            <a:r>
+              <a:rPr lang="en-US" sz="1800">
+                <a:cs typeface="Arial" panose="020B0604020202020204" pitchFamily="34" charset="0"/>
+              </a:rPr>
+              <a:t>By dynamically distributing content among multiple servers, it can make it much harder to attack the server with Distrubuted Denial of Service (DDoS) attacks.</a:t>
             </a:r>
           </a:p>
         </p:txBody>
@@ -5234,48 +5954,10 @@
           </a:p>
         </p:txBody>
       </p:sp>
-      <p:sp>
-        <p:nvSpPr>
-          <p:cNvPr id="4" name="Rectangle 3"/>
-          <p:cNvSpPr/>
-          <p:nvPr/>
-        </p:nvSpPr>
-        <p:spPr>
-          <a:xfrm>
-            <a:off x="1244600" y="5388709"/>
-            <a:ext cx="6096000" cy="646331"/>
-          </a:xfrm>
-          <a:prstGeom prst="rect">
-            <a:avLst/>
-          </a:prstGeom>
-        </p:spPr>
-        <p:txBody>
-          <a:bodyPr>
-            <a:spAutoFit/>
-          </a:bodyPr>
-          <a:lstStyle/>
-          <a:p>
-            <a:r>
-              <a:rPr lang="en-US" b="1" dirty="0"/>
-              <a:t>Source</a:t>
-            </a:r>
-          </a:p>
-          <a:p>
-            <a:r>
-              <a:rPr lang="en-US" dirty="0">
-                <a:solidFill>
-                  <a:srgbClr val="00B0F0"/>
-                </a:solidFill>
-              </a:rPr>
-              <a:t>https://api.jquery.com/first-child-selector/</a:t>
-            </a:r>
-          </a:p>
-        </p:txBody>
-      </p:sp>
     </p:spTree>
     <p:extLst>
       <p:ext uri="{BB962C8B-B14F-4D97-AF65-F5344CB8AC3E}">
-        <p14:creationId xmlns:p14="http://schemas.microsoft.com/office/powerpoint/2010/main" val="1835593716"/>
+        <p14:creationId xmlns:p14="http://schemas.microsoft.com/office/powerpoint/2010/main" val="3565524495"/>
       </p:ext>
     </p:extLst>
   </p:cSld>
@@ -5320,8 +6002,8 @@
         </p:nvSpPr>
         <p:spPr>
           <a:xfrm>
-            <a:off x="664234" y="733579"/>
-            <a:ext cx="7946366" cy="1371600"/>
+            <a:off x="1066800" y="290467"/>
+            <a:ext cx="10058400" cy="1371600"/>
           </a:xfrm>
         </p:spPr>
         <p:txBody>
@@ -5331,9 +6013,10 @@
           <a:lstStyle/>
           <a:p>
             <a:r>
-              <a:rPr lang="en-US" u="sng" dirty="0"/>
-              <a:t>ID Selector</a:t>
-            </a:r>
+              <a:rPr lang="en-US" u="sng"/>
+              <a:t>CDN Disadvantages</a:t>
+            </a:r>
+            <a:endParaRPr lang="en-US" u="sng" dirty="0"/>
           </a:p>
         </p:txBody>
       </p:sp>
@@ -5355,47 +6038,208 @@
         </p:nvSpPr>
         <p:spPr>
           <a:xfrm>
-            <a:off x="1007533" y="2733472"/>
-            <a:ext cx="10058400" cy="3301568"/>
+            <a:off x="1066800" y="1511559"/>
+            <a:ext cx="10503159" cy="4523481"/>
           </a:xfrm>
         </p:spPr>
         <p:txBody>
           <a:bodyPr>
-            <a:normAutofit/>
+            <a:noAutofit/>
           </a:bodyPr>
           <a:lstStyle/>
           <a:p>
-            <a:pPr marL="0" indent="0">
-              <a:buNone/>
+            <a:pPr marL="342900" indent="-342900" fontAlgn="base">
+              <a:lnSpc>
+                <a:spcPct val="100000"/>
+              </a:lnSpc>
+              <a:spcBef>
+                <a:spcPts val="0"/>
+              </a:spcBef>
+              <a:spcAft>
+                <a:spcPts val="600"/>
+              </a:spcAft>
+              <a:buFont typeface="+mj-lt"/>
+              <a:buAutoNum type="arabicPeriod"/>
             </a:pPr>
             <a:r>
-              <a:rPr lang="en-US" sz="1800" dirty="0">
-                <a:latin typeface="Consolas" panose="020B0609020204030204" pitchFamily="49" charset="0"/>
+              <a:rPr lang="en-US" sz="1800" b="1">
                 <a:cs typeface="Arial" panose="020B0604020202020204" pitchFamily="34" charset="0"/>
               </a:rPr>
-              <a:t>jquery("#id")</a:t>
-            </a:r>
-          </a:p>
-          <a:p>
-            <a:pPr indent="0">
-              <a:buNone/>
+              <a:t>Internet Access Needed</a:t>
+            </a:r>
+          </a:p>
+          <a:p>
+            <a:pPr lvl="1" fontAlgn="base">
+              <a:spcBef>
+                <a:spcPts val="0"/>
+              </a:spcBef>
+              <a:spcAft>
+                <a:spcPts val="600"/>
+              </a:spcAft>
             </a:pPr>
             <a:r>
-              <a:rPr lang="en-US" sz="1800" dirty="0">
+              <a:rPr lang="en-US" sz="1800">
                 <a:cs typeface="Arial" panose="020B0604020202020204" pitchFamily="34" charset="0"/>
               </a:rPr>
-              <a:t>Description:</a:t>
-            </a:r>
-          </a:p>
-          <a:p>
-            <a:pPr indent="0">
-              <a:buNone/>
+              <a:t>In order to access content from a CDN your user must have stable internet access.</a:t>
+            </a:r>
+          </a:p>
+          <a:p>
+            <a:pPr lvl="1" fontAlgn="base">
+              <a:spcBef>
+                <a:spcPts val="0"/>
+              </a:spcBef>
+              <a:spcAft>
+                <a:spcPts val="600"/>
+              </a:spcAft>
             </a:pPr>
             <a:r>
-              <a:rPr lang="en-US" sz="1800" dirty="0">
+              <a:rPr lang="en-US" sz="1800">
                 <a:cs typeface="Arial" panose="020B0604020202020204" pitchFamily="34" charset="0"/>
               </a:rPr>
-              <a:t>Selects a single element with the given id attribute</a:t>
+              <a:t>They don’t just need to access to your application, they also need access to the broader internet.</a:t>
+            </a:r>
+          </a:p>
+          <a:p>
+            <a:pPr lvl="1" fontAlgn="base">
+              <a:spcBef>
+                <a:spcPts val="0"/>
+              </a:spcBef>
+              <a:spcAft>
+                <a:spcPts val="600"/>
+              </a:spcAft>
+            </a:pPr>
+            <a:r>
+              <a:rPr lang="en-US" sz="1800">
+                <a:cs typeface="Arial" panose="020B0604020202020204" pitchFamily="34" charset="0"/>
+              </a:rPr>
+              <a:t>This can sometimes be a problem with mobile, developing contries, and users that travel frequently.</a:t>
+            </a:r>
+          </a:p>
+          <a:p>
+            <a:pPr lvl="1" fontAlgn="base">
+              <a:spcBef>
+                <a:spcPts val="0"/>
+              </a:spcBef>
+              <a:spcAft>
+                <a:spcPts val="600"/>
+              </a:spcAft>
+            </a:pPr>
+            <a:r>
+              <a:rPr lang="en-US" sz="1800">
+                <a:cs typeface="Arial" panose="020B0604020202020204" pitchFamily="34" charset="0"/>
+              </a:rPr>
+              <a:t>This is a major blocker for intranet and government applications.</a:t>
+            </a:r>
+          </a:p>
+          <a:p>
+            <a:pPr lvl="1" fontAlgn="base">
+              <a:spcBef>
+                <a:spcPts val="0"/>
+              </a:spcBef>
+              <a:spcAft>
+                <a:spcPts val="600"/>
+              </a:spcAft>
+            </a:pPr>
+            <a:endParaRPr lang="en-US" sz="1800">
+              <a:cs typeface="Arial" panose="020B0604020202020204" pitchFamily="34" charset="0"/>
+            </a:endParaRPr>
+          </a:p>
+          <a:p>
+            <a:pPr marL="342900" indent="-342900" fontAlgn="base">
+              <a:lnSpc>
+                <a:spcPct val="100000"/>
+              </a:lnSpc>
+              <a:spcBef>
+                <a:spcPts val="0"/>
+              </a:spcBef>
+              <a:spcAft>
+                <a:spcPts val="600"/>
+              </a:spcAft>
+              <a:buFont typeface="+mj-lt"/>
+              <a:buAutoNum type="arabicPeriod"/>
+            </a:pPr>
+            <a:r>
+              <a:rPr lang="en-US" sz="1800" b="1">
+                <a:cs typeface="Arial" panose="020B0604020202020204" pitchFamily="34" charset="0"/>
+              </a:rPr>
+              <a:t>Additional Risks</a:t>
+            </a:r>
+          </a:p>
+          <a:p>
+            <a:pPr lvl="1" fontAlgn="base">
+              <a:spcBef>
+                <a:spcPts val="0"/>
+              </a:spcBef>
+              <a:spcAft>
+                <a:spcPts val="600"/>
+              </a:spcAft>
+            </a:pPr>
+            <a:r>
+              <a:rPr lang="en-US" sz="1600">
+                <a:cs typeface="Arial" panose="020B0604020202020204" pitchFamily="34" charset="0"/>
+              </a:rPr>
+              <a:t>CDNs can fail too. It's much less likely than your own servers failing, but it still happens occasionaly. </a:t>
+            </a:r>
+            <a:r>
+              <a:rPr lang="en-US" sz="1600" b="1">
+                <a:cs typeface="Arial" panose="020B0604020202020204" pitchFamily="34" charset="0"/>
+              </a:rPr>
+              <a:t>(</a:t>
+            </a:r>
+            <a:r>
+              <a:rPr lang="en-US" sz="1600" b="1">
+                <a:solidFill>
+                  <a:srgbClr val="00B0F0"/>
+                </a:solidFill>
+                <a:cs typeface="Arial" panose="020B0604020202020204" pitchFamily="34" charset="0"/>
+                <a:hlinkClick r:id="rId3">
+                  <a:extLst>
+                    <a:ext uri="{A12FA001-AC4F-418D-AE19-62706E023703}">
+                      <ahyp:hlinkClr xmlns:ahyp="http://schemas.microsoft.com/office/drawing/2018/hyperlinkcolor" val="tx"/>
+                    </a:ext>
+                  </a:extLst>
+                </a:hlinkClick>
+              </a:rPr>
+              <a:t>Cloudflare DNS goes down, taking a large piece of the internet with it.</a:t>
+            </a:r>
+            <a:r>
+              <a:rPr lang="en-US" sz="1600" b="1">
+                <a:cs typeface="Arial" panose="020B0604020202020204" pitchFamily="34" charset="0"/>
+              </a:rPr>
+              <a:t>)</a:t>
+            </a:r>
+          </a:p>
+          <a:p>
+            <a:pPr lvl="1" fontAlgn="base">
+              <a:spcBef>
+                <a:spcPts val="0"/>
+              </a:spcBef>
+              <a:spcAft>
+                <a:spcPts val="600"/>
+              </a:spcAft>
+            </a:pPr>
+            <a:r>
+              <a:rPr lang="en-US" sz="1600">
+                <a:cs typeface="Arial" panose="020B0604020202020204" pitchFamily="34" charset="0"/>
+              </a:rPr>
+              <a:t>The speed and availability of CDN servers can be affected by all users of the CDN, so increased traffic to other websites may slow down pages on your website.</a:t>
+            </a:r>
+          </a:p>
+          <a:p>
+            <a:pPr lvl="1" fontAlgn="base">
+              <a:spcBef>
+                <a:spcPts val="0"/>
+              </a:spcBef>
+              <a:spcAft>
+                <a:spcPts val="600"/>
+              </a:spcAft>
+            </a:pPr>
+            <a:r>
+              <a:rPr lang="en-US" sz="1600">
+                <a:cs typeface="Arial" panose="020B0604020202020204" pitchFamily="34" charset="0"/>
+              </a:rPr>
+              <a:t>Sometimes the download speed from the CDN server can be slower than from your own server.</a:t>
             </a:r>
           </a:p>
         </p:txBody>
@@ -5423,48 +6267,10 @@
           </a:p>
         </p:txBody>
       </p:sp>
-      <p:sp>
-        <p:nvSpPr>
-          <p:cNvPr id="4" name="Rectangle 3"/>
-          <p:cNvSpPr/>
-          <p:nvPr/>
-        </p:nvSpPr>
-        <p:spPr>
-          <a:xfrm>
-            <a:off x="1244600" y="5388709"/>
-            <a:ext cx="6096000" cy="646331"/>
-          </a:xfrm>
-          <a:prstGeom prst="rect">
-            <a:avLst/>
-          </a:prstGeom>
-        </p:spPr>
-        <p:txBody>
-          <a:bodyPr>
-            <a:spAutoFit/>
-          </a:bodyPr>
-          <a:lstStyle/>
-          <a:p>
-            <a:r>
-              <a:rPr lang="en-US" b="1" dirty="0"/>
-              <a:t>Source</a:t>
-            </a:r>
-          </a:p>
-          <a:p>
-            <a:r>
-              <a:rPr lang="en-US" dirty="0">
-                <a:solidFill>
-                  <a:srgbClr val="00B0F0"/>
-                </a:solidFill>
-              </a:rPr>
-              <a:t>https://api.jquery.com/id-selector/</a:t>
-            </a:r>
-          </a:p>
-        </p:txBody>
-      </p:sp>
     </p:spTree>
     <p:extLst>
       <p:ext uri="{BB962C8B-B14F-4D97-AF65-F5344CB8AC3E}">
-        <p14:creationId xmlns:p14="http://schemas.microsoft.com/office/powerpoint/2010/main" val="4275541361"/>
+        <p14:creationId xmlns:p14="http://schemas.microsoft.com/office/powerpoint/2010/main" val="449447193"/>
       </p:ext>
     </p:extLst>
   </p:cSld>
@@ -5496,7 +6302,7 @@
           <p:cNvPr id="2" name="Title 1">
             <a:extLst>
               <a:ext uri="{FF2B5EF4-FFF2-40B4-BE49-F238E27FC236}">
-                <a16:creationId xmlns:a16="http://schemas.microsoft.com/office/drawing/2014/main" id="{BDFAC13C-59B1-436E-B58F-C304E1C705CF}"/>
+                <a16:creationId xmlns:a16="http://schemas.microsoft.com/office/drawing/2014/main" id="{68CE21CE-B6C0-4308-9A9F-63710C7F8EE6}"/>
               </a:ext>
             </a:extLst>
           </p:cNvPr>
@@ -5507,31 +6313,24 @@
             <p:ph type="title"/>
           </p:nvPr>
         </p:nvSpPr>
-        <p:spPr>
-          <a:xfrm>
-            <a:off x="664234" y="733579"/>
-            <a:ext cx="7946366" cy="1371600"/>
-          </a:xfrm>
-        </p:spPr>
-        <p:txBody>
-          <a:bodyPr>
-            <a:normAutofit/>
-          </a:bodyPr>
-          <a:lstStyle/>
-          <a:p>
-            <a:r>
-              <a:rPr lang="en-US" u="sng" dirty="0"/>
-              <a:t>:last-child Selector</a:t>
-            </a:r>
-          </a:p>
-        </p:txBody>
-      </p:sp>
-      <p:sp>
-        <p:nvSpPr>
-          <p:cNvPr id="3" name="Content Placeholder 2">
+        <p:spPr/>
+        <p:txBody>
+          <a:bodyPr/>
+          <a:lstStyle/>
+          <a:p>
+            <a:r>
+              <a:rPr lang="en-US" cap="none"/>
+              <a:t>Selectors</a:t>
+            </a:r>
+          </a:p>
+        </p:txBody>
+      </p:sp>
+      <p:sp>
+        <p:nvSpPr>
+          <p:cNvPr id="3" name="Text Placeholder 2">
             <a:extLst>
               <a:ext uri="{FF2B5EF4-FFF2-40B4-BE49-F238E27FC236}">
-                <a16:creationId xmlns:a16="http://schemas.microsoft.com/office/drawing/2014/main" id="{844A3DC5-46BF-4BFF-8008-98FD467C4904}"/>
+                <a16:creationId xmlns:a16="http://schemas.microsoft.com/office/drawing/2014/main" id="{82765A8E-4432-4A05-AED5-560591789745}"/>
               </a:ext>
             </a:extLst>
           </p:cNvPr>
@@ -5539,59 +6338,30 @@
             <a:spLocks noGrp="1"/>
           </p:cNvSpPr>
           <p:nvPr>
-            <p:ph idx="1"/>
-          </p:nvPr>
-        </p:nvSpPr>
-        <p:spPr>
-          <a:xfrm>
-            <a:off x="1007533" y="2733472"/>
-            <a:ext cx="10058400" cy="3301568"/>
-          </a:xfrm>
-        </p:spPr>
-        <p:txBody>
-          <a:bodyPr>
-            <a:normAutofit/>
-          </a:bodyPr>
-          <a:lstStyle/>
-          <a:p>
-            <a:pPr marL="0" indent="0">
-              <a:buNone/>
-            </a:pPr>
-            <a:r>
-              <a:rPr lang="en-US" sz="1800" dirty="0">
-                <a:latin typeface="Consolas" panose="020B0609020204030204" pitchFamily="49" charset="0"/>
-                <a:cs typeface="Arial" panose="020B0604020202020204" pitchFamily="34" charset="0"/>
-              </a:rPr>
-              <a:t>jquery(":first-child")</a:t>
-            </a:r>
-          </a:p>
-          <a:p>
-            <a:pPr indent="0">
-              <a:buNone/>
-            </a:pPr>
-            <a:r>
-              <a:rPr lang="en-US" sz="1800" dirty="0">
-                <a:cs typeface="Arial" panose="020B0604020202020204" pitchFamily="34" charset="0"/>
-              </a:rPr>
-              <a:t>Description:</a:t>
-            </a:r>
-          </a:p>
-          <a:p>
-            <a:pPr indent="0">
-              <a:buNone/>
-            </a:pPr>
-            <a:r>
-              <a:rPr lang="en-US" sz="1800" dirty="0">
-                <a:cs typeface="Arial" panose="020B0604020202020204" pitchFamily="34" charset="0"/>
-              </a:rPr>
-              <a:t>Selects all elements that are the last child of their parent.  While .last() matches only a single element, :last-child can match more than one element for each parent</a:t>
-            </a:r>
-          </a:p>
-        </p:txBody>
-      </p:sp>
-      <p:sp>
-        <p:nvSpPr>
-          <p:cNvPr id="6" name="Slide Number Placeholder 5"/>
+            <p:ph type="body" idx="1"/>
+          </p:nvPr>
+        </p:nvSpPr>
+        <p:spPr/>
+        <p:txBody>
+          <a:bodyPr/>
+          <a:lstStyle/>
+          <a:p>
+            <a:r>
+              <a:rPr lang="en-US"/>
+              <a:t>Selecting the DOM elements that you want to interact with.</a:t>
+            </a:r>
+          </a:p>
+        </p:txBody>
+      </p:sp>
+      <p:sp>
+        <p:nvSpPr>
+          <p:cNvPr id="4" name="Slide Number Placeholder 3">
+            <a:extLst>
+              <a:ext uri="{FF2B5EF4-FFF2-40B4-BE49-F238E27FC236}">
+                <a16:creationId xmlns:a16="http://schemas.microsoft.com/office/drawing/2014/main" id="{F5ADD0B6-B19A-4054-B352-5F96E046F5E3}"/>
+              </a:ext>
+            </a:extLst>
+          </p:cNvPr>
           <p:cNvSpPr>
             <a:spLocks noGrp="1"/>
           </p:cNvSpPr>
@@ -5612,48 +6382,10 @@
           </a:p>
         </p:txBody>
       </p:sp>
-      <p:sp>
-        <p:nvSpPr>
-          <p:cNvPr id="4" name="Rectangle 3"/>
-          <p:cNvSpPr/>
-          <p:nvPr/>
-        </p:nvSpPr>
-        <p:spPr>
-          <a:xfrm>
-            <a:off x="1244600" y="5388709"/>
-            <a:ext cx="6096000" cy="646331"/>
-          </a:xfrm>
-          <a:prstGeom prst="rect">
-            <a:avLst/>
-          </a:prstGeom>
-        </p:spPr>
-        <p:txBody>
-          <a:bodyPr>
-            <a:spAutoFit/>
-          </a:bodyPr>
-          <a:lstStyle/>
-          <a:p>
-            <a:r>
-              <a:rPr lang="en-US" b="1" dirty="0"/>
-              <a:t>Source</a:t>
-            </a:r>
-          </a:p>
-          <a:p>
-            <a:r>
-              <a:rPr lang="en-US" dirty="0">
-                <a:solidFill>
-                  <a:srgbClr val="00B0F0"/>
-                </a:solidFill>
-              </a:rPr>
-              <a:t>https://api.jquery.com/last-child-selector/</a:t>
-            </a:r>
-          </a:p>
-        </p:txBody>
-      </p:sp>
     </p:spTree>
     <p:extLst>
       <p:ext uri="{BB962C8B-B14F-4D97-AF65-F5344CB8AC3E}">
-        <p14:creationId xmlns:p14="http://schemas.microsoft.com/office/powerpoint/2010/main" val="402183334"/>
+        <p14:creationId xmlns:p14="http://schemas.microsoft.com/office/powerpoint/2010/main" val="2041002679"/>
       </p:ext>
     </p:extLst>
   </p:cSld>
@@ -5696,12 +6428,7 @@
             <p:ph type="title"/>
           </p:nvPr>
         </p:nvSpPr>
-        <p:spPr>
-          <a:xfrm>
-            <a:off x="664234" y="733579"/>
-            <a:ext cx="7946366" cy="1371600"/>
-          </a:xfrm>
-        </p:spPr>
+        <p:spPr/>
         <p:txBody>
           <a:bodyPr>
             <a:normAutofit/>
@@ -5710,7 +6437,7 @@
           <a:p>
             <a:r>
               <a:rPr lang="en-US" u="sng" dirty="0"/>
-              <a:t>:nth-child Selector</a:t>
+              <a:t>jQuery Selectors</a:t>
             </a:r>
           </a:p>
         </p:txBody>
@@ -5731,12 +6458,7 @@
             <p:ph idx="1"/>
           </p:nvPr>
         </p:nvSpPr>
-        <p:spPr>
-          <a:xfrm>
-            <a:off x="1007533" y="2733472"/>
-            <a:ext cx="10058400" cy="3301568"/>
-          </a:xfrm>
-        </p:spPr>
+        <p:spPr/>
         <p:txBody>
           <a:bodyPr>
             <a:normAutofit/>
@@ -5748,32 +6470,22 @@
             </a:pPr>
             <a:r>
               <a:rPr lang="en-US" sz="1800" dirty="0">
-                <a:latin typeface="Consolas" panose="020B0609020204030204" pitchFamily="49" charset="0"/>
                 <a:cs typeface="Arial" panose="020B0604020202020204" pitchFamily="34" charset="0"/>
               </a:rPr>
-              <a:t>jquery("nth-child" (n))</a:t>
-            </a:r>
-          </a:p>
-          <a:p>
-            <a:pPr indent="0">
-              <a:buNone/>
-            </a:pPr>
+              <a:t>See URL: </a:t>
+            </a:r>
             <a:r>
               <a:rPr lang="en-US" sz="1800" dirty="0">
                 <a:cs typeface="Arial" panose="020B0604020202020204" pitchFamily="34" charset="0"/>
-              </a:rPr>
-              <a:t>Description:</a:t>
-            </a:r>
-          </a:p>
-          <a:p>
-            <a:pPr indent="0">
-              <a:buNone/>
-            </a:pPr>
+                <a:hlinkClick r:id="rId2"/>
+              </a:rPr>
+              <a:t>https://api.jquery.com/category/selectors/</a:t>
+            </a:r>
             <a:r>
               <a:rPr lang="en-US" sz="1800" dirty="0">
                 <a:cs typeface="Arial" panose="020B0604020202020204" pitchFamily="34" charset="0"/>
               </a:rPr>
-              <a:t>Selects all elements that are the nth-child of their parent</a:t>
+              <a:t> for the (currently) 60+ different jQuery selectors.  Some of the major selectors are discussed next</a:t>
             </a:r>
           </a:p>
         </p:txBody>
@@ -5801,48 +6513,10 @@
           </a:p>
         </p:txBody>
       </p:sp>
-      <p:sp>
-        <p:nvSpPr>
-          <p:cNvPr id="4" name="Rectangle 3"/>
-          <p:cNvSpPr/>
-          <p:nvPr/>
-        </p:nvSpPr>
-        <p:spPr>
-          <a:xfrm>
-            <a:off x="1244600" y="5388709"/>
-            <a:ext cx="6096000" cy="646331"/>
-          </a:xfrm>
-          <a:prstGeom prst="rect">
-            <a:avLst/>
-          </a:prstGeom>
-        </p:spPr>
-        <p:txBody>
-          <a:bodyPr>
-            <a:spAutoFit/>
-          </a:bodyPr>
-          <a:lstStyle/>
-          <a:p>
-            <a:r>
-              <a:rPr lang="en-US" b="1" dirty="0"/>
-              <a:t>Source</a:t>
-            </a:r>
-          </a:p>
-          <a:p>
-            <a:r>
-              <a:rPr lang="en-US" dirty="0">
-                <a:solidFill>
-                  <a:srgbClr val="00B0F0"/>
-                </a:solidFill>
-              </a:rPr>
-              <a:t>https://api.jquery.com/nth-child-selector/</a:t>
-            </a:r>
-          </a:p>
-        </p:txBody>
-      </p:sp>
     </p:spTree>
     <p:extLst>
       <p:ext uri="{BB962C8B-B14F-4D97-AF65-F5344CB8AC3E}">
-        <p14:creationId xmlns:p14="http://schemas.microsoft.com/office/powerpoint/2010/main" val="1847410834"/>
+        <p14:creationId xmlns:p14="http://schemas.microsoft.com/office/powerpoint/2010/main" val="2777834671"/>
       </p:ext>
     </p:extLst>
   </p:cSld>
@@ -5885,12 +6559,7 @@
             <p:ph type="title"/>
           </p:nvPr>
         </p:nvSpPr>
-        <p:spPr>
-          <a:xfrm>
-            <a:off x="664234" y="733579"/>
-            <a:ext cx="7946366" cy="1371600"/>
-          </a:xfrm>
-        </p:spPr>
+        <p:spPr/>
         <p:txBody>
           <a:bodyPr>
             <a:normAutofit/>
@@ -5899,7 +6568,7 @@
           <a:p>
             <a:r>
               <a:rPr lang="en-US" u="sng" dirty="0"/>
-              <a:t>Next Adjacent Selector</a:t>
+              <a:t>Child Selector</a:t>
             </a:r>
           </a:p>
         </p:txBody>
@@ -5920,12 +6589,7 @@
             <p:ph idx="1"/>
           </p:nvPr>
         </p:nvSpPr>
-        <p:spPr>
-          <a:xfrm>
-            <a:off x="1007533" y="2733472"/>
-            <a:ext cx="10058400" cy="3301568"/>
-          </a:xfrm>
-        </p:spPr>
+        <p:spPr/>
         <p:txBody>
           <a:bodyPr>
             <a:normAutofit/>
@@ -5940,7 +6604,7 @@
                 <a:latin typeface="Consolas" panose="020B0609020204030204" pitchFamily="49" charset="0"/>
                 <a:cs typeface="Arial" panose="020B0604020202020204" pitchFamily="34" charset="0"/>
               </a:rPr>
-              <a:t>jquery("prev + next")</a:t>
+              <a:t>jquery("parent &gt; child")</a:t>
             </a:r>
           </a:p>
           <a:p>
@@ -5962,7 +6626,7 @@
               <a:rPr lang="en-US" sz="1800" dirty="0">
                 <a:cs typeface="Arial" panose="020B0604020202020204" pitchFamily="34" charset="0"/>
               </a:rPr>
-              <a:t>Selects all next elements matching "next" that are immediately preceded by a sibling "prev".  The elements on either side of the combinator must share the same parent</a:t>
+              <a:t>Selects all direct child elements specified by "child" of elements specified by "parent".  The child combinator (E &gt; F) can be thought of as a more specific form of the descendant combinator (E F) in that it selects only first-level descendants</a:t>
             </a:r>
           </a:p>
         </p:txBody>
@@ -6023,7 +6687,7 @@
                   <a:srgbClr val="00B0F0"/>
                 </a:solidFill>
               </a:rPr>
-              <a:t>https://api.jquery.com/next-adjacent-selector/</a:t>
+              <a:t>https://api.jquery.com/child-selector/</a:t>
             </a:r>
           </a:p>
         </p:txBody>
@@ -6031,7 +6695,7 @@
     </p:spTree>
     <p:extLst>
       <p:ext uri="{BB962C8B-B14F-4D97-AF65-F5344CB8AC3E}">
-        <p14:creationId xmlns:p14="http://schemas.microsoft.com/office/powerpoint/2010/main" val="3713243048"/>
+        <p14:creationId xmlns:p14="http://schemas.microsoft.com/office/powerpoint/2010/main" val="3607779341"/>
       </p:ext>
     </p:extLst>
   </p:cSld>
@@ -6074,12 +6738,7 @@
             <p:ph type="title"/>
           </p:nvPr>
         </p:nvSpPr>
-        <p:spPr>
-          <a:xfrm>
-            <a:off x="664234" y="733579"/>
-            <a:ext cx="7946366" cy="1371600"/>
-          </a:xfrm>
-        </p:spPr>
+        <p:spPr/>
         <p:txBody>
           <a:bodyPr>
             <a:normAutofit/>
@@ -6088,7 +6747,7 @@
           <a:p>
             <a:r>
               <a:rPr lang="en-US" u="sng" dirty="0"/>
-              <a:t>Next Siblings Selector</a:t>
+              <a:t>Class Selector</a:t>
             </a:r>
           </a:p>
         </p:txBody>
@@ -6109,12 +6768,7 @@
             <p:ph idx="1"/>
           </p:nvPr>
         </p:nvSpPr>
-        <p:spPr>
-          <a:xfrm>
-            <a:off x="1007533" y="2733472"/>
-            <a:ext cx="10058400" cy="3301568"/>
-          </a:xfrm>
-        </p:spPr>
+        <p:spPr/>
         <p:txBody>
           <a:bodyPr>
             <a:normAutofit/>
@@ -6129,7 +6783,7 @@
                 <a:latin typeface="Consolas" panose="020B0609020204030204" pitchFamily="49" charset="0"/>
                 <a:cs typeface="Arial" panose="020B0604020202020204" pitchFamily="34" charset="0"/>
               </a:rPr>
-              <a:t>jquery("prev ~ siblings")</a:t>
+              <a:t>jquery(".class")</a:t>
             </a:r>
           </a:p>
           <a:p>
@@ -6151,8 +6805,16 @@
               <a:rPr lang="en-US" sz="1800" dirty="0">
                 <a:cs typeface="Arial" panose="020B0604020202020204" pitchFamily="34" charset="0"/>
               </a:rPr>
-              <a:t>Selects all sibling elements that follow after the "prev" element, have the same parent, and match the filtering "siblings" selector</a:t>
-            </a:r>
+              <a:t>Selects all elements with the given class.  For class selectors, jQuery uses the native JavaScript getElementsByClassName() function if the browser supports it</a:t>
+            </a:r>
+          </a:p>
+          <a:p>
+            <a:pPr indent="0">
+              <a:buNone/>
+            </a:pPr>
+            <a:endParaRPr lang="en-US" sz="1800" dirty="0">
+              <a:cs typeface="Arial" panose="020B0604020202020204" pitchFamily="34" charset="0"/>
+            </a:endParaRPr>
           </a:p>
         </p:txBody>
       </p:sp>
@@ -6212,7 +6874,7 @@
                   <a:srgbClr val="00B0F0"/>
                 </a:solidFill>
               </a:rPr>
-              <a:t>https://api.jquery.com/next-siblings-selector/</a:t>
+              <a:t>https://api.jquery.com/class-selector/</a:t>
             </a:r>
           </a:p>
         </p:txBody>
@@ -6220,7 +6882,7 @@
     </p:spTree>
     <p:extLst>
       <p:ext uri="{BB962C8B-B14F-4D97-AF65-F5344CB8AC3E}">
-        <p14:creationId xmlns:p14="http://schemas.microsoft.com/office/powerpoint/2010/main" val="2962766720"/>
+        <p14:creationId xmlns:p14="http://schemas.microsoft.com/office/powerpoint/2010/main" val="4094421051"/>
       </p:ext>
     </p:extLst>
   </p:cSld>
@@ -6263,12 +6925,7 @@
             <p:ph type="title"/>
           </p:nvPr>
         </p:nvSpPr>
-        <p:spPr>
-          <a:xfrm>
-            <a:off x="664234" y="733579"/>
-            <a:ext cx="7946366" cy="1371600"/>
-          </a:xfrm>
-        </p:spPr>
+        <p:spPr/>
         <p:txBody>
           <a:bodyPr>
             <a:normAutofit/>
@@ -6277,7 +6934,7 @@
           <a:p>
             <a:r>
               <a:rPr lang="en-US" u="sng" dirty="0"/>
-              <a:t>Parent Selector</a:t>
+              <a:t>Descendant Selector</a:t>
             </a:r>
           </a:p>
         </p:txBody>
@@ -6298,12 +6955,7 @@
             <p:ph idx="1"/>
           </p:nvPr>
         </p:nvSpPr>
-        <p:spPr>
-          <a:xfrm>
-            <a:off x="1007533" y="2733472"/>
-            <a:ext cx="10058400" cy="3301568"/>
-          </a:xfrm>
-        </p:spPr>
+        <p:spPr/>
         <p:txBody>
           <a:bodyPr>
             <a:normAutofit/>
@@ -6314,10 +6966,22 @@
               <a:buNone/>
             </a:pPr>
             <a:r>
+              <a:rPr lang="en-US" sz="2000" dirty="0">
+                <a:latin typeface="Consolas" panose="020B0609020204030204" pitchFamily="49" charset="0"/>
+                <a:cs typeface="Arial" panose="020B0604020202020204" pitchFamily="34" charset="0"/>
+              </a:rPr>
+              <a:t>jquery("ancestor descendant")</a:t>
+            </a:r>
+          </a:p>
+          <a:p>
+            <a:pPr indent="0">
+              <a:buNone/>
+            </a:pPr>
+            <a:r>
               <a:rPr lang="en-US" sz="1800" dirty="0">
                 <a:cs typeface="Arial" panose="020B0604020202020204" pitchFamily="34" charset="0"/>
               </a:rPr>
-              <a:t>jquery(":parent")</a:t>
+              <a:t>Description:</a:t>
             </a:r>
           </a:p>
           <a:p>
@@ -6328,18 +6992,7 @@
               <a:rPr lang="en-US" sz="1800" dirty="0">
                 <a:cs typeface="Arial" panose="020B0604020202020204" pitchFamily="34" charset="0"/>
               </a:rPr>
-              <a:t>Description:</a:t>
-            </a:r>
-          </a:p>
-          <a:p>
-            <a:pPr indent="0">
-              <a:buNone/>
-            </a:pPr>
-            <a:r>
-              <a:rPr lang="en-US" sz="1800" dirty="0">
-                <a:cs typeface="Arial" panose="020B0604020202020204" pitchFamily="34" charset="0"/>
-              </a:rPr>
-              <a:t>Selects all elements that have at least one child node (either an element or text).  The inverse of the :empty selector</a:t>
+              <a:t>Selects all elements that are descendants of a given ancestor.  A descendant of an element could be a child, grandchild, great-grandchild, etc. of that element</a:t>
             </a:r>
           </a:p>
         </p:txBody>
@@ -6400,7 +7053,7 @@
                   <a:srgbClr val="00B0F0"/>
                 </a:solidFill>
               </a:rPr>
-              <a:t>https://api.jquery.com/parent-selector/</a:t>
+              <a:t>https://api.jquery.com/descendant-selector/</a:t>
             </a:r>
           </a:p>
         </p:txBody>
@@ -6408,7 +7061,7 @@
     </p:spTree>
     <p:extLst>
       <p:ext uri="{BB962C8B-B14F-4D97-AF65-F5344CB8AC3E}">
-        <p14:creationId xmlns:p14="http://schemas.microsoft.com/office/powerpoint/2010/main" val="3938772568"/>
+        <p14:creationId xmlns:p14="http://schemas.microsoft.com/office/powerpoint/2010/main" val="2530593701"/>
       </p:ext>
     </p:extLst>
   </p:cSld>
@@ -6451,12 +7104,7 @@
             <p:ph type="title"/>
           </p:nvPr>
         </p:nvSpPr>
-        <p:spPr>
-          <a:xfrm>
-            <a:off x="664234" y="733579"/>
-            <a:ext cx="7946366" cy="1371600"/>
-          </a:xfrm>
-        </p:spPr>
+        <p:spPr/>
         <p:txBody>
           <a:bodyPr>
             <a:normAutofit/>
@@ -6465,7 +7113,7 @@
           <a:p>
             <a:r>
               <a:rPr lang="en-US" u="sng" dirty="0"/>
-              <a:t>jQuery Event Handling</a:t>
+              <a:t>Element Selector</a:t>
             </a:r>
           </a:p>
         </p:txBody>
@@ -6486,12 +7134,7 @@
             <p:ph idx="1"/>
           </p:nvPr>
         </p:nvSpPr>
-        <p:spPr>
-          <a:xfrm>
-            <a:off x="1007533" y="2733472"/>
-            <a:ext cx="10058400" cy="3301568"/>
-          </a:xfrm>
-        </p:spPr>
+        <p:spPr/>
         <p:txBody>
           <a:bodyPr>
             <a:normAutofit/>
@@ -6503,25 +7146,32 @@
             </a:pPr>
             <a:r>
               <a:rPr lang="en-US" sz="1800" dirty="0">
+                <a:latin typeface="Consolas" panose="020B0609020204030204" pitchFamily="49" charset="0"/>
                 <a:cs typeface="Arial" panose="020B0604020202020204" pitchFamily="34" charset="0"/>
               </a:rPr>
-              <a:t>See URL: </a:t>
-            </a:r>
-            <a:r>
-              <a:rPr lang="en-US" sz="1800" dirty="0">
-                <a:hlinkClick r:id="rId2"/>
-              </a:rPr>
-              <a:t>https://learn.jquery.com/events/handling-events/</a:t>
-            </a:r>
-            <a:r>
-              <a:rPr lang="en-US" sz="1800" dirty="0"/>
-              <a:t> for info on </a:t>
-            </a:r>
+              <a:t>jquery("ancestor descendant")</a:t>
+            </a:r>
+          </a:p>
+          <a:p>
+            <a:pPr indent="0">
+              <a:buNone/>
+            </a:pPr>
             <a:r>
               <a:rPr lang="en-US" sz="1800" dirty="0">
                 <a:cs typeface="Arial" panose="020B0604020202020204" pitchFamily="34" charset="0"/>
               </a:rPr>
-              <a:t>jQuery event handlers.  Some of the major event handlers are discussed next</a:t>
+              <a:t>Description:</a:t>
+            </a:r>
+          </a:p>
+          <a:p>
+            <a:pPr indent="0">
+              <a:buNone/>
+            </a:pPr>
+            <a:r>
+              <a:rPr lang="en-US" sz="1800" dirty="0">
+                <a:cs typeface="Arial" panose="020B0604020202020204" pitchFamily="34" charset="0"/>
+              </a:rPr>
+              <a:t>Selects all elements that are descendants of a given ancestor.  A descendant of an element could be a child, grandchild, great-grandchild, etc. of that element</a:t>
             </a:r>
           </a:p>
         </p:txBody>
@@ -6549,10 +7199,48 @@
           </a:p>
         </p:txBody>
       </p:sp>
+      <p:sp>
+        <p:nvSpPr>
+          <p:cNvPr id="4" name="Rectangle 3"/>
+          <p:cNvSpPr/>
+          <p:nvPr/>
+        </p:nvSpPr>
+        <p:spPr>
+          <a:xfrm>
+            <a:off x="1244600" y="5388709"/>
+            <a:ext cx="6096000" cy="646331"/>
+          </a:xfrm>
+          <a:prstGeom prst="rect">
+            <a:avLst/>
+          </a:prstGeom>
+        </p:spPr>
+        <p:txBody>
+          <a:bodyPr>
+            <a:spAutoFit/>
+          </a:bodyPr>
+          <a:lstStyle/>
+          <a:p>
+            <a:r>
+              <a:rPr lang="en-US" b="1" dirty="0"/>
+              <a:t>Source</a:t>
+            </a:r>
+          </a:p>
+          <a:p>
+            <a:r>
+              <a:rPr lang="en-US" dirty="0">
+                <a:solidFill>
+                  <a:srgbClr val="00B0F0"/>
+                </a:solidFill>
+              </a:rPr>
+              <a:t>https://api.jquery.com/element-selector/</a:t>
+            </a:r>
+          </a:p>
+        </p:txBody>
+      </p:sp>
     </p:spTree>
     <p:extLst>
       <p:ext uri="{BB962C8B-B14F-4D97-AF65-F5344CB8AC3E}">
-        <p14:creationId xmlns:p14="http://schemas.microsoft.com/office/powerpoint/2010/main" val="430468383"/>
+        <p14:creationId xmlns:p14="http://schemas.microsoft.com/office/powerpoint/2010/main" val="3751162775"/>
       </p:ext>
     </p:extLst>
   </p:cSld>
@@ -6595,12 +7283,7 @@
             <p:ph type="title"/>
           </p:nvPr>
         </p:nvSpPr>
-        <p:spPr>
-          <a:xfrm>
-            <a:off x="664234" y="733579"/>
-            <a:ext cx="5077520" cy="1371600"/>
-          </a:xfrm>
-        </p:spPr>
+        <p:spPr/>
         <p:txBody>
           <a:bodyPr>
             <a:normAutofit/>
@@ -6630,12 +7313,7 @@
             <p:ph idx="1"/>
           </p:nvPr>
         </p:nvSpPr>
-        <p:spPr>
-          <a:xfrm>
-            <a:off x="1066800" y="2733472"/>
-            <a:ext cx="10058400" cy="1919267"/>
-          </a:xfrm>
-        </p:spPr>
+        <p:spPr/>
         <p:txBody>
           <a:bodyPr>
             <a:noAutofit/>
@@ -6760,12 +7438,7 @@
             <p:ph type="title"/>
           </p:nvPr>
         </p:nvSpPr>
-        <p:spPr>
-          <a:xfrm>
-            <a:off x="664234" y="733579"/>
-            <a:ext cx="7946366" cy="1371600"/>
-          </a:xfrm>
-        </p:spPr>
+        <p:spPr/>
         <p:txBody>
           <a:bodyPr>
             <a:normAutofit/>
@@ -6774,7 +7447,7 @@
           <a:p>
             <a:r>
               <a:rPr lang="en-US" u="sng" dirty="0"/>
-              <a:t>.bind()</a:t>
+              <a:t>:first-child Selector</a:t>
             </a:r>
           </a:p>
         </p:txBody>
@@ -6795,18 +7468,25 @@
             <p:ph idx="1"/>
           </p:nvPr>
         </p:nvSpPr>
-        <p:spPr>
-          <a:xfrm>
-            <a:off x="1007533" y="2733472"/>
-            <a:ext cx="10058400" cy="3301568"/>
-          </a:xfrm>
-        </p:spPr>
+        <p:spPr/>
         <p:txBody>
           <a:bodyPr>
             <a:normAutofit/>
           </a:bodyPr>
           <a:lstStyle/>
           <a:p>
+            <a:pPr marL="0" indent="0">
+              <a:buNone/>
+            </a:pPr>
+            <a:r>
+              <a:rPr lang="en-US" sz="1800" dirty="0">
+                <a:latin typeface="Consolas" panose="020B0609020204030204" pitchFamily="49" charset="0"/>
+                <a:cs typeface="Arial" panose="020B0604020202020204" pitchFamily="34" charset="0"/>
+              </a:rPr>
+              <a:t>jquery(":first-child")</a:t>
+            </a:r>
+          </a:p>
+          <a:p>
             <a:pPr indent="0">
               <a:buNone/>
             </a:pPr>
@@ -6825,7 +7505,7 @@
               <a:rPr lang="en-US" sz="1800" dirty="0">
                 <a:cs typeface="Arial" panose="020B0604020202020204" pitchFamily="34" charset="0"/>
               </a:rPr>
-              <a:t>Attaches a handler to an event for elements</a:t>
+              <a:t>Selects all elements that are descendants of a given ancestor.  A descendant of an element could be a child, grandchild, great-grandchild, etc. of that element</a:t>
             </a:r>
           </a:p>
         </p:txBody>
@@ -6855,21 +7535,21 @@
       </p:sp>
       <p:sp>
         <p:nvSpPr>
-          <p:cNvPr id="5" name="Rectangle 4"/>
+          <p:cNvPr id="4" name="Rectangle 3"/>
           <p:cNvSpPr/>
           <p:nvPr/>
         </p:nvSpPr>
         <p:spPr>
           <a:xfrm>
-            <a:off x="983809" y="5420825"/>
-            <a:ext cx="7948523" cy="646331"/>
+            <a:off x="1244600" y="5388709"/>
+            <a:ext cx="6096000" cy="646331"/>
           </a:xfrm>
           <a:prstGeom prst="rect">
             <a:avLst/>
           </a:prstGeom>
         </p:spPr>
         <p:txBody>
-          <a:bodyPr wrap="square">
+          <a:bodyPr>
             <a:spAutoFit/>
           </a:bodyPr>
           <a:lstStyle/>
@@ -6886,7 +7566,7 @@
                   <a:srgbClr val="00B0F0"/>
                 </a:solidFill>
               </a:rPr>
-              <a:t>https://api.jquery.com/bind/</a:t>
+              <a:t>https://api.jquery.com/first-child-selector/</a:t>
             </a:r>
           </a:p>
         </p:txBody>
@@ -6894,7 +7574,7 @@
     </p:spTree>
     <p:extLst>
       <p:ext uri="{BB962C8B-B14F-4D97-AF65-F5344CB8AC3E}">
-        <p14:creationId xmlns:p14="http://schemas.microsoft.com/office/powerpoint/2010/main" val="2809795195"/>
+        <p14:creationId xmlns:p14="http://schemas.microsoft.com/office/powerpoint/2010/main" val="1835593716"/>
       </p:ext>
     </p:extLst>
   </p:cSld>
@@ -6937,12 +7617,7 @@
             <p:ph type="title"/>
           </p:nvPr>
         </p:nvSpPr>
-        <p:spPr>
-          <a:xfrm>
-            <a:off x="664234" y="733579"/>
-            <a:ext cx="7946366" cy="1371600"/>
-          </a:xfrm>
-        </p:spPr>
+        <p:spPr/>
         <p:txBody>
           <a:bodyPr>
             <a:normAutofit/>
@@ -6951,7 +7626,7 @@
           <a:p>
             <a:r>
               <a:rPr lang="en-US" u="sng" dirty="0"/>
-              <a:t>.change()</a:t>
+              <a:t>ID Selector</a:t>
             </a:r>
           </a:p>
         </p:txBody>
@@ -6972,18 +7647,25 @@
             <p:ph idx="1"/>
           </p:nvPr>
         </p:nvSpPr>
-        <p:spPr>
-          <a:xfrm>
-            <a:off x="1007533" y="2733472"/>
-            <a:ext cx="10058400" cy="3301568"/>
-          </a:xfrm>
-        </p:spPr>
+        <p:spPr/>
         <p:txBody>
           <a:bodyPr>
             <a:normAutofit/>
           </a:bodyPr>
           <a:lstStyle/>
           <a:p>
+            <a:pPr marL="0" indent="0">
+              <a:buNone/>
+            </a:pPr>
+            <a:r>
+              <a:rPr lang="en-US" sz="1800" dirty="0">
+                <a:latin typeface="Consolas" panose="020B0609020204030204" pitchFamily="49" charset="0"/>
+                <a:cs typeface="Arial" panose="020B0604020202020204" pitchFamily="34" charset="0"/>
+              </a:rPr>
+              <a:t>jquery("#id")</a:t>
+            </a:r>
+          </a:p>
+          <a:p>
             <a:pPr indent="0">
               <a:buNone/>
             </a:pPr>
@@ -7002,7 +7684,7 @@
               <a:rPr lang="en-US" sz="1800" dirty="0">
                 <a:cs typeface="Arial" panose="020B0604020202020204" pitchFamily="34" charset="0"/>
               </a:rPr>
-              <a:t>Binds an event handler to the "change" JavaScript event, or triggers that event on an element</a:t>
+              <a:t>Selects a single element with the given id attribute</a:t>
             </a:r>
           </a:p>
         </p:txBody>
@@ -7032,21 +7714,21 @@
       </p:sp>
       <p:sp>
         <p:nvSpPr>
-          <p:cNvPr id="5" name="Rectangle 4"/>
+          <p:cNvPr id="4" name="Rectangle 3"/>
           <p:cNvSpPr/>
           <p:nvPr/>
         </p:nvSpPr>
         <p:spPr>
           <a:xfrm>
-            <a:off x="983809" y="5420825"/>
-            <a:ext cx="7948523" cy="646331"/>
+            <a:off x="1244600" y="5388709"/>
+            <a:ext cx="6096000" cy="646331"/>
           </a:xfrm>
           <a:prstGeom prst="rect">
             <a:avLst/>
           </a:prstGeom>
         </p:spPr>
         <p:txBody>
-          <a:bodyPr wrap="square">
+          <a:bodyPr>
             <a:spAutoFit/>
           </a:bodyPr>
           <a:lstStyle/>
@@ -7063,7 +7745,7 @@
                   <a:srgbClr val="00B0F0"/>
                 </a:solidFill>
               </a:rPr>
-              <a:t>https://api.jquery.com/change/</a:t>
+              <a:t>https://api.jquery.com/id-selector/</a:t>
             </a:r>
           </a:p>
         </p:txBody>
@@ -7071,7 +7753,7 @@
     </p:spTree>
     <p:extLst>
       <p:ext uri="{BB962C8B-B14F-4D97-AF65-F5344CB8AC3E}">
-        <p14:creationId xmlns:p14="http://schemas.microsoft.com/office/powerpoint/2010/main" val="433440205"/>
+        <p14:creationId xmlns:p14="http://schemas.microsoft.com/office/powerpoint/2010/main" val="4275541361"/>
       </p:ext>
     </p:extLst>
   </p:cSld>
@@ -7114,12 +7796,7 @@
             <p:ph type="title"/>
           </p:nvPr>
         </p:nvSpPr>
-        <p:spPr>
-          <a:xfrm>
-            <a:off x="664234" y="733579"/>
-            <a:ext cx="7946366" cy="1371600"/>
-          </a:xfrm>
-        </p:spPr>
+        <p:spPr/>
         <p:txBody>
           <a:bodyPr>
             <a:normAutofit/>
@@ -7128,7 +7805,7 @@
           <a:p>
             <a:r>
               <a:rPr lang="en-US" u="sng" dirty="0"/>
-              <a:t>.change()</a:t>
+              <a:t>:last-child Selector</a:t>
             </a:r>
           </a:p>
         </p:txBody>
@@ -7149,18 +7826,25 @@
             <p:ph idx="1"/>
           </p:nvPr>
         </p:nvSpPr>
-        <p:spPr>
-          <a:xfrm>
-            <a:off x="1007533" y="2733472"/>
-            <a:ext cx="10058400" cy="3301568"/>
-          </a:xfrm>
-        </p:spPr>
+        <p:spPr/>
         <p:txBody>
           <a:bodyPr>
             <a:normAutofit/>
           </a:bodyPr>
           <a:lstStyle/>
           <a:p>
+            <a:pPr marL="0" indent="0">
+              <a:buNone/>
+            </a:pPr>
+            <a:r>
+              <a:rPr lang="en-US" sz="1800" dirty="0">
+                <a:latin typeface="Consolas" panose="020B0609020204030204" pitchFamily="49" charset="0"/>
+                <a:cs typeface="Arial" panose="020B0604020202020204" pitchFamily="34" charset="0"/>
+              </a:rPr>
+              <a:t>jquery(":first-child")</a:t>
+            </a:r>
+          </a:p>
+          <a:p>
             <a:pPr indent="0">
               <a:buNone/>
             </a:pPr>
@@ -7179,7 +7863,7 @@
               <a:rPr lang="en-US" sz="1800" dirty="0">
                 <a:cs typeface="Arial" panose="020B0604020202020204" pitchFamily="34" charset="0"/>
               </a:rPr>
-              <a:t>Binds an event handler to the "change" JavaScript event, or triggers that event on an element</a:t>
+              <a:t>Selects all elements that are the last child of their parent.  While .last() matches only a single element, :last-child can match more than one element for each parent</a:t>
             </a:r>
           </a:p>
         </p:txBody>
@@ -7209,21 +7893,21 @@
       </p:sp>
       <p:sp>
         <p:nvSpPr>
-          <p:cNvPr id="5" name="Rectangle 4"/>
+          <p:cNvPr id="4" name="Rectangle 3"/>
           <p:cNvSpPr/>
           <p:nvPr/>
         </p:nvSpPr>
         <p:spPr>
           <a:xfrm>
-            <a:off x="983809" y="5420825"/>
-            <a:ext cx="7948523" cy="646331"/>
+            <a:off x="1244600" y="5388709"/>
+            <a:ext cx="6096000" cy="646331"/>
           </a:xfrm>
           <a:prstGeom prst="rect">
             <a:avLst/>
           </a:prstGeom>
         </p:spPr>
         <p:txBody>
-          <a:bodyPr wrap="square">
+          <a:bodyPr>
             <a:spAutoFit/>
           </a:bodyPr>
           <a:lstStyle/>
@@ -7240,7 +7924,7 @@
                   <a:srgbClr val="00B0F0"/>
                 </a:solidFill>
               </a:rPr>
-              <a:t>https://api.jquery.com/change/</a:t>
+              <a:t>https://api.jquery.com/last-child-selector/</a:t>
             </a:r>
           </a:p>
         </p:txBody>
@@ -7248,7 +7932,7 @@
     </p:spTree>
     <p:extLst>
       <p:ext uri="{BB962C8B-B14F-4D97-AF65-F5344CB8AC3E}">
-        <p14:creationId xmlns:p14="http://schemas.microsoft.com/office/powerpoint/2010/main" val="3120446516"/>
+        <p14:creationId xmlns:p14="http://schemas.microsoft.com/office/powerpoint/2010/main" val="402183334"/>
       </p:ext>
     </p:extLst>
   </p:cSld>
@@ -7291,12 +7975,7 @@
             <p:ph type="title"/>
           </p:nvPr>
         </p:nvSpPr>
-        <p:spPr>
-          <a:xfrm>
-            <a:off x="664234" y="733579"/>
-            <a:ext cx="7946366" cy="1371600"/>
-          </a:xfrm>
-        </p:spPr>
+        <p:spPr/>
         <p:txBody>
           <a:bodyPr>
             <a:normAutofit/>
@@ -7305,7 +7984,7 @@
           <a:p>
             <a:r>
               <a:rPr lang="en-US" u="sng" dirty="0"/>
-              <a:t>.click()</a:t>
+              <a:t>:nth-child Selector</a:t>
             </a:r>
           </a:p>
         </p:txBody>
@@ -7326,18 +8005,25 @@
             <p:ph idx="1"/>
           </p:nvPr>
         </p:nvSpPr>
-        <p:spPr>
-          <a:xfrm>
-            <a:off x="1007533" y="2733472"/>
-            <a:ext cx="10058400" cy="3301568"/>
-          </a:xfrm>
-        </p:spPr>
+        <p:spPr/>
         <p:txBody>
           <a:bodyPr>
             <a:normAutofit/>
           </a:bodyPr>
           <a:lstStyle/>
           <a:p>
+            <a:pPr marL="0" indent="0">
+              <a:buNone/>
+            </a:pPr>
+            <a:r>
+              <a:rPr lang="en-US" sz="1800" dirty="0">
+                <a:latin typeface="Consolas" panose="020B0609020204030204" pitchFamily="49" charset="0"/>
+                <a:cs typeface="Arial" panose="020B0604020202020204" pitchFamily="34" charset="0"/>
+              </a:rPr>
+              <a:t>jquery("nth-child" (n))</a:t>
+            </a:r>
+          </a:p>
+          <a:p>
             <a:pPr indent="0">
               <a:buNone/>
             </a:pPr>
@@ -7356,7 +8042,7 @@
               <a:rPr lang="en-US" sz="1800" dirty="0">
                 <a:cs typeface="Arial" panose="020B0604020202020204" pitchFamily="34" charset="0"/>
               </a:rPr>
-              <a:t>Binds an event handler to the "click" JavaScript event, or triggers that event on an element</a:t>
+              <a:t>Selects all elements that are the nth-child of their parent</a:t>
             </a:r>
           </a:p>
         </p:txBody>
@@ -7386,21 +8072,21 @@
       </p:sp>
       <p:sp>
         <p:nvSpPr>
-          <p:cNvPr id="5" name="Rectangle 4"/>
+          <p:cNvPr id="4" name="Rectangle 3"/>
           <p:cNvSpPr/>
           <p:nvPr/>
         </p:nvSpPr>
         <p:spPr>
           <a:xfrm>
-            <a:off x="983809" y="5420825"/>
-            <a:ext cx="7948523" cy="646331"/>
+            <a:off x="1244600" y="5388709"/>
+            <a:ext cx="6096000" cy="646331"/>
           </a:xfrm>
           <a:prstGeom prst="rect">
             <a:avLst/>
           </a:prstGeom>
         </p:spPr>
         <p:txBody>
-          <a:bodyPr wrap="square">
+          <a:bodyPr>
             <a:spAutoFit/>
           </a:bodyPr>
           <a:lstStyle/>
@@ -7417,7 +8103,7 @@
                   <a:srgbClr val="00B0F0"/>
                 </a:solidFill>
               </a:rPr>
-              <a:t>https://api.jquery.com/clixk/</a:t>
+              <a:t>https://api.jquery.com/nth-child-selector/</a:t>
             </a:r>
           </a:p>
         </p:txBody>
@@ -7425,7 +8111,7 @@
     </p:spTree>
     <p:extLst>
       <p:ext uri="{BB962C8B-B14F-4D97-AF65-F5344CB8AC3E}">
-        <p14:creationId xmlns:p14="http://schemas.microsoft.com/office/powerpoint/2010/main" val="720750996"/>
+        <p14:creationId xmlns:p14="http://schemas.microsoft.com/office/powerpoint/2010/main" val="1847410834"/>
       </p:ext>
     </p:extLst>
   </p:cSld>
@@ -7468,12 +8154,7 @@
             <p:ph type="title"/>
           </p:nvPr>
         </p:nvSpPr>
-        <p:spPr>
-          <a:xfrm>
-            <a:off x="664234" y="733579"/>
-            <a:ext cx="7946366" cy="1371600"/>
-          </a:xfrm>
-        </p:spPr>
+        <p:spPr/>
         <p:txBody>
           <a:bodyPr>
             <a:normAutofit/>
@@ -7482,7 +8163,7 @@
           <a:p>
             <a:r>
               <a:rPr lang="en-US" u="sng" dirty="0"/>
-              <a:t>.each()</a:t>
+              <a:t>Next Adjacent Selector</a:t>
             </a:r>
           </a:p>
         </p:txBody>
@@ -7503,18 +8184,25 @@
             <p:ph idx="1"/>
           </p:nvPr>
         </p:nvSpPr>
-        <p:spPr>
-          <a:xfrm>
-            <a:off x="1007533" y="2733472"/>
-            <a:ext cx="10058400" cy="3301568"/>
-          </a:xfrm>
-        </p:spPr>
+        <p:spPr/>
         <p:txBody>
           <a:bodyPr>
             <a:normAutofit/>
           </a:bodyPr>
           <a:lstStyle/>
           <a:p>
+            <a:pPr marL="0" indent="0">
+              <a:buNone/>
+            </a:pPr>
+            <a:r>
+              <a:rPr lang="en-US" sz="1800" dirty="0">
+                <a:latin typeface="Consolas" panose="020B0609020204030204" pitchFamily="49" charset="0"/>
+                <a:cs typeface="Arial" panose="020B0604020202020204" pitchFamily="34" charset="0"/>
+              </a:rPr>
+              <a:t>jquery("prev + next")</a:t>
+            </a:r>
+          </a:p>
+          <a:p>
             <a:pPr indent="0">
               <a:buNone/>
             </a:pPr>
@@ -7533,7 +8221,7 @@
               <a:rPr lang="en-US" sz="1800" dirty="0">
                 <a:cs typeface="Arial" panose="020B0604020202020204" pitchFamily="34" charset="0"/>
               </a:rPr>
-              <a:t>Iterates over a jQuery object, executing a function for each matched element</a:t>
+              <a:t>Selects all next elements matching "next" that are immediately preceded by a sibling "prev".  The elements on either side of the combinator must share the same parent</a:t>
             </a:r>
           </a:p>
         </p:txBody>
@@ -7563,21 +8251,21 @@
       </p:sp>
       <p:sp>
         <p:nvSpPr>
-          <p:cNvPr id="5" name="Rectangle 4"/>
+          <p:cNvPr id="4" name="Rectangle 3"/>
           <p:cNvSpPr/>
           <p:nvPr/>
         </p:nvSpPr>
         <p:spPr>
           <a:xfrm>
-            <a:off x="983809" y="5420825"/>
-            <a:ext cx="7948523" cy="646331"/>
+            <a:off x="1244600" y="5388709"/>
+            <a:ext cx="6096000" cy="646331"/>
           </a:xfrm>
           <a:prstGeom prst="rect">
             <a:avLst/>
           </a:prstGeom>
         </p:spPr>
         <p:txBody>
-          <a:bodyPr wrap="square">
+          <a:bodyPr>
             <a:spAutoFit/>
           </a:bodyPr>
           <a:lstStyle/>
@@ -7594,7 +8282,7 @@
                   <a:srgbClr val="00B0F0"/>
                 </a:solidFill>
               </a:rPr>
-              <a:t>https://api.jquery.com/each/</a:t>
+              <a:t>https://api.jquery.com/next-adjacent-selector/</a:t>
             </a:r>
           </a:p>
         </p:txBody>
@@ -7602,7 +8290,7 @@
     </p:spTree>
     <p:extLst>
       <p:ext uri="{BB962C8B-B14F-4D97-AF65-F5344CB8AC3E}">
-        <p14:creationId xmlns:p14="http://schemas.microsoft.com/office/powerpoint/2010/main" val="1806854788"/>
+        <p14:creationId xmlns:p14="http://schemas.microsoft.com/office/powerpoint/2010/main" val="3713243048"/>
       </p:ext>
     </p:extLst>
   </p:cSld>
@@ -7645,12 +8333,7 @@
             <p:ph type="title"/>
           </p:nvPr>
         </p:nvSpPr>
-        <p:spPr>
-          <a:xfrm>
-            <a:off x="664234" y="733579"/>
-            <a:ext cx="7946366" cy="1371600"/>
-          </a:xfrm>
-        </p:spPr>
+        <p:spPr/>
         <p:txBody>
           <a:bodyPr>
             <a:normAutofit/>
@@ -7659,7 +8342,7 @@
           <a:p>
             <a:r>
               <a:rPr lang="en-US" u="sng" dirty="0"/>
-              <a:t>.error()</a:t>
+              <a:t>Next Siblings Selector</a:t>
             </a:r>
           </a:p>
         </p:txBody>
@@ -7680,18 +8363,25 @@
             <p:ph idx="1"/>
           </p:nvPr>
         </p:nvSpPr>
-        <p:spPr>
-          <a:xfrm>
-            <a:off x="1007533" y="2733472"/>
-            <a:ext cx="10058400" cy="3301568"/>
-          </a:xfrm>
-        </p:spPr>
+        <p:spPr/>
         <p:txBody>
           <a:bodyPr>
             <a:normAutofit/>
           </a:bodyPr>
           <a:lstStyle/>
           <a:p>
+            <a:pPr marL="0" indent="0">
+              <a:buNone/>
+            </a:pPr>
+            <a:r>
+              <a:rPr lang="en-US" sz="1800" dirty="0">
+                <a:latin typeface="Consolas" panose="020B0609020204030204" pitchFamily="49" charset="0"/>
+                <a:cs typeface="Arial" panose="020B0604020202020204" pitchFamily="34" charset="0"/>
+              </a:rPr>
+              <a:t>jquery("prev ~ siblings")</a:t>
+            </a:r>
+          </a:p>
+          <a:p>
             <a:pPr indent="0">
               <a:buNone/>
             </a:pPr>
@@ -7710,7 +8400,7 @@
               <a:rPr lang="en-US" sz="1800" dirty="0">
                 <a:cs typeface="Arial" panose="020B0604020202020204" pitchFamily="34" charset="0"/>
               </a:rPr>
-              <a:t>Binds an event handler to the "error" JavaScript event</a:t>
+              <a:t>Selects all sibling elements that follow after the "prev" element, have the same parent, and match the filtering "siblings" selector</a:t>
             </a:r>
           </a:p>
         </p:txBody>
@@ -7740,21 +8430,21 @@
       </p:sp>
       <p:sp>
         <p:nvSpPr>
-          <p:cNvPr id="5" name="Rectangle 4"/>
+          <p:cNvPr id="4" name="Rectangle 3"/>
           <p:cNvSpPr/>
           <p:nvPr/>
         </p:nvSpPr>
         <p:spPr>
           <a:xfrm>
-            <a:off x="983809" y="5420825"/>
-            <a:ext cx="7948523" cy="646331"/>
+            <a:off x="1244600" y="5388709"/>
+            <a:ext cx="6096000" cy="646331"/>
           </a:xfrm>
           <a:prstGeom prst="rect">
             <a:avLst/>
           </a:prstGeom>
         </p:spPr>
         <p:txBody>
-          <a:bodyPr wrap="square">
+          <a:bodyPr>
             <a:spAutoFit/>
           </a:bodyPr>
           <a:lstStyle/>
@@ -7771,7 +8461,7 @@
                   <a:srgbClr val="00B0F0"/>
                 </a:solidFill>
               </a:rPr>
-              <a:t>https://api.jquery.com/error/</a:t>
+              <a:t>https://api.jquery.com/next-siblings-selector/</a:t>
             </a:r>
           </a:p>
         </p:txBody>
@@ -7779,7 +8469,7 @@
     </p:spTree>
     <p:extLst>
       <p:ext uri="{BB962C8B-B14F-4D97-AF65-F5344CB8AC3E}">
-        <p14:creationId xmlns:p14="http://schemas.microsoft.com/office/powerpoint/2010/main" val="2723149181"/>
+        <p14:creationId xmlns:p14="http://schemas.microsoft.com/office/powerpoint/2010/main" val="2962766720"/>
       </p:ext>
     </p:extLst>
   </p:cSld>
@@ -7822,12 +8512,7 @@
             <p:ph type="title"/>
           </p:nvPr>
         </p:nvSpPr>
-        <p:spPr>
-          <a:xfrm>
-            <a:off x="664234" y="733579"/>
-            <a:ext cx="7946366" cy="1371600"/>
-          </a:xfrm>
-        </p:spPr>
+        <p:spPr/>
         <p:txBody>
           <a:bodyPr>
             <a:normAutofit/>
@@ -7836,7 +8521,7 @@
           <a:p>
             <a:r>
               <a:rPr lang="en-US" u="sng" dirty="0"/>
-              <a:t>.event.preventDefault()</a:t>
+              <a:t>Parent Selector</a:t>
             </a:r>
           </a:p>
         </p:txBody>
@@ -7857,26 +8542,21 @@
             <p:ph idx="1"/>
           </p:nvPr>
         </p:nvSpPr>
-        <p:spPr>
-          <a:xfrm>
-            <a:off x="1007533" y="2733472"/>
-            <a:ext cx="10058400" cy="3301568"/>
-          </a:xfrm>
-        </p:spPr>
+        <p:spPr/>
         <p:txBody>
           <a:bodyPr>
             <a:normAutofit/>
           </a:bodyPr>
           <a:lstStyle/>
           <a:p>
-            <a:pPr indent="0">
+            <a:pPr marL="0" indent="0">
               <a:buNone/>
             </a:pPr>
             <a:r>
               <a:rPr lang="en-US" sz="1800" dirty="0">
                 <a:cs typeface="Arial" panose="020B0604020202020204" pitchFamily="34" charset="0"/>
               </a:rPr>
-              <a:t>Description:</a:t>
+              <a:t>jquery(":parent")</a:t>
             </a:r>
           </a:p>
           <a:p>
@@ -7887,7 +8567,18 @@
               <a:rPr lang="en-US" sz="1800" dirty="0">
                 <a:cs typeface="Arial" panose="020B0604020202020204" pitchFamily="34" charset="0"/>
               </a:rPr>
-              <a:t>If this method is called, the default action of the event will not be triggered</a:t>
+              <a:t>Description:</a:t>
+            </a:r>
+          </a:p>
+          <a:p>
+            <a:pPr indent="0">
+              <a:buNone/>
+            </a:pPr>
+            <a:r>
+              <a:rPr lang="en-US" sz="1800" dirty="0">
+                <a:cs typeface="Arial" panose="020B0604020202020204" pitchFamily="34" charset="0"/>
+              </a:rPr>
+              <a:t>Selects all elements that have at least one child node (either an element or text).  The inverse of the :empty selector</a:t>
             </a:r>
           </a:p>
         </p:txBody>
@@ -7917,21 +8608,21 @@
       </p:sp>
       <p:sp>
         <p:nvSpPr>
-          <p:cNvPr id="5" name="Rectangle 4"/>
+          <p:cNvPr id="4" name="Rectangle 3"/>
           <p:cNvSpPr/>
           <p:nvPr/>
         </p:nvSpPr>
         <p:spPr>
           <a:xfrm>
-            <a:off x="983809" y="5420825"/>
-            <a:ext cx="7948523" cy="646331"/>
+            <a:off x="1244600" y="5388709"/>
+            <a:ext cx="6096000" cy="646331"/>
           </a:xfrm>
           <a:prstGeom prst="rect">
             <a:avLst/>
           </a:prstGeom>
         </p:spPr>
         <p:txBody>
-          <a:bodyPr wrap="square">
+          <a:bodyPr>
             <a:spAutoFit/>
           </a:bodyPr>
           <a:lstStyle/>
@@ -7948,7 +8639,7 @@
                   <a:srgbClr val="00B0F0"/>
                 </a:solidFill>
               </a:rPr>
-              <a:t>https://api.jquery.com/event.preventDefault</a:t>
+              <a:t>https://api.jquery.com/parent-selector/</a:t>
             </a:r>
           </a:p>
         </p:txBody>
@@ -7956,7 +8647,7 @@
     </p:spTree>
     <p:extLst>
       <p:ext uri="{BB962C8B-B14F-4D97-AF65-F5344CB8AC3E}">
-        <p14:creationId xmlns:p14="http://schemas.microsoft.com/office/powerpoint/2010/main" val="943767317"/>
+        <p14:creationId xmlns:p14="http://schemas.microsoft.com/office/powerpoint/2010/main" val="3938772568"/>
       </p:ext>
     </p:extLst>
   </p:cSld>
@@ -7999,12 +8690,7 @@
             <p:ph type="title"/>
           </p:nvPr>
         </p:nvSpPr>
-        <p:spPr>
-          <a:xfrm>
-            <a:off x="664234" y="733579"/>
-            <a:ext cx="7946366" cy="1371600"/>
-          </a:xfrm>
-        </p:spPr>
+        <p:spPr/>
         <p:txBody>
           <a:bodyPr>
             <a:normAutofit/>
@@ -8013,7 +8699,7 @@
           <a:p>
             <a:r>
               <a:rPr lang="en-US" u="sng" dirty="0"/>
-              <a:t>.event.stopPropagation()</a:t>
+              <a:t>jQuery Event Handling</a:t>
             </a:r>
           </a:p>
         </p:txBody>
@@ -8034,37 +8720,37 @@
             <p:ph idx="1"/>
           </p:nvPr>
         </p:nvSpPr>
-        <p:spPr>
-          <a:xfrm>
-            <a:off x="1007533" y="2733472"/>
-            <a:ext cx="10058400" cy="3301568"/>
-          </a:xfrm>
-        </p:spPr>
+        <p:spPr/>
         <p:txBody>
           <a:bodyPr>
             <a:normAutofit/>
           </a:bodyPr>
           <a:lstStyle/>
           <a:p>
-            <a:pPr indent="0">
+            <a:pPr marL="0" indent="0">
               <a:buNone/>
             </a:pPr>
             <a:r>
               <a:rPr lang="en-US" sz="1800" dirty="0">
                 <a:cs typeface="Arial" panose="020B0604020202020204" pitchFamily="34" charset="0"/>
               </a:rPr>
-              <a:t>Description:</a:t>
-            </a:r>
-          </a:p>
-          <a:p>
-            <a:pPr indent="0">
-              <a:buNone/>
-            </a:pPr>
+              <a:t>See URL: </a:t>
+            </a:r>
+            <a:r>
+              <a:rPr lang="en-US" sz="1800" dirty="0">
+                <a:hlinkClick r:id="rId2"/>
+              </a:rPr>
+              <a:t>https://learn.jquery.com/events/handling-events/</a:t>
+            </a:r>
+            <a:r>
+              <a:rPr lang="en-US" sz="1800" dirty="0"/>
+              <a:t> for info on </a:t>
+            </a:r>
             <a:r>
               <a:rPr lang="en-US" sz="1800" dirty="0">
                 <a:cs typeface="Arial" panose="020B0604020202020204" pitchFamily="34" charset="0"/>
               </a:rPr>
-              <a:t>Prevents the event from bubbling up the DOM tree, preventing any parent handlers from being notified of the event</a:t>
+              <a:t>jQuery event handlers.  Some of the major event handlers are discussed next</a:t>
             </a:r>
           </a:p>
         </p:txBody>
@@ -8092,48 +8778,10 @@
           </a:p>
         </p:txBody>
       </p:sp>
-      <p:sp>
-        <p:nvSpPr>
-          <p:cNvPr id="5" name="Rectangle 4"/>
-          <p:cNvSpPr/>
-          <p:nvPr/>
-        </p:nvSpPr>
-        <p:spPr>
-          <a:xfrm>
-            <a:off x="983809" y="5420825"/>
-            <a:ext cx="7948523" cy="646331"/>
-          </a:xfrm>
-          <a:prstGeom prst="rect">
-            <a:avLst/>
-          </a:prstGeom>
-        </p:spPr>
-        <p:txBody>
-          <a:bodyPr wrap="square">
-            <a:spAutoFit/>
-          </a:bodyPr>
-          <a:lstStyle/>
-          <a:p>
-            <a:r>
-              <a:rPr lang="en-US" b="1" dirty="0"/>
-              <a:t>Source</a:t>
-            </a:r>
-          </a:p>
-          <a:p>
-            <a:r>
-              <a:rPr lang="en-US" dirty="0">
-                <a:solidFill>
-                  <a:srgbClr val="00B0F0"/>
-                </a:solidFill>
-              </a:rPr>
-              <a:t>https://api.jquery.com/event.stopPropagation</a:t>
-            </a:r>
-          </a:p>
-        </p:txBody>
-      </p:sp>
     </p:spTree>
     <p:extLst>
       <p:ext uri="{BB962C8B-B14F-4D97-AF65-F5344CB8AC3E}">
-        <p14:creationId xmlns:p14="http://schemas.microsoft.com/office/powerpoint/2010/main" val="3339743960"/>
+        <p14:creationId xmlns:p14="http://schemas.microsoft.com/office/powerpoint/2010/main" val="430468383"/>
       </p:ext>
     </p:extLst>
   </p:cSld>
@@ -8176,12 +8824,7 @@
             <p:ph type="title"/>
           </p:nvPr>
         </p:nvSpPr>
-        <p:spPr>
-          <a:xfrm>
-            <a:off x="664234" y="733579"/>
-            <a:ext cx="7946366" cy="1371600"/>
-          </a:xfrm>
-        </p:spPr>
+        <p:spPr/>
         <p:txBody>
           <a:bodyPr>
             <a:normAutofit/>
@@ -8190,7 +8833,7 @@
           <a:p>
             <a:r>
               <a:rPr lang="en-US" u="sng" dirty="0"/>
-              <a:t>.on()</a:t>
+              <a:t>.bind()</a:t>
             </a:r>
           </a:p>
         </p:txBody>
@@ -8211,12 +8854,7 @@
             <p:ph idx="1"/>
           </p:nvPr>
         </p:nvSpPr>
-        <p:spPr>
-          <a:xfrm>
-            <a:off x="1007533" y="2733472"/>
-            <a:ext cx="10058400" cy="3301568"/>
-          </a:xfrm>
-        </p:spPr>
+        <p:spPr/>
         <p:txBody>
           <a:bodyPr>
             <a:normAutofit/>
@@ -8241,7 +8879,7 @@
               <a:rPr lang="en-US" sz="1800" dirty="0">
                 <a:cs typeface="Arial" panose="020B0604020202020204" pitchFamily="34" charset="0"/>
               </a:rPr>
-              <a:t>Attaches an event handler function for one or more events to the selected elements</a:t>
+              <a:t>Attaches a handler to an event for elements</a:t>
             </a:r>
           </a:p>
         </p:txBody>
@@ -8302,7 +8940,7 @@
                   <a:srgbClr val="00B0F0"/>
                 </a:solidFill>
               </a:rPr>
-              <a:t>https://api.jquery.com/on</a:t>
+              <a:t>https://api.jquery.com/bind/</a:t>
             </a:r>
           </a:p>
         </p:txBody>
@@ -8310,7 +8948,7 @@
     </p:spTree>
     <p:extLst>
       <p:ext uri="{BB962C8B-B14F-4D97-AF65-F5344CB8AC3E}">
-        <p14:creationId xmlns:p14="http://schemas.microsoft.com/office/powerpoint/2010/main" val="4291962615"/>
+        <p14:creationId xmlns:p14="http://schemas.microsoft.com/office/powerpoint/2010/main" val="2809795195"/>
       </p:ext>
     </p:extLst>
   </p:cSld>
@@ -8353,12 +8991,7 @@
             <p:ph type="title"/>
           </p:nvPr>
         </p:nvSpPr>
-        <p:spPr>
-          <a:xfrm>
-            <a:off x="664234" y="733579"/>
-            <a:ext cx="7946366" cy="1371600"/>
-          </a:xfrm>
-        </p:spPr>
+        <p:spPr/>
         <p:txBody>
           <a:bodyPr>
             <a:normAutofit/>
@@ -8367,29 +9000,7 @@
           <a:p>
             <a:r>
               <a:rPr lang="en-US" u="sng" dirty="0"/>
-              <a:t>.on(</a:t>
-            </a:r>
-            <a:r>
-              <a:rPr lang="en-US" u="sng" dirty="0">
-                <a:latin typeface="Consolas" panose="020B0609020204030204" pitchFamily="49" charset="0"/>
-                <a:cs typeface="Arial" panose="020B0604020202020204" pitchFamily="34" charset="0"/>
-              </a:rPr>
-              <a:t>"</a:t>
-            </a:r>
-            <a:r>
-              <a:rPr lang="en-US" u="sng" dirty="0"/>
-              <a:t>reset</a:t>
-            </a:r>
-            <a:r>
-              <a:rPr lang="en-US" u="sng" dirty="0">
-                <a:latin typeface="Consolas" panose="020B0609020204030204" pitchFamily="49" charset="0"/>
-                <a:cs typeface="Arial" panose="020B0604020202020204" pitchFamily="34" charset="0"/>
-              </a:rPr>
-              <a:t>"</a:t>
-            </a:r>
-            <a:r>
-              <a:rPr lang="en-US" u="sng" dirty="0"/>
-              <a:t>)</a:t>
+              <a:t>.change()</a:t>
             </a:r>
           </a:p>
         </p:txBody>
@@ -8410,12 +9021,7 @@
             <p:ph idx="1"/>
           </p:nvPr>
         </p:nvSpPr>
-        <p:spPr>
-          <a:xfrm>
-            <a:off x="1007533" y="2733472"/>
-            <a:ext cx="10058400" cy="3301568"/>
-          </a:xfrm>
-        </p:spPr>
+        <p:spPr/>
         <p:txBody>
           <a:bodyPr>
             <a:normAutofit/>
@@ -8440,7 +9046,7 @@
               <a:rPr lang="en-US" sz="1800" dirty="0">
                 <a:cs typeface="Arial" panose="020B0604020202020204" pitchFamily="34" charset="0"/>
               </a:rPr>
-              <a:t>Used with on, the reset event here is often used to remove any error messages that arise when a form is in the validation process</a:t>
+              <a:t>Binds an event handler to the "change" JavaScript event, or triggers that event on an element</a:t>
             </a:r>
           </a:p>
         </p:txBody>
@@ -8501,7 +9107,7 @@
                   <a:srgbClr val="00B0F0"/>
                 </a:solidFill>
               </a:rPr>
-              <a:t>https://api.jquery.com/on</a:t>
+              <a:t>https://api.jquery.com/change/</a:t>
             </a:r>
           </a:p>
         </p:txBody>
@@ -8509,7 +9115,7 @@
     </p:spTree>
     <p:extLst>
       <p:ext uri="{BB962C8B-B14F-4D97-AF65-F5344CB8AC3E}">
-        <p14:creationId xmlns:p14="http://schemas.microsoft.com/office/powerpoint/2010/main" val="1206539329"/>
+        <p14:creationId xmlns:p14="http://schemas.microsoft.com/office/powerpoint/2010/main" val="433440205"/>
       </p:ext>
     </p:extLst>
   </p:cSld>
@@ -8541,7 +9147,7 @@
           <p:cNvPr id="2" name="Title 1">
             <a:extLst>
               <a:ext uri="{FF2B5EF4-FFF2-40B4-BE49-F238E27FC236}">
-                <a16:creationId xmlns:a16="http://schemas.microsoft.com/office/drawing/2014/main" id="{BDFAC13C-59B1-436E-B58F-C304E1C705CF}"/>
+                <a16:creationId xmlns:a16="http://schemas.microsoft.com/office/drawing/2014/main" id="{68CE21CE-B6C0-4308-9A9F-63710C7F8EE6}"/>
               </a:ext>
             </a:extLst>
           </p:cNvPr>
@@ -8552,31 +9158,24 @@
             <p:ph type="title"/>
           </p:nvPr>
         </p:nvSpPr>
-        <p:spPr>
-          <a:xfrm>
-            <a:off x="664233" y="733579"/>
-            <a:ext cx="6405433" cy="1371600"/>
-          </a:xfrm>
-        </p:spPr>
-        <p:txBody>
-          <a:bodyPr>
-            <a:normAutofit/>
-          </a:bodyPr>
-          <a:lstStyle/>
-          <a:p>
-            <a:r>
-              <a:rPr lang="en-US" u="sng" dirty="0"/>
-              <a:t>Using jQuery via a CDN</a:t>
-            </a:r>
-          </a:p>
-        </p:txBody>
-      </p:sp>
-      <p:sp>
-        <p:nvSpPr>
-          <p:cNvPr id="3" name="Content Placeholder 2">
+        <p:spPr/>
+        <p:txBody>
+          <a:bodyPr/>
+          <a:lstStyle/>
+          <a:p>
+            <a:r>
+              <a:rPr lang="en-US" cap="none"/>
+              <a:t>Installing jQuery</a:t>
+            </a:r>
+          </a:p>
+        </p:txBody>
+      </p:sp>
+      <p:sp>
+        <p:nvSpPr>
+          <p:cNvPr id="3" name="Text Placeholder 2">
             <a:extLst>
               <a:ext uri="{FF2B5EF4-FFF2-40B4-BE49-F238E27FC236}">
-                <a16:creationId xmlns:a16="http://schemas.microsoft.com/office/drawing/2014/main" id="{844A3DC5-46BF-4BFF-8008-98FD467C4904}"/>
+                <a16:creationId xmlns:a16="http://schemas.microsoft.com/office/drawing/2014/main" id="{82765A8E-4432-4A05-AED5-560591789745}"/>
               </a:ext>
             </a:extLst>
           </p:cNvPr>
@@ -8584,58 +9183,30 @@
             <a:spLocks noGrp="1"/>
           </p:cNvSpPr>
           <p:nvPr>
-            <p:ph idx="1"/>
-          </p:nvPr>
-        </p:nvSpPr>
-        <p:spPr>
-          <a:xfrm>
-            <a:off x="1066800" y="2733472"/>
-            <a:ext cx="10058400" cy="1919267"/>
-          </a:xfrm>
-        </p:spPr>
-        <p:txBody>
-          <a:bodyPr>
-            <a:normAutofit/>
-          </a:bodyPr>
-          <a:lstStyle/>
-          <a:p>
-            <a:pPr marL="0" indent="0">
-              <a:buNone/>
-            </a:pPr>
-            <a:r>
-              <a:rPr lang="en-US" sz="1800" dirty="0">
-                <a:cs typeface="Arial" pitchFamily="34" charset="0"/>
-              </a:rPr>
-              <a:t>A content delivery network (CDN) is a geographically distributed network of proxy servers and their data centers</a:t>
-            </a:r>
-          </a:p>
-          <a:p>
-            <a:pPr marL="0" indent="0">
-              <a:buNone/>
-            </a:pPr>
-            <a:r>
-              <a:rPr lang="en-US" sz="1800" dirty="0">
-                <a:cs typeface="Arial" pitchFamily="34" charset="0"/>
-              </a:rPr>
-              <a:t>Using a CDN means that you do not have to physically download jQuery on your system</a:t>
-            </a:r>
-          </a:p>
-          <a:p>
-            <a:pPr marL="0" indent="0">
-              <a:buNone/>
-            </a:pPr>
-            <a:r>
-              <a:rPr lang="en-US" sz="1800" dirty="0">
-                <a:cs typeface="Arial" pitchFamily="34" charset="0"/>
-              </a:rPr>
-              <a:t>However, you must have Internet access to use jQuery from a CDN</a:t>
-            </a:r>
-          </a:p>
-        </p:txBody>
-      </p:sp>
-      <p:sp>
-        <p:nvSpPr>
-          <p:cNvPr id="6" name="Slide Number Placeholder 5"/>
+            <p:ph type="body" idx="1"/>
+          </p:nvPr>
+        </p:nvSpPr>
+        <p:spPr/>
+        <p:txBody>
+          <a:bodyPr/>
+          <a:lstStyle/>
+          <a:p>
+            <a:r>
+              <a:rPr lang="en-US"/>
+              <a:t>Downloading jQuery or hosting it on a CDN.</a:t>
+            </a:r>
+          </a:p>
+        </p:txBody>
+      </p:sp>
+      <p:sp>
+        <p:nvSpPr>
+          <p:cNvPr id="4" name="Slide Number Placeholder 3">
+            <a:extLst>
+              <a:ext uri="{FF2B5EF4-FFF2-40B4-BE49-F238E27FC236}">
+                <a16:creationId xmlns:a16="http://schemas.microsoft.com/office/drawing/2014/main" id="{F5ADD0B6-B19A-4054-B352-5F96E046F5E3}"/>
+              </a:ext>
+            </a:extLst>
+          </p:cNvPr>
           <p:cNvSpPr>
             <a:spLocks noGrp="1"/>
           </p:cNvSpPr>
@@ -8659,7 +9230,7 @@
     </p:spTree>
     <p:extLst>
       <p:ext uri="{BB962C8B-B14F-4D97-AF65-F5344CB8AC3E}">
-        <p14:creationId xmlns:p14="http://schemas.microsoft.com/office/powerpoint/2010/main" val="3432849504"/>
+        <p14:creationId xmlns:p14="http://schemas.microsoft.com/office/powerpoint/2010/main" val="430682417"/>
       </p:ext>
     </p:extLst>
   </p:cSld>
@@ -8702,12 +9273,7 @@
             <p:ph type="title"/>
           </p:nvPr>
         </p:nvSpPr>
-        <p:spPr>
-          <a:xfrm>
-            <a:off x="664234" y="733579"/>
-            <a:ext cx="7946366" cy="1371600"/>
-          </a:xfrm>
-        </p:spPr>
+        <p:spPr/>
         <p:txBody>
           <a:bodyPr>
             <a:normAutofit/>
@@ -8716,7 +9282,7 @@
           <a:p>
             <a:r>
               <a:rPr lang="en-US" u="sng" dirty="0"/>
-              <a:t>.submit()</a:t>
+              <a:t>.change()</a:t>
             </a:r>
           </a:p>
         </p:txBody>
@@ -8737,12 +9303,7 @@
             <p:ph idx="1"/>
           </p:nvPr>
         </p:nvSpPr>
-        <p:spPr>
-          <a:xfrm>
-            <a:off x="1007533" y="2733472"/>
-            <a:ext cx="10058400" cy="3301568"/>
-          </a:xfrm>
-        </p:spPr>
+        <p:spPr/>
         <p:txBody>
           <a:bodyPr>
             <a:normAutofit/>
@@ -8767,7 +9328,7 @@
               <a:rPr lang="en-US" sz="1800" dirty="0">
                 <a:cs typeface="Arial" panose="020B0604020202020204" pitchFamily="34" charset="0"/>
               </a:rPr>
-              <a:t>Binds an event handler to the "submit" JavaScript event, or triggers that event on an element</a:t>
+              <a:t>Binds an event handler to the "change" JavaScript event, or triggers that event on an element</a:t>
             </a:r>
           </a:p>
         </p:txBody>
@@ -8828,7 +9389,7 @@
                   <a:srgbClr val="00B0F0"/>
                 </a:solidFill>
               </a:rPr>
-              <a:t>https://api.jquery.com/submit</a:t>
+              <a:t>https://api.jquery.com/change/</a:t>
             </a:r>
           </a:p>
         </p:txBody>
@@ -8836,7 +9397,7 @@
     </p:spTree>
     <p:extLst>
       <p:ext uri="{BB962C8B-B14F-4D97-AF65-F5344CB8AC3E}">
-        <p14:creationId xmlns:p14="http://schemas.microsoft.com/office/powerpoint/2010/main" val="429906731"/>
+        <p14:creationId xmlns:p14="http://schemas.microsoft.com/office/powerpoint/2010/main" val="3120446516"/>
       </p:ext>
     </p:extLst>
   </p:cSld>
@@ -8879,12 +9440,7 @@
             <p:ph type="title"/>
           </p:nvPr>
         </p:nvSpPr>
-        <p:spPr>
-          <a:xfrm>
-            <a:off x="664234" y="733579"/>
-            <a:ext cx="7946366" cy="1371600"/>
-          </a:xfrm>
-        </p:spPr>
+        <p:spPr/>
         <p:txBody>
           <a:bodyPr>
             <a:normAutofit/>
@@ -8893,7 +9449,7 @@
           <a:p>
             <a:r>
               <a:rPr lang="en-US" u="sng" dirty="0"/>
-              <a:t>jQuery Class Methods</a:t>
+              <a:t>.click()</a:t>
             </a:r>
           </a:p>
         </p:txBody>
@@ -8914,26 +9470,21 @@
             <p:ph idx="1"/>
           </p:nvPr>
         </p:nvSpPr>
-        <p:spPr>
-          <a:xfrm>
-            <a:off x="1007533" y="2733472"/>
-            <a:ext cx="10058400" cy="3301568"/>
-          </a:xfrm>
-        </p:spPr>
+        <p:spPr/>
         <p:txBody>
           <a:bodyPr>
             <a:normAutofit/>
           </a:bodyPr>
           <a:lstStyle/>
           <a:p>
-            <a:pPr marL="0" indent="0">
+            <a:pPr indent="0">
               <a:buNone/>
             </a:pPr>
             <a:r>
               <a:rPr lang="en-US" sz="1800" dirty="0">
                 <a:cs typeface="Arial" panose="020B0604020202020204" pitchFamily="34" charset="0"/>
               </a:rPr>
-              <a:t>jQuery provides several methods, such as addClass(), removeClass(), and toggleClass() to manipulate the CSS classes assigned to HTML elements</a:t>
+              <a:t>Description:</a:t>
             </a:r>
           </a:p>
           <a:p>
@@ -8944,25 +9495,8 @@
               <a:rPr lang="en-US" sz="1800" dirty="0">
                 <a:cs typeface="Arial" panose="020B0604020202020204" pitchFamily="34" charset="0"/>
               </a:rPr>
-              <a:t>These methods are often (but not exclusively) used with </a:t>
-            </a:r>
-            <a:r>
-              <a:rPr lang="en-US" sz="1800" dirty="0">
-                <a:cs typeface="Arial" panose="020B0604020202020204" pitchFamily="34" charset="0"/>
-                <a:hlinkClick r:id="rId2"/>
-              </a:rPr>
-              <a:t>jQuery animation</a:t>
-            </a:r>
-            <a:r>
-              <a:rPr lang="en-US" sz="1800" dirty="0">
-                <a:cs typeface="Arial" panose="020B0604020202020204" pitchFamily="34" charset="0"/>
-                <a:hlinkClick r:id="rId3"/>
-              </a:rPr>
-              <a:t>()</a:t>
-            </a:r>
-            <a:endParaRPr lang="en-US" sz="1800" dirty="0">
-              <a:cs typeface="Arial" panose="020B0604020202020204" pitchFamily="34" charset="0"/>
-            </a:endParaRPr>
+              <a:t>Binds an event handler to the "click" JavaScript event, or triggers that event on an element</a:t>
+            </a:r>
           </a:p>
         </p:txBody>
       </p:sp>
@@ -8998,7 +9532,7 @@
         <p:spPr>
           <a:xfrm>
             <a:off x="983809" y="5420825"/>
-            <a:ext cx="10082124" cy="646331"/>
+            <a:ext cx="7948523" cy="646331"/>
           </a:xfrm>
           <a:prstGeom prst="rect">
             <a:avLst/>
@@ -9022,7 +9556,7 @@
                   <a:srgbClr val="00B0F0"/>
                 </a:solidFill>
               </a:rPr>
-              <a:t>https://www.tutorialrepublic.com/jquery-tutorial/jquery-add-and-remove-css-classes.php</a:t>
+              <a:t>https://api.jquery.com/clixk/</a:t>
             </a:r>
           </a:p>
         </p:txBody>
@@ -9030,7 +9564,7 @@
     </p:spTree>
     <p:extLst>
       <p:ext uri="{BB962C8B-B14F-4D97-AF65-F5344CB8AC3E}">
-        <p14:creationId xmlns:p14="http://schemas.microsoft.com/office/powerpoint/2010/main" val="3763466412"/>
+        <p14:creationId xmlns:p14="http://schemas.microsoft.com/office/powerpoint/2010/main" val="720750996"/>
       </p:ext>
     </p:extLst>
   </p:cSld>
@@ -9073,12 +9607,7 @@
             <p:ph type="title"/>
           </p:nvPr>
         </p:nvSpPr>
-        <p:spPr>
-          <a:xfrm>
-            <a:off x="664234" y="733579"/>
-            <a:ext cx="7946366" cy="1371600"/>
-          </a:xfrm>
-        </p:spPr>
+        <p:spPr/>
         <p:txBody>
           <a:bodyPr>
             <a:normAutofit/>
@@ -9087,7 +9616,7 @@
           <a:p>
             <a:r>
               <a:rPr lang="en-US" u="sng" dirty="0"/>
-              <a:t>addClass()</a:t>
+              <a:t>.each()</a:t>
             </a:r>
           </a:p>
         </p:txBody>
@@ -9108,26 +9637,21 @@
             <p:ph idx="1"/>
           </p:nvPr>
         </p:nvSpPr>
-        <p:spPr>
-          <a:xfrm>
-            <a:off x="1007533" y="2733472"/>
-            <a:ext cx="10058400" cy="3301568"/>
-          </a:xfrm>
-        </p:spPr>
+        <p:spPr/>
         <p:txBody>
           <a:bodyPr>
             <a:normAutofit/>
           </a:bodyPr>
           <a:lstStyle/>
           <a:p>
-            <a:pPr marL="0" indent="0">
+            <a:pPr indent="0">
               <a:buNone/>
             </a:pPr>
             <a:r>
               <a:rPr lang="en-US" sz="1800" dirty="0">
                 <a:cs typeface="Arial" panose="020B0604020202020204" pitchFamily="34" charset="0"/>
               </a:rPr>
-              <a:t>The jQuery addClass() method adds  &gt;= 1 classes to selected elements</a:t>
+              <a:t>Description:</a:t>
             </a:r>
           </a:p>
           <a:p>
@@ -9138,19 +9662,7 @@
               <a:rPr lang="en-US" sz="1800" dirty="0">
                 <a:cs typeface="Arial" panose="020B0604020202020204" pitchFamily="34" charset="0"/>
               </a:rPr>
-              <a:t>Example:</a:t>
-            </a:r>
-          </a:p>
-          <a:p>
-            <a:pPr indent="0">
-              <a:buNone/>
-            </a:pPr>
-            <a:r>
-              <a:rPr lang="en-US" sz="1800" dirty="0">
-                <a:latin typeface="Consolas" panose="020B0609020204030204" pitchFamily="49" charset="0"/>
-                <a:cs typeface="Arial" panose="020B0604020202020204" pitchFamily="34" charset="0"/>
-              </a:rPr>
-              <a:t>$("span.test").next().addClass("one");</a:t>
+              <a:t>Iterates over a jQuery object, executing a function for each matched element</a:t>
             </a:r>
           </a:p>
         </p:txBody>
@@ -9178,10 +9690,48 @@
           </a:p>
         </p:txBody>
       </p:sp>
+      <p:sp>
+        <p:nvSpPr>
+          <p:cNvPr id="5" name="Rectangle 4"/>
+          <p:cNvSpPr/>
+          <p:nvPr/>
+        </p:nvSpPr>
+        <p:spPr>
+          <a:xfrm>
+            <a:off x="983809" y="5420825"/>
+            <a:ext cx="7948523" cy="646331"/>
+          </a:xfrm>
+          <a:prstGeom prst="rect">
+            <a:avLst/>
+          </a:prstGeom>
+        </p:spPr>
+        <p:txBody>
+          <a:bodyPr wrap="square">
+            <a:spAutoFit/>
+          </a:bodyPr>
+          <a:lstStyle/>
+          <a:p>
+            <a:r>
+              <a:rPr lang="en-US" b="1" dirty="0"/>
+              <a:t>Source</a:t>
+            </a:r>
+          </a:p>
+          <a:p>
+            <a:r>
+              <a:rPr lang="en-US" dirty="0">
+                <a:solidFill>
+                  <a:srgbClr val="00B0F0"/>
+                </a:solidFill>
+              </a:rPr>
+              <a:t>https://api.jquery.com/each/</a:t>
+            </a:r>
+          </a:p>
+        </p:txBody>
+      </p:sp>
     </p:spTree>
     <p:extLst>
       <p:ext uri="{BB962C8B-B14F-4D97-AF65-F5344CB8AC3E}">
-        <p14:creationId xmlns:p14="http://schemas.microsoft.com/office/powerpoint/2010/main" val="2005320801"/>
+        <p14:creationId xmlns:p14="http://schemas.microsoft.com/office/powerpoint/2010/main" val="1806854788"/>
       </p:ext>
     </p:extLst>
   </p:cSld>
@@ -9224,12 +9774,7 @@
             <p:ph type="title"/>
           </p:nvPr>
         </p:nvSpPr>
-        <p:spPr>
-          <a:xfrm>
-            <a:off x="664234" y="733579"/>
-            <a:ext cx="7946366" cy="1371600"/>
-          </a:xfrm>
-        </p:spPr>
+        <p:spPr/>
         <p:txBody>
           <a:bodyPr>
             <a:normAutofit/>
@@ -9238,7 +9783,7 @@
           <a:p>
             <a:r>
               <a:rPr lang="en-US" u="sng" dirty="0"/>
-              <a:t>removeClass()</a:t>
+              <a:t>.error()</a:t>
             </a:r>
           </a:p>
         </p:txBody>
@@ -9259,26 +9804,21 @@
             <p:ph idx="1"/>
           </p:nvPr>
         </p:nvSpPr>
-        <p:spPr>
-          <a:xfrm>
-            <a:off x="1007533" y="2733472"/>
-            <a:ext cx="10058400" cy="3301568"/>
-          </a:xfrm>
-        </p:spPr>
+        <p:spPr/>
         <p:txBody>
           <a:bodyPr>
             <a:normAutofit/>
           </a:bodyPr>
           <a:lstStyle/>
           <a:p>
-            <a:pPr marL="0" indent="0">
+            <a:pPr indent="0">
               <a:buNone/>
             </a:pPr>
             <a:r>
               <a:rPr lang="en-US" sz="1800" dirty="0">
                 <a:cs typeface="Arial" panose="020B0604020202020204" pitchFamily="34" charset="0"/>
               </a:rPr>
-              <a:t>The jQuery removeClass() method removes &gt;= 1 classes from selected elements</a:t>
+              <a:t>Description:</a:t>
             </a:r>
           </a:p>
           <a:p>
@@ -9289,19 +9829,7 @@
               <a:rPr lang="en-US" sz="1800" dirty="0">
                 <a:cs typeface="Arial" panose="020B0604020202020204" pitchFamily="34" charset="0"/>
               </a:rPr>
-              <a:t>Example:</a:t>
-            </a:r>
-          </a:p>
-          <a:p>
-            <a:pPr indent="0">
-              <a:buNone/>
-            </a:pPr>
-            <a:r>
-              <a:rPr lang="en-US" sz="1800" dirty="0">
-                <a:latin typeface="Consolas" panose="020B0609020204030204" pitchFamily="49" charset="0"/>
-                <a:cs typeface="Arial" panose="020B0604020202020204" pitchFamily="34" charset="0"/>
-              </a:rPr>
-              <a:t>$("span.test").next().removeClass("one");</a:t>
+              <a:t>Binds an event handler to the "error" JavaScript event</a:t>
             </a:r>
           </a:p>
         </p:txBody>
@@ -9329,10 +9857,48 @@
           </a:p>
         </p:txBody>
       </p:sp>
+      <p:sp>
+        <p:nvSpPr>
+          <p:cNvPr id="5" name="Rectangle 4"/>
+          <p:cNvSpPr/>
+          <p:nvPr/>
+        </p:nvSpPr>
+        <p:spPr>
+          <a:xfrm>
+            <a:off x="983809" y="5420825"/>
+            <a:ext cx="7948523" cy="646331"/>
+          </a:xfrm>
+          <a:prstGeom prst="rect">
+            <a:avLst/>
+          </a:prstGeom>
+        </p:spPr>
+        <p:txBody>
+          <a:bodyPr wrap="square">
+            <a:spAutoFit/>
+          </a:bodyPr>
+          <a:lstStyle/>
+          <a:p>
+            <a:r>
+              <a:rPr lang="en-US" b="1" dirty="0"/>
+              <a:t>Source</a:t>
+            </a:r>
+          </a:p>
+          <a:p>
+            <a:r>
+              <a:rPr lang="en-US" dirty="0">
+                <a:solidFill>
+                  <a:srgbClr val="00B0F0"/>
+                </a:solidFill>
+              </a:rPr>
+              <a:t>https://api.jquery.com/error/</a:t>
+            </a:r>
+          </a:p>
+        </p:txBody>
+      </p:sp>
     </p:spTree>
     <p:extLst>
       <p:ext uri="{BB962C8B-B14F-4D97-AF65-F5344CB8AC3E}">
-        <p14:creationId xmlns:p14="http://schemas.microsoft.com/office/powerpoint/2010/main" val="1516872751"/>
+        <p14:creationId xmlns:p14="http://schemas.microsoft.com/office/powerpoint/2010/main" val="2723149181"/>
       </p:ext>
     </p:extLst>
   </p:cSld>
@@ -9375,12 +9941,7 @@
             <p:ph type="title"/>
           </p:nvPr>
         </p:nvSpPr>
-        <p:spPr>
-          <a:xfrm>
-            <a:off x="664234" y="733579"/>
-            <a:ext cx="7946366" cy="1371600"/>
-          </a:xfrm>
-        </p:spPr>
+        <p:spPr/>
         <p:txBody>
           <a:bodyPr>
             <a:normAutofit/>
@@ -9389,7 +9950,7 @@
           <a:p>
             <a:r>
               <a:rPr lang="en-US" u="sng" dirty="0"/>
-              <a:t>toggleClass()</a:t>
+              <a:t>.event.preventDefault()</a:t>
             </a:r>
           </a:p>
         </p:txBody>
@@ -9410,27 +9971,21 @@
             <p:ph idx="1"/>
           </p:nvPr>
         </p:nvSpPr>
-        <p:spPr>
-          <a:xfrm>
-            <a:off x="1007533" y="2733472"/>
-            <a:ext cx="10058400" cy="3301568"/>
-          </a:xfrm>
-        </p:spPr>
+        <p:spPr/>
         <p:txBody>
           <a:bodyPr>
             <a:normAutofit/>
           </a:bodyPr>
           <a:lstStyle/>
           <a:p>
-            <a:pPr marL="0" indent="0">
+            <a:pPr indent="0">
               <a:buNone/>
             </a:pPr>
             <a:r>
               <a:rPr lang="en-US" sz="1800" dirty="0">
-                <a:latin typeface="+mj-lt"/>
                 <a:cs typeface="Arial" panose="020B0604020202020204" pitchFamily="34" charset="0"/>
               </a:rPr>
-              <a:t>The jQuery toggleClass() adds or removes &gt;= 1 class from the selected elements.  If the selected element already has the class, it is removed. If an element does not have the class, it is added</a:t>
+              <a:t>Description:</a:t>
             </a:r>
           </a:p>
           <a:p>
@@ -9439,22 +9994,9 @@
             </a:pPr>
             <a:r>
               <a:rPr lang="en-US" sz="1800" dirty="0">
-                <a:latin typeface="+mj-lt"/>
                 <a:cs typeface="Arial" panose="020B0604020202020204" pitchFamily="34" charset="0"/>
               </a:rPr>
-              <a:t>Example:</a:t>
-            </a:r>
-          </a:p>
-          <a:p>
-            <a:pPr indent="0">
-              <a:buNone/>
-            </a:pPr>
-            <a:r>
-              <a:rPr lang="en-US" sz="1800" dirty="0">
-                <a:latin typeface="Consolas" panose="020B0609020204030204" pitchFamily="49" charset="0"/>
-                <a:cs typeface="Arial" panose="020B0604020202020204" pitchFamily="34" charset="0"/>
-              </a:rPr>
-              <a:t>$("span.test").next().toggleClass("one");</a:t>
+              <a:t>If this method is called, the default action of the event will not be triggered</a:t>
             </a:r>
           </a:p>
         </p:txBody>
@@ -9482,10 +10024,48 @@
           </a:p>
         </p:txBody>
       </p:sp>
+      <p:sp>
+        <p:nvSpPr>
+          <p:cNvPr id="5" name="Rectangle 4"/>
+          <p:cNvSpPr/>
+          <p:nvPr/>
+        </p:nvSpPr>
+        <p:spPr>
+          <a:xfrm>
+            <a:off x="983809" y="5420825"/>
+            <a:ext cx="7948523" cy="646331"/>
+          </a:xfrm>
+          <a:prstGeom prst="rect">
+            <a:avLst/>
+          </a:prstGeom>
+        </p:spPr>
+        <p:txBody>
+          <a:bodyPr wrap="square">
+            <a:spAutoFit/>
+          </a:bodyPr>
+          <a:lstStyle/>
+          <a:p>
+            <a:r>
+              <a:rPr lang="en-US" b="1" dirty="0"/>
+              <a:t>Source</a:t>
+            </a:r>
+          </a:p>
+          <a:p>
+            <a:r>
+              <a:rPr lang="en-US" dirty="0">
+                <a:solidFill>
+                  <a:srgbClr val="00B0F0"/>
+                </a:solidFill>
+              </a:rPr>
+              <a:t>https://api.jquery.com/event.preventDefault</a:t>
+            </a:r>
+          </a:p>
+        </p:txBody>
+      </p:sp>
     </p:spTree>
     <p:extLst>
       <p:ext uri="{BB962C8B-B14F-4D97-AF65-F5344CB8AC3E}">
-        <p14:creationId xmlns:p14="http://schemas.microsoft.com/office/powerpoint/2010/main" val="1139358270"/>
+        <p14:creationId xmlns:p14="http://schemas.microsoft.com/office/powerpoint/2010/main" val="943767317"/>
       </p:ext>
     </p:extLst>
   </p:cSld>
@@ -9528,12 +10108,7 @@
             <p:ph type="title"/>
           </p:nvPr>
         </p:nvSpPr>
-        <p:spPr>
-          <a:xfrm>
-            <a:off x="664234" y="733579"/>
-            <a:ext cx="7946366" cy="1371600"/>
-          </a:xfrm>
-        </p:spPr>
+        <p:spPr/>
         <p:txBody>
           <a:bodyPr>
             <a:normAutofit/>
@@ -9542,7 +10117,7 @@
           <a:p>
             <a:r>
               <a:rPr lang="en-US" u="sng" dirty="0"/>
-              <a:t>jQuery Form Validation</a:t>
+              <a:t>.event.stopPropagation()</a:t>
             </a:r>
           </a:p>
         </p:txBody>
@@ -9563,37 +10138,33 @@
             <p:ph idx="1"/>
           </p:nvPr>
         </p:nvSpPr>
-        <p:spPr>
-          <a:xfrm>
-            <a:off x="1007533" y="2733472"/>
-            <a:ext cx="10058400" cy="3301568"/>
-          </a:xfrm>
-        </p:spPr>
+        <p:spPr/>
         <p:txBody>
           <a:bodyPr>
             <a:normAutofit/>
           </a:bodyPr>
           <a:lstStyle/>
           <a:p>
-            <a:pPr marL="0" indent="0">
+            <a:pPr indent="0">
               <a:buNone/>
             </a:pPr>
             <a:r>
               <a:rPr lang="en-US" sz="1800" dirty="0">
                 <a:cs typeface="Arial" panose="020B0604020202020204" pitchFamily="34" charset="0"/>
               </a:rPr>
-              <a:t>The programmer can write his/her own jQuery form validation code, or s/he can use a plug-in such as the </a:t>
-            </a:r>
+              <a:t>Description:</a:t>
+            </a:r>
+          </a:p>
+          <a:p>
+            <a:pPr indent="0">
+              <a:buNone/>
+            </a:pPr>
             <a:r>
               <a:rPr lang="en-US" sz="1800" dirty="0">
                 <a:cs typeface="Arial" panose="020B0604020202020204" pitchFamily="34" charset="0"/>
-                <a:hlinkClick r:id="rId2"/>
-              </a:rPr>
-              <a:t>jQuery Validation Plugin</a:t>
-            </a:r>
-            <a:endParaRPr lang="en-US" sz="1800" dirty="0">
-              <a:cs typeface="Arial" panose="020B0604020202020204" pitchFamily="34" charset="0"/>
-            </a:endParaRPr>
+              </a:rPr>
+              <a:t>Prevents the event from bubbling up the DOM tree, preventing any parent handlers from being notified of the event</a:t>
+            </a:r>
           </a:p>
         </p:txBody>
       </p:sp>
@@ -9620,10 +10191,48 @@
           </a:p>
         </p:txBody>
       </p:sp>
+      <p:sp>
+        <p:nvSpPr>
+          <p:cNvPr id="5" name="Rectangle 4"/>
+          <p:cNvSpPr/>
+          <p:nvPr/>
+        </p:nvSpPr>
+        <p:spPr>
+          <a:xfrm>
+            <a:off x="983809" y="5420825"/>
+            <a:ext cx="7948523" cy="646331"/>
+          </a:xfrm>
+          <a:prstGeom prst="rect">
+            <a:avLst/>
+          </a:prstGeom>
+        </p:spPr>
+        <p:txBody>
+          <a:bodyPr wrap="square">
+            <a:spAutoFit/>
+          </a:bodyPr>
+          <a:lstStyle/>
+          <a:p>
+            <a:r>
+              <a:rPr lang="en-US" b="1" dirty="0"/>
+              <a:t>Source</a:t>
+            </a:r>
+          </a:p>
+          <a:p>
+            <a:r>
+              <a:rPr lang="en-US" dirty="0">
+                <a:solidFill>
+                  <a:srgbClr val="00B0F0"/>
+                </a:solidFill>
+              </a:rPr>
+              <a:t>https://api.jquery.com/event.stopPropagation</a:t>
+            </a:r>
+          </a:p>
+        </p:txBody>
+      </p:sp>
     </p:spTree>
     <p:extLst>
       <p:ext uri="{BB962C8B-B14F-4D97-AF65-F5344CB8AC3E}">
-        <p14:creationId xmlns:p14="http://schemas.microsoft.com/office/powerpoint/2010/main" val="928691393"/>
+        <p14:creationId xmlns:p14="http://schemas.microsoft.com/office/powerpoint/2010/main" val="3339743960"/>
       </p:ext>
     </p:extLst>
   </p:cSld>
@@ -9666,12 +10275,7 @@
             <p:ph type="title"/>
           </p:nvPr>
         </p:nvSpPr>
-        <p:spPr>
-          <a:xfrm>
-            <a:off x="664234" y="733579"/>
-            <a:ext cx="7946366" cy="1371600"/>
-          </a:xfrm>
-        </p:spPr>
+        <p:spPr/>
         <p:txBody>
           <a:bodyPr>
             <a:normAutofit/>
@@ -9680,7 +10284,7 @@
           <a:p>
             <a:r>
               <a:rPr lang="en-US" u="sng" dirty="0"/>
-              <a:t>jQuery And CRUD</a:t>
+              <a:t>.on()</a:t>
             </a:r>
           </a:p>
         </p:txBody>
@@ -9701,48 +10305,33 @@
             <p:ph idx="1"/>
           </p:nvPr>
         </p:nvSpPr>
-        <p:spPr>
-          <a:xfrm>
-            <a:off x="1007533" y="2733472"/>
-            <a:ext cx="10058400" cy="3301568"/>
-          </a:xfrm>
-        </p:spPr>
+        <p:spPr/>
         <p:txBody>
           <a:bodyPr>
             <a:normAutofit/>
           </a:bodyPr>
           <a:lstStyle/>
           <a:p>
-            <a:pPr marL="0" indent="0">
+            <a:pPr indent="0">
               <a:buNone/>
             </a:pPr>
             <a:r>
               <a:rPr lang="en-US" sz="1800" dirty="0">
                 <a:cs typeface="Arial" panose="020B0604020202020204" pitchFamily="34" charset="0"/>
               </a:rPr>
-              <a:t>CRUD is an acronym for Create, Read, Update, Delete.  It is often used with database-driven applications</a:t>
-            </a:r>
-          </a:p>
-          <a:p>
-            <a:pPr marL="0" indent="0">
+              <a:t>Description:</a:t>
+            </a:r>
+          </a:p>
+          <a:p>
+            <a:pPr indent="0">
               <a:buNone/>
             </a:pPr>
             <a:r>
               <a:rPr lang="en-US" sz="1800" dirty="0">
                 <a:cs typeface="Arial" panose="020B0604020202020204" pitchFamily="34" charset="0"/>
               </a:rPr>
-              <a:t>The programmer can write his/her own jQuery CRUD application code, or s/he can use a plug-in such as </a:t>
-            </a:r>
-            <a:r>
-              <a:rPr lang="en-US" sz="1800" dirty="0">
-                <a:cs typeface="Arial" panose="020B0604020202020204" pitchFamily="34" charset="0"/>
-                <a:hlinkClick r:id="rId2"/>
-              </a:rPr>
-              <a:t>EasyUI</a:t>
-            </a:r>
-            <a:endParaRPr lang="en-US" sz="1800" dirty="0">
-              <a:cs typeface="Arial" panose="020B0604020202020204" pitchFamily="34" charset="0"/>
-            </a:endParaRPr>
+              <a:t>Attaches an event handler function for one or more events to the selected elements</a:t>
+            </a:r>
           </a:p>
         </p:txBody>
       </p:sp>
@@ -9769,10 +10358,48 @@
           </a:p>
         </p:txBody>
       </p:sp>
+      <p:sp>
+        <p:nvSpPr>
+          <p:cNvPr id="5" name="Rectangle 4"/>
+          <p:cNvSpPr/>
+          <p:nvPr/>
+        </p:nvSpPr>
+        <p:spPr>
+          <a:xfrm>
+            <a:off x="983809" y="5420825"/>
+            <a:ext cx="7948523" cy="646331"/>
+          </a:xfrm>
+          <a:prstGeom prst="rect">
+            <a:avLst/>
+          </a:prstGeom>
+        </p:spPr>
+        <p:txBody>
+          <a:bodyPr wrap="square">
+            <a:spAutoFit/>
+          </a:bodyPr>
+          <a:lstStyle/>
+          <a:p>
+            <a:r>
+              <a:rPr lang="en-US" b="1" dirty="0"/>
+              <a:t>Source</a:t>
+            </a:r>
+          </a:p>
+          <a:p>
+            <a:r>
+              <a:rPr lang="en-US" dirty="0">
+                <a:solidFill>
+                  <a:srgbClr val="00B0F0"/>
+                </a:solidFill>
+              </a:rPr>
+              <a:t>https://api.jquery.com/on</a:t>
+            </a:r>
+          </a:p>
+        </p:txBody>
+      </p:sp>
     </p:spTree>
     <p:extLst>
       <p:ext uri="{BB962C8B-B14F-4D97-AF65-F5344CB8AC3E}">
-        <p14:creationId xmlns:p14="http://schemas.microsoft.com/office/powerpoint/2010/main" val="2165900250"/>
+        <p14:creationId xmlns:p14="http://schemas.microsoft.com/office/powerpoint/2010/main" val="4291962615"/>
       </p:ext>
     </p:extLst>
   </p:cSld>
@@ -9815,12 +10442,7 @@
             <p:ph type="title"/>
           </p:nvPr>
         </p:nvSpPr>
-        <p:spPr>
-          <a:xfrm>
-            <a:off x="664234" y="733579"/>
-            <a:ext cx="5077520" cy="1371600"/>
-          </a:xfrm>
-        </p:spPr>
+        <p:spPr/>
         <p:txBody>
           <a:bodyPr>
             <a:normAutofit/>
@@ -9829,7 +10451,29 @@
           <a:p>
             <a:r>
               <a:rPr lang="en-US" u="sng" dirty="0"/>
-              <a:t>What We Covered</a:t>
+              <a:t>.on(</a:t>
+            </a:r>
+            <a:r>
+              <a:rPr lang="en-US" u="sng" dirty="0">
+                <a:latin typeface="Consolas" panose="020B0609020204030204" pitchFamily="49" charset="0"/>
+                <a:cs typeface="Arial" panose="020B0604020202020204" pitchFamily="34" charset="0"/>
+              </a:rPr>
+              <a:t>"</a:t>
+            </a:r>
+            <a:r>
+              <a:rPr lang="en-US" u="sng" dirty="0"/>
+              <a:t>reset</a:t>
+            </a:r>
+            <a:r>
+              <a:rPr lang="en-US" u="sng" dirty="0">
+                <a:latin typeface="Consolas" panose="020B0609020204030204" pitchFamily="49" charset="0"/>
+                <a:cs typeface="Arial" panose="020B0604020202020204" pitchFamily="34" charset="0"/>
+              </a:rPr>
+              <a:t>"</a:t>
+            </a:r>
+            <a:r>
+              <a:rPr lang="en-US" u="sng" dirty="0"/>
+              <a:t>)</a:t>
             </a:r>
           </a:p>
         </p:txBody>
@@ -9850,70 +10494,39 @@
             <p:ph idx="1"/>
           </p:nvPr>
         </p:nvSpPr>
-        <p:spPr>
-          <a:xfrm>
-            <a:off x="1066800" y="2733472"/>
-            <a:ext cx="10058400" cy="2943051"/>
-          </a:xfrm>
-        </p:spPr>
+        <p:spPr/>
         <p:txBody>
           <a:bodyPr>
             <a:normAutofit/>
           </a:bodyPr>
           <a:lstStyle/>
           <a:p>
+            <a:pPr indent="0">
+              <a:buNone/>
+            </a:pPr>
             <a:r>
               <a:rPr lang="en-US" sz="1800" dirty="0">
-                <a:cs typeface="Arial" pitchFamily="34" charset="0"/>
-              </a:rPr>
-              <a:t>Using jQuery with/without a CDN</a:t>
-            </a:r>
-          </a:p>
-          <a:p>
+                <a:cs typeface="Arial" panose="020B0604020202020204" pitchFamily="34" charset="0"/>
+              </a:rPr>
+              <a:t>Description:</a:t>
+            </a:r>
+          </a:p>
+          <a:p>
+            <a:pPr indent="0">
+              <a:buNone/>
+            </a:pPr>
             <a:r>
               <a:rPr lang="en-US" sz="1800" dirty="0">
-                <a:cs typeface="Arial" pitchFamily="34" charset="0"/>
-              </a:rPr>
-              <a:t>Basic jQuery Selectors</a:t>
-            </a:r>
-          </a:p>
-          <a:p>
-            <a:r>
-              <a:rPr lang="en-US" sz="1800" dirty="0">
-                <a:cs typeface="Arial" pitchFamily="34" charset="0"/>
-              </a:rPr>
-              <a:t>Event Handling in jQuery</a:t>
-            </a:r>
-          </a:p>
-          <a:p>
-            <a:r>
-              <a:rPr lang="en-US" sz="1800" dirty="0">
-                <a:cs typeface="Arial" pitchFamily="34" charset="0"/>
-              </a:rPr>
-              <a:t>jQuery addClass, removeClass, and toggleClass() methods</a:t>
-            </a:r>
-          </a:p>
-          <a:p>
-            <a:r>
-              <a:rPr lang="en-US" sz="1800" dirty="0">
-                <a:cs typeface="Arial" pitchFamily="34" charset="0"/>
-              </a:rPr>
-              <a:t>jQuery and Form Validation</a:t>
-            </a:r>
-          </a:p>
-          <a:p>
-            <a:r>
-              <a:rPr lang="en-US" sz="1800" dirty="0">
-                <a:cs typeface="Arial" pitchFamily="34" charset="0"/>
-              </a:rPr>
-              <a:t>jQuery and CRUD applications</a:t>
-            </a:r>
-          </a:p>
-        </p:txBody>
-      </p:sp>
-      <p:sp>
-        <p:nvSpPr>
-          <p:cNvPr id="5" name="Slide Number Placeholder 4"/>
+                <a:cs typeface="Arial" panose="020B0604020202020204" pitchFamily="34" charset="0"/>
+              </a:rPr>
+              <a:t>Used with on, the reset event here is often used to remove any error messages that arise when a form is in the validation process</a:t>
+            </a:r>
+          </a:p>
+        </p:txBody>
+      </p:sp>
+      <p:sp>
+        <p:nvSpPr>
+          <p:cNvPr id="6" name="Slide Number Placeholder 5"/>
           <p:cNvSpPr>
             <a:spLocks noGrp="1"/>
           </p:cNvSpPr>
@@ -9934,10 +10547,48 @@
           </a:p>
         </p:txBody>
       </p:sp>
+      <p:sp>
+        <p:nvSpPr>
+          <p:cNvPr id="5" name="Rectangle 4"/>
+          <p:cNvSpPr/>
+          <p:nvPr/>
+        </p:nvSpPr>
+        <p:spPr>
+          <a:xfrm>
+            <a:off x="983809" y="5420825"/>
+            <a:ext cx="7948523" cy="646331"/>
+          </a:xfrm>
+          <a:prstGeom prst="rect">
+            <a:avLst/>
+          </a:prstGeom>
+        </p:spPr>
+        <p:txBody>
+          <a:bodyPr wrap="square">
+            <a:spAutoFit/>
+          </a:bodyPr>
+          <a:lstStyle/>
+          <a:p>
+            <a:r>
+              <a:rPr lang="en-US" b="1" dirty="0"/>
+              <a:t>Source</a:t>
+            </a:r>
+          </a:p>
+          <a:p>
+            <a:r>
+              <a:rPr lang="en-US" dirty="0">
+                <a:solidFill>
+                  <a:srgbClr val="00B0F0"/>
+                </a:solidFill>
+              </a:rPr>
+              <a:t>https://api.jquery.com/on</a:t>
+            </a:r>
+          </a:p>
+        </p:txBody>
+      </p:sp>
     </p:spTree>
     <p:extLst>
       <p:ext uri="{BB962C8B-B14F-4D97-AF65-F5344CB8AC3E}">
-        <p14:creationId xmlns:p14="http://schemas.microsoft.com/office/powerpoint/2010/main" val="2820098090"/>
+        <p14:creationId xmlns:p14="http://schemas.microsoft.com/office/powerpoint/2010/main" val="1206539329"/>
       </p:ext>
     </p:extLst>
   </p:cSld>
@@ -9980,12 +10631,7 @@
             <p:ph type="title"/>
           </p:nvPr>
         </p:nvSpPr>
-        <p:spPr>
-          <a:xfrm>
-            <a:off x="664234" y="733579"/>
-            <a:ext cx="5077520" cy="1371600"/>
-          </a:xfrm>
-        </p:spPr>
+        <p:spPr/>
         <p:txBody>
           <a:bodyPr>
             <a:normAutofit/>
@@ -9994,7 +10640,7 @@
           <a:p>
             <a:r>
               <a:rPr lang="en-US" u="sng" dirty="0"/>
-              <a:t>Some Useful URLs</a:t>
+              <a:t>.submit()</a:t>
             </a:r>
           </a:p>
         </p:txBody>
@@ -10015,61 +10661,39 @@
             <p:ph idx="1"/>
           </p:nvPr>
         </p:nvSpPr>
-        <p:spPr>
-          <a:xfrm>
-            <a:off x="1066800" y="2733472"/>
-            <a:ext cx="10058400" cy="3078853"/>
-          </a:xfrm>
-        </p:spPr>
+        <p:spPr/>
         <p:txBody>
           <a:bodyPr>
             <a:normAutofit/>
           </a:bodyPr>
           <a:lstStyle/>
           <a:p>
+            <a:pPr indent="0">
+              <a:buNone/>
+            </a:pPr>
             <a:r>
               <a:rPr lang="en-US" sz="1800" dirty="0">
                 <a:cs typeface="Arial" panose="020B0604020202020204" pitchFamily="34" charset="0"/>
-                <a:hlinkClick r:id="rId3"/>
-              </a:rPr>
-              <a:t>https://jquery.com/</a:t>
-            </a:r>
-            <a:endParaRPr lang="en-US" sz="1800" dirty="0">
-              <a:cs typeface="Arial" panose="020B0604020202020204" pitchFamily="34" charset="0"/>
-            </a:endParaRPr>
-          </a:p>
-          <a:p>
+              </a:rPr>
+              <a:t>Description:</a:t>
+            </a:r>
+          </a:p>
+          <a:p>
+            <a:pPr indent="0">
+              <a:buNone/>
+            </a:pPr>
             <a:r>
               <a:rPr lang="en-US" sz="1800" dirty="0">
                 <a:cs typeface="Arial" panose="020B0604020202020204" pitchFamily="34" charset="0"/>
-                <a:hlinkClick r:id="rId4"/>
-              </a:rPr>
-              <a:t>https://developer.mozilla.org/en-US/docs/Glossary/jQuery</a:t>
-            </a:r>
-            <a:endParaRPr lang="en-US" sz="1800" dirty="0">
-              <a:cs typeface="Arial" panose="020B0604020202020204" pitchFamily="34" charset="0"/>
-            </a:endParaRPr>
-          </a:p>
-          <a:p>
-            <a:r>
-              <a:rPr lang="en-US" sz="1800" dirty="0">
-                <a:cs typeface="Arial" panose="020B0604020202020204" pitchFamily="34" charset="0"/>
-                <a:hlinkClick r:id="rId5"/>
-              </a:rPr>
-              <a:t>https://www.w3schools.com/jquery/</a:t>
-            </a:r>
-            <a:r>
-              <a:rPr lang="en-US" sz="1800" dirty="0">
-                <a:cs typeface="Arial" panose="020B0604020202020204" pitchFamily="34" charset="0"/>
-              </a:rPr>
-              <a:t> </a:t>
-            </a:r>
-          </a:p>
-        </p:txBody>
-      </p:sp>
-      <p:sp>
-        <p:nvSpPr>
-          <p:cNvPr id="5" name="Slide Number Placeholder 4"/>
+              </a:rPr>
+              <a:t>Binds an event handler to the "submit" JavaScript event, or triggers that event on an element</a:t>
+            </a:r>
+          </a:p>
+        </p:txBody>
+      </p:sp>
+      <p:sp>
+        <p:nvSpPr>
+          <p:cNvPr id="6" name="Slide Number Placeholder 5"/>
           <p:cNvSpPr>
             <a:spLocks noGrp="1"/>
           </p:cNvSpPr>
@@ -10090,10 +10714,232 @@
           </a:p>
         </p:txBody>
       </p:sp>
+      <p:sp>
+        <p:nvSpPr>
+          <p:cNvPr id="5" name="Rectangle 4"/>
+          <p:cNvSpPr/>
+          <p:nvPr/>
+        </p:nvSpPr>
+        <p:spPr>
+          <a:xfrm>
+            <a:off x="983809" y="5420825"/>
+            <a:ext cx="7948523" cy="646331"/>
+          </a:xfrm>
+          <a:prstGeom prst="rect">
+            <a:avLst/>
+          </a:prstGeom>
+        </p:spPr>
+        <p:txBody>
+          <a:bodyPr wrap="square">
+            <a:spAutoFit/>
+          </a:bodyPr>
+          <a:lstStyle/>
+          <a:p>
+            <a:r>
+              <a:rPr lang="en-US" b="1" dirty="0"/>
+              <a:t>Source</a:t>
+            </a:r>
+          </a:p>
+          <a:p>
+            <a:r>
+              <a:rPr lang="en-US" dirty="0">
+                <a:solidFill>
+                  <a:srgbClr val="00B0F0"/>
+                </a:solidFill>
+              </a:rPr>
+              <a:t>https://api.jquery.com/submit</a:t>
+            </a:r>
+          </a:p>
+        </p:txBody>
+      </p:sp>
     </p:spTree>
     <p:extLst>
       <p:ext uri="{BB962C8B-B14F-4D97-AF65-F5344CB8AC3E}">
-        <p14:creationId xmlns:p14="http://schemas.microsoft.com/office/powerpoint/2010/main" val="1805520904"/>
+        <p14:creationId xmlns:p14="http://schemas.microsoft.com/office/powerpoint/2010/main" val="429906731"/>
+      </p:ext>
+    </p:extLst>
+  </p:cSld>
+  <p:clrMapOvr>
+    <a:masterClrMapping/>
+  </p:clrMapOvr>
+</p:sld>
+</file>
+
+<file path=ppt/slides/slide39.xml><?xml version="1.0" encoding="utf-8"?>
+<p:sld xmlns:a="http://schemas.openxmlformats.org/drawingml/2006/main" xmlns:r="http://schemas.openxmlformats.org/officeDocument/2006/relationships" xmlns:p="http://schemas.openxmlformats.org/presentationml/2006/main">
+  <p:cSld>
+    <p:spTree>
+      <p:nvGrpSpPr>
+        <p:cNvPr id="1" name=""/>
+        <p:cNvGrpSpPr/>
+        <p:nvPr/>
+      </p:nvGrpSpPr>
+      <p:grpSpPr>
+        <a:xfrm>
+          <a:off x="0" y="0"/>
+          <a:ext cx="0" cy="0"/>
+          <a:chOff x="0" y="0"/>
+          <a:chExt cx="0" cy="0"/>
+        </a:xfrm>
+      </p:grpSpPr>
+      <p:sp>
+        <p:nvSpPr>
+          <p:cNvPr id="2" name="Title 1">
+            <a:extLst>
+              <a:ext uri="{FF2B5EF4-FFF2-40B4-BE49-F238E27FC236}">
+                <a16:creationId xmlns:a16="http://schemas.microsoft.com/office/drawing/2014/main" id="{BDFAC13C-59B1-436E-B58F-C304E1C705CF}"/>
+              </a:ext>
+            </a:extLst>
+          </p:cNvPr>
+          <p:cNvSpPr>
+            <a:spLocks noGrp="1"/>
+          </p:cNvSpPr>
+          <p:nvPr>
+            <p:ph type="title"/>
+          </p:nvPr>
+        </p:nvSpPr>
+        <p:spPr/>
+        <p:txBody>
+          <a:bodyPr>
+            <a:normAutofit/>
+          </a:bodyPr>
+          <a:lstStyle/>
+          <a:p>
+            <a:r>
+              <a:rPr lang="en-US" u="sng" dirty="0"/>
+              <a:t>jQuery Class Methods</a:t>
+            </a:r>
+          </a:p>
+        </p:txBody>
+      </p:sp>
+      <p:sp>
+        <p:nvSpPr>
+          <p:cNvPr id="3" name="Content Placeholder 2">
+            <a:extLst>
+              <a:ext uri="{FF2B5EF4-FFF2-40B4-BE49-F238E27FC236}">
+                <a16:creationId xmlns:a16="http://schemas.microsoft.com/office/drawing/2014/main" id="{844A3DC5-46BF-4BFF-8008-98FD467C4904}"/>
+              </a:ext>
+            </a:extLst>
+          </p:cNvPr>
+          <p:cNvSpPr>
+            <a:spLocks noGrp="1"/>
+          </p:cNvSpPr>
+          <p:nvPr>
+            <p:ph idx="1"/>
+          </p:nvPr>
+        </p:nvSpPr>
+        <p:spPr/>
+        <p:txBody>
+          <a:bodyPr>
+            <a:normAutofit/>
+          </a:bodyPr>
+          <a:lstStyle/>
+          <a:p>
+            <a:pPr marL="0" indent="0">
+              <a:buNone/>
+            </a:pPr>
+            <a:r>
+              <a:rPr lang="en-US" sz="1800" dirty="0">
+                <a:cs typeface="Arial" panose="020B0604020202020204" pitchFamily="34" charset="0"/>
+              </a:rPr>
+              <a:t>jQuery provides several methods, such as addClass(), removeClass(), and toggleClass() to manipulate the CSS classes assigned to HTML elements</a:t>
+            </a:r>
+          </a:p>
+          <a:p>
+            <a:pPr indent="0">
+              <a:buNone/>
+            </a:pPr>
+            <a:r>
+              <a:rPr lang="en-US" sz="1800" dirty="0">
+                <a:cs typeface="Arial" panose="020B0604020202020204" pitchFamily="34" charset="0"/>
+              </a:rPr>
+              <a:t>These methods are often (but not exclusively) used with </a:t>
+            </a:r>
+            <a:r>
+              <a:rPr lang="en-US" sz="1800" dirty="0">
+                <a:cs typeface="Arial" panose="020B0604020202020204" pitchFamily="34" charset="0"/>
+                <a:hlinkClick r:id="rId2"/>
+              </a:rPr>
+              <a:t>jQuery animation</a:t>
+            </a:r>
+            <a:r>
+              <a:rPr lang="en-US" sz="1800" dirty="0">
+                <a:cs typeface="Arial" panose="020B0604020202020204" pitchFamily="34" charset="0"/>
+                <a:hlinkClick r:id="rId3"/>
+              </a:rPr>
+              <a:t>()</a:t>
+            </a:r>
+            <a:endParaRPr lang="en-US" sz="1800" dirty="0">
+              <a:cs typeface="Arial" panose="020B0604020202020204" pitchFamily="34" charset="0"/>
+            </a:endParaRPr>
+          </a:p>
+        </p:txBody>
+      </p:sp>
+      <p:sp>
+        <p:nvSpPr>
+          <p:cNvPr id="6" name="Slide Number Placeholder 5"/>
+          <p:cNvSpPr>
+            <a:spLocks noGrp="1"/>
+          </p:cNvSpPr>
+          <p:nvPr>
+            <p:ph type="sldNum" sz="quarter" idx="12"/>
+          </p:nvPr>
+        </p:nvSpPr>
+        <p:spPr/>
+        <p:txBody>
+          <a:bodyPr/>
+          <a:lstStyle/>
+          <a:p>
+            <a:fld id="{34B7E4EF-A1BD-40F4-AB7B-04F084DD991D}" type="slidenum">
+              <a:rPr lang="en-US" smtClean="0"/>
+              <a:t>39</a:t>
+            </a:fld>
+            <a:endParaRPr lang="en-US" dirty="0"/>
+          </a:p>
+        </p:txBody>
+      </p:sp>
+      <p:sp>
+        <p:nvSpPr>
+          <p:cNvPr id="5" name="Rectangle 4"/>
+          <p:cNvSpPr/>
+          <p:nvPr/>
+        </p:nvSpPr>
+        <p:spPr>
+          <a:xfrm>
+            <a:off x="983809" y="5420825"/>
+            <a:ext cx="10082124" cy="646331"/>
+          </a:xfrm>
+          <a:prstGeom prst="rect">
+            <a:avLst/>
+          </a:prstGeom>
+        </p:spPr>
+        <p:txBody>
+          <a:bodyPr wrap="square">
+            <a:spAutoFit/>
+          </a:bodyPr>
+          <a:lstStyle/>
+          <a:p>
+            <a:r>
+              <a:rPr lang="en-US" b="1" dirty="0"/>
+              <a:t>Source</a:t>
+            </a:r>
+          </a:p>
+          <a:p>
+            <a:r>
+              <a:rPr lang="en-US" dirty="0">
+                <a:solidFill>
+                  <a:srgbClr val="00B0F0"/>
+                </a:solidFill>
+              </a:rPr>
+              <a:t>https://www.tutorialrepublic.com/jquery-tutorial/jquery-add-and-remove-css-classes.php</a:t>
+            </a:r>
+          </a:p>
+        </p:txBody>
+      </p:sp>
+    </p:spTree>
+    <p:extLst>
+      <p:ext uri="{BB962C8B-B14F-4D97-AF65-F5344CB8AC3E}">
+        <p14:creationId xmlns:p14="http://schemas.microsoft.com/office/powerpoint/2010/main" val="3763466412"/>
       </p:ext>
     </p:extLst>
   </p:cSld>
@@ -10138,8 +10984,8 @@
         </p:nvSpPr>
         <p:spPr>
           <a:xfrm>
-            <a:off x="664233" y="733579"/>
-            <a:ext cx="6405433" cy="1371600"/>
+            <a:off x="772998" y="642594"/>
+            <a:ext cx="4967926" cy="1371600"/>
           </a:xfrm>
         </p:spPr>
         <p:txBody>
@@ -10150,7 +10996,7 @@
           <a:p>
             <a:r>
               <a:rPr lang="en-US" u="sng" dirty="0"/>
-              <a:t>jQuery CDN Advantages</a:t>
+              <a:t>jQuery Website</a:t>
             </a:r>
           </a:p>
         </p:txBody>
@@ -10173,70 +11019,50 @@
         </p:nvSpPr>
         <p:spPr>
           <a:xfrm>
-            <a:off x="1066800" y="2733472"/>
-            <a:ext cx="10058400" cy="1919267"/>
+            <a:off x="772998" y="2103120"/>
+            <a:ext cx="4967926" cy="3849624"/>
           </a:xfrm>
         </p:spPr>
         <p:txBody>
           <a:bodyPr>
-            <a:noAutofit/>
+            <a:normAutofit/>
           </a:bodyPr>
           <a:lstStyle/>
           <a:p>
-            <a:pPr marL="0" indent="0" fontAlgn="base">
+            <a:pPr marL="0" indent="0">
+              <a:lnSpc>
+                <a:spcPct val="100000"/>
+              </a:lnSpc>
+              <a:spcBef>
+                <a:spcPts val="0"/>
+              </a:spcBef>
               <a:buNone/>
             </a:pPr>
             <a:r>
-              <a:rPr lang="en-US" sz="1800" dirty="0">
-                <a:cs typeface="Arial" panose="020B0604020202020204" pitchFamily="34" charset="0"/>
-              </a:rPr>
-              <a:t>Advantages of jQuery via a CDN:</a:t>
-            </a:r>
-          </a:p>
-          <a:p>
-            <a:pPr marL="640080" indent="-457200" fontAlgn="base"/>
-            <a:r>
-              <a:rPr lang="en-US" sz="1800" dirty="0">
-                <a:cs typeface="Arial" panose="020B0604020202020204" pitchFamily="34" charset="0"/>
-              </a:rPr>
-              <a:t>Faster delivery of content</a:t>
-            </a:r>
-          </a:p>
-          <a:p>
-            <a:pPr marL="640080" indent="-457200" fontAlgn="base"/>
-            <a:r>
-              <a:rPr lang="en-US" sz="1800" dirty="0">
-                <a:cs typeface="Arial" panose="020B0604020202020204" pitchFamily="34" charset="0"/>
-              </a:rPr>
-              <a:t>More simultaneous users</a:t>
-            </a:r>
-          </a:p>
-          <a:p>
-            <a:pPr marL="640080" indent="-457200" fontAlgn="base"/>
-            <a:r>
-              <a:rPr lang="en-US" sz="1800" dirty="0">
-                <a:cs typeface="Arial" panose="020B0604020202020204" pitchFamily="34" charset="0"/>
-              </a:rPr>
-              <a:t>Constant availability</a:t>
-            </a:r>
-          </a:p>
-          <a:p>
-            <a:pPr marL="640080" indent="-457200" fontAlgn="base"/>
-            <a:r>
-              <a:rPr lang="en-US" sz="1800" dirty="0">
-                <a:cs typeface="Arial" panose="020B0604020202020204" pitchFamily="34" charset="0"/>
-              </a:rPr>
-              <a:t>Reliable delivery of content</a:t>
-            </a:r>
-          </a:p>
-          <a:p>
-            <a:pPr marL="640080" indent="-457200" fontAlgn="base"/>
-            <a:r>
-              <a:rPr lang="en-US" sz="1800" dirty="0">
-                <a:cs typeface="Arial" panose="020B0604020202020204" pitchFamily="34" charset="0"/>
-              </a:rPr>
-              <a:t>Constant availability</a:t>
-            </a:r>
+              <a:rPr lang="en-US" sz="1800" b="1" dirty="0">
+                <a:cs typeface="Arial" pitchFamily="34" charset="0"/>
+              </a:rPr>
+              <a:t>The </a:t>
+            </a:r>
+            <a:r>
+              <a:rPr lang="en-US" sz="1800" b="1">
+                <a:cs typeface="Arial" pitchFamily="34" charset="0"/>
+              </a:rPr>
+              <a:t>jQuery website (</a:t>
+            </a:r>
+            <a:r>
+              <a:rPr lang="en-US" sz="1800" b="1">
+                <a:hlinkClick r:id="rId3"/>
+              </a:rPr>
+              <a:t>https://jquery.com/</a:t>
+            </a:r>
+            <a:r>
+              <a:rPr lang="en-US" sz="1800" b="1"/>
+              <a:t>) provides comprehensive documentation of the entire jQuery library and many helpful articles to get you started.</a:t>
+            </a:r>
+            <a:endParaRPr lang="en-US" sz="1800" b="1" dirty="0">
+              <a:cs typeface="Arial" panose="020B0604020202020204" pitchFamily="34" charset="0"/>
+            </a:endParaRPr>
           </a:p>
         </p:txBody>
       </p:sp>
@@ -10263,10 +11089,1033 @@
           </a:p>
         </p:txBody>
       </p:sp>
+      <p:pic>
+        <p:nvPicPr>
+          <p:cNvPr id="4" name="Picture 3">
+            <a:extLst>
+              <a:ext uri="{FF2B5EF4-FFF2-40B4-BE49-F238E27FC236}">
+                <a16:creationId xmlns:a16="http://schemas.microsoft.com/office/drawing/2014/main" id="{7AB5A04D-4655-4B06-8C2F-874F791191C1}"/>
+              </a:ext>
+            </a:extLst>
+          </p:cNvPr>
+          <p:cNvPicPr>
+            <a:picLocks noChangeAspect="1"/>
+          </p:cNvPicPr>
+          <p:nvPr/>
+        </p:nvPicPr>
+        <p:blipFill>
+          <a:blip r:embed="rId4"/>
+          <a:stretch>
+            <a:fillRect/>
+          </a:stretch>
+        </p:blipFill>
+        <p:spPr>
+          <a:xfrm>
+            <a:off x="5882326" y="584461"/>
+            <a:ext cx="5736166" cy="5478499"/>
+          </a:xfrm>
+          <a:prstGeom prst="rect">
+            <a:avLst/>
+          </a:prstGeom>
+        </p:spPr>
+      </p:pic>
     </p:spTree>
     <p:extLst>
       <p:ext uri="{BB962C8B-B14F-4D97-AF65-F5344CB8AC3E}">
-        <p14:creationId xmlns:p14="http://schemas.microsoft.com/office/powerpoint/2010/main" val="96182224"/>
+        <p14:creationId xmlns:p14="http://schemas.microsoft.com/office/powerpoint/2010/main" val="3833397566"/>
+      </p:ext>
+    </p:extLst>
+  </p:cSld>
+  <p:clrMapOvr>
+    <a:masterClrMapping/>
+  </p:clrMapOvr>
+</p:sld>
+</file>
+
+<file path=ppt/slides/slide40.xml><?xml version="1.0" encoding="utf-8"?>
+<p:sld xmlns:a="http://schemas.openxmlformats.org/drawingml/2006/main" xmlns:r="http://schemas.openxmlformats.org/officeDocument/2006/relationships" xmlns:p="http://schemas.openxmlformats.org/presentationml/2006/main">
+  <p:cSld>
+    <p:spTree>
+      <p:nvGrpSpPr>
+        <p:cNvPr id="1" name=""/>
+        <p:cNvGrpSpPr/>
+        <p:nvPr/>
+      </p:nvGrpSpPr>
+      <p:grpSpPr>
+        <a:xfrm>
+          <a:off x="0" y="0"/>
+          <a:ext cx="0" cy="0"/>
+          <a:chOff x="0" y="0"/>
+          <a:chExt cx="0" cy="0"/>
+        </a:xfrm>
+      </p:grpSpPr>
+      <p:sp>
+        <p:nvSpPr>
+          <p:cNvPr id="2" name="Title 1">
+            <a:extLst>
+              <a:ext uri="{FF2B5EF4-FFF2-40B4-BE49-F238E27FC236}">
+                <a16:creationId xmlns:a16="http://schemas.microsoft.com/office/drawing/2014/main" id="{BDFAC13C-59B1-436E-B58F-C304E1C705CF}"/>
+              </a:ext>
+            </a:extLst>
+          </p:cNvPr>
+          <p:cNvSpPr>
+            <a:spLocks noGrp="1"/>
+          </p:cNvSpPr>
+          <p:nvPr>
+            <p:ph type="title"/>
+          </p:nvPr>
+        </p:nvSpPr>
+        <p:spPr/>
+        <p:txBody>
+          <a:bodyPr>
+            <a:normAutofit/>
+          </a:bodyPr>
+          <a:lstStyle/>
+          <a:p>
+            <a:r>
+              <a:rPr lang="en-US" u="sng" dirty="0"/>
+              <a:t>addClass()</a:t>
+            </a:r>
+          </a:p>
+        </p:txBody>
+      </p:sp>
+      <p:sp>
+        <p:nvSpPr>
+          <p:cNvPr id="3" name="Content Placeholder 2">
+            <a:extLst>
+              <a:ext uri="{FF2B5EF4-FFF2-40B4-BE49-F238E27FC236}">
+                <a16:creationId xmlns:a16="http://schemas.microsoft.com/office/drawing/2014/main" id="{844A3DC5-46BF-4BFF-8008-98FD467C4904}"/>
+              </a:ext>
+            </a:extLst>
+          </p:cNvPr>
+          <p:cNvSpPr>
+            <a:spLocks noGrp="1"/>
+          </p:cNvSpPr>
+          <p:nvPr>
+            <p:ph idx="1"/>
+          </p:nvPr>
+        </p:nvSpPr>
+        <p:spPr/>
+        <p:txBody>
+          <a:bodyPr>
+            <a:normAutofit/>
+          </a:bodyPr>
+          <a:lstStyle/>
+          <a:p>
+            <a:pPr marL="0" indent="0">
+              <a:buNone/>
+            </a:pPr>
+            <a:r>
+              <a:rPr lang="en-US" sz="1800" dirty="0">
+                <a:cs typeface="Arial" panose="020B0604020202020204" pitchFamily="34" charset="0"/>
+              </a:rPr>
+              <a:t>The jQuery addClass() method adds  &gt;= 1 classes to selected elements</a:t>
+            </a:r>
+          </a:p>
+          <a:p>
+            <a:pPr indent="0">
+              <a:buNone/>
+            </a:pPr>
+            <a:r>
+              <a:rPr lang="en-US" sz="1800" dirty="0">
+                <a:cs typeface="Arial" panose="020B0604020202020204" pitchFamily="34" charset="0"/>
+              </a:rPr>
+              <a:t>Example:</a:t>
+            </a:r>
+          </a:p>
+          <a:p>
+            <a:pPr indent="0">
+              <a:buNone/>
+            </a:pPr>
+            <a:r>
+              <a:rPr lang="en-US" sz="1800" dirty="0">
+                <a:latin typeface="Consolas" panose="020B0609020204030204" pitchFamily="49" charset="0"/>
+                <a:cs typeface="Arial" panose="020B0604020202020204" pitchFamily="34" charset="0"/>
+              </a:rPr>
+              <a:t>$("span.test").next().addClass("one");</a:t>
+            </a:r>
+          </a:p>
+        </p:txBody>
+      </p:sp>
+      <p:sp>
+        <p:nvSpPr>
+          <p:cNvPr id="6" name="Slide Number Placeholder 5"/>
+          <p:cNvSpPr>
+            <a:spLocks noGrp="1"/>
+          </p:cNvSpPr>
+          <p:nvPr>
+            <p:ph type="sldNum" sz="quarter" idx="12"/>
+          </p:nvPr>
+        </p:nvSpPr>
+        <p:spPr/>
+        <p:txBody>
+          <a:bodyPr/>
+          <a:lstStyle/>
+          <a:p>
+            <a:fld id="{34B7E4EF-A1BD-40F4-AB7B-04F084DD991D}" type="slidenum">
+              <a:rPr lang="en-US" smtClean="0"/>
+              <a:t>40</a:t>
+            </a:fld>
+            <a:endParaRPr lang="en-US" dirty="0"/>
+          </a:p>
+        </p:txBody>
+      </p:sp>
+    </p:spTree>
+    <p:extLst>
+      <p:ext uri="{BB962C8B-B14F-4D97-AF65-F5344CB8AC3E}">
+        <p14:creationId xmlns:p14="http://schemas.microsoft.com/office/powerpoint/2010/main" val="2005320801"/>
+      </p:ext>
+    </p:extLst>
+  </p:cSld>
+  <p:clrMapOvr>
+    <a:masterClrMapping/>
+  </p:clrMapOvr>
+</p:sld>
+</file>
+
+<file path=ppt/slides/slide41.xml><?xml version="1.0" encoding="utf-8"?>
+<p:sld xmlns:a="http://schemas.openxmlformats.org/drawingml/2006/main" xmlns:r="http://schemas.openxmlformats.org/officeDocument/2006/relationships" xmlns:p="http://schemas.openxmlformats.org/presentationml/2006/main">
+  <p:cSld>
+    <p:spTree>
+      <p:nvGrpSpPr>
+        <p:cNvPr id="1" name=""/>
+        <p:cNvGrpSpPr/>
+        <p:nvPr/>
+      </p:nvGrpSpPr>
+      <p:grpSpPr>
+        <a:xfrm>
+          <a:off x="0" y="0"/>
+          <a:ext cx="0" cy="0"/>
+          <a:chOff x="0" y="0"/>
+          <a:chExt cx="0" cy="0"/>
+        </a:xfrm>
+      </p:grpSpPr>
+      <p:sp>
+        <p:nvSpPr>
+          <p:cNvPr id="2" name="Title 1">
+            <a:extLst>
+              <a:ext uri="{FF2B5EF4-FFF2-40B4-BE49-F238E27FC236}">
+                <a16:creationId xmlns:a16="http://schemas.microsoft.com/office/drawing/2014/main" id="{BDFAC13C-59B1-436E-B58F-C304E1C705CF}"/>
+              </a:ext>
+            </a:extLst>
+          </p:cNvPr>
+          <p:cNvSpPr>
+            <a:spLocks noGrp="1"/>
+          </p:cNvSpPr>
+          <p:nvPr>
+            <p:ph type="title"/>
+          </p:nvPr>
+        </p:nvSpPr>
+        <p:spPr/>
+        <p:txBody>
+          <a:bodyPr>
+            <a:normAutofit/>
+          </a:bodyPr>
+          <a:lstStyle/>
+          <a:p>
+            <a:r>
+              <a:rPr lang="en-US" u="sng" dirty="0"/>
+              <a:t>removeClass()</a:t>
+            </a:r>
+          </a:p>
+        </p:txBody>
+      </p:sp>
+      <p:sp>
+        <p:nvSpPr>
+          <p:cNvPr id="3" name="Content Placeholder 2">
+            <a:extLst>
+              <a:ext uri="{FF2B5EF4-FFF2-40B4-BE49-F238E27FC236}">
+                <a16:creationId xmlns:a16="http://schemas.microsoft.com/office/drawing/2014/main" id="{844A3DC5-46BF-4BFF-8008-98FD467C4904}"/>
+              </a:ext>
+            </a:extLst>
+          </p:cNvPr>
+          <p:cNvSpPr>
+            <a:spLocks noGrp="1"/>
+          </p:cNvSpPr>
+          <p:nvPr>
+            <p:ph idx="1"/>
+          </p:nvPr>
+        </p:nvSpPr>
+        <p:spPr/>
+        <p:txBody>
+          <a:bodyPr>
+            <a:normAutofit/>
+          </a:bodyPr>
+          <a:lstStyle/>
+          <a:p>
+            <a:pPr marL="0" indent="0">
+              <a:buNone/>
+            </a:pPr>
+            <a:r>
+              <a:rPr lang="en-US" sz="1800" dirty="0">
+                <a:cs typeface="Arial" panose="020B0604020202020204" pitchFamily="34" charset="0"/>
+              </a:rPr>
+              <a:t>The jQuery removeClass() method removes &gt;= 1 classes from selected elements</a:t>
+            </a:r>
+          </a:p>
+          <a:p>
+            <a:pPr indent="0">
+              <a:buNone/>
+            </a:pPr>
+            <a:r>
+              <a:rPr lang="en-US" sz="1800" dirty="0">
+                <a:cs typeface="Arial" panose="020B0604020202020204" pitchFamily="34" charset="0"/>
+              </a:rPr>
+              <a:t>Example:</a:t>
+            </a:r>
+          </a:p>
+          <a:p>
+            <a:pPr indent="0">
+              <a:buNone/>
+            </a:pPr>
+            <a:r>
+              <a:rPr lang="en-US" sz="1800" dirty="0">
+                <a:latin typeface="Consolas" panose="020B0609020204030204" pitchFamily="49" charset="0"/>
+                <a:cs typeface="Arial" panose="020B0604020202020204" pitchFamily="34" charset="0"/>
+              </a:rPr>
+              <a:t>$("span.test").next().removeClass("one");</a:t>
+            </a:r>
+          </a:p>
+        </p:txBody>
+      </p:sp>
+      <p:sp>
+        <p:nvSpPr>
+          <p:cNvPr id="6" name="Slide Number Placeholder 5"/>
+          <p:cNvSpPr>
+            <a:spLocks noGrp="1"/>
+          </p:cNvSpPr>
+          <p:nvPr>
+            <p:ph type="sldNum" sz="quarter" idx="12"/>
+          </p:nvPr>
+        </p:nvSpPr>
+        <p:spPr/>
+        <p:txBody>
+          <a:bodyPr/>
+          <a:lstStyle/>
+          <a:p>
+            <a:fld id="{34B7E4EF-A1BD-40F4-AB7B-04F084DD991D}" type="slidenum">
+              <a:rPr lang="en-US" smtClean="0"/>
+              <a:t>41</a:t>
+            </a:fld>
+            <a:endParaRPr lang="en-US" dirty="0"/>
+          </a:p>
+        </p:txBody>
+      </p:sp>
+    </p:spTree>
+    <p:extLst>
+      <p:ext uri="{BB962C8B-B14F-4D97-AF65-F5344CB8AC3E}">
+        <p14:creationId xmlns:p14="http://schemas.microsoft.com/office/powerpoint/2010/main" val="1516872751"/>
+      </p:ext>
+    </p:extLst>
+  </p:cSld>
+  <p:clrMapOvr>
+    <a:masterClrMapping/>
+  </p:clrMapOvr>
+</p:sld>
+</file>
+
+<file path=ppt/slides/slide42.xml><?xml version="1.0" encoding="utf-8"?>
+<p:sld xmlns:a="http://schemas.openxmlformats.org/drawingml/2006/main" xmlns:r="http://schemas.openxmlformats.org/officeDocument/2006/relationships" xmlns:p="http://schemas.openxmlformats.org/presentationml/2006/main">
+  <p:cSld>
+    <p:spTree>
+      <p:nvGrpSpPr>
+        <p:cNvPr id="1" name=""/>
+        <p:cNvGrpSpPr/>
+        <p:nvPr/>
+      </p:nvGrpSpPr>
+      <p:grpSpPr>
+        <a:xfrm>
+          <a:off x="0" y="0"/>
+          <a:ext cx="0" cy="0"/>
+          <a:chOff x="0" y="0"/>
+          <a:chExt cx="0" cy="0"/>
+        </a:xfrm>
+      </p:grpSpPr>
+      <p:sp>
+        <p:nvSpPr>
+          <p:cNvPr id="2" name="Title 1">
+            <a:extLst>
+              <a:ext uri="{FF2B5EF4-FFF2-40B4-BE49-F238E27FC236}">
+                <a16:creationId xmlns:a16="http://schemas.microsoft.com/office/drawing/2014/main" id="{BDFAC13C-59B1-436E-B58F-C304E1C705CF}"/>
+              </a:ext>
+            </a:extLst>
+          </p:cNvPr>
+          <p:cNvSpPr>
+            <a:spLocks noGrp="1"/>
+          </p:cNvSpPr>
+          <p:nvPr>
+            <p:ph type="title"/>
+          </p:nvPr>
+        </p:nvSpPr>
+        <p:spPr/>
+        <p:txBody>
+          <a:bodyPr>
+            <a:normAutofit/>
+          </a:bodyPr>
+          <a:lstStyle/>
+          <a:p>
+            <a:r>
+              <a:rPr lang="en-US" u="sng" dirty="0"/>
+              <a:t>toggleClass()</a:t>
+            </a:r>
+          </a:p>
+        </p:txBody>
+      </p:sp>
+      <p:sp>
+        <p:nvSpPr>
+          <p:cNvPr id="3" name="Content Placeholder 2">
+            <a:extLst>
+              <a:ext uri="{FF2B5EF4-FFF2-40B4-BE49-F238E27FC236}">
+                <a16:creationId xmlns:a16="http://schemas.microsoft.com/office/drawing/2014/main" id="{844A3DC5-46BF-4BFF-8008-98FD467C4904}"/>
+              </a:ext>
+            </a:extLst>
+          </p:cNvPr>
+          <p:cNvSpPr>
+            <a:spLocks noGrp="1"/>
+          </p:cNvSpPr>
+          <p:nvPr>
+            <p:ph idx="1"/>
+          </p:nvPr>
+        </p:nvSpPr>
+        <p:spPr/>
+        <p:txBody>
+          <a:bodyPr>
+            <a:normAutofit/>
+          </a:bodyPr>
+          <a:lstStyle/>
+          <a:p>
+            <a:pPr marL="0" indent="0">
+              <a:buNone/>
+            </a:pPr>
+            <a:r>
+              <a:rPr lang="en-US" sz="1800" dirty="0">
+                <a:latin typeface="+mj-lt"/>
+                <a:cs typeface="Arial" panose="020B0604020202020204" pitchFamily="34" charset="0"/>
+              </a:rPr>
+              <a:t>The jQuery toggleClass() adds or removes &gt;= 1 class from the selected elements.  If the selected element already has the class, it is removed. If an element does not have the class, it is added</a:t>
+            </a:r>
+          </a:p>
+          <a:p>
+            <a:pPr indent="0">
+              <a:buNone/>
+            </a:pPr>
+            <a:r>
+              <a:rPr lang="en-US" sz="1800" dirty="0">
+                <a:latin typeface="+mj-lt"/>
+                <a:cs typeface="Arial" panose="020B0604020202020204" pitchFamily="34" charset="0"/>
+              </a:rPr>
+              <a:t>Example:</a:t>
+            </a:r>
+          </a:p>
+          <a:p>
+            <a:pPr indent="0">
+              <a:buNone/>
+            </a:pPr>
+            <a:r>
+              <a:rPr lang="en-US" sz="1800" dirty="0">
+                <a:latin typeface="Consolas" panose="020B0609020204030204" pitchFamily="49" charset="0"/>
+                <a:cs typeface="Arial" panose="020B0604020202020204" pitchFamily="34" charset="0"/>
+              </a:rPr>
+              <a:t>$("span.test").next().toggleClass("one");</a:t>
+            </a:r>
+          </a:p>
+        </p:txBody>
+      </p:sp>
+      <p:sp>
+        <p:nvSpPr>
+          <p:cNvPr id="6" name="Slide Number Placeholder 5"/>
+          <p:cNvSpPr>
+            <a:spLocks noGrp="1"/>
+          </p:cNvSpPr>
+          <p:nvPr>
+            <p:ph type="sldNum" sz="quarter" idx="12"/>
+          </p:nvPr>
+        </p:nvSpPr>
+        <p:spPr/>
+        <p:txBody>
+          <a:bodyPr/>
+          <a:lstStyle/>
+          <a:p>
+            <a:fld id="{34B7E4EF-A1BD-40F4-AB7B-04F084DD991D}" type="slidenum">
+              <a:rPr lang="en-US" smtClean="0"/>
+              <a:t>42</a:t>
+            </a:fld>
+            <a:endParaRPr lang="en-US" dirty="0"/>
+          </a:p>
+        </p:txBody>
+      </p:sp>
+    </p:spTree>
+    <p:extLst>
+      <p:ext uri="{BB962C8B-B14F-4D97-AF65-F5344CB8AC3E}">
+        <p14:creationId xmlns:p14="http://schemas.microsoft.com/office/powerpoint/2010/main" val="1139358270"/>
+      </p:ext>
+    </p:extLst>
+  </p:cSld>
+  <p:clrMapOvr>
+    <a:masterClrMapping/>
+  </p:clrMapOvr>
+</p:sld>
+</file>
+
+<file path=ppt/slides/slide43.xml><?xml version="1.0" encoding="utf-8"?>
+<p:sld xmlns:a="http://schemas.openxmlformats.org/drawingml/2006/main" xmlns:r="http://schemas.openxmlformats.org/officeDocument/2006/relationships" xmlns:p="http://schemas.openxmlformats.org/presentationml/2006/main">
+  <p:cSld>
+    <p:spTree>
+      <p:nvGrpSpPr>
+        <p:cNvPr id="1" name=""/>
+        <p:cNvGrpSpPr/>
+        <p:nvPr/>
+      </p:nvGrpSpPr>
+      <p:grpSpPr>
+        <a:xfrm>
+          <a:off x="0" y="0"/>
+          <a:ext cx="0" cy="0"/>
+          <a:chOff x="0" y="0"/>
+          <a:chExt cx="0" cy="0"/>
+        </a:xfrm>
+      </p:grpSpPr>
+      <p:sp>
+        <p:nvSpPr>
+          <p:cNvPr id="2" name="Title 1">
+            <a:extLst>
+              <a:ext uri="{FF2B5EF4-FFF2-40B4-BE49-F238E27FC236}">
+                <a16:creationId xmlns:a16="http://schemas.microsoft.com/office/drawing/2014/main" id="{BDFAC13C-59B1-436E-B58F-C304E1C705CF}"/>
+              </a:ext>
+            </a:extLst>
+          </p:cNvPr>
+          <p:cNvSpPr>
+            <a:spLocks noGrp="1"/>
+          </p:cNvSpPr>
+          <p:nvPr>
+            <p:ph type="title"/>
+          </p:nvPr>
+        </p:nvSpPr>
+        <p:spPr/>
+        <p:txBody>
+          <a:bodyPr>
+            <a:normAutofit/>
+          </a:bodyPr>
+          <a:lstStyle/>
+          <a:p>
+            <a:r>
+              <a:rPr lang="en-US" u="sng" dirty="0"/>
+              <a:t>jQuery Form Validation</a:t>
+            </a:r>
+          </a:p>
+        </p:txBody>
+      </p:sp>
+      <p:sp>
+        <p:nvSpPr>
+          <p:cNvPr id="3" name="Content Placeholder 2">
+            <a:extLst>
+              <a:ext uri="{FF2B5EF4-FFF2-40B4-BE49-F238E27FC236}">
+                <a16:creationId xmlns:a16="http://schemas.microsoft.com/office/drawing/2014/main" id="{844A3DC5-46BF-4BFF-8008-98FD467C4904}"/>
+              </a:ext>
+            </a:extLst>
+          </p:cNvPr>
+          <p:cNvSpPr>
+            <a:spLocks noGrp="1"/>
+          </p:cNvSpPr>
+          <p:nvPr>
+            <p:ph idx="1"/>
+          </p:nvPr>
+        </p:nvSpPr>
+        <p:spPr/>
+        <p:txBody>
+          <a:bodyPr>
+            <a:normAutofit/>
+          </a:bodyPr>
+          <a:lstStyle/>
+          <a:p>
+            <a:pPr marL="0" indent="0">
+              <a:buNone/>
+            </a:pPr>
+            <a:r>
+              <a:rPr lang="en-US" sz="1800" dirty="0">
+                <a:cs typeface="Arial" panose="020B0604020202020204" pitchFamily="34" charset="0"/>
+              </a:rPr>
+              <a:t>The programmer can write his/her own jQuery form validation code, or s/he can use a plug-in such as the </a:t>
+            </a:r>
+            <a:r>
+              <a:rPr lang="en-US" sz="1800" dirty="0">
+                <a:cs typeface="Arial" panose="020B0604020202020204" pitchFamily="34" charset="0"/>
+                <a:hlinkClick r:id="rId2"/>
+              </a:rPr>
+              <a:t>jQuery Validation Plugin</a:t>
+            </a:r>
+            <a:endParaRPr lang="en-US" sz="1800" dirty="0">
+              <a:cs typeface="Arial" panose="020B0604020202020204" pitchFamily="34" charset="0"/>
+            </a:endParaRPr>
+          </a:p>
+        </p:txBody>
+      </p:sp>
+      <p:sp>
+        <p:nvSpPr>
+          <p:cNvPr id="6" name="Slide Number Placeholder 5"/>
+          <p:cNvSpPr>
+            <a:spLocks noGrp="1"/>
+          </p:cNvSpPr>
+          <p:nvPr>
+            <p:ph type="sldNum" sz="quarter" idx="12"/>
+          </p:nvPr>
+        </p:nvSpPr>
+        <p:spPr/>
+        <p:txBody>
+          <a:bodyPr/>
+          <a:lstStyle/>
+          <a:p>
+            <a:fld id="{34B7E4EF-A1BD-40F4-AB7B-04F084DD991D}" type="slidenum">
+              <a:rPr lang="en-US" smtClean="0"/>
+              <a:t>43</a:t>
+            </a:fld>
+            <a:endParaRPr lang="en-US" dirty="0"/>
+          </a:p>
+        </p:txBody>
+      </p:sp>
+    </p:spTree>
+    <p:extLst>
+      <p:ext uri="{BB962C8B-B14F-4D97-AF65-F5344CB8AC3E}">
+        <p14:creationId xmlns:p14="http://schemas.microsoft.com/office/powerpoint/2010/main" val="928691393"/>
+      </p:ext>
+    </p:extLst>
+  </p:cSld>
+  <p:clrMapOvr>
+    <a:masterClrMapping/>
+  </p:clrMapOvr>
+</p:sld>
+</file>
+
+<file path=ppt/slides/slide44.xml><?xml version="1.0" encoding="utf-8"?>
+<p:sld xmlns:a="http://schemas.openxmlformats.org/drawingml/2006/main" xmlns:r="http://schemas.openxmlformats.org/officeDocument/2006/relationships" xmlns:p="http://schemas.openxmlformats.org/presentationml/2006/main">
+  <p:cSld>
+    <p:spTree>
+      <p:nvGrpSpPr>
+        <p:cNvPr id="1" name=""/>
+        <p:cNvGrpSpPr/>
+        <p:nvPr/>
+      </p:nvGrpSpPr>
+      <p:grpSpPr>
+        <a:xfrm>
+          <a:off x="0" y="0"/>
+          <a:ext cx="0" cy="0"/>
+          <a:chOff x="0" y="0"/>
+          <a:chExt cx="0" cy="0"/>
+        </a:xfrm>
+      </p:grpSpPr>
+      <p:sp>
+        <p:nvSpPr>
+          <p:cNvPr id="2" name="Title 1">
+            <a:extLst>
+              <a:ext uri="{FF2B5EF4-FFF2-40B4-BE49-F238E27FC236}">
+                <a16:creationId xmlns:a16="http://schemas.microsoft.com/office/drawing/2014/main" id="{BDFAC13C-59B1-436E-B58F-C304E1C705CF}"/>
+              </a:ext>
+            </a:extLst>
+          </p:cNvPr>
+          <p:cNvSpPr>
+            <a:spLocks noGrp="1"/>
+          </p:cNvSpPr>
+          <p:nvPr>
+            <p:ph type="title"/>
+          </p:nvPr>
+        </p:nvSpPr>
+        <p:spPr/>
+        <p:txBody>
+          <a:bodyPr>
+            <a:normAutofit/>
+          </a:bodyPr>
+          <a:lstStyle/>
+          <a:p>
+            <a:r>
+              <a:rPr lang="en-US" u="sng" dirty="0"/>
+              <a:t>jQuery And CRUD</a:t>
+            </a:r>
+          </a:p>
+        </p:txBody>
+      </p:sp>
+      <p:sp>
+        <p:nvSpPr>
+          <p:cNvPr id="3" name="Content Placeholder 2">
+            <a:extLst>
+              <a:ext uri="{FF2B5EF4-FFF2-40B4-BE49-F238E27FC236}">
+                <a16:creationId xmlns:a16="http://schemas.microsoft.com/office/drawing/2014/main" id="{844A3DC5-46BF-4BFF-8008-98FD467C4904}"/>
+              </a:ext>
+            </a:extLst>
+          </p:cNvPr>
+          <p:cNvSpPr>
+            <a:spLocks noGrp="1"/>
+          </p:cNvSpPr>
+          <p:nvPr>
+            <p:ph idx="1"/>
+          </p:nvPr>
+        </p:nvSpPr>
+        <p:spPr/>
+        <p:txBody>
+          <a:bodyPr>
+            <a:normAutofit/>
+          </a:bodyPr>
+          <a:lstStyle/>
+          <a:p>
+            <a:pPr marL="0" indent="0">
+              <a:buNone/>
+            </a:pPr>
+            <a:r>
+              <a:rPr lang="en-US" sz="1800" dirty="0">
+                <a:cs typeface="Arial" panose="020B0604020202020204" pitchFamily="34" charset="0"/>
+              </a:rPr>
+              <a:t>CRUD is an acronym for Create, Read, Update, Delete.  It is often used with database-driven applications</a:t>
+            </a:r>
+          </a:p>
+          <a:p>
+            <a:pPr marL="0" indent="0">
+              <a:buNone/>
+            </a:pPr>
+            <a:r>
+              <a:rPr lang="en-US" sz="1800" dirty="0">
+                <a:cs typeface="Arial" panose="020B0604020202020204" pitchFamily="34" charset="0"/>
+              </a:rPr>
+              <a:t>The programmer can write his/her own jQuery CRUD application code, or s/he can use a plug-in such as </a:t>
+            </a:r>
+            <a:r>
+              <a:rPr lang="en-US" sz="1800" dirty="0">
+                <a:cs typeface="Arial" panose="020B0604020202020204" pitchFamily="34" charset="0"/>
+                <a:hlinkClick r:id="rId2"/>
+              </a:rPr>
+              <a:t>EasyUI</a:t>
+            </a:r>
+            <a:endParaRPr lang="en-US" sz="1800" dirty="0">
+              <a:cs typeface="Arial" panose="020B0604020202020204" pitchFamily="34" charset="0"/>
+            </a:endParaRPr>
+          </a:p>
+        </p:txBody>
+      </p:sp>
+      <p:sp>
+        <p:nvSpPr>
+          <p:cNvPr id="6" name="Slide Number Placeholder 5"/>
+          <p:cNvSpPr>
+            <a:spLocks noGrp="1"/>
+          </p:cNvSpPr>
+          <p:nvPr>
+            <p:ph type="sldNum" sz="quarter" idx="12"/>
+          </p:nvPr>
+        </p:nvSpPr>
+        <p:spPr/>
+        <p:txBody>
+          <a:bodyPr/>
+          <a:lstStyle/>
+          <a:p>
+            <a:fld id="{34B7E4EF-A1BD-40F4-AB7B-04F084DD991D}" type="slidenum">
+              <a:rPr lang="en-US" smtClean="0"/>
+              <a:t>44</a:t>
+            </a:fld>
+            <a:endParaRPr lang="en-US" dirty="0"/>
+          </a:p>
+        </p:txBody>
+      </p:sp>
+    </p:spTree>
+    <p:extLst>
+      <p:ext uri="{BB962C8B-B14F-4D97-AF65-F5344CB8AC3E}">
+        <p14:creationId xmlns:p14="http://schemas.microsoft.com/office/powerpoint/2010/main" val="2165900250"/>
+      </p:ext>
+    </p:extLst>
+  </p:cSld>
+  <p:clrMapOvr>
+    <a:masterClrMapping/>
+  </p:clrMapOvr>
+</p:sld>
+</file>
+
+<file path=ppt/slides/slide45.xml><?xml version="1.0" encoding="utf-8"?>
+<p:sld xmlns:a="http://schemas.openxmlformats.org/drawingml/2006/main" xmlns:r="http://schemas.openxmlformats.org/officeDocument/2006/relationships" xmlns:p="http://schemas.openxmlformats.org/presentationml/2006/main">
+  <p:cSld>
+    <p:spTree>
+      <p:nvGrpSpPr>
+        <p:cNvPr id="1" name=""/>
+        <p:cNvGrpSpPr/>
+        <p:nvPr/>
+      </p:nvGrpSpPr>
+      <p:grpSpPr>
+        <a:xfrm>
+          <a:off x="0" y="0"/>
+          <a:ext cx="0" cy="0"/>
+          <a:chOff x="0" y="0"/>
+          <a:chExt cx="0" cy="0"/>
+        </a:xfrm>
+      </p:grpSpPr>
+      <p:sp>
+        <p:nvSpPr>
+          <p:cNvPr id="2" name="Title 1">
+            <a:extLst>
+              <a:ext uri="{FF2B5EF4-FFF2-40B4-BE49-F238E27FC236}">
+                <a16:creationId xmlns:a16="http://schemas.microsoft.com/office/drawing/2014/main" id="{BDFAC13C-59B1-436E-B58F-C304E1C705CF}"/>
+              </a:ext>
+            </a:extLst>
+          </p:cNvPr>
+          <p:cNvSpPr>
+            <a:spLocks noGrp="1"/>
+          </p:cNvSpPr>
+          <p:nvPr>
+            <p:ph type="title"/>
+          </p:nvPr>
+        </p:nvSpPr>
+        <p:spPr/>
+        <p:txBody>
+          <a:bodyPr>
+            <a:normAutofit/>
+          </a:bodyPr>
+          <a:lstStyle/>
+          <a:p>
+            <a:r>
+              <a:rPr lang="en-US" u="sng" dirty="0"/>
+              <a:t>What We Covered</a:t>
+            </a:r>
+          </a:p>
+        </p:txBody>
+      </p:sp>
+      <p:sp>
+        <p:nvSpPr>
+          <p:cNvPr id="3" name="Content Placeholder 2">
+            <a:extLst>
+              <a:ext uri="{FF2B5EF4-FFF2-40B4-BE49-F238E27FC236}">
+                <a16:creationId xmlns:a16="http://schemas.microsoft.com/office/drawing/2014/main" id="{844A3DC5-46BF-4BFF-8008-98FD467C4904}"/>
+              </a:ext>
+            </a:extLst>
+          </p:cNvPr>
+          <p:cNvSpPr>
+            <a:spLocks noGrp="1"/>
+          </p:cNvSpPr>
+          <p:nvPr>
+            <p:ph idx="1"/>
+          </p:nvPr>
+        </p:nvSpPr>
+        <p:spPr/>
+        <p:txBody>
+          <a:bodyPr>
+            <a:normAutofit/>
+          </a:bodyPr>
+          <a:lstStyle/>
+          <a:p>
+            <a:r>
+              <a:rPr lang="en-US" sz="1800" dirty="0">
+                <a:cs typeface="Arial" pitchFamily="34" charset="0"/>
+              </a:rPr>
+              <a:t>Using jQuery with/without a CDN</a:t>
+            </a:r>
+          </a:p>
+          <a:p>
+            <a:r>
+              <a:rPr lang="en-US" sz="1800" dirty="0">
+                <a:cs typeface="Arial" pitchFamily="34" charset="0"/>
+              </a:rPr>
+              <a:t>Basic jQuery Selectors</a:t>
+            </a:r>
+          </a:p>
+          <a:p>
+            <a:r>
+              <a:rPr lang="en-US" sz="1800" dirty="0">
+                <a:cs typeface="Arial" pitchFamily="34" charset="0"/>
+              </a:rPr>
+              <a:t>Event Handling in jQuery</a:t>
+            </a:r>
+          </a:p>
+          <a:p>
+            <a:r>
+              <a:rPr lang="en-US" sz="1800" dirty="0">
+                <a:cs typeface="Arial" pitchFamily="34" charset="0"/>
+              </a:rPr>
+              <a:t>jQuery addClass, removeClass, and toggleClass() methods</a:t>
+            </a:r>
+          </a:p>
+          <a:p>
+            <a:r>
+              <a:rPr lang="en-US" sz="1800" dirty="0">
+                <a:cs typeface="Arial" pitchFamily="34" charset="0"/>
+              </a:rPr>
+              <a:t>jQuery and Form Validation</a:t>
+            </a:r>
+          </a:p>
+          <a:p>
+            <a:r>
+              <a:rPr lang="en-US" sz="1800" dirty="0">
+                <a:cs typeface="Arial" pitchFamily="34" charset="0"/>
+              </a:rPr>
+              <a:t>jQuery and CRUD applications</a:t>
+            </a:r>
+          </a:p>
+        </p:txBody>
+      </p:sp>
+      <p:sp>
+        <p:nvSpPr>
+          <p:cNvPr id="5" name="Slide Number Placeholder 4"/>
+          <p:cNvSpPr>
+            <a:spLocks noGrp="1"/>
+          </p:cNvSpPr>
+          <p:nvPr>
+            <p:ph type="sldNum" sz="quarter" idx="12"/>
+          </p:nvPr>
+        </p:nvSpPr>
+        <p:spPr/>
+        <p:txBody>
+          <a:bodyPr/>
+          <a:lstStyle/>
+          <a:p>
+            <a:fld id="{34B7E4EF-A1BD-40F4-AB7B-04F084DD991D}" type="slidenum">
+              <a:rPr lang="en-US" smtClean="0"/>
+              <a:t>45</a:t>
+            </a:fld>
+            <a:endParaRPr lang="en-US" dirty="0"/>
+          </a:p>
+        </p:txBody>
+      </p:sp>
+    </p:spTree>
+    <p:extLst>
+      <p:ext uri="{BB962C8B-B14F-4D97-AF65-F5344CB8AC3E}">
+        <p14:creationId xmlns:p14="http://schemas.microsoft.com/office/powerpoint/2010/main" val="2820098090"/>
+      </p:ext>
+    </p:extLst>
+  </p:cSld>
+  <p:clrMapOvr>
+    <a:masterClrMapping/>
+  </p:clrMapOvr>
+</p:sld>
+</file>
+
+<file path=ppt/slides/slide46.xml><?xml version="1.0" encoding="utf-8"?>
+<p:sld xmlns:a="http://schemas.openxmlformats.org/drawingml/2006/main" xmlns:r="http://schemas.openxmlformats.org/officeDocument/2006/relationships" xmlns:p="http://schemas.openxmlformats.org/presentationml/2006/main">
+  <p:cSld>
+    <p:spTree>
+      <p:nvGrpSpPr>
+        <p:cNvPr id="1" name=""/>
+        <p:cNvGrpSpPr/>
+        <p:nvPr/>
+      </p:nvGrpSpPr>
+      <p:grpSpPr>
+        <a:xfrm>
+          <a:off x="0" y="0"/>
+          <a:ext cx="0" cy="0"/>
+          <a:chOff x="0" y="0"/>
+          <a:chExt cx="0" cy="0"/>
+        </a:xfrm>
+      </p:grpSpPr>
+      <p:sp>
+        <p:nvSpPr>
+          <p:cNvPr id="2" name="Title 1">
+            <a:extLst>
+              <a:ext uri="{FF2B5EF4-FFF2-40B4-BE49-F238E27FC236}">
+                <a16:creationId xmlns:a16="http://schemas.microsoft.com/office/drawing/2014/main" id="{BDFAC13C-59B1-436E-B58F-C304E1C705CF}"/>
+              </a:ext>
+            </a:extLst>
+          </p:cNvPr>
+          <p:cNvSpPr>
+            <a:spLocks noGrp="1"/>
+          </p:cNvSpPr>
+          <p:nvPr>
+            <p:ph type="title"/>
+          </p:nvPr>
+        </p:nvSpPr>
+        <p:spPr/>
+        <p:txBody>
+          <a:bodyPr>
+            <a:normAutofit/>
+          </a:bodyPr>
+          <a:lstStyle/>
+          <a:p>
+            <a:r>
+              <a:rPr lang="en-US" u="sng" dirty="0"/>
+              <a:t>Some Useful URLs</a:t>
+            </a:r>
+          </a:p>
+        </p:txBody>
+      </p:sp>
+      <p:sp>
+        <p:nvSpPr>
+          <p:cNvPr id="3" name="Content Placeholder 2">
+            <a:extLst>
+              <a:ext uri="{FF2B5EF4-FFF2-40B4-BE49-F238E27FC236}">
+                <a16:creationId xmlns:a16="http://schemas.microsoft.com/office/drawing/2014/main" id="{844A3DC5-46BF-4BFF-8008-98FD467C4904}"/>
+              </a:ext>
+            </a:extLst>
+          </p:cNvPr>
+          <p:cNvSpPr>
+            <a:spLocks noGrp="1"/>
+          </p:cNvSpPr>
+          <p:nvPr>
+            <p:ph idx="1"/>
+          </p:nvPr>
+        </p:nvSpPr>
+        <p:spPr/>
+        <p:txBody>
+          <a:bodyPr>
+            <a:normAutofit/>
+          </a:bodyPr>
+          <a:lstStyle/>
+          <a:p>
+            <a:r>
+              <a:rPr lang="en-US" sz="1800" dirty="0">
+                <a:cs typeface="Arial" panose="020B0604020202020204" pitchFamily="34" charset="0"/>
+                <a:hlinkClick r:id="rId3"/>
+              </a:rPr>
+              <a:t>https://jquery.com/</a:t>
+            </a:r>
+            <a:endParaRPr lang="en-US" sz="1800" dirty="0">
+              <a:cs typeface="Arial" panose="020B0604020202020204" pitchFamily="34" charset="0"/>
+            </a:endParaRPr>
+          </a:p>
+          <a:p>
+            <a:r>
+              <a:rPr lang="en-US" sz="1800" dirty="0">
+                <a:cs typeface="Arial" panose="020B0604020202020204" pitchFamily="34" charset="0"/>
+                <a:hlinkClick r:id="rId4"/>
+              </a:rPr>
+              <a:t>https://developer.mozilla.org/en-US/docs/Glossary/jQuery</a:t>
+            </a:r>
+            <a:endParaRPr lang="en-US" sz="1800" dirty="0">
+              <a:cs typeface="Arial" panose="020B0604020202020204" pitchFamily="34" charset="0"/>
+            </a:endParaRPr>
+          </a:p>
+          <a:p>
+            <a:r>
+              <a:rPr lang="en-US" sz="1800" dirty="0">
+                <a:cs typeface="Arial" panose="020B0604020202020204" pitchFamily="34" charset="0"/>
+                <a:hlinkClick r:id="rId5"/>
+              </a:rPr>
+              <a:t>https://www.w3schools.com/jquery/</a:t>
+            </a:r>
+            <a:r>
+              <a:rPr lang="en-US" sz="1800" dirty="0">
+                <a:cs typeface="Arial" panose="020B0604020202020204" pitchFamily="34" charset="0"/>
+              </a:rPr>
+              <a:t> </a:t>
+            </a:r>
+          </a:p>
+        </p:txBody>
+      </p:sp>
+      <p:sp>
+        <p:nvSpPr>
+          <p:cNvPr id="5" name="Slide Number Placeholder 4"/>
+          <p:cNvSpPr>
+            <a:spLocks noGrp="1"/>
+          </p:cNvSpPr>
+          <p:nvPr>
+            <p:ph type="sldNum" sz="quarter" idx="12"/>
+          </p:nvPr>
+        </p:nvSpPr>
+        <p:spPr/>
+        <p:txBody>
+          <a:bodyPr/>
+          <a:lstStyle/>
+          <a:p>
+            <a:fld id="{34B7E4EF-A1BD-40F4-AB7B-04F084DD991D}" type="slidenum">
+              <a:rPr lang="en-US" smtClean="0"/>
+              <a:t>46</a:t>
+            </a:fld>
+            <a:endParaRPr lang="en-US" dirty="0"/>
+          </a:p>
+        </p:txBody>
+      </p:sp>
+    </p:spTree>
+    <p:extLst>
+      <p:ext uri="{BB962C8B-B14F-4D97-AF65-F5344CB8AC3E}">
+        <p14:creationId xmlns:p14="http://schemas.microsoft.com/office/powerpoint/2010/main" val="1805520904"/>
       </p:ext>
     </p:extLst>
   </p:cSld>
@@ -10311,8 +12160,8 @@
         </p:nvSpPr>
         <p:spPr>
           <a:xfrm>
-            <a:off x="664233" y="733579"/>
-            <a:ext cx="7015034" cy="1371600"/>
+            <a:off x="772998" y="642594"/>
+            <a:ext cx="10507712" cy="1371600"/>
           </a:xfrm>
         </p:spPr>
         <p:txBody>
@@ -10322,9 +12171,10 @@
           <a:lstStyle/>
           <a:p>
             <a:r>
-              <a:rPr lang="en-US" u="sng" dirty="0"/>
-              <a:t>jQuery CDN Disadvantages</a:t>
-            </a:r>
+              <a:rPr lang="en-US" u="sng"/>
+              <a:t>jQuery Learning Center</a:t>
+            </a:r>
+            <a:endParaRPr lang="en-US" u="sng" dirty="0"/>
           </a:p>
         </p:txBody>
       </p:sp>
@@ -10346,79 +12196,44 @@
         </p:nvSpPr>
         <p:spPr>
           <a:xfrm>
-            <a:off x="1066800" y="2733472"/>
-            <a:ext cx="10058400" cy="1919267"/>
+            <a:off x="772998" y="2103120"/>
+            <a:ext cx="4967926" cy="3849624"/>
           </a:xfrm>
         </p:spPr>
         <p:txBody>
           <a:bodyPr>
-            <a:noAutofit/>
+            <a:normAutofit/>
           </a:bodyPr>
           <a:lstStyle/>
           <a:p>
-            <a:pPr marL="0" indent="0" fontAlgn="base">
+            <a:pPr marL="0" indent="0">
+              <a:lnSpc>
+                <a:spcPct val="100000"/>
+              </a:lnSpc>
+              <a:spcBef>
+                <a:spcPts val="0"/>
+              </a:spcBef>
               <a:buNone/>
             </a:pPr>
             <a:r>
-              <a:rPr lang="en-US" sz="1800" dirty="0">
+              <a:rPr lang="en-US" sz="1800" b="1">
                 <a:cs typeface="Arial" panose="020B0604020202020204" pitchFamily="34" charset="0"/>
               </a:rPr>
-              <a:t>Disadvantages of jQuery via a CDN:</a:t>
-            </a:r>
-          </a:p>
-          <a:p>
-            <a:pPr marL="640080" indent="-457200" fontAlgn="base"/>
-            <a:r>
-              <a:rPr lang="en-US" sz="1800" dirty="0">
-                <a:cs typeface="Arial" panose="020B0604020202020204" pitchFamily="34" charset="0"/>
-              </a:rPr>
-              <a:t>Hidden costs</a:t>
-            </a:r>
-          </a:p>
-          <a:p>
-            <a:pPr marL="640080" indent="-457200" fontAlgn="base"/>
-            <a:r>
-              <a:rPr lang="en-US" sz="1800" dirty="0">
-                <a:cs typeface="Arial" panose="020B0604020202020204" pitchFamily="34" charset="0"/>
-              </a:rPr>
-              <a:t>Location of services</a:t>
-            </a:r>
-          </a:p>
-          <a:p>
-            <a:pPr marL="640080" indent="-457200" fontAlgn="base"/>
-            <a:r>
-              <a:rPr lang="en-US" sz="1800" dirty="0">
-                <a:cs typeface="Arial" panose="020B0604020202020204" pitchFamily="34" charset="0"/>
-              </a:rPr>
-              <a:t>Restrictions</a:t>
-            </a:r>
-          </a:p>
-          <a:p>
-            <a:pPr marL="640080" indent="-457200" fontAlgn="base"/>
-            <a:r>
-              <a:rPr lang="en-US" sz="1800" dirty="0">
-                <a:cs typeface="Arial" panose="020B0604020202020204" pitchFamily="34" charset="0"/>
-              </a:rPr>
-              <a:t>Support availability</a:t>
-            </a:r>
-          </a:p>
-          <a:p>
-            <a:pPr marL="640080" indent="-457200" fontAlgn="base"/>
-            <a:r>
-              <a:rPr lang="en-US" sz="1800" dirty="0">
-                <a:cs typeface="Arial" panose="020B0604020202020204" pitchFamily="34" charset="0"/>
-              </a:rPr>
-              <a:t>Loss of control</a:t>
-            </a:r>
-          </a:p>
-          <a:p>
-            <a:pPr marL="640080" indent="-457200" fontAlgn="base"/>
-            <a:r>
-              <a:rPr lang="en-US" sz="1800" dirty="0">
-                <a:cs typeface="Arial" panose="020B0604020202020204" pitchFamily="34" charset="0"/>
-              </a:rPr>
-              <a:t>Need Internet access</a:t>
-            </a:r>
+              <a:t>You can find several helpful tutorials in the jQuery Learning Center (</a:t>
+            </a:r>
+            <a:r>
+              <a:rPr lang="en-US" sz="2000" b="1">
+                <a:hlinkClick r:id="rId3"/>
+              </a:rPr>
+              <a:t>https://learn.jquery.com/</a:t>
+            </a:r>
+            <a:r>
+              <a:rPr lang="en-US" sz="2000" b="1"/>
+              <a:t>)</a:t>
+            </a:r>
+            <a:endParaRPr lang="en-US" sz="1800" b="1" dirty="0">
+              <a:cs typeface="Arial" panose="020B0604020202020204" pitchFamily="34" charset="0"/>
+            </a:endParaRPr>
           </a:p>
         </p:txBody>
       </p:sp>
@@ -10445,10 +12260,40 @@
           </a:p>
         </p:txBody>
       </p:sp>
+      <p:pic>
+        <p:nvPicPr>
+          <p:cNvPr id="8" name="Picture 7">
+            <a:extLst>
+              <a:ext uri="{FF2B5EF4-FFF2-40B4-BE49-F238E27FC236}">
+                <a16:creationId xmlns:a16="http://schemas.microsoft.com/office/drawing/2014/main" id="{EB9A9735-C02C-440B-AA12-39094AD2A15E}"/>
+              </a:ext>
+            </a:extLst>
+          </p:cNvPr>
+          <p:cNvPicPr>
+            <a:picLocks noChangeAspect="1"/>
+          </p:cNvPicPr>
+          <p:nvPr/>
+        </p:nvPicPr>
+        <p:blipFill>
+          <a:blip r:embed="rId4"/>
+          <a:stretch>
+            <a:fillRect/>
+          </a:stretch>
+        </p:blipFill>
+        <p:spPr>
+          <a:xfrm>
+            <a:off x="5903949" y="2103121"/>
+            <a:ext cx="5667273" cy="4112286"/>
+          </a:xfrm>
+          <a:prstGeom prst="rect">
+            <a:avLst/>
+          </a:prstGeom>
+        </p:spPr>
+      </p:pic>
     </p:spTree>
     <p:extLst>
       <p:ext uri="{BB962C8B-B14F-4D97-AF65-F5344CB8AC3E}">
-        <p14:creationId xmlns:p14="http://schemas.microsoft.com/office/powerpoint/2010/main" val="409375256"/>
+        <p14:creationId xmlns:p14="http://schemas.microsoft.com/office/powerpoint/2010/main" val="1712923120"/>
       </p:ext>
     </p:extLst>
   </p:cSld>
@@ -10480,7 +12325,7 @@
           <p:cNvPr id="2" name="Title 1">
             <a:extLst>
               <a:ext uri="{FF2B5EF4-FFF2-40B4-BE49-F238E27FC236}">
-                <a16:creationId xmlns:a16="http://schemas.microsoft.com/office/drawing/2014/main" id="{BDFAC13C-59B1-436E-B58F-C304E1C705CF}"/>
+                <a16:creationId xmlns:a16="http://schemas.microsoft.com/office/drawing/2014/main" id="{8D1B2601-D8D6-45E6-A626-1C69366E9A3C}"/>
               </a:ext>
             </a:extLst>
           </p:cNvPr>
@@ -10493,8 +12338,41 @@
         </p:nvSpPr>
         <p:spPr>
           <a:xfrm>
-            <a:off x="664234" y="733579"/>
-            <a:ext cx="7946366" cy="1371600"/>
+            <a:off x="515130" y="642594"/>
+            <a:ext cx="5310636" cy="1371600"/>
+          </a:xfrm>
+        </p:spPr>
+        <p:txBody>
+          <a:bodyPr/>
+          <a:lstStyle/>
+          <a:p>
+            <a:r>
+              <a:rPr lang="en-US" u="sng"/>
+              <a:t>Downloading jQuery</a:t>
+            </a:r>
+          </a:p>
+        </p:txBody>
+      </p:sp>
+      <p:sp>
+        <p:nvSpPr>
+          <p:cNvPr id="3" name="Content Placeholder 2">
+            <a:extLst>
+              <a:ext uri="{FF2B5EF4-FFF2-40B4-BE49-F238E27FC236}">
+                <a16:creationId xmlns:a16="http://schemas.microsoft.com/office/drawing/2014/main" id="{110B887A-64EA-40FC-A9CC-3A4E96D346F3}"/>
+              </a:ext>
+            </a:extLst>
+          </p:cNvPr>
+          <p:cNvSpPr>
+            <a:spLocks noGrp="1"/>
+          </p:cNvSpPr>
+          <p:nvPr>
+            <p:ph idx="1"/>
+          </p:nvPr>
+        </p:nvSpPr>
+        <p:spPr>
+          <a:xfrm>
+            <a:off x="515130" y="2099805"/>
+            <a:ext cx="5310636" cy="3849624"/>
           </a:xfrm>
         </p:spPr>
         <p:txBody>
@@ -10503,82 +12381,131 @@
           </a:bodyPr>
           <a:lstStyle/>
           <a:p>
-            <a:r>
-              <a:rPr lang="en-US" u="sng" dirty="0"/>
-              <a:t>jQuery Website</a:t>
-            </a:r>
-          </a:p>
-        </p:txBody>
-      </p:sp>
-      <p:sp>
-        <p:nvSpPr>
-          <p:cNvPr id="3" name="Content Placeholder 2">
+            <a:pPr marL="0" indent="0">
+              <a:lnSpc>
+                <a:spcPct val="100000"/>
+              </a:lnSpc>
+              <a:spcBef>
+                <a:spcPts val="0"/>
+              </a:spcBef>
+              <a:buNone/>
+            </a:pPr>
+            <a:r>
+              <a:rPr lang="en-US" sz="1800"/>
+              <a:t>You can download jQuery directly from </a:t>
+            </a:r>
+          </a:p>
+          <a:p>
+            <a:pPr marL="0" indent="0">
+              <a:lnSpc>
+                <a:spcPct val="100000"/>
+              </a:lnSpc>
+              <a:spcBef>
+                <a:spcPts val="0"/>
+              </a:spcBef>
+              <a:buNone/>
+            </a:pPr>
+            <a:r>
+              <a:rPr lang="en-US" sz="1800" b="1">
+                <a:hlinkClick r:id="rId2"/>
+              </a:rPr>
+              <a:t>the Download page.</a:t>
+            </a:r>
+            <a:endParaRPr lang="en-US" sz="1800" b="1"/>
+          </a:p>
+          <a:p>
+            <a:pPr marL="0" indent="0">
+              <a:lnSpc>
+                <a:spcPct val="100000"/>
+              </a:lnSpc>
+              <a:spcBef>
+                <a:spcPts val="0"/>
+              </a:spcBef>
+              <a:buNone/>
+            </a:pPr>
+            <a:endParaRPr lang="en-US" sz="1800"/>
+          </a:p>
+          <a:p>
+            <a:pPr marL="0" indent="0">
+              <a:lnSpc>
+                <a:spcPct val="100000"/>
+              </a:lnSpc>
+              <a:spcBef>
+                <a:spcPts val="0"/>
+              </a:spcBef>
+              <a:buNone/>
+            </a:pPr>
+            <a:r>
+              <a:rPr lang="en-US" sz="1800"/>
+              <a:t>Do this in Chrome by </a:t>
+            </a:r>
+            <a:r>
+              <a:rPr lang="en-US" sz="1800" b="1"/>
+              <a:t>right-clicking</a:t>
+            </a:r>
+            <a:r>
+              <a:rPr lang="en-US" sz="1800"/>
+              <a:t> the link and selecting </a:t>
+            </a:r>
+            <a:r>
+              <a:rPr lang="en-US" sz="1800" b="1"/>
+              <a:t>Save link as…</a:t>
+            </a:r>
+          </a:p>
+          <a:p>
+            <a:pPr marL="0" indent="0">
+              <a:lnSpc>
+                <a:spcPct val="100000"/>
+              </a:lnSpc>
+              <a:spcBef>
+                <a:spcPts val="0"/>
+              </a:spcBef>
+              <a:buNone/>
+            </a:pPr>
+            <a:endParaRPr lang="en-US" sz="1800"/>
+          </a:p>
+          <a:p>
+            <a:pPr marL="0" indent="0">
+              <a:lnSpc>
+                <a:spcPct val="100000"/>
+              </a:lnSpc>
+              <a:spcBef>
+                <a:spcPts val="0"/>
+              </a:spcBef>
+              <a:buNone/>
+            </a:pPr>
+            <a:endParaRPr lang="en-US" sz="1800"/>
+          </a:p>
+          <a:p>
+            <a:pPr marL="0" indent="0">
+              <a:lnSpc>
+                <a:spcPct val="100000"/>
+              </a:lnSpc>
+              <a:spcBef>
+                <a:spcPts val="0"/>
+              </a:spcBef>
+              <a:buNone/>
+            </a:pPr>
+            <a:r>
+              <a:rPr lang="en-US" sz="2000" b="1">
+                <a:highlight>
+                  <a:srgbClr val="FCF7F1"/>
+                </a:highlight>
+              </a:rPr>
+              <a:t>Make sure to dowload the compressed production version.</a:t>
+            </a:r>
+          </a:p>
+        </p:txBody>
+      </p:sp>
+      <p:sp>
+        <p:nvSpPr>
+          <p:cNvPr id="4" name="Slide Number Placeholder 3">
             <a:extLst>
               <a:ext uri="{FF2B5EF4-FFF2-40B4-BE49-F238E27FC236}">
-                <a16:creationId xmlns:a16="http://schemas.microsoft.com/office/drawing/2014/main" id="{844A3DC5-46BF-4BFF-8008-98FD467C4904}"/>
+                <a16:creationId xmlns:a16="http://schemas.microsoft.com/office/drawing/2014/main" id="{44E9AB2B-5CD8-4366-99E8-270E2C2A8735}"/>
               </a:ext>
             </a:extLst>
           </p:cNvPr>
-          <p:cNvSpPr>
-            <a:spLocks noGrp="1"/>
-          </p:cNvSpPr>
-          <p:nvPr>
-            <p:ph idx="1"/>
-          </p:nvPr>
-        </p:nvSpPr>
-        <p:spPr>
-          <a:xfrm>
-            <a:off x="1007533" y="2733472"/>
-            <a:ext cx="10058400" cy="3301568"/>
-          </a:xfrm>
-        </p:spPr>
-        <p:txBody>
-          <a:bodyPr>
-            <a:normAutofit/>
-          </a:bodyPr>
-          <a:lstStyle/>
-          <a:p>
-            <a:pPr marL="0" indent="0">
-              <a:buNone/>
-            </a:pPr>
-            <a:r>
-              <a:rPr lang="en-US" sz="1800" dirty="0">
-                <a:latin typeface="Arial" panose="020B0604020202020204" pitchFamily="34" charset="0"/>
-                <a:cs typeface="Arial" pitchFamily="34" charset="0"/>
-              </a:rPr>
-              <a:t>The jQuery website, located at URL: </a:t>
-            </a:r>
-            <a:r>
-              <a:rPr lang="en-US" sz="1200" dirty="0">
-                <a:latin typeface="Arial" panose="020B0604020202020204" pitchFamily="34" charset="0"/>
-                <a:cs typeface="Arial" panose="020B0604020202020204" pitchFamily="34" charset="0"/>
-                <a:hlinkClick r:id="rId2"/>
-              </a:rPr>
-              <a:t>https://jquery.com/</a:t>
-            </a:r>
-            <a:r>
-              <a:rPr lang="en-US" sz="1200" dirty="0">
-                <a:latin typeface="Arial" panose="020B0604020202020204" pitchFamily="34" charset="0"/>
-                <a:cs typeface="Arial" panose="020B0604020202020204" pitchFamily="34" charset="0"/>
-              </a:rPr>
-              <a:t> </a:t>
-            </a:r>
-            <a:r>
-              <a:rPr lang="en-US" sz="1800" dirty="0">
-                <a:latin typeface="Arial" panose="020B0604020202020204" pitchFamily="34" charset="0"/>
-                <a:cs typeface="Arial" panose="020B0604020202020204" pitchFamily="34" charset="0"/>
-              </a:rPr>
-              <a:t>is simple but functional</a:t>
-            </a:r>
-            <a:endParaRPr lang="en-US" sz="1800" dirty="0">
-              <a:cs typeface="Arial" panose="020B0604020202020204" pitchFamily="34" charset="0"/>
-            </a:endParaRPr>
-          </a:p>
-        </p:txBody>
-      </p:sp>
-      <p:sp>
-        <p:nvSpPr>
-          <p:cNvPr id="6" name="Slide Number Placeholder 5"/>
           <p:cNvSpPr>
             <a:spLocks noGrp="1"/>
           </p:cNvSpPr>
@@ -10601,7 +12528,13 @@
       </p:sp>
       <p:pic>
         <p:nvPicPr>
-          <p:cNvPr id="7" name="Picture 6"/>
+          <p:cNvPr id="5" name="Picture 4">
+            <a:extLst>
+              <a:ext uri="{FF2B5EF4-FFF2-40B4-BE49-F238E27FC236}">
+                <a16:creationId xmlns:a16="http://schemas.microsoft.com/office/drawing/2014/main" id="{A61409E3-D6D4-4876-9833-E178D0050A64}"/>
+              </a:ext>
+            </a:extLst>
+          </p:cNvPr>
           <p:cNvPicPr>
             <a:picLocks noChangeAspect="1"/>
           </p:cNvPicPr>
@@ -10615,18 +12548,122 @@
         </p:blipFill>
         <p:spPr>
           <a:xfrm>
-            <a:off x="2509902" y="3386667"/>
-            <a:ext cx="4255029" cy="2476504"/>
+            <a:off x="5975866" y="1465868"/>
+            <a:ext cx="5701005" cy="4749538"/>
           </a:xfrm>
           <a:prstGeom prst="rect">
             <a:avLst/>
           </a:prstGeom>
         </p:spPr>
       </p:pic>
+      <p:sp>
+        <p:nvSpPr>
+          <p:cNvPr id="6" name="Rectangle 5">
+            <a:extLst>
+              <a:ext uri="{FF2B5EF4-FFF2-40B4-BE49-F238E27FC236}">
+                <a16:creationId xmlns:a16="http://schemas.microsoft.com/office/drawing/2014/main" id="{F3071449-11DB-4621-8FE3-E3E945560AB4}"/>
+              </a:ext>
+            </a:extLst>
+          </p:cNvPr>
+          <p:cNvSpPr/>
+          <p:nvPr/>
+        </p:nvSpPr>
+        <p:spPr>
+          <a:xfrm>
+            <a:off x="5825766" y="3834882"/>
+            <a:ext cx="3178275" cy="373224"/>
+          </a:xfrm>
+          <a:prstGeom prst="rect">
+            <a:avLst/>
+          </a:prstGeom>
+          <a:noFill/>
+          <a:ln w="38100">
+            <a:solidFill>
+              <a:srgbClr val="FFC000"/>
+            </a:solidFill>
+          </a:ln>
+        </p:spPr>
+        <p:style>
+          <a:lnRef idx="2">
+            <a:schemeClr val="accent4">
+              <a:shade val="50000"/>
+            </a:schemeClr>
+          </a:lnRef>
+          <a:fillRef idx="1">
+            <a:schemeClr val="accent4"/>
+          </a:fillRef>
+          <a:effectRef idx="0">
+            <a:schemeClr val="accent4"/>
+          </a:effectRef>
+          <a:fontRef idx="minor">
+            <a:schemeClr val="lt1"/>
+          </a:fontRef>
+        </p:style>
+        <p:txBody>
+          <a:bodyPr rtlCol="0" anchor="ctr"/>
+          <a:lstStyle/>
+          <a:p>
+            <a:pPr algn="ctr"/>
+            <a:endParaRPr lang="en-US"/>
+          </a:p>
+        </p:txBody>
+      </p:sp>
+      <p:sp>
+        <p:nvSpPr>
+          <p:cNvPr id="8" name="Rectangle 7">
+            <a:extLst>
+              <a:ext uri="{FF2B5EF4-FFF2-40B4-BE49-F238E27FC236}">
+                <a16:creationId xmlns:a16="http://schemas.microsoft.com/office/drawing/2014/main" id="{C51AE57D-CDAC-42B5-AE16-74B5F406DB78}"/>
+              </a:ext>
+            </a:extLst>
+          </p:cNvPr>
+          <p:cNvSpPr/>
+          <p:nvPr/>
+        </p:nvSpPr>
+        <p:spPr>
+          <a:xfrm>
+            <a:off x="8040232" y="4645700"/>
+            <a:ext cx="2605998" cy="373224"/>
+          </a:xfrm>
+          <a:prstGeom prst="rect">
+            <a:avLst/>
+          </a:prstGeom>
+          <a:noFill/>
+          <a:ln w="38100">
+            <a:solidFill>
+              <a:srgbClr val="FFC000"/>
+            </a:solidFill>
+          </a:ln>
+        </p:spPr>
+        <p:style>
+          <a:lnRef idx="2">
+            <a:schemeClr val="accent4">
+              <a:shade val="50000"/>
+            </a:schemeClr>
+          </a:lnRef>
+          <a:fillRef idx="1">
+            <a:schemeClr val="accent4"/>
+          </a:fillRef>
+          <a:effectRef idx="0">
+            <a:schemeClr val="accent4"/>
+          </a:effectRef>
+          <a:fontRef idx="minor">
+            <a:schemeClr val="lt1"/>
+          </a:fontRef>
+        </p:style>
+        <p:txBody>
+          <a:bodyPr rtlCol="0" anchor="ctr"/>
+          <a:lstStyle/>
+          <a:p>
+            <a:pPr algn="ctr"/>
+            <a:endParaRPr lang="en-US"/>
+          </a:p>
+        </p:txBody>
+      </p:sp>
     </p:spTree>
     <p:extLst>
       <p:ext uri="{BB962C8B-B14F-4D97-AF65-F5344CB8AC3E}">
-        <p14:creationId xmlns:p14="http://schemas.microsoft.com/office/powerpoint/2010/main" val="3833397566"/>
+        <p14:creationId xmlns:p14="http://schemas.microsoft.com/office/powerpoint/2010/main" val="2504237629"/>
       </p:ext>
     </p:extLst>
   </p:cSld>
@@ -10653,12 +12690,42 @@
           <a:chExt cx="0" cy="0"/>
         </a:xfrm>
       </p:grpSpPr>
+      <p:pic>
+        <p:nvPicPr>
+          <p:cNvPr id="10" name="Picture 9">
+            <a:extLst>
+              <a:ext uri="{FF2B5EF4-FFF2-40B4-BE49-F238E27FC236}">
+                <a16:creationId xmlns:a16="http://schemas.microsoft.com/office/drawing/2014/main" id="{4D5A467B-B138-44DD-A7F8-D440BC88F675}"/>
+              </a:ext>
+            </a:extLst>
+          </p:cNvPr>
+          <p:cNvPicPr>
+            <a:picLocks noChangeAspect="1"/>
+          </p:cNvPicPr>
+          <p:nvPr/>
+        </p:nvPicPr>
+        <p:blipFill>
+          <a:blip r:embed="rId2"/>
+          <a:stretch>
+            <a:fillRect/>
+          </a:stretch>
+        </p:blipFill>
+        <p:spPr>
+          <a:xfrm>
+            <a:off x="5357329" y="554839"/>
+            <a:ext cx="6319539" cy="3267796"/>
+          </a:xfrm>
+          <a:prstGeom prst="rect">
+            <a:avLst/>
+          </a:prstGeom>
+        </p:spPr>
+      </p:pic>
       <p:sp>
         <p:nvSpPr>
           <p:cNvPr id="2" name="Title 1">
             <a:extLst>
               <a:ext uri="{FF2B5EF4-FFF2-40B4-BE49-F238E27FC236}">
-                <a16:creationId xmlns:a16="http://schemas.microsoft.com/office/drawing/2014/main" id="{BDFAC13C-59B1-436E-B58F-C304E1C705CF}"/>
+                <a16:creationId xmlns:a16="http://schemas.microsoft.com/office/drawing/2014/main" id="{8D1B2601-D8D6-45E6-A626-1C69366E9A3C}"/>
               </a:ext>
             </a:extLst>
           </p:cNvPr>
@@ -10671,8 +12738,41 @@
         </p:nvSpPr>
         <p:spPr>
           <a:xfrm>
-            <a:off x="664234" y="733579"/>
-            <a:ext cx="7946366" cy="1371600"/>
+            <a:off x="515130" y="642594"/>
+            <a:ext cx="4710013" cy="1371600"/>
+          </a:xfrm>
+        </p:spPr>
+        <p:txBody>
+          <a:bodyPr/>
+          <a:lstStyle/>
+          <a:p>
+            <a:r>
+              <a:rPr lang="en-US" u="sng"/>
+              <a:t>jQuery via CDN</a:t>
+            </a:r>
+          </a:p>
+        </p:txBody>
+      </p:sp>
+      <p:sp>
+        <p:nvSpPr>
+          <p:cNvPr id="3" name="Content Placeholder 2">
+            <a:extLst>
+              <a:ext uri="{FF2B5EF4-FFF2-40B4-BE49-F238E27FC236}">
+                <a16:creationId xmlns:a16="http://schemas.microsoft.com/office/drawing/2014/main" id="{110B887A-64EA-40FC-A9CC-3A4E96D346F3}"/>
+              </a:ext>
+            </a:extLst>
+          </p:cNvPr>
+          <p:cNvSpPr>
+            <a:spLocks noGrp="1"/>
+          </p:cNvSpPr>
+          <p:nvPr>
+            <p:ph idx="1"/>
+          </p:nvPr>
+        </p:nvSpPr>
+        <p:spPr>
+          <a:xfrm>
+            <a:off x="515130" y="2099805"/>
+            <a:ext cx="4710013" cy="3849624"/>
           </a:xfrm>
         </p:spPr>
         <p:txBody>
@@ -10681,69 +12781,277 @@
           </a:bodyPr>
           <a:lstStyle/>
           <a:p>
-            <a:r>
-              <a:rPr lang="en-US" u="sng" dirty="0"/>
-              <a:t>jQuery Selectors</a:t>
-            </a:r>
-          </a:p>
-        </p:txBody>
-      </p:sp>
-      <p:sp>
-        <p:nvSpPr>
-          <p:cNvPr id="3" name="Content Placeholder 2">
+            <a:pPr marL="0" indent="0">
+              <a:lnSpc>
+                <a:spcPct val="100000"/>
+              </a:lnSpc>
+              <a:spcBef>
+                <a:spcPts val="0"/>
+              </a:spcBef>
+              <a:buNone/>
+            </a:pPr>
+            <a:r>
+              <a:rPr lang="en-US" sz="1800"/>
+              <a:t>Or you can use jQuery via a CDN.</a:t>
+            </a:r>
+          </a:p>
+          <a:p>
+            <a:pPr marL="0" indent="0">
+              <a:lnSpc>
+                <a:spcPct val="100000"/>
+              </a:lnSpc>
+              <a:spcBef>
+                <a:spcPts val="0"/>
+              </a:spcBef>
+              <a:buNone/>
+            </a:pPr>
+            <a:endParaRPr lang="en-US" sz="1800"/>
+          </a:p>
+          <a:p>
+            <a:pPr marL="0" indent="0">
+              <a:lnSpc>
+                <a:spcPct val="100000"/>
+              </a:lnSpc>
+              <a:spcBef>
+                <a:spcPts val="0"/>
+              </a:spcBef>
+              <a:buNone/>
+            </a:pPr>
+            <a:r>
+              <a:rPr lang="en-US" sz="1800"/>
+              <a:t>Get the script tag here</a:t>
+            </a:r>
+          </a:p>
+          <a:p>
+            <a:pPr marL="0" indent="0">
+              <a:lnSpc>
+                <a:spcPct val="100000"/>
+              </a:lnSpc>
+              <a:spcBef>
+                <a:spcPts val="0"/>
+              </a:spcBef>
+              <a:buNone/>
+            </a:pPr>
+            <a:r>
+              <a:rPr lang="en-US" sz="2000" b="1">
+                <a:hlinkClick r:id="rId3"/>
+              </a:rPr>
+              <a:t>https://code.jquery.com/</a:t>
+            </a:r>
+            <a:endParaRPr lang="en-US" sz="1800" b="1"/>
+          </a:p>
+          <a:p>
+            <a:pPr marL="0" indent="0">
+              <a:lnSpc>
+                <a:spcPct val="100000"/>
+              </a:lnSpc>
+              <a:spcBef>
+                <a:spcPts val="0"/>
+              </a:spcBef>
+              <a:buNone/>
+            </a:pPr>
+            <a:endParaRPr lang="en-US" sz="1800"/>
+          </a:p>
+          <a:p>
+            <a:pPr marL="0" indent="0">
+              <a:lnSpc>
+                <a:spcPct val="100000"/>
+              </a:lnSpc>
+              <a:spcBef>
+                <a:spcPts val="0"/>
+              </a:spcBef>
+              <a:buNone/>
+            </a:pPr>
+            <a:endParaRPr lang="en-US" sz="1800"/>
+          </a:p>
+          <a:p>
+            <a:pPr marL="0" indent="0">
+              <a:lnSpc>
+                <a:spcPct val="100000"/>
+              </a:lnSpc>
+              <a:spcBef>
+                <a:spcPts val="0"/>
+              </a:spcBef>
+              <a:buNone/>
+            </a:pPr>
+            <a:r>
+              <a:rPr lang="en-US" sz="1800" b="1">
+                <a:highlight>
+                  <a:srgbClr val="FCF7F1"/>
+                </a:highlight>
+              </a:rPr>
+              <a:t>Make sure to get the </a:t>
+            </a:r>
+            <a:r>
+              <a:rPr lang="en-US" sz="1800" b="1">
+                <a:solidFill>
+                  <a:srgbClr val="00B0F0"/>
+                </a:solidFill>
+                <a:highlight>
+                  <a:srgbClr val="FCF7F1"/>
+                </a:highlight>
+              </a:rPr>
+              <a:t>minified</a:t>
+            </a:r>
+            <a:r>
+              <a:rPr lang="en-US" sz="1800" b="1">
+                <a:highlight>
+                  <a:srgbClr val="FCF7F1"/>
+                </a:highlight>
+              </a:rPr>
+              <a:t> version.</a:t>
+            </a:r>
+          </a:p>
+          <a:p>
+            <a:pPr marL="0" indent="0">
+              <a:lnSpc>
+                <a:spcPct val="100000"/>
+              </a:lnSpc>
+              <a:spcBef>
+                <a:spcPts val="0"/>
+              </a:spcBef>
+              <a:buNone/>
+            </a:pPr>
+            <a:endParaRPr lang="en-US" sz="1800" b="1">
+              <a:highlight>
+                <a:srgbClr val="FCF7F1"/>
+              </a:highlight>
+            </a:endParaRPr>
+          </a:p>
+          <a:p>
+            <a:pPr marL="0" indent="0">
+              <a:lnSpc>
+                <a:spcPct val="100000"/>
+              </a:lnSpc>
+              <a:spcBef>
+                <a:spcPts val="0"/>
+              </a:spcBef>
+              <a:buNone/>
+            </a:pPr>
+            <a:r>
+              <a:rPr lang="en-US" sz="1800" b="1">
+                <a:highlight>
+                  <a:srgbClr val="FCF7F1"/>
+                </a:highlight>
+              </a:rPr>
+              <a:t>Also make sure that the protocol is </a:t>
+            </a:r>
+            <a:r>
+              <a:rPr lang="en-US" sz="1800" b="1">
+                <a:solidFill>
+                  <a:srgbClr val="00B0F0"/>
+                </a:solidFill>
+                <a:highlight>
+                  <a:srgbClr val="FCF7F1"/>
+                </a:highlight>
+              </a:rPr>
+              <a:t>https</a:t>
+            </a:r>
+            <a:r>
+              <a:rPr lang="en-US" sz="1800" b="1">
+                <a:highlight>
+                  <a:srgbClr val="FCF7F1"/>
+                </a:highlight>
+              </a:rPr>
+              <a:t>.</a:t>
+            </a:r>
+          </a:p>
+          <a:p>
+            <a:pPr marL="0" indent="0">
+              <a:lnSpc>
+                <a:spcPct val="100000"/>
+              </a:lnSpc>
+              <a:spcBef>
+                <a:spcPts val="0"/>
+              </a:spcBef>
+              <a:buNone/>
+            </a:pPr>
+            <a:endParaRPr lang="en-US" sz="1800" b="1">
+              <a:highlight>
+                <a:srgbClr val="FCF7F1"/>
+              </a:highlight>
+            </a:endParaRPr>
+          </a:p>
+          <a:p>
+            <a:pPr marL="0" indent="0">
+              <a:lnSpc>
+                <a:spcPct val="100000"/>
+              </a:lnSpc>
+              <a:spcBef>
+                <a:spcPts val="0"/>
+              </a:spcBef>
+              <a:buNone/>
+            </a:pPr>
+            <a:r>
+              <a:rPr lang="en-US" sz="1800" b="1">
+                <a:highlight>
+                  <a:srgbClr val="FCF7F1"/>
+                </a:highlight>
+              </a:rPr>
+              <a:t>For security, be sure to include the </a:t>
+            </a:r>
+            <a:r>
+              <a:rPr lang="en-US" sz="1800" b="1">
+                <a:solidFill>
+                  <a:srgbClr val="00B0F0"/>
+                </a:solidFill>
+                <a:highlight>
+                  <a:srgbClr val="FCF7F1"/>
+                </a:highlight>
+              </a:rPr>
+              <a:t>integrity</a:t>
+            </a:r>
+            <a:r>
+              <a:rPr lang="en-US" sz="1800" b="1">
+                <a:highlight>
+                  <a:srgbClr val="FCF7F1"/>
+                </a:highlight>
+              </a:rPr>
+              <a:t> and </a:t>
+            </a:r>
+            <a:r>
+              <a:rPr lang="en-US" sz="1800" b="1">
+                <a:solidFill>
+                  <a:srgbClr val="00B0F0"/>
+                </a:solidFill>
+                <a:highlight>
+                  <a:srgbClr val="FCF7F1"/>
+                </a:highlight>
+              </a:rPr>
+              <a:t>crossorigin</a:t>
+            </a:r>
+            <a:r>
+              <a:rPr lang="en-US" sz="1800" b="1">
+                <a:highlight>
+                  <a:srgbClr val="FCF7F1"/>
+                </a:highlight>
+              </a:rPr>
+              <a:t> properties as shown.</a:t>
+            </a:r>
+          </a:p>
+          <a:p>
+            <a:pPr marL="0" indent="0">
+              <a:lnSpc>
+                <a:spcPct val="100000"/>
+              </a:lnSpc>
+              <a:spcBef>
+                <a:spcPts val="0"/>
+              </a:spcBef>
+              <a:buNone/>
+            </a:pPr>
+            <a:endParaRPr lang="en-US" sz="1800"/>
+          </a:p>
+        </p:txBody>
+      </p:sp>
+      <p:sp>
+        <p:nvSpPr>
+          <p:cNvPr id="4" name="Slide Number Placeholder 3">
             <a:extLst>
               <a:ext uri="{FF2B5EF4-FFF2-40B4-BE49-F238E27FC236}">
-                <a16:creationId xmlns:a16="http://schemas.microsoft.com/office/drawing/2014/main" id="{844A3DC5-46BF-4BFF-8008-98FD467C4904}"/>
+                <a16:creationId xmlns:a16="http://schemas.microsoft.com/office/drawing/2014/main" id="{44E9AB2B-5CD8-4366-99E8-270E2C2A8735}"/>
               </a:ext>
             </a:extLst>
           </p:cNvPr>
-          <p:cNvSpPr>
-            <a:spLocks noGrp="1"/>
-          </p:cNvSpPr>
-          <p:nvPr>
-            <p:ph idx="1"/>
-          </p:nvPr>
-        </p:nvSpPr>
-        <p:spPr>
-          <a:xfrm>
-            <a:off x="1007533" y="2733472"/>
-            <a:ext cx="10058400" cy="3301568"/>
-          </a:xfrm>
-        </p:spPr>
-        <p:txBody>
-          <a:bodyPr>
-            <a:normAutofit/>
-          </a:bodyPr>
-          <a:lstStyle/>
-          <a:p>
-            <a:pPr marL="0" indent="0">
-              <a:buNone/>
-            </a:pPr>
-            <a:r>
-              <a:rPr lang="en-US" sz="1800" dirty="0">
-                <a:cs typeface="Arial" panose="020B0604020202020204" pitchFamily="34" charset="0"/>
-              </a:rPr>
-              <a:t>See URL: </a:t>
-            </a:r>
-            <a:r>
-              <a:rPr lang="en-US" sz="1800" dirty="0">
-                <a:cs typeface="Arial" panose="020B0604020202020204" pitchFamily="34" charset="0"/>
-                <a:hlinkClick r:id="rId2"/>
-              </a:rPr>
-              <a:t>https://api.jquery.com/category/selectors/</a:t>
-            </a:r>
-            <a:r>
-              <a:rPr lang="en-US" sz="1800" dirty="0">
-                <a:cs typeface="Arial" panose="020B0604020202020204" pitchFamily="34" charset="0"/>
-              </a:rPr>
-              <a:t> for the (currently) 60+ different jQuery selectors.  Some of the major selectors are discussed next</a:t>
-            </a:r>
-          </a:p>
-        </p:txBody>
-      </p:sp>
-      <p:sp>
-        <p:nvSpPr>
-          <p:cNvPr id="6" name="Slide Number Placeholder 5"/>
           <p:cNvSpPr>
             <a:spLocks noGrp="1"/>
           </p:cNvSpPr>
@@ -10764,10 +13072,92 @@
           </a:p>
         </p:txBody>
       </p:sp>
+      <p:pic>
+        <p:nvPicPr>
+          <p:cNvPr id="9" name="Picture 8">
+            <a:extLst>
+              <a:ext uri="{FF2B5EF4-FFF2-40B4-BE49-F238E27FC236}">
+                <a16:creationId xmlns:a16="http://schemas.microsoft.com/office/drawing/2014/main" id="{0194CC51-6F9F-4A29-AE88-007E0B12BC0C}"/>
+              </a:ext>
+            </a:extLst>
+          </p:cNvPr>
+          <p:cNvPicPr>
+            <a:picLocks noChangeAspect="1"/>
+          </p:cNvPicPr>
+          <p:nvPr/>
+        </p:nvPicPr>
+        <p:blipFill>
+          <a:blip r:embed="rId4"/>
+          <a:stretch>
+            <a:fillRect/>
+          </a:stretch>
+        </p:blipFill>
+        <p:spPr>
+          <a:xfrm>
+            <a:off x="5357329" y="3988028"/>
+            <a:ext cx="6319538" cy="1881618"/>
+          </a:xfrm>
+          <a:prstGeom prst="rect">
+            <a:avLst/>
+          </a:prstGeom>
+        </p:spPr>
+      </p:pic>
+      <p:sp>
+        <p:nvSpPr>
+          <p:cNvPr id="8" name="Rectangle 7">
+            <a:extLst>
+              <a:ext uri="{FF2B5EF4-FFF2-40B4-BE49-F238E27FC236}">
+                <a16:creationId xmlns:a16="http://schemas.microsoft.com/office/drawing/2014/main" id="{C51AE57D-CDAC-42B5-AE16-74B5F406DB78}"/>
+              </a:ext>
+            </a:extLst>
+          </p:cNvPr>
+          <p:cNvSpPr/>
+          <p:nvPr/>
+        </p:nvSpPr>
+        <p:spPr>
+          <a:xfrm>
+            <a:off x="7847045" y="2693674"/>
+            <a:ext cx="774441" cy="373224"/>
+          </a:xfrm>
+          <a:prstGeom prst="rect">
+            <a:avLst/>
+          </a:prstGeom>
+          <a:noFill/>
+          <a:ln w="38100">
+            <a:solidFill>
+              <a:srgbClr val="FFC000"/>
+            </a:solidFill>
+          </a:ln>
+        </p:spPr>
+        <p:style>
+          <a:lnRef idx="2">
+            <a:schemeClr val="accent4">
+              <a:shade val="50000"/>
+            </a:schemeClr>
+          </a:lnRef>
+          <a:fillRef idx="1">
+            <a:schemeClr val="accent4"/>
+          </a:fillRef>
+          <a:effectRef idx="0">
+            <a:schemeClr val="accent4"/>
+          </a:effectRef>
+          <a:fontRef idx="minor">
+            <a:schemeClr val="lt1"/>
+          </a:fontRef>
+        </p:style>
+        <p:txBody>
+          <a:bodyPr rtlCol="0" anchor="ctr"/>
+          <a:lstStyle/>
+          <a:p>
+            <a:pPr algn="ctr"/>
+            <a:endParaRPr lang="en-US"/>
+          </a:p>
+        </p:txBody>
+      </p:sp>
     </p:spTree>
     <p:extLst>
       <p:ext uri="{BB962C8B-B14F-4D97-AF65-F5344CB8AC3E}">
-        <p14:creationId xmlns:p14="http://schemas.microsoft.com/office/powerpoint/2010/main" val="2777834671"/>
+        <p14:creationId xmlns:p14="http://schemas.microsoft.com/office/powerpoint/2010/main" val="2903154806"/>
       </p:ext>
     </p:extLst>
   </p:cSld>
@@ -10799,7 +13189,7 @@
           <p:cNvPr id="2" name="Title 1">
             <a:extLst>
               <a:ext uri="{FF2B5EF4-FFF2-40B4-BE49-F238E27FC236}">
-                <a16:creationId xmlns:a16="http://schemas.microsoft.com/office/drawing/2014/main" id="{BDFAC13C-59B1-436E-B58F-C304E1C705CF}"/>
+                <a16:creationId xmlns:a16="http://schemas.microsoft.com/office/drawing/2014/main" id="{8D1B2601-D8D6-45E6-A626-1C69366E9A3C}"/>
               </a:ext>
             </a:extLst>
           </p:cNvPr>
@@ -10812,8 +13202,41 @@
         </p:nvSpPr>
         <p:spPr>
           <a:xfrm>
-            <a:off x="664234" y="733579"/>
-            <a:ext cx="7946366" cy="1371600"/>
+            <a:off x="515130" y="642594"/>
+            <a:ext cx="4710013" cy="1371600"/>
+          </a:xfrm>
+        </p:spPr>
+        <p:txBody>
+          <a:bodyPr/>
+          <a:lstStyle/>
+          <a:p>
+            <a:r>
+              <a:rPr lang="en-US" u="sng"/>
+              <a:t>jQuery via npm</a:t>
+            </a:r>
+          </a:p>
+        </p:txBody>
+      </p:sp>
+      <p:sp>
+        <p:nvSpPr>
+          <p:cNvPr id="3" name="Content Placeholder 2">
+            <a:extLst>
+              <a:ext uri="{FF2B5EF4-FFF2-40B4-BE49-F238E27FC236}">
+                <a16:creationId xmlns:a16="http://schemas.microsoft.com/office/drawing/2014/main" id="{110B887A-64EA-40FC-A9CC-3A4E96D346F3}"/>
+              </a:ext>
+            </a:extLst>
+          </p:cNvPr>
+          <p:cNvSpPr>
+            <a:spLocks noGrp="1"/>
+          </p:cNvSpPr>
+          <p:nvPr>
+            <p:ph idx="1"/>
+          </p:nvPr>
+        </p:nvSpPr>
+        <p:spPr>
+          <a:xfrm>
+            <a:off x="515130" y="2099805"/>
+            <a:ext cx="4710013" cy="3849624"/>
           </a:xfrm>
         </p:spPr>
         <p:txBody>
@@ -10822,79 +13245,69 @@
           </a:bodyPr>
           <a:lstStyle/>
           <a:p>
-            <a:r>
-              <a:rPr lang="en-US" u="sng" dirty="0"/>
-              <a:t>Child Selector</a:t>
-            </a:r>
-          </a:p>
-        </p:txBody>
-      </p:sp>
-      <p:sp>
-        <p:nvSpPr>
-          <p:cNvPr id="3" name="Content Placeholder 2">
+            <a:pPr marL="0" indent="0">
+              <a:lnSpc>
+                <a:spcPct val="100000"/>
+              </a:lnSpc>
+              <a:spcBef>
+                <a:spcPts val="0"/>
+              </a:spcBef>
+              <a:buNone/>
+            </a:pPr>
+            <a:r>
+              <a:rPr lang="en-US" sz="1600" b="1"/>
+              <a:t>You can also download jQuery as an npm package, which we will discuss later in the course.</a:t>
+            </a:r>
+          </a:p>
+          <a:p>
+            <a:pPr marL="0" indent="0">
+              <a:lnSpc>
+                <a:spcPct val="100000"/>
+              </a:lnSpc>
+              <a:spcBef>
+                <a:spcPts val="0"/>
+              </a:spcBef>
+              <a:buNone/>
+            </a:pPr>
+            <a:endParaRPr lang="en-US" sz="1600" b="1">
+              <a:highlight>
+                <a:srgbClr val="FCF7F1"/>
+              </a:highlight>
+            </a:endParaRPr>
+          </a:p>
+          <a:p>
+            <a:pPr marL="0" indent="0">
+              <a:lnSpc>
+                <a:spcPct val="100000"/>
+              </a:lnSpc>
+              <a:spcBef>
+                <a:spcPts val="0"/>
+              </a:spcBef>
+              <a:buNone/>
+            </a:pPr>
+            <a:r>
+              <a:rPr lang="en-US" sz="1600" b="1">
+                <a:hlinkClick r:id="rId2"/>
+              </a:rPr>
+              <a:t>https://www.npmjs.com/package/jquery</a:t>
+            </a:r>
+            <a:endParaRPr lang="en-US" sz="1600" b="1">
+              <a:highlight>
+                <a:srgbClr val="FCF7F1"/>
+              </a:highlight>
+            </a:endParaRPr>
+          </a:p>
+        </p:txBody>
+      </p:sp>
+      <p:sp>
+        <p:nvSpPr>
+          <p:cNvPr id="4" name="Slide Number Placeholder 3">
             <a:extLst>
               <a:ext uri="{FF2B5EF4-FFF2-40B4-BE49-F238E27FC236}">
-                <a16:creationId xmlns:a16="http://schemas.microsoft.com/office/drawing/2014/main" id="{844A3DC5-46BF-4BFF-8008-98FD467C4904}"/>
+                <a16:creationId xmlns:a16="http://schemas.microsoft.com/office/drawing/2014/main" id="{44E9AB2B-5CD8-4366-99E8-270E2C2A8735}"/>
               </a:ext>
             </a:extLst>
           </p:cNvPr>
-          <p:cNvSpPr>
-            <a:spLocks noGrp="1"/>
-          </p:cNvSpPr>
-          <p:nvPr>
-            <p:ph idx="1"/>
-          </p:nvPr>
-        </p:nvSpPr>
-        <p:spPr>
-          <a:xfrm>
-            <a:off x="1007533" y="2733472"/>
-            <a:ext cx="10058400" cy="3301568"/>
-          </a:xfrm>
-        </p:spPr>
-        <p:txBody>
-          <a:bodyPr>
-            <a:normAutofit/>
-          </a:bodyPr>
-          <a:lstStyle/>
-          <a:p>
-            <a:pPr marL="0" indent="0">
-              <a:buNone/>
-            </a:pPr>
-            <a:r>
-              <a:rPr lang="en-US" sz="1800" dirty="0">
-                <a:latin typeface="Consolas" panose="020B0609020204030204" pitchFamily="49" charset="0"/>
-                <a:cs typeface="Arial" panose="020B0604020202020204" pitchFamily="34" charset="0"/>
-              </a:rPr>
-              <a:t>jquery("parent &gt; child")</a:t>
-            </a:r>
-          </a:p>
-          <a:p>
-            <a:pPr indent="0">
-              <a:buNone/>
-            </a:pPr>
-            <a:r>
-              <a:rPr lang="en-US" sz="1800" dirty="0">
-                <a:cs typeface="Arial" panose="020B0604020202020204" pitchFamily="34" charset="0"/>
-              </a:rPr>
-              <a:t>Description:</a:t>
-            </a:r>
-          </a:p>
-          <a:p>
-            <a:pPr indent="0">
-              <a:buNone/>
-            </a:pPr>
-            <a:r>
-              <a:rPr lang="en-US" sz="1800" dirty="0">
-                <a:cs typeface="Arial" panose="020B0604020202020204" pitchFamily="34" charset="0"/>
-              </a:rPr>
-              <a:t>Selects all direct child elements specified by "child" of elements specified by "parent".  The child combinator (E &gt; F) can be thought of as a more specific form of the descendant combinator (E F) in that it selects only first-level descendants</a:t>
-            </a:r>
-          </a:p>
-        </p:txBody>
-      </p:sp>
-      <p:sp>
-        <p:nvSpPr>
-          <p:cNvPr id="6" name="Slide Number Placeholder 5"/>
           <p:cNvSpPr>
             <a:spLocks noGrp="1"/>
           </p:cNvSpPr>
@@ -10915,48 +13328,40 @@
           </a:p>
         </p:txBody>
       </p:sp>
-      <p:sp>
-        <p:nvSpPr>
-          <p:cNvPr id="4" name="Rectangle 3"/>
-          <p:cNvSpPr/>
+      <p:pic>
+        <p:nvPicPr>
+          <p:cNvPr id="5" name="Picture 4">
+            <a:extLst>
+              <a:ext uri="{FF2B5EF4-FFF2-40B4-BE49-F238E27FC236}">
+                <a16:creationId xmlns:a16="http://schemas.microsoft.com/office/drawing/2014/main" id="{46C99F3F-A0A8-40DD-89B2-4CCBCBF9D3D1}"/>
+              </a:ext>
+            </a:extLst>
+          </p:cNvPr>
+          <p:cNvPicPr>
+            <a:picLocks noChangeAspect="1"/>
+          </p:cNvPicPr>
           <p:nvPr/>
-        </p:nvSpPr>
+        </p:nvPicPr>
+        <p:blipFill>
+          <a:blip r:embed="rId3"/>
+          <a:stretch>
+            <a:fillRect/>
+          </a:stretch>
+        </p:blipFill>
         <p:spPr>
           <a:xfrm>
-            <a:off x="1244600" y="5388709"/>
-            <a:ext cx="6096000" cy="646331"/>
+            <a:off x="4943447" y="642594"/>
+            <a:ext cx="6640115" cy="4685186"/>
           </a:xfrm>
           <a:prstGeom prst="rect">
             <a:avLst/>
           </a:prstGeom>
         </p:spPr>
-        <p:txBody>
-          <a:bodyPr>
-            <a:spAutoFit/>
-          </a:bodyPr>
-          <a:lstStyle/>
-          <a:p>
-            <a:r>
-              <a:rPr lang="en-US" b="1" dirty="0"/>
-              <a:t>Source</a:t>
-            </a:r>
-          </a:p>
-          <a:p>
-            <a:r>
-              <a:rPr lang="en-US" dirty="0">
-                <a:solidFill>
-                  <a:srgbClr val="00B0F0"/>
-                </a:solidFill>
-              </a:rPr>
-              <a:t>https://api.jquery.com/child-selector/</a:t>
-            </a:r>
-          </a:p>
-        </p:txBody>
-      </p:sp>
+      </p:pic>
     </p:spTree>
     <p:extLst>
       <p:ext uri="{BB962C8B-B14F-4D97-AF65-F5344CB8AC3E}">
-        <p14:creationId xmlns:p14="http://schemas.microsoft.com/office/powerpoint/2010/main" val="3607779341"/>
+        <p14:creationId xmlns:p14="http://schemas.microsoft.com/office/powerpoint/2010/main" val="4113929537"/>
       </p:ext>
     </p:extLst>
   </p:cSld>
@@ -10988,7 +13393,7 @@
           <p:cNvPr id="2" name="Title 1">
             <a:extLst>
               <a:ext uri="{FF2B5EF4-FFF2-40B4-BE49-F238E27FC236}">
-                <a16:creationId xmlns:a16="http://schemas.microsoft.com/office/drawing/2014/main" id="{BDFAC13C-59B1-436E-B58F-C304E1C705CF}"/>
+                <a16:creationId xmlns:a16="http://schemas.microsoft.com/office/drawing/2014/main" id="{68CE21CE-B6C0-4308-9A9F-63710C7F8EE6}"/>
               </a:ext>
             </a:extLst>
           </p:cNvPr>
@@ -10999,31 +13404,24 @@
             <p:ph type="title"/>
           </p:nvPr>
         </p:nvSpPr>
-        <p:spPr>
-          <a:xfrm>
-            <a:off x="664234" y="733579"/>
-            <a:ext cx="7946366" cy="1371600"/>
-          </a:xfrm>
-        </p:spPr>
-        <p:txBody>
-          <a:bodyPr>
-            <a:normAutofit/>
-          </a:bodyPr>
-          <a:lstStyle/>
-          <a:p>
-            <a:r>
-              <a:rPr lang="en-US" u="sng" dirty="0"/>
-              <a:t>Class Selector</a:t>
-            </a:r>
-          </a:p>
-        </p:txBody>
-      </p:sp>
-      <p:sp>
-        <p:nvSpPr>
-          <p:cNvPr id="3" name="Content Placeholder 2">
+        <p:spPr/>
+        <p:txBody>
+          <a:bodyPr/>
+          <a:lstStyle/>
+          <a:p>
+            <a:r>
+              <a:rPr lang="en-US" cap="none"/>
+              <a:t>CDNs</a:t>
+            </a:r>
+          </a:p>
+        </p:txBody>
+      </p:sp>
+      <p:sp>
+        <p:nvSpPr>
+          <p:cNvPr id="3" name="Text Placeholder 2">
             <a:extLst>
               <a:ext uri="{FF2B5EF4-FFF2-40B4-BE49-F238E27FC236}">
-                <a16:creationId xmlns:a16="http://schemas.microsoft.com/office/drawing/2014/main" id="{844A3DC5-46BF-4BFF-8008-98FD467C4904}"/>
+                <a16:creationId xmlns:a16="http://schemas.microsoft.com/office/drawing/2014/main" id="{82765A8E-4432-4A05-AED5-560591789745}"/>
               </a:ext>
             </a:extLst>
           </p:cNvPr>
@@ -11031,67 +13429,30 @@
             <a:spLocks noGrp="1"/>
           </p:cNvSpPr>
           <p:nvPr>
-            <p:ph idx="1"/>
-          </p:nvPr>
-        </p:nvSpPr>
-        <p:spPr>
-          <a:xfrm>
-            <a:off x="1007533" y="2733472"/>
-            <a:ext cx="10058400" cy="3301568"/>
-          </a:xfrm>
-        </p:spPr>
-        <p:txBody>
-          <a:bodyPr>
-            <a:normAutofit/>
-          </a:bodyPr>
-          <a:lstStyle/>
-          <a:p>
-            <a:pPr marL="0" indent="0">
-              <a:buNone/>
-            </a:pPr>
-            <a:r>
-              <a:rPr lang="en-US" sz="1800" dirty="0">
-                <a:latin typeface="Consolas" panose="020B0609020204030204" pitchFamily="49" charset="0"/>
-                <a:cs typeface="Arial" panose="020B0604020202020204" pitchFamily="34" charset="0"/>
-              </a:rPr>
-              <a:t>jquery(".class")</a:t>
-            </a:r>
-          </a:p>
-          <a:p>
-            <a:pPr indent="0">
-              <a:buNone/>
-            </a:pPr>
-            <a:r>
-              <a:rPr lang="en-US" sz="1800" dirty="0">
-                <a:cs typeface="Arial" panose="020B0604020202020204" pitchFamily="34" charset="0"/>
-              </a:rPr>
-              <a:t>Description:</a:t>
-            </a:r>
-          </a:p>
-          <a:p>
-            <a:pPr indent="0">
-              <a:buNone/>
-            </a:pPr>
-            <a:r>
-              <a:rPr lang="en-US" sz="1800" dirty="0">
-                <a:cs typeface="Arial" panose="020B0604020202020204" pitchFamily="34" charset="0"/>
-              </a:rPr>
-              <a:t>Selects all elements with the given class.  For class selectors, jQuery uses the native JavaScript getElementsByClassName() function if the browser supports it</a:t>
-            </a:r>
-          </a:p>
-          <a:p>
-            <a:pPr indent="0">
-              <a:buNone/>
-            </a:pPr>
-            <a:endParaRPr lang="en-US" sz="1800" dirty="0">
-              <a:cs typeface="Arial" panose="020B0604020202020204" pitchFamily="34" charset="0"/>
-            </a:endParaRPr>
-          </a:p>
-        </p:txBody>
-      </p:sp>
-      <p:sp>
-        <p:nvSpPr>
-          <p:cNvPr id="6" name="Slide Number Placeholder 5"/>
+            <p:ph type="body" idx="1"/>
+          </p:nvPr>
+        </p:nvSpPr>
+        <p:spPr/>
+        <p:txBody>
+          <a:bodyPr/>
+          <a:lstStyle/>
+          <a:p>
+            <a:r>
+              <a:rPr lang="en-US"/>
+              <a:t>Hosting front-end libraries with a CDN. Why or why not?</a:t>
+            </a:r>
+          </a:p>
+        </p:txBody>
+      </p:sp>
+      <p:sp>
+        <p:nvSpPr>
+          <p:cNvPr id="4" name="Slide Number Placeholder 3">
+            <a:extLst>
+              <a:ext uri="{FF2B5EF4-FFF2-40B4-BE49-F238E27FC236}">
+                <a16:creationId xmlns:a16="http://schemas.microsoft.com/office/drawing/2014/main" id="{F5ADD0B6-B19A-4054-B352-5F96E046F5E3}"/>
+              </a:ext>
+            </a:extLst>
+          </p:cNvPr>
           <p:cNvSpPr>
             <a:spLocks noGrp="1"/>
           </p:cNvSpPr>
@@ -11112,48 +13473,10 @@
           </a:p>
         </p:txBody>
       </p:sp>
-      <p:sp>
-        <p:nvSpPr>
-          <p:cNvPr id="4" name="Rectangle 3"/>
-          <p:cNvSpPr/>
-          <p:nvPr/>
-        </p:nvSpPr>
-        <p:spPr>
-          <a:xfrm>
-            <a:off x="1244600" y="5388709"/>
-            <a:ext cx="6096000" cy="646331"/>
-          </a:xfrm>
-          <a:prstGeom prst="rect">
-            <a:avLst/>
-          </a:prstGeom>
-        </p:spPr>
-        <p:txBody>
-          <a:bodyPr>
-            <a:spAutoFit/>
-          </a:bodyPr>
-          <a:lstStyle/>
-          <a:p>
-            <a:r>
-              <a:rPr lang="en-US" b="1" dirty="0"/>
-              <a:t>Source</a:t>
-            </a:r>
-          </a:p>
-          <a:p>
-            <a:r>
-              <a:rPr lang="en-US" dirty="0">
-                <a:solidFill>
-                  <a:srgbClr val="00B0F0"/>
-                </a:solidFill>
-              </a:rPr>
-              <a:t>https://api.jquery.com/class-selector/</a:t>
-            </a:r>
-          </a:p>
-        </p:txBody>
-      </p:sp>
     </p:spTree>
     <p:extLst>
       <p:ext uri="{BB962C8B-B14F-4D97-AF65-F5344CB8AC3E}">
-        <p14:creationId xmlns:p14="http://schemas.microsoft.com/office/powerpoint/2010/main" val="4094421051"/>
+        <p14:creationId xmlns:p14="http://schemas.microsoft.com/office/powerpoint/2010/main" val="3163528149"/>
       </p:ext>
     </p:extLst>
   </p:cSld>
@@ -11922,21 +14245,21 @@
 </file>
 
 <file path=customXml/item2.xml><?xml version="1.0" encoding="utf-8"?>
+<?mso-contentType ?>
+<FormTemplates xmlns="http://schemas.microsoft.com/sharepoint/v3/contenttype/forms">
+  <Display>DocumentLibraryForm</Display>
+  <Edit>DocumentLibraryForm</Edit>
+  <New>DocumentLibraryForm</New>
+</FormTemplates>
+</file>
+
+<file path=customXml/item3.xml><?xml version="1.0" encoding="utf-8"?>
 <p:properties xmlns:p="http://schemas.microsoft.com/office/2006/metadata/properties" xmlns:xsi="http://www.w3.org/2001/XMLSchema-instance" xmlns:pc="http://schemas.microsoft.com/office/infopath/2007/PartnerControls">
   <documentManagement>
     <Status xmlns="71af3243-3dd4-4a8d-8c0d-dd76da1f02a5">Not started</Status>
     <MediaServiceKeyPoints xmlns="71af3243-3dd4-4a8d-8c0d-dd76da1f02a5" xsi:nil="true"/>
   </documentManagement>
 </p:properties>
-</file>
-
-<file path=customXml/item3.xml><?xml version="1.0" encoding="utf-8"?>
-<?mso-contentType ?>
-<FormTemplates xmlns="http://schemas.microsoft.com/sharepoint/v3/contenttype/forms">
-  <Display>DocumentLibraryForm</Display>
-  <Edit>DocumentLibraryForm</Edit>
-  <New>DocumentLibraryForm</New>
-</FormTemplates>
 </file>
 
 <file path=customXml/itemProps1.xml><?xml version="1.0" encoding="utf-8"?>
@@ -11959,6 +14282,14 @@
 </file>
 
 <file path=customXml/itemProps2.xml><?xml version="1.0" encoding="utf-8"?>
+<ds:datastoreItem xmlns:ds="http://schemas.openxmlformats.org/officeDocument/2006/customXml" ds:itemID="{CDB58277-F8DF-46FF-84EC-EF41B835E69F}">
+  <ds:schemaRefs>
+    <ds:schemaRef ds:uri="http://schemas.microsoft.com/sharepoint/v3/contenttype/forms"/>
+  </ds:schemaRefs>
+</ds:datastoreItem>
+</file>
+
+<file path=customXml/itemProps3.xml><?xml version="1.0" encoding="utf-8"?>
 <ds:datastoreItem xmlns:ds="http://schemas.openxmlformats.org/officeDocument/2006/customXml" ds:itemID="{137651BA-F45C-4845-9AB3-E0A65B39F5E1}">
   <ds:schemaRefs>
     <ds:schemaRef ds:uri="http://purl.org/dc/elements/1.1/"/>
@@ -11973,12 +14304,4 @@
     <ds:schemaRef ds:uri="http://purl.org/dc/dcmitype/"/>
   </ds:schemaRefs>
 </ds:datastoreItem>
-</file>
-
-<file path=customXml/itemProps3.xml><?xml version="1.0" encoding="utf-8"?>
-<ds:datastoreItem xmlns:ds="http://schemas.openxmlformats.org/officeDocument/2006/customXml" ds:itemID="{CDB58277-F8DF-46FF-84EC-EF41B835E69F}">
-  <ds:schemaRefs>
-    <ds:schemaRef ds:uri="http://schemas.microsoft.com/sharepoint/v3/contenttype/forms"/>
-  </ds:schemaRefs>
-</ds:datastoreItem>
 </file>
--- a/unit_00/html_review/05 jQuery.pptx
+++ b/unit_00/html_review/05 jQuery.pptx
@@ -234,7 +234,7 @@
           <a:p>
             <a:fld id="{3F839238-B565-4611-A910-43B731DECEC1}" type="datetimeFigureOut">
               <a:rPr lang="en-US" smtClean="0"/>
-              <a:t>8/10/2020</a:t>
+              <a:t>8/20/2020</a:t>
             </a:fld>
             <a:endParaRPr lang="en-US" dirty="0"/>
           </a:p>
@@ -3317,7 +3317,7 @@
           <a:p>
             <a:fld id="{E9F25E47-8026-47FD-8FD6-2C7B55A6BE4F}" type="datetime1">
               <a:rPr lang="en-US" smtClean="0"/>
-              <a:t>8/10/2020</a:t>
+              <a:t>8/20/2020</a:t>
             </a:fld>
             <a:endParaRPr lang="en-US" dirty="0"/>
           </a:p>
@@ -3519,7 +3519,7 @@
           <a:p>
             <a:fld id="{49F0A7AA-AB30-4D36-B646-A02FA5DCCA55}" type="datetime1">
               <a:rPr lang="en-US" smtClean="0"/>
-              <a:t>8/10/2020</a:t>
+              <a:t>8/20/2020</a:t>
             </a:fld>
             <a:endParaRPr lang="en-US" dirty="0"/>
           </a:p>
@@ -4118,7 +4118,7 @@
           <a:p>
             <a:fld id="{CFA4D178-B71E-4B10-AF0F-C5E0B7294A7C}" type="datetime1">
               <a:rPr lang="en-US" smtClean="0"/>
-              <a:t>8/10/2020</a:t>
+              <a:t>8/20/2020</a:t>
             </a:fld>
             <a:endParaRPr lang="en-US" dirty="0"/>
           </a:p>
@@ -4438,7 +4438,7 @@
           <a:p>
             <a:fld id="{27E6D853-85C2-4120-A6B2-2EAC4467BF8B}" type="datetime1">
               <a:rPr lang="en-US" smtClean="0"/>
-              <a:t>8/10/2020</a:t>
+              <a:t>8/20/2020</a:t>
             </a:fld>
             <a:endParaRPr lang="en-US" dirty="0"/>
           </a:p>
@@ -4875,7 +4875,7 @@
           <a:p>
             <a:fld id="{CA3AECF5-4644-4878-B4B4-3AC946C4B252}" type="datetime1">
               <a:rPr lang="en-US" smtClean="0"/>
-              <a:t>8/10/2020</a:t>
+              <a:t>8/20/2020</a:t>
             </a:fld>
             <a:endParaRPr lang="en-US" dirty="0"/>
           </a:p>
@@ -4993,7 +4993,7 @@
           <a:p>
             <a:fld id="{B8E389F8-4EAE-4B22-8731-40270585493B}" type="datetime1">
               <a:rPr lang="en-US" smtClean="0"/>
-              <a:t>8/10/2020</a:t>
+              <a:t>8/20/2020</a:t>
             </a:fld>
             <a:endParaRPr lang="en-US" dirty="0"/>
           </a:p>
@@ -5088,7 +5088,7 @@
           <a:p>
             <a:fld id="{772F4F3F-699B-4D10-AAB9-00C2579C25F8}" type="datetime1">
               <a:rPr lang="en-US" smtClean="0"/>
-              <a:t>8/10/2020</a:t>
+              <a:t>8/20/2020</a:t>
             </a:fld>
             <a:endParaRPr lang="en-US" dirty="0"/>
           </a:p>
@@ -5505,7 +5505,7 @@
           <a:p>
             <a:fld id="{E51BA90F-EE6C-42F5-8961-2F52EE18037D}" type="datetime1">
               <a:rPr lang="en-US" smtClean="0"/>
-              <a:t>8/10/2020</a:t>
+              <a:t>8/20/2020</a:t>
             </a:fld>
             <a:endParaRPr lang="en-US" dirty="0"/>
           </a:p>
@@ -5765,7 +5765,7 @@
           <a:p>
             <a:fld id="{FB6292F5-AD2B-47F4-B460-BF55BF34C27D}" type="datetime1">
               <a:rPr lang="en-US" smtClean="0"/>
-              <a:t>8/10/2020</a:t>
+              <a:t>8/20/2020</a:t>
             </a:fld>
             <a:endParaRPr lang="en-US" dirty="0"/>
           </a:p>
@@ -6281,7 +6281,7 @@
           <a:p>
             <a:fld id="{8B88B800-945A-43B0-8EA5-8657D67FD7E1}" type="datetime1">
               <a:rPr lang="en-US" smtClean="0"/>
-              <a:t>8/10/2020</a:t>
+              <a:t>8/20/2020</a:t>
             </a:fld>
             <a:endParaRPr lang="en-US" dirty="0"/>
           </a:p>
@@ -6783,7 +6783,7 @@
         </p:blipFill>
         <p:spPr>
           <a:xfrm>
-            <a:off x="39354" y="-110402"/>
+            <a:off x="20" y="10"/>
             <a:ext cx="12191980" cy="6857990"/>
           </a:xfrm>
           <a:prstGeom prst="rect">
@@ -6909,14 +6909,14 @@
           <a:lstStyle/>
           <a:p>
             <a:r>
-              <a:rPr lang="en-US" sz="4400" cap="none">
+              <a:rPr lang="en-US" sz="4400" b="1" cap="none">
                 <a:solidFill>
                   <a:schemeClr val="tx1"/>
                 </a:solidFill>
               </a:rPr>
               <a:t>jQuery</a:t>
             </a:r>
-            <a:endParaRPr lang="en-US" sz="4400" cap="none" dirty="0">
+            <a:endParaRPr lang="en-US" sz="4400" b="1" cap="none" dirty="0">
               <a:solidFill>
                 <a:schemeClr val="tx1"/>
               </a:solidFill>
